--- a/Session_3_Spring_Boot_Going_Further.pptx
+++ b/Session_3_Spring_Boot_Going_Further.pptx
@@ -1,32 +1,32 @@
 
 <file path=ppt/presentation.xml><?xml version="1.0" encoding="utf-8"?>
-<p:presentation xmlns:a="http://schemas.openxmlformats.org/drawingml/2006/main" xmlns:r="http://schemas.openxmlformats.org/officeDocument/2006/relationships" xmlns:mc="http://schemas.openxmlformats.org/markup-compatibility/2006" xmlns:mv="urn:schemas-microsoft-com:mac:vml" xmlns:p="http://schemas.openxmlformats.org/presentationml/2006/main" xmlns:c="http://schemas.openxmlformats.org/drawingml/2006/chart" xmlns:dgm="http://schemas.openxmlformats.org/drawingml/2006/diagram" xmlns:o="urn:schemas-microsoft-com:office:office" xmlns:v="urn:schemas-microsoft-com:vml" xmlns:pvml="urn:schemas-microsoft-com:office:powerpoint" xmlns:com="http://schemas.openxmlformats.org/drawingml/2006/compatibility" xmlns:p14="http://schemas.microsoft.com/office/powerpoint/2010/main" autoCompressPictures="0" strictFirstAndLastChars="0" saveSubsetFonts="1">
+<p:presentation xmlns:a="http://schemas.openxmlformats.org/drawingml/2006/main" xmlns:r="http://schemas.openxmlformats.org/officeDocument/2006/relationships" xmlns:p="http://schemas.openxmlformats.org/presentationml/2006/main" strictFirstAndLastChars="0" saveSubsetFonts="1" autoCompressPictures="0">
   <p:sldMasterIdLst>
-    <p:sldMasterId id="2147483653" r:id="rId3"/>
+    <p:sldMasterId id="2147483653" r:id="rId1"/>
   </p:sldMasterIdLst>
   <p:notesMasterIdLst>
-    <p:notesMasterId r:id="rId4"/>
+    <p:notesMasterId r:id="rId16"/>
   </p:notesMasterIdLst>
   <p:sldIdLst>
-    <p:sldId id="256" r:id="rId5"/>
-    <p:sldId id="257" r:id="rId6"/>
-    <p:sldId id="258" r:id="rId7"/>
-    <p:sldId id="259" r:id="rId8"/>
-    <p:sldId id="260" r:id="rId9"/>
-    <p:sldId id="261" r:id="rId10"/>
-    <p:sldId id="262" r:id="rId11"/>
-    <p:sldId id="263" r:id="rId12"/>
-    <p:sldId id="264" r:id="rId13"/>
-    <p:sldId id="265" r:id="rId14"/>
-    <p:sldId id="266" r:id="rId15"/>
-    <p:sldId id="267" r:id="rId16"/>
-    <p:sldId id="268" r:id="rId17"/>
-    <p:sldId id="269" r:id="rId18"/>
+    <p:sldId id="256" r:id="rId2"/>
+    <p:sldId id="257" r:id="rId3"/>
+    <p:sldId id="258" r:id="rId4"/>
+    <p:sldId id="259" r:id="rId5"/>
+    <p:sldId id="260" r:id="rId6"/>
+    <p:sldId id="261" r:id="rId7"/>
+    <p:sldId id="262" r:id="rId8"/>
+    <p:sldId id="263" r:id="rId9"/>
+    <p:sldId id="264" r:id="rId10"/>
+    <p:sldId id="265" r:id="rId11"/>
+    <p:sldId id="266" r:id="rId12"/>
+    <p:sldId id="267" r:id="rId13"/>
+    <p:sldId id="268" r:id="rId14"/>
+    <p:sldId id="269" r:id="rId15"/>
   </p:sldIdLst>
-  <p:sldSz cy="5143500" cx="9144000"/>
+  <p:sldSz cx="9144000" cy="5143500" type="screen16x9"/>
   <p:notesSz cx="6858000" cy="9144000"/>
   <p:defaultTextStyle>
-    <a:defPPr lvl="0" marR="0" rtl="0" algn="l">
+    <a:defPPr marR="0" lvl="0" algn="l" rtl="0">
       <a:lnSpc>
         <a:spcPct val="100000"/>
       </a:lnSpc>
@@ -37,7 +37,7 @@
         <a:spcPts val="0"/>
       </a:spcAft>
     </a:defPPr>
-    <a:lvl1pPr lvl="0" marR="0" rtl="0" algn="l">
+    <a:lvl1pPr marR="0" lvl="0" algn="l" rtl="0">
       <a:lnSpc>
         <a:spcPct val="100000"/>
       </a:lnSpc>
@@ -48,7 +48,7 @@
         <a:spcPts val="0"/>
       </a:spcAft>
       <a:buNone/>
-      <a:defRPr b="0" i="0" sz="1400" u="none" cap="none" strike="noStrike">
+      <a:defRPr sz="1400" b="0" i="0" u="none" strike="noStrike" cap="none">
         <a:solidFill>
           <a:srgbClr val="000000"/>
         </a:solidFill>
@@ -58,7 +58,7 @@
         <a:sym typeface="Arial"/>
       </a:defRPr>
     </a:lvl1pPr>
-    <a:lvl2pPr lvl="1" marR="0" rtl="0" algn="l">
+    <a:lvl2pPr marR="0" lvl="1" algn="l" rtl="0">
       <a:lnSpc>
         <a:spcPct val="100000"/>
       </a:lnSpc>
@@ -69,7 +69,7 @@
         <a:spcPts val="0"/>
       </a:spcAft>
       <a:buNone/>
-      <a:defRPr b="0" i="0" sz="1400" u="none" cap="none" strike="noStrike">
+      <a:defRPr sz="1400" b="0" i="0" u="none" strike="noStrike" cap="none">
         <a:solidFill>
           <a:srgbClr val="000000"/>
         </a:solidFill>
@@ -79,7 +79,7 @@
         <a:sym typeface="Arial"/>
       </a:defRPr>
     </a:lvl2pPr>
-    <a:lvl3pPr lvl="2" marR="0" rtl="0" algn="l">
+    <a:lvl3pPr marR="0" lvl="2" algn="l" rtl="0">
       <a:lnSpc>
         <a:spcPct val="100000"/>
       </a:lnSpc>
@@ -90,7 +90,7 @@
         <a:spcPts val="0"/>
       </a:spcAft>
       <a:buNone/>
-      <a:defRPr b="0" i="0" sz="1400" u="none" cap="none" strike="noStrike">
+      <a:defRPr sz="1400" b="0" i="0" u="none" strike="noStrike" cap="none">
         <a:solidFill>
           <a:srgbClr val="000000"/>
         </a:solidFill>
@@ -100,7 +100,7 @@
         <a:sym typeface="Arial"/>
       </a:defRPr>
     </a:lvl3pPr>
-    <a:lvl4pPr lvl="3" marR="0" rtl="0" algn="l">
+    <a:lvl4pPr marR="0" lvl="3" algn="l" rtl="0">
       <a:lnSpc>
         <a:spcPct val="100000"/>
       </a:lnSpc>
@@ -111,7 +111,7 @@
         <a:spcPts val="0"/>
       </a:spcAft>
       <a:buNone/>
-      <a:defRPr b="0" i="0" sz="1400" u="none" cap="none" strike="noStrike">
+      <a:defRPr sz="1400" b="0" i="0" u="none" strike="noStrike" cap="none">
         <a:solidFill>
           <a:srgbClr val="000000"/>
         </a:solidFill>
@@ -121,7 +121,7 @@
         <a:sym typeface="Arial"/>
       </a:defRPr>
     </a:lvl4pPr>
-    <a:lvl5pPr lvl="4" marR="0" rtl="0" algn="l">
+    <a:lvl5pPr marR="0" lvl="4" algn="l" rtl="0">
       <a:lnSpc>
         <a:spcPct val="100000"/>
       </a:lnSpc>
@@ -132,7 +132,7 @@
         <a:spcPts val="0"/>
       </a:spcAft>
       <a:buNone/>
-      <a:defRPr b="0" i="0" sz="1400" u="none" cap="none" strike="noStrike">
+      <a:defRPr sz="1400" b="0" i="0" u="none" strike="noStrike" cap="none">
         <a:solidFill>
           <a:srgbClr val="000000"/>
         </a:solidFill>
@@ -142,7 +142,7 @@
         <a:sym typeface="Arial"/>
       </a:defRPr>
     </a:lvl5pPr>
-    <a:lvl6pPr lvl="5" marR="0" rtl="0" algn="l">
+    <a:lvl6pPr marR="0" lvl="5" algn="l" rtl="0">
       <a:lnSpc>
         <a:spcPct val="100000"/>
       </a:lnSpc>
@@ -153,7 +153,7 @@
         <a:spcPts val="0"/>
       </a:spcAft>
       <a:buNone/>
-      <a:defRPr b="0" i="0" sz="1400" u="none" cap="none" strike="noStrike">
+      <a:defRPr sz="1400" b="0" i="0" u="none" strike="noStrike" cap="none">
         <a:solidFill>
           <a:srgbClr val="000000"/>
         </a:solidFill>
@@ -163,7 +163,7 @@
         <a:sym typeface="Arial"/>
       </a:defRPr>
     </a:lvl6pPr>
-    <a:lvl7pPr lvl="6" marR="0" rtl="0" algn="l">
+    <a:lvl7pPr marR="0" lvl="6" algn="l" rtl="0">
       <a:lnSpc>
         <a:spcPct val="100000"/>
       </a:lnSpc>
@@ -174,7 +174,7 @@
         <a:spcPts val="0"/>
       </a:spcAft>
       <a:buNone/>
-      <a:defRPr b="0" i="0" sz="1400" u="none" cap="none" strike="noStrike">
+      <a:defRPr sz="1400" b="0" i="0" u="none" strike="noStrike" cap="none">
         <a:solidFill>
           <a:srgbClr val="000000"/>
         </a:solidFill>
@@ -184,7 +184,7 @@
         <a:sym typeface="Arial"/>
       </a:defRPr>
     </a:lvl7pPr>
-    <a:lvl8pPr lvl="7" marR="0" rtl="0" algn="l">
+    <a:lvl8pPr marR="0" lvl="7" algn="l" rtl="0">
       <a:lnSpc>
         <a:spcPct val="100000"/>
       </a:lnSpc>
@@ -195,7 +195,7 @@
         <a:spcPts val="0"/>
       </a:spcAft>
       <a:buNone/>
-      <a:defRPr b="0" i="0" sz="1400" u="none" cap="none" strike="noStrike">
+      <a:defRPr sz="1400" b="0" i="0" u="none" strike="noStrike" cap="none">
         <a:solidFill>
           <a:srgbClr val="000000"/>
         </a:solidFill>
@@ -205,7 +205,7 @@
         <a:sym typeface="Arial"/>
       </a:defRPr>
     </a:lvl8pPr>
-    <a:lvl9pPr lvl="8" marR="0" rtl="0" algn="l">
+    <a:lvl9pPr marR="0" lvl="8" algn="l" rtl="0">
       <a:lnSpc>
         <a:spcPct val="100000"/>
       </a:lnSpc>
@@ -216,7 +216,7 @@
         <a:spcPts val="0"/>
       </a:spcAft>
       <a:buNone/>
-      <a:defRPr b="0" i="0" sz="1400" u="none" cap="none" strike="noStrike">
+      <a:defRPr sz="1400" b="0" i="0" u="none" strike="noStrike" cap="none">
         <a:solidFill>
           <a:srgbClr val="000000"/>
         </a:solidFill>
@@ -231,18 +231,19 @@
 </file>
 
 <file path=ppt/notesMasters/notesMaster1.xml><?xml version="1.0" encoding="utf-8"?>
-<p:notesMaster xmlns:a="http://schemas.openxmlformats.org/drawingml/2006/main" xmlns:r="http://schemas.openxmlformats.org/officeDocument/2006/relationships" xmlns:mc="http://schemas.openxmlformats.org/markup-compatibility/2006" xmlns:mv="urn:schemas-microsoft-com:mac:vml" xmlns:p="http://schemas.openxmlformats.org/presentationml/2006/main" xmlns:c="http://schemas.openxmlformats.org/drawingml/2006/chart" xmlns:dgm="http://schemas.openxmlformats.org/drawingml/2006/diagram" xmlns:o="urn:schemas-microsoft-com:office:office" xmlns:v="urn:schemas-microsoft-com:vml" xmlns:pvml="urn:schemas-microsoft-com:office:powerpoint" xmlns:com="http://schemas.openxmlformats.org/drawingml/2006/compatibility" xmlns:p14="http://schemas.microsoft.com/office/powerpoint/2010/main">
+<p:notesMaster xmlns:a="http://schemas.openxmlformats.org/drawingml/2006/main" xmlns:r="http://schemas.openxmlformats.org/officeDocument/2006/relationships" xmlns:p="http://schemas.openxmlformats.org/presentationml/2006/main">
   <p:cSld>
     <p:bg>
       <p:bgPr>
         <a:solidFill>
           <a:schemeClr val="lt1"/>
         </a:solidFill>
+        <a:effectLst/>
       </p:bgPr>
     </p:bg>
     <p:spTree>
       <p:nvGrpSpPr>
-        <p:cNvPr id="2" name="Shape 2"/>
+        <p:cNvPr id="1" name="Shape 2"/>
         <p:cNvGrpSpPr/>
         <p:nvPr/>
       </p:nvGrpSpPr>
@@ -257,9 +258,11 @@
       <p:sp>
         <p:nvSpPr>
           <p:cNvPr id="3" name="Shape 3"/>
-          <p:cNvSpPr txBox="1"/>
+          <p:cNvSpPr txBox="1">
+            <a:spLocks noGrp="1"/>
+          </p:cNvSpPr>
           <p:nvPr>
-            <p:ph idx="2" type="hdr"/>
+            <p:ph type="hdr" idx="2"/>
           </p:nvPr>
         </p:nvSpPr>
         <p:spPr>
@@ -276,14 +279,14 @@
           </a:ln>
         </p:spPr>
         <p:txBody>
-          <a:bodyPr anchorCtr="0" anchor="t" bIns="91425" lIns="91425" rIns="91425" tIns="91425"/>
+          <a:bodyPr lIns="91425" tIns="91425" rIns="91425" bIns="91425" anchor="t" anchorCtr="0"/>
           <a:lstStyle>
-            <a:lvl1pPr indent="0" lvl="0" marL="0" marR="0" rtl="0" algn="l">
-              <a:spcBef>
-                <a:spcPts val="0"/>
-              </a:spcBef>
-              <a:buNone/>
-              <a:defRPr b="0" i="0" sz="1200" u="none" cap="none" strike="noStrike">
+            <a:lvl1pPr marL="0" marR="0" lvl="0" indent="0" algn="l" rtl="0">
+              <a:spcBef>
+                <a:spcPts val="0"/>
+              </a:spcBef>
+              <a:buNone/>
+              <a:defRPr sz="1200" b="0" i="0" u="none" strike="noStrike" cap="none">
                 <a:solidFill>
                   <a:schemeClr val="dk1"/>
                 </a:solidFill>
@@ -293,12 +296,12 @@
                 <a:sym typeface="Calibri"/>
               </a:defRPr>
             </a:lvl1pPr>
-            <a:lvl2pPr indent="0" lvl="1" marL="457200" marR="0" rtl="0" algn="l">
-              <a:spcBef>
-                <a:spcPts val="0"/>
-              </a:spcBef>
-              <a:buNone/>
-              <a:defRPr b="0" i="0" sz="1800" u="none" cap="none" strike="noStrike">
+            <a:lvl2pPr marL="457200" marR="0" lvl="1" indent="0" algn="l" rtl="0">
+              <a:spcBef>
+                <a:spcPts val="0"/>
+              </a:spcBef>
+              <a:buNone/>
+              <a:defRPr sz="1800" b="0" i="0" u="none" strike="noStrike" cap="none">
                 <a:solidFill>
                   <a:schemeClr val="dk1"/>
                 </a:solidFill>
@@ -308,12 +311,12 @@
                 <a:sym typeface="Calibri"/>
               </a:defRPr>
             </a:lvl2pPr>
-            <a:lvl3pPr indent="0" lvl="2" marL="914400" marR="0" rtl="0" algn="l">
-              <a:spcBef>
-                <a:spcPts val="0"/>
-              </a:spcBef>
-              <a:buNone/>
-              <a:defRPr b="0" i="0" sz="1800" u="none" cap="none" strike="noStrike">
+            <a:lvl3pPr marL="914400" marR="0" lvl="2" indent="0" algn="l" rtl="0">
+              <a:spcBef>
+                <a:spcPts val="0"/>
+              </a:spcBef>
+              <a:buNone/>
+              <a:defRPr sz="1800" b="0" i="0" u="none" strike="noStrike" cap="none">
                 <a:solidFill>
                   <a:schemeClr val="dk1"/>
                 </a:solidFill>
@@ -323,12 +326,12 @@
                 <a:sym typeface="Calibri"/>
               </a:defRPr>
             </a:lvl3pPr>
-            <a:lvl4pPr indent="0" lvl="3" marL="1371600" marR="0" rtl="0" algn="l">
-              <a:spcBef>
-                <a:spcPts val="0"/>
-              </a:spcBef>
-              <a:buNone/>
-              <a:defRPr b="0" i="0" sz="1800" u="none" cap="none" strike="noStrike">
+            <a:lvl4pPr marL="1371600" marR="0" lvl="3" indent="0" algn="l" rtl="0">
+              <a:spcBef>
+                <a:spcPts val="0"/>
+              </a:spcBef>
+              <a:buNone/>
+              <a:defRPr sz="1800" b="0" i="0" u="none" strike="noStrike" cap="none">
                 <a:solidFill>
                   <a:schemeClr val="dk1"/>
                 </a:solidFill>
@@ -338,12 +341,12 @@
                 <a:sym typeface="Calibri"/>
               </a:defRPr>
             </a:lvl4pPr>
-            <a:lvl5pPr indent="0" lvl="4" marL="1828800" marR="0" rtl="0" algn="l">
-              <a:spcBef>
-                <a:spcPts val="0"/>
-              </a:spcBef>
-              <a:buNone/>
-              <a:defRPr b="0" i="0" sz="1800" u="none" cap="none" strike="noStrike">
+            <a:lvl5pPr marL="1828800" marR="0" lvl="4" indent="0" algn="l" rtl="0">
+              <a:spcBef>
+                <a:spcPts val="0"/>
+              </a:spcBef>
+              <a:buNone/>
+              <a:defRPr sz="1800" b="0" i="0" u="none" strike="noStrike" cap="none">
                 <a:solidFill>
                   <a:schemeClr val="dk1"/>
                 </a:solidFill>
@@ -353,12 +356,12 @@
                 <a:sym typeface="Calibri"/>
               </a:defRPr>
             </a:lvl5pPr>
-            <a:lvl6pPr indent="0" lvl="5" marL="2286000" marR="0" rtl="0" algn="l">
-              <a:spcBef>
-                <a:spcPts val="0"/>
-              </a:spcBef>
-              <a:buNone/>
-              <a:defRPr b="0" i="0" sz="1800" u="none" cap="none" strike="noStrike">
+            <a:lvl6pPr marL="2286000" marR="0" lvl="5" indent="0" algn="l" rtl="0">
+              <a:spcBef>
+                <a:spcPts val="0"/>
+              </a:spcBef>
+              <a:buNone/>
+              <a:defRPr sz="1800" b="0" i="0" u="none" strike="noStrike" cap="none">
                 <a:solidFill>
                   <a:schemeClr val="dk1"/>
                 </a:solidFill>
@@ -368,12 +371,12 @@
                 <a:sym typeface="Calibri"/>
               </a:defRPr>
             </a:lvl6pPr>
-            <a:lvl7pPr indent="0" lvl="6" marL="2743200" marR="0" rtl="0" algn="l">
-              <a:spcBef>
-                <a:spcPts val="0"/>
-              </a:spcBef>
-              <a:buNone/>
-              <a:defRPr b="0" i="0" sz="1800" u="none" cap="none" strike="noStrike">
+            <a:lvl7pPr marL="2743200" marR="0" lvl="6" indent="0" algn="l" rtl="0">
+              <a:spcBef>
+                <a:spcPts val="0"/>
+              </a:spcBef>
+              <a:buNone/>
+              <a:defRPr sz="1800" b="0" i="0" u="none" strike="noStrike" cap="none">
                 <a:solidFill>
                   <a:schemeClr val="dk1"/>
                 </a:solidFill>
@@ -383,12 +386,12 @@
                 <a:sym typeface="Calibri"/>
               </a:defRPr>
             </a:lvl7pPr>
-            <a:lvl8pPr indent="0" lvl="7" marL="3200400" marR="0" rtl="0" algn="l">
-              <a:spcBef>
-                <a:spcPts val="0"/>
-              </a:spcBef>
-              <a:buNone/>
-              <a:defRPr b="0" i="0" sz="1800" u="none" cap="none" strike="noStrike">
+            <a:lvl8pPr marL="3200400" marR="0" lvl="7" indent="0" algn="l" rtl="0">
+              <a:spcBef>
+                <a:spcPts val="0"/>
+              </a:spcBef>
+              <a:buNone/>
+              <a:defRPr sz="1800" b="0" i="0" u="none" strike="noStrike" cap="none">
                 <a:solidFill>
                   <a:schemeClr val="dk1"/>
                 </a:solidFill>
@@ -398,12 +401,12 @@
                 <a:sym typeface="Calibri"/>
               </a:defRPr>
             </a:lvl8pPr>
-            <a:lvl9pPr indent="0" lvl="8" marL="3657600" marR="0" rtl="0" algn="l">
-              <a:spcBef>
-                <a:spcPts val="0"/>
-              </a:spcBef>
-              <a:buNone/>
-              <a:defRPr b="0" i="0" sz="1800" u="none" cap="none" strike="noStrike">
+            <a:lvl9pPr marL="3657600" marR="0" lvl="8" indent="0" algn="l" rtl="0">
+              <a:spcBef>
+                <a:spcPts val="0"/>
+              </a:spcBef>
+              <a:buNone/>
+              <a:defRPr sz="1800" b="0" i="0" u="none" strike="noStrike" cap="none">
                 <a:solidFill>
                   <a:schemeClr val="dk1"/>
                 </a:solidFill>
@@ -414,15 +417,19 @@
               </a:defRPr>
             </a:lvl9pPr>
           </a:lstStyle>
-          <a:p/>
+          <a:p>
+            <a:endParaRPr/>
+          </a:p>
         </p:txBody>
       </p:sp>
       <p:sp>
         <p:nvSpPr>
           <p:cNvPr id="4" name="Shape 4"/>
-          <p:cNvSpPr txBox="1"/>
+          <p:cNvSpPr txBox="1">
+            <a:spLocks noGrp="1"/>
+          </p:cNvSpPr>
           <p:nvPr>
-            <p:ph idx="10" type="dt"/>
+            <p:ph type="dt" idx="10"/>
           </p:nvPr>
         </p:nvSpPr>
         <p:spPr>
@@ -439,14 +446,14 @@
           </a:ln>
         </p:spPr>
         <p:txBody>
-          <a:bodyPr anchorCtr="0" anchor="t" bIns="91425" lIns="91425" rIns="91425" tIns="91425"/>
+          <a:bodyPr lIns="91425" tIns="91425" rIns="91425" bIns="91425" anchor="t" anchorCtr="0"/>
           <a:lstStyle>
-            <a:lvl1pPr indent="0" lvl="0" marL="0" marR="0" rtl="0" algn="r">
-              <a:spcBef>
-                <a:spcPts val="0"/>
-              </a:spcBef>
-              <a:buNone/>
-              <a:defRPr b="0" i="0" sz="1200" u="none" cap="none" strike="noStrike">
+            <a:lvl1pPr marL="0" marR="0" lvl="0" indent="0" algn="r" rtl="0">
+              <a:spcBef>
+                <a:spcPts val="0"/>
+              </a:spcBef>
+              <a:buNone/>
+              <a:defRPr sz="1200" b="0" i="0" u="none" strike="noStrike" cap="none">
                 <a:solidFill>
                   <a:schemeClr val="dk1"/>
                 </a:solidFill>
@@ -456,12 +463,12 @@
                 <a:sym typeface="Calibri"/>
               </a:defRPr>
             </a:lvl1pPr>
-            <a:lvl2pPr indent="0" lvl="1" marL="457200" marR="0" rtl="0" algn="l">
-              <a:spcBef>
-                <a:spcPts val="0"/>
-              </a:spcBef>
-              <a:buNone/>
-              <a:defRPr b="0" i="0" sz="1800" u="none" cap="none" strike="noStrike">
+            <a:lvl2pPr marL="457200" marR="0" lvl="1" indent="0" algn="l" rtl="0">
+              <a:spcBef>
+                <a:spcPts val="0"/>
+              </a:spcBef>
+              <a:buNone/>
+              <a:defRPr sz="1800" b="0" i="0" u="none" strike="noStrike" cap="none">
                 <a:solidFill>
                   <a:schemeClr val="dk1"/>
                 </a:solidFill>
@@ -471,12 +478,12 @@
                 <a:sym typeface="Calibri"/>
               </a:defRPr>
             </a:lvl2pPr>
-            <a:lvl3pPr indent="0" lvl="2" marL="914400" marR="0" rtl="0" algn="l">
-              <a:spcBef>
-                <a:spcPts val="0"/>
-              </a:spcBef>
-              <a:buNone/>
-              <a:defRPr b="0" i="0" sz="1800" u="none" cap="none" strike="noStrike">
+            <a:lvl3pPr marL="914400" marR="0" lvl="2" indent="0" algn="l" rtl="0">
+              <a:spcBef>
+                <a:spcPts val="0"/>
+              </a:spcBef>
+              <a:buNone/>
+              <a:defRPr sz="1800" b="0" i="0" u="none" strike="noStrike" cap="none">
                 <a:solidFill>
                   <a:schemeClr val="dk1"/>
                 </a:solidFill>
@@ -486,12 +493,12 @@
                 <a:sym typeface="Calibri"/>
               </a:defRPr>
             </a:lvl3pPr>
-            <a:lvl4pPr indent="0" lvl="3" marL="1371600" marR="0" rtl="0" algn="l">
-              <a:spcBef>
-                <a:spcPts val="0"/>
-              </a:spcBef>
-              <a:buNone/>
-              <a:defRPr b="0" i="0" sz="1800" u="none" cap="none" strike="noStrike">
+            <a:lvl4pPr marL="1371600" marR="0" lvl="3" indent="0" algn="l" rtl="0">
+              <a:spcBef>
+                <a:spcPts val="0"/>
+              </a:spcBef>
+              <a:buNone/>
+              <a:defRPr sz="1800" b="0" i="0" u="none" strike="noStrike" cap="none">
                 <a:solidFill>
                   <a:schemeClr val="dk1"/>
                 </a:solidFill>
@@ -501,12 +508,12 @@
                 <a:sym typeface="Calibri"/>
               </a:defRPr>
             </a:lvl4pPr>
-            <a:lvl5pPr indent="0" lvl="4" marL="1828800" marR="0" rtl="0" algn="l">
-              <a:spcBef>
-                <a:spcPts val="0"/>
-              </a:spcBef>
-              <a:buNone/>
-              <a:defRPr b="0" i="0" sz="1800" u="none" cap="none" strike="noStrike">
+            <a:lvl5pPr marL="1828800" marR="0" lvl="4" indent="0" algn="l" rtl="0">
+              <a:spcBef>
+                <a:spcPts val="0"/>
+              </a:spcBef>
+              <a:buNone/>
+              <a:defRPr sz="1800" b="0" i="0" u="none" strike="noStrike" cap="none">
                 <a:solidFill>
                   <a:schemeClr val="dk1"/>
                 </a:solidFill>
@@ -516,12 +523,12 @@
                 <a:sym typeface="Calibri"/>
               </a:defRPr>
             </a:lvl5pPr>
-            <a:lvl6pPr indent="0" lvl="5" marL="2286000" marR="0" rtl="0" algn="l">
-              <a:spcBef>
-                <a:spcPts val="0"/>
-              </a:spcBef>
-              <a:buNone/>
-              <a:defRPr b="0" i="0" sz="1800" u="none" cap="none" strike="noStrike">
+            <a:lvl6pPr marL="2286000" marR="0" lvl="5" indent="0" algn="l" rtl="0">
+              <a:spcBef>
+                <a:spcPts val="0"/>
+              </a:spcBef>
+              <a:buNone/>
+              <a:defRPr sz="1800" b="0" i="0" u="none" strike="noStrike" cap="none">
                 <a:solidFill>
                   <a:schemeClr val="dk1"/>
                 </a:solidFill>
@@ -531,12 +538,12 @@
                 <a:sym typeface="Calibri"/>
               </a:defRPr>
             </a:lvl6pPr>
-            <a:lvl7pPr indent="0" lvl="6" marL="2743200" marR="0" rtl="0" algn="l">
-              <a:spcBef>
-                <a:spcPts val="0"/>
-              </a:spcBef>
-              <a:buNone/>
-              <a:defRPr b="0" i="0" sz="1800" u="none" cap="none" strike="noStrike">
+            <a:lvl7pPr marL="2743200" marR="0" lvl="6" indent="0" algn="l" rtl="0">
+              <a:spcBef>
+                <a:spcPts val="0"/>
+              </a:spcBef>
+              <a:buNone/>
+              <a:defRPr sz="1800" b="0" i="0" u="none" strike="noStrike" cap="none">
                 <a:solidFill>
                   <a:schemeClr val="dk1"/>
                 </a:solidFill>
@@ -546,12 +553,12 @@
                 <a:sym typeface="Calibri"/>
               </a:defRPr>
             </a:lvl7pPr>
-            <a:lvl8pPr indent="0" lvl="7" marL="3200400" marR="0" rtl="0" algn="l">
-              <a:spcBef>
-                <a:spcPts val="0"/>
-              </a:spcBef>
-              <a:buNone/>
-              <a:defRPr b="0" i="0" sz="1800" u="none" cap="none" strike="noStrike">
+            <a:lvl8pPr marL="3200400" marR="0" lvl="7" indent="0" algn="l" rtl="0">
+              <a:spcBef>
+                <a:spcPts val="0"/>
+              </a:spcBef>
+              <a:buNone/>
+              <a:defRPr sz="1800" b="0" i="0" u="none" strike="noStrike" cap="none">
                 <a:solidFill>
                   <a:schemeClr val="dk1"/>
                 </a:solidFill>
@@ -561,12 +568,12 @@
                 <a:sym typeface="Calibri"/>
               </a:defRPr>
             </a:lvl8pPr>
-            <a:lvl9pPr indent="0" lvl="8" marL="3657600" marR="0" rtl="0" algn="l">
-              <a:spcBef>
-                <a:spcPts val="0"/>
-              </a:spcBef>
-              <a:buNone/>
-              <a:defRPr b="0" i="0" sz="1800" u="none" cap="none" strike="noStrike">
+            <a:lvl9pPr marL="3657600" marR="0" lvl="8" indent="0" algn="l" rtl="0">
+              <a:spcBef>
+                <a:spcPts val="0"/>
+              </a:spcBef>
+              <a:buNone/>
+              <a:defRPr sz="1800" b="0" i="0" u="none" strike="noStrike" cap="none">
                 <a:solidFill>
                   <a:schemeClr val="dk1"/>
                 </a:solidFill>
@@ -577,15 +584,19 @@
               </a:defRPr>
             </a:lvl9pPr>
           </a:lstStyle>
-          <a:p/>
+          <a:p>
+            <a:endParaRPr/>
+          </a:p>
         </p:txBody>
       </p:sp>
       <p:sp>
         <p:nvSpPr>
           <p:cNvPr id="5" name="Shape 5"/>
-          <p:cNvSpPr/>
+          <p:cNvSpPr>
+            <a:spLocks noGrp="1" noRot="1" noChangeAspect="1"/>
+          </p:cNvSpPr>
           <p:nvPr>
-            <p:ph idx="3" type="sldImg"/>
+            <p:ph type="sldImg" idx="3"/>
           </p:nvPr>
         </p:nvSpPr>
         <p:spPr>
@@ -594,8 +605,13 @@
             <a:ext cx="6096000" cy="3429000"/>
           </a:xfrm>
           <a:custGeom>
+            <a:avLst/>
+            <a:gdLst/>
+            <a:ahLst/>
+            <a:cxnLst/>
+            <a:rect l="0" t="0" r="0" b="0"/>
             <a:pathLst>
-              <a:path extrusionOk="0" h="120000" w="120000">
+              <a:path w="120000" h="120000" extrusionOk="0">
                 <a:moveTo>
                   <a:pt x="0" y="0"/>
                 </a:moveTo>
@@ -613,23 +629,25 @@
             </a:pathLst>
           </a:custGeom>
           <a:noFill/>
-          <a:ln cap="flat" cmpd="sng" w="12700">
+          <a:ln w="12700" cap="flat" cmpd="sng">
             <a:solidFill>
               <a:srgbClr val="000000"/>
             </a:solidFill>
             <a:prstDash val="solid"/>
             <a:round/>
-            <a:headEnd len="med" w="med" type="none"/>
-            <a:tailEnd len="med" w="med" type="none"/>
+            <a:headEnd type="none" w="med" len="med"/>
+            <a:tailEnd type="none" w="med" len="med"/>
           </a:ln>
         </p:spPr>
       </p:sp>
       <p:sp>
         <p:nvSpPr>
           <p:cNvPr id="6" name="Shape 6"/>
-          <p:cNvSpPr txBox="1"/>
+          <p:cNvSpPr txBox="1">
+            <a:spLocks noGrp="1"/>
+          </p:cNvSpPr>
           <p:nvPr>
-            <p:ph idx="1" type="body"/>
+            <p:ph type="body" idx="1"/>
           </p:nvPr>
         </p:nvSpPr>
         <p:spPr>
@@ -646,14 +664,14 @@
           </a:ln>
         </p:spPr>
         <p:txBody>
-          <a:bodyPr anchorCtr="0" anchor="t" bIns="91425" lIns="91425" rIns="91425" tIns="91425"/>
+          <a:bodyPr lIns="91425" tIns="91425" rIns="91425" bIns="91425" anchor="t" anchorCtr="0"/>
           <a:lstStyle>
-            <a:lvl1pPr indent="0" lvl="0" marL="0" marR="0" rtl="0" algn="l">
-              <a:spcBef>
-                <a:spcPts val="0"/>
-              </a:spcBef>
-              <a:buNone/>
-              <a:defRPr b="0" i="0" sz="1200" u="none" cap="none" strike="noStrike">
+            <a:lvl1pPr marL="0" marR="0" lvl="0" indent="0" algn="l" rtl="0">
+              <a:spcBef>
+                <a:spcPts val="0"/>
+              </a:spcBef>
+              <a:buNone/>
+              <a:defRPr sz="1200" b="0" i="0" u="none" strike="noStrike" cap="none">
                 <a:solidFill>
                   <a:schemeClr val="dk1"/>
                 </a:solidFill>
@@ -663,12 +681,12 @@
                 <a:sym typeface="Calibri"/>
               </a:defRPr>
             </a:lvl1pPr>
-            <a:lvl2pPr indent="0" lvl="1" marL="457200" marR="0" rtl="0" algn="l">
-              <a:spcBef>
-                <a:spcPts val="0"/>
-              </a:spcBef>
-              <a:buNone/>
-              <a:defRPr b="0" i="0" sz="1200" u="none" cap="none" strike="noStrike">
+            <a:lvl2pPr marL="457200" marR="0" lvl="1" indent="0" algn="l" rtl="0">
+              <a:spcBef>
+                <a:spcPts val="0"/>
+              </a:spcBef>
+              <a:buNone/>
+              <a:defRPr sz="1200" b="0" i="0" u="none" strike="noStrike" cap="none">
                 <a:solidFill>
                   <a:schemeClr val="dk1"/>
                 </a:solidFill>
@@ -678,12 +696,12 @@
                 <a:sym typeface="Calibri"/>
               </a:defRPr>
             </a:lvl2pPr>
-            <a:lvl3pPr indent="0" lvl="2" marL="914400" marR="0" rtl="0" algn="l">
-              <a:spcBef>
-                <a:spcPts val="0"/>
-              </a:spcBef>
-              <a:buNone/>
-              <a:defRPr b="0" i="0" sz="1200" u="none" cap="none" strike="noStrike">
+            <a:lvl3pPr marL="914400" marR="0" lvl="2" indent="0" algn="l" rtl="0">
+              <a:spcBef>
+                <a:spcPts val="0"/>
+              </a:spcBef>
+              <a:buNone/>
+              <a:defRPr sz="1200" b="0" i="0" u="none" strike="noStrike" cap="none">
                 <a:solidFill>
                   <a:schemeClr val="dk1"/>
                 </a:solidFill>
@@ -693,12 +711,12 @@
                 <a:sym typeface="Calibri"/>
               </a:defRPr>
             </a:lvl3pPr>
-            <a:lvl4pPr indent="0" lvl="3" marL="1371600" marR="0" rtl="0" algn="l">
-              <a:spcBef>
-                <a:spcPts val="0"/>
-              </a:spcBef>
-              <a:buNone/>
-              <a:defRPr b="0" i="0" sz="1200" u="none" cap="none" strike="noStrike">
+            <a:lvl4pPr marL="1371600" marR="0" lvl="3" indent="0" algn="l" rtl="0">
+              <a:spcBef>
+                <a:spcPts val="0"/>
+              </a:spcBef>
+              <a:buNone/>
+              <a:defRPr sz="1200" b="0" i="0" u="none" strike="noStrike" cap="none">
                 <a:solidFill>
                   <a:schemeClr val="dk1"/>
                 </a:solidFill>
@@ -708,12 +726,12 @@
                 <a:sym typeface="Calibri"/>
               </a:defRPr>
             </a:lvl4pPr>
-            <a:lvl5pPr indent="0" lvl="4" marL="1828800" marR="0" rtl="0" algn="l">
-              <a:spcBef>
-                <a:spcPts val="0"/>
-              </a:spcBef>
-              <a:buNone/>
-              <a:defRPr b="0" i="0" sz="1200" u="none" cap="none" strike="noStrike">
+            <a:lvl5pPr marL="1828800" marR="0" lvl="4" indent="0" algn="l" rtl="0">
+              <a:spcBef>
+                <a:spcPts val="0"/>
+              </a:spcBef>
+              <a:buNone/>
+              <a:defRPr sz="1200" b="0" i="0" u="none" strike="noStrike" cap="none">
                 <a:solidFill>
                   <a:schemeClr val="dk1"/>
                 </a:solidFill>
@@ -723,12 +741,12 @@
                 <a:sym typeface="Calibri"/>
               </a:defRPr>
             </a:lvl5pPr>
-            <a:lvl6pPr indent="0" lvl="5" marL="2286000" marR="0" rtl="0" algn="l">
-              <a:spcBef>
-                <a:spcPts val="0"/>
-              </a:spcBef>
-              <a:buNone/>
-              <a:defRPr b="0" i="0" sz="1200" u="none" cap="none" strike="noStrike">
+            <a:lvl6pPr marL="2286000" marR="0" lvl="5" indent="0" algn="l" rtl="0">
+              <a:spcBef>
+                <a:spcPts val="0"/>
+              </a:spcBef>
+              <a:buNone/>
+              <a:defRPr sz="1200" b="0" i="0" u="none" strike="noStrike" cap="none">
                 <a:solidFill>
                   <a:schemeClr val="dk1"/>
                 </a:solidFill>
@@ -738,12 +756,12 @@
                 <a:sym typeface="Calibri"/>
               </a:defRPr>
             </a:lvl6pPr>
-            <a:lvl7pPr indent="0" lvl="6" marL="2743200" marR="0" rtl="0" algn="l">
-              <a:spcBef>
-                <a:spcPts val="0"/>
-              </a:spcBef>
-              <a:buNone/>
-              <a:defRPr b="0" i="0" sz="1200" u="none" cap="none" strike="noStrike">
+            <a:lvl7pPr marL="2743200" marR="0" lvl="6" indent="0" algn="l" rtl="0">
+              <a:spcBef>
+                <a:spcPts val="0"/>
+              </a:spcBef>
+              <a:buNone/>
+              <a:defRPr sz="1200" b="0" i="0" u="none" strike="noStrike" cap="none">
                 <a:solidFill>
                   <a:schemeClr val="dk1"/>
                 </a:solidFill>
@@ -753,12 +771,12 @@
                 <a:sym typeface="Calibri"/>
               </a:defRPr>
             </a:lvl7pPr>
-            <a:lvl8pPr indent="0" lvl="7" marL="3200400" marR="0" rtl="0" algn="l">
-              <a:spcBef>
-                <a:spcPts val="0"/>
-              </a:spcBef>
-              <a:buNone/>
-              <a:defRPr b="0" i="0" sz="1200" u="none" cap="none" strike="noStrike">
+            <a:lvl8pPr marL="3200400" marR="0" lvl="7" indent="0" algn="l" rtl="0">
+              <a:spcBef>
+                <a:spcPts val="0"/>
+              </a:spcBef>
+              <a:buNone/>
+              <a:defRPr sz="1200" b="0" i="0" u="none" strike="noStrike" cap="none">
                 <a:solidFill>
                   <a:schemeClr val="dk1"/>
                 </a:solidFill>
@@ -768,12 +786,12 @@
                 <a:sym typeface="Calibri"/>
               </a:defRPr>
             </a:lvl8pPr>
-            <a:lvl9pPr indent="0" lvl="8" marL="3657600" marR="0" rtl="0" algn="l">
-              <a:spcBef>
-                <a:spcPts val="0"/>
-              </a:spcBef>
-              <a:buNone/>
-              <a:defRPr b="0" i="0" sz="1200" u="none" cap="none" strike="noStrike">
+            <a:lvl9pPr marL="3657600" marR="0" lvl="8" indent="0" algn="l" rtl="0">
+              <a:spcBef>
+                <a:spcPts val="0"/>
+              </a:spcBef>
+              <a:buNone/>
+              <a:defRPr sz="1200" b="0" i="0" u="none" strike="noStrike" cap="none">
                 <a:solidFill>
                   <a:schemeClr val="dk1"/>
                 </a:solidFill>
@@ -784,15 +802,19 @@
               </a:defRPr>
             </a:lvl9pPr>
           </a:lstStyle>
-          <a:p/>
+          <a:p>
+            <a:endParaRPr/>
+          </a:p>
         </p:txBody>
       </p:sp>
       <p:sp>
         <p:nvSpPr>
           <p:cNvPr id="7" name="Shape 7"/>
-          <p:cNvSpPr txBox="1"/>
+          <p:cNvSpPr txBox="1">
+            <a:spLocks noGrp="1"/>
+          </p:cNvSpPr>
           <p:nvPr>
-            <p:ph idx="11" type="ftr"/>
+            <p:ph type="ftr" idx="11"/>
           </p:nvPr>
         </p:nvSpPr>
         <p:spPr>
@@ -809,14 +831,14 @@
           </a:ln>
         </p:spPr>
         <p:txBody>
-          <a:bodyPr anchorCtr="0" anchor="b" bIns="91425" lIns="91425" rIns="91425" tIns="91425"/>
+          <a:bodyPr lIns="91425" tIns="91425" rIns="91425" bIns="91425" anchor="b" anchorCtr="0"/>
           <a:lstStyle>
-            <a:lvl1pPr indent="0" lvl="0" marL="0" marR="0" rtl="0" algn="l">
-              <a:spcBef>
-                <a:spcPts val="0"/>
-              </a:spcBef>
-              <a:buNone/>
-              <a:defRPr b="0" i="0" sz="1200" u="none" cap="none" strike="noStrike">
+            <a:lvl1pPr marL="0" marR="0" lvl="0" indent="0" algn="l" rtl="0">
+              <a:spcBef>
+                <a:spcPts val="0"/>
+              </a:spcBef>
+              <a:buNone/>
+              <a:defRPr sz="1200" b="0" i="0" u="none" strike="noStrike" cap="none">
                 <a:solidFill>
                   <a:schemeClr val="dk1"/>
                 </a:solidFill>
@@ -826,12 +848,12 @@
                 <a:sym typeface="Calibri"/>
               </a:defRPr>
             </a:lvl1pPr>
-            <a:lvl2pPr indent="0" lvl="1" marL="457200" marR="0" rtl="0" algn="l">
-              <a:spcBef>
-                <a:spcPts val="0"/>
-              </a:spcBef>
-              <a:buNone/>
-              <a:defRPr b="0" i="0" sz="1800" u="none" cap="none" strike="noStrike">
+            <a:lvl2pPr marL="457200" marR="0" lvl="1" indent="0" algn="l" rtl="0">
+              <a:spcBef>
+                <a:spcPts val="0"/>
+              </a:spcBef>
+              <a:buNone/>
+              <a:defRPr sz="1800" b="0" i="0" u="none" strike="noStrike" cap="none">
                 <a:solidFill>
                   <a:schemeClr val="dk1"/>
                 </a:solidFill>
@@ -841,12 +863,12 @@
                 <a:sym typeface="Calibri"/>
               </a:defRPr>
             </a:lvl2pPr>
-            <a:lvl3pPr indent="0" lvl="2" marL="914400" marR="0" rtl="0" algn="l">
-              <a:spcBef>
-                <a:spcPts val="0"/>
-              </a:spcBef>
-              <a:buNone/>
-              <a:defRPr b="0" i="0" sz="1800" u="none" cap="none" strike="noStrike">
+            <a:lvl3pPr marL="914400" marR="0" lvl="2" indent="0" algn="l" rtl="0">
+              <a:spcBef>
+                <a:spcPts val="0"/>
+              </a:spcBef>
+              <a:buNone/>
+              <a:defRPr sz="1800" b="0" i="0" u="none" strike="noStrike" cap="none">
                 <a:solidFill>
                   <a:schemeClr val="dk1"/>
                 </a:solidFill>
@@ -856,12 +878,12 @@
                 <a:sym typeface="Calibri"/>
               </a:defRPr>
             </a:lvl3pPr>
-            <a:lvl4pPr indent="0" lvl="3" marL="1371600" marR="0" rtl="0" algn="l">
-              <a:spcBef>
-                <a:spcPts val="0"/>
-              </a:spcBef>
-              <a:buNone/>
-              <a:defRPr b="0" i="0" sz="1800" u="none" cap="none" strike="noStrike">
+            <a:lvl4pPr marL="1371600" marR="0" lvl="3" indent="0" algn="l" rtl="0">
+              <a:spcBef>
+                <a:spcPts val="0"/>
+              </a:spcBef>
+              <a:buNone/>
+              <a:defRPr sz="1800" b="0" i="0" u="none" strike="noStrike" cap="none">
                 <a:solidFill>
                   <a:schemeClr val="dk1"/>
                 </a:solidFill>
@@ -871,12 +893,12 @@
                 <a:sym typeface="Calibri"/>
               </a:defRPr>
             </a:lvl4pPr>
-            <a:lvl5pPr indent="0" lvl="4" marL="1828800" marR="0" rtl="0" algn="l">
-              <a:spcBef>
-                <a:spcPts val="0"/>
-              </a:spcBef>
-              <a:buNone/>
-              <a:defRPr b="0" i="0" sz="1800" u="none" cap="none" strike="noStrike">
+            <a:lvl5pPr marL="1828800" marR="0" lvl="4" indent="0" algn="l" rtl="0">
+              <a:spcBef>
+                <a:spcPts val="0"/>
+              </a:spcBef>
+              <a:buNone/>
+              <a:defRPr sz="1800" b="0" i="0" u="none" strike="noStrike" cap="none">
                 <a:solidFill>
                   <a:schemeClr val="dk1"/>
                 </a:solidFill>
@@ -886,12 +908,12 @@
                 <a:sym typeface="Calibri"/>
               </a:defRPr>
             </a:lvl5pPr>
-            <a:lvl6pPr indent="0" lvl="5" marL="2286000" marR="0" rtl="0" algn="l">
-              <a:spcBef>
-                <a:spcPts val="0"/>
-              </a:spcBef>
-              <a:buNone/>
-              <a:defRPr b="0" i="0" sz="1800" u="none" cap="none" strike="noStrike">
+            <a:lvl6pPr marL="2286000" marR="0" lvl="5" indent="0" algn="l" rtl="0">
+              <a:spcBef>
+                <a:spcPts val="0"/>
+              </a:spcBef>
+              <a:buNone/>
+              <a:defRPr sz="1800" b="0" i="0" u="none" strike="noStrike" cap="none">
                 <a:solidFill>
                   <a:schemeClr val="dk1"/>
                 </a:solidFill>
@@ -901,12 +923,12 @@
                 <a:sym typeface="Calibri"/>
               </a:defRPr>
             </a:lvl6pPr>
-            <a:lvl7pPr indent="0" lvl="6" marL="2743200" marR="0" rtl="0" algn="l">
-              <a:spcBef>
-                <a:spcPts val="0"/>
-              </a:spcBef>
-              <a:buNone/>
-              <a:defRPr b="0" i="0" sz="1800" u="none" cap="none" strike="noStrike">
+            <a:lvl7pPr marL="2743200" marR="0" lvl="6" indent="0" algn="l" rtl="0">
+              <a:spcBef>
+                <a:spcPts val="0"/>
+              </a:spcBef>
+              <a:buNone/>
+              <a:defRPr sz="1800" b="0" i="0" u="none" strike="noStrike" cap="none">
                 <a:solidFill>
                   <a:schemeClr val="dk1"/>
                 </a:solidFill>
@@ -916,12 +938,12 @@
                 <a:sym typeface="Calibri"/>
               </a:defRPr>
             </a:lvl7pPr>
-            <a:lvl8pPr indent="0" lvl="7" marL="3200400" marR="0" rtl="0" algn="l">
-              <a:spcBef>
-                <a:spcPts val="0"/>
-              </a:spcBef>
-              <a:buNone/>
-              <a:defRPr b="0" i="0" sz="1800" u="none" cap="none" strike="noStrike">
+            <a:lvl8pPr marL="3200400" marR="0" lvl="7" indent="0" algn="l" rtl="0">
+              <a:spcBef>
+                <a:spcPts val="0"/>
+              </a:spcBef>
+              <a:buNone/>
+              <a:defRPr sz="1800" b="0" i="0" u="none" strike="noStrike" cap="none">
                 <a:solidFill>
                   <a:schemeClr val="dk1"/>
                 </a:solidFill>
@@ -931,12 +953,12 @@
                 <a:sym typeface="Calibri"/>
               </a:defRPr>
             </a:lvl8pPr>
-            <a:lvl9pPr indent="0" lvl="8" marL="3657600" marR="0" rtl="0" algn="l">
-              <a:spcBef>
-                <a:spcPts val="0"/>
-              </a:spcBef>
-              <a:buNone/>
-              <a:defRPr b="0" i="0" sz="1800" u="none" cap="none" strike="noStrike">
+            <a:lvl9pPr marL="3657600" marR="0" lvl="8" indent="0" algn="l" rtl="0">
+              <a:spcBef>
+                <a:spcPts val="0"/>
+              </a:spcBef>
+              <a:buNone/>
+              <a:defRPr sz="1800" b="0" i="0" u="none" strike="noStrike" cap="none">
                 <a:solidFill>
                   <a:schemeClr val="dk1"/>
                 </a:solidFill>
@@ -947,15 +969,19 @@
               </a:defRPr>
             </a:lvl9pPr>
           </a:lstStyle>
-          <a:p/>
+          <a:p>
+            <a:endParaRPr/>
+          </a:p>
         </p:txBody>
       </p:sp>
       <p:sp>
         <p:nvSpPr>
           <p:cNvPr id="8" name="Shape 8"/>
-          <p:cNvSpPr txBox="1"/>
+          <p:cNvSpPr txBox="1">
+            <a:spLocks noGrp="1"/>
+          </p:cNvSpPr>
           <p:nvPr>
-            <p:ph idx="12" type="sldNum"/>
+            <p:ph type="sldNum" idx="12"/>
           </p:nvPr>
         </p:nvSpPr>
         <p:spPr>
@@ -972,12 +998,12 @@
           </a:ln>
         </p:spPr>
         <p:txBody>
-          <a:bodyPr anchorCtr="0" anchor="b" bIns="45700" lIns="91425" rIns="91425" tIns="45700">
+          <a:bodyPr lIns="91425" tIns="45700" rIns="91425" bIns="45700" anchor="b" anchorCtr="0">
             <a:noAutofit/>
           </a:bodyPr>
           <a:lstStyle/>
           <a:p>
-            <a:pPr indent="0" lvl="0" marL="0" marR="0" rtl="0" algn="r">
+            <a:pPr marL="0" marR="0" lvl="0" indent="0" algn="r" rtl="0">
               <a:spcBef>
                 <a:spcPts val="0"/>
               </a:spcBef>
@@ -985,7 +1011,7 @@
               <a:buNone/>
             </a:pPr>
             <a:fld id="{00000000-1234-1234-1234-123412341234}" type="slidenum">
-              <a:rPr b="0" i="0" lang="en-US" sz="1200" u="none" cap="none" strike="noStrike">
+              <a:rPr lang="en-US" sz="1200" b="0" i="0" u="none" strike="noStrike" cap="none">
                 <a:solidFill>
                   <a:schemeClr val="dk1"/>
                 </a:solidFill>
@@ -996,21 +1022,127 @@
               </a:rPr>
               <a:t>‹#›</a:t>
             </a:fld>
+            <a:endParaRPr lang="en-US" sz="1200" b="0" i="0" u="none" strike="noStrike" cap="none">
+              <a:solidFill>
+                <a:schemeClr val="dk1"/>
+              </a:solidFill>
+              <a:latin typeface="Calibri"/>
+              <a:ea typeface="Calibri"/>
+              <a:cs typeface="Calibri"/>
+              <a:sym typeface="Calibri"/>
+            </a:endParaRPr>
           </a:p>
         </p:txBody>
       </p:sp>
     </p:spTree>
+    <p:extLst>
+      <p:ext uri="{BB962C8B-B14F-4D97-AF65-F5344CB8AC3E}">
+        <p14:creationId xmlns:p14="http://schemas.microsoft.com/office/powerpoint/2010/main" val="1130461567"/>
+      </p:ext>
+    </p:extLst>
   </p:cSld>
-  <p:clrMap accent1="accent1" accent2="accent2" accent3="accent3" accent4="accent4" accent5="accent5" accent6="accent6" bg1="lt1" bg2="dk2" tx1="dk1" tx2="lt2" folHlink="folHlink" hlink="hlink"/>
+  <p:clrMap bg1="lt1" tx1="dk1" bg2="dk2" tx2="lt2" accent1="accent1" accent2="accent2" accent3="accent3" accent4="accent4" accent5="accent5" accent6="accent6" hlink="hlink" folHlink="folHlink"/>
+  <p:notesStyle>
+    <a:lvl1pPr marL="0" algn="l" defTabSz="457200" rtl="0" eaLnBrk="1" latinLnBrk="0" hangingPunct="1">
+      <a:defRPr sz="1200" kern="1200">
+        <a:solidFill>
+          <a:schemeClr val="tx1"/>
+        </a:solidFill>
+        <a:latin typeface="+mn-lt"/>
+        <a:ea typeface="+mn-ea"/>
+        <a:cs typeface="+mn-cs"/>
+      </a:defRPr>
+    </a:lvl1pPr>
+    <a:lvl2pPr marL="457200" algn="l" defTabSz="457200" rtl="0" eaLnBrk="1" latinLnBrk="0" hangingPunct="1">
+      <a:defRPr sz="1200" kern="1200">
+        <a:solidFill>
+          <a:schemeClr val="tx1"/>
+        </a:solidFill>
+        <a:latin typeface="+mn-lt"/>
+        <a:ea typeface="+mn-ea"/>
+        <a:cs typeface="+mn-cs"/>
+      </a:defRPr>
+    </a:lvl2pPr>
+    <a:lvl3pPr marL="914400" algn="l" defTabSz="457200" rtl="0" eaLnBrk="1" latinLnBrk="0" hangingPunct="1">
+      <a:defRPr sz="1200" kern="1200">
+        <a:solidFill>
+          <a:schemeClr val="tx1"/>
+        </a:solidFill>
+        <a:latin typeface="+mn-lt"/>
+        <a:ea typeface="+mn-ea"/>
+        <a:cs typeface="+mn-cs"/>
+      </a:defRPr>
+    </a:lvl3pPr>
+    <a:lvl4pPr marL="1371600" algn="l" defTabSz="457200" rtl="0" eaLnBrk="1" latinLnBrk="0" hangingPunct="1">
+      <a:defRPr sz="1200" kern="1200">
+        <a:solidFill>
+          <a:schemeClr val="tx1"/>
+        </a:solidFill>
+        <a:latin typeface="+mn-lt"/>
+        <a:ea typeface="+mn-ea"/>
+        <a:cs typeface="+mn-cs"/>
+      </a:defRPr>
+    </a:lvl4pPr>
+    <a:lvl5pPr marL="1828800" algn="l" defTabSz="457200" rtl="0" eaLnBrk="1" latinLnBrk="0" hangingPunct="1">
+      <a:defRPr sz="1200" kern="1200">
+        <a:solidFill>
+          <a:schemeClr val="tx1"/>
+        </a:solidFill>
+        <a:latin typeface="+mn-lt"/>
+        <a:ea typeface="+mn-ea"/>
+        <a:cs typeface="+mn-cs"/>
+      </a:defRPr>
+    </a:lvl5pPr>
+    <a:lvl6pPr marL="2286000" algn="l" defTabSz="457200" rtl="0" eaLnBrk="1" latinLnBrk="0" hangingPunct="1">
+      <a:defRPr sz="1200" kern="1200">
+        <a:solidFill>
+          <a:schemeClr val="tx1"/>
+        </a:solidFill>
+        <a:latin typeface="+mn-lt"/>
+        <a:ea typeface="+mn-ea"/>
+        <a:cs typeface="+mn-cs"/>
+      </a:defRPr>
+    </a:lvl6pPr>
+    <a:lvl7pPr marL="2743200" algn="l" defTabSz="457200" rtl="0" eaLnBrk="1" latinLnBrk="0" hangingPunct="1">
+      <a:defRPr sz="1200" kern="1200">
+        <a:solidFill>
+          <a:schemeClr val="tx1"/>
+        </a:solidFill>
+        <a:latin typeface="+mn-lt"/>
+        <a:ea typeface="+mn-ea"/>
+        <a:cs typeface="+mn-cs"/>
+      </a:defRPr>
+    </a:lvl7pPr>
+    <a:lvl8pPr marL="3200400" algn="l" defTabSz="457200" rtl="0" eaLnBrk="1" latinLnBrk="0" hangingPunct="1">
+      <a:defRPr sz="1200" kern="1200">
+        <a:solidFill>
+          <a:schemeClr val="tx1"/>
+        </a:solidFill>
+        <a:latin typeface="+mn-lt"/>
+        <a:ea typeface="+mn-ea"/>
+        <a:cs typeface="+mn-cs"/>
+      </a:defRPr>
+    </a:lvl8pPr>
+    <a:lvl9pPr marL="3657600" algn="l" defTabSz="457200" rtl="0" eaLnBrk="1" latinLnBrk="0" hangingPunct="1">
+      <a:defRPr sz="1200" kern="1200">
+        <a:solidFill>
+          <a:schemeClr val="tx1"/>
+        </a:solidFill>
+        <a:latin typeface="+mn-lt"/>
+        <a:ea typeface="+mn-ea"/>
+        <a:cs typeface="+mn-cs"/>
+      </a:defRPr>
+    </a:lvl9pPr>
+  </p:notesStyle>
 </p:notesMaster>
 </file>
 
 <file path=ppt/notesSlides/notesSlide1.xml><?xml version="1.0" encoding="utf-8"?>
-<p:notes xmlns:a="http://schemas.openxmlformats.org/drawingml/2006/main" xmlns:r="http://schemas.openxmlformats.org/officeDocument/2006/relationships" xmlns:mc="http://schemas.openxmlformats.org/markup-compatibility/2006" xmlns:mv="urn:schemas-microsoft-com:mac:vml" xmlns:p="http://schemas.openxmlformats.org/presentationml/2006/main" xmlns:c="http://schemas.openxmlformats.org/drawingml/2006/chart" xmlns:dgm="http://schemas.openxmlformats.org/drawingml/2006/diagram" xmlns:o="urn:schemas-microsoft-com:office:office" xmlns:v="urn:schemas-microsoft-com:vml" xmlns:pvml="urn:schemas-microsoft-com:office:powerpoint" xmlns:com="http://schemas.openxmlformats.org/drawingml/2006/compatibility" xmlns:p14="http://schemas.microsoft.com/office/powerpoint/2010/main" showMasterPhAnim="0" showMasterSp="0">
+<p:notes xmlns:a="http://schemas.openxmlformats.org/drawingml/2006/main" xmlns:r="http://schemas.openxmlformats.org/officeDocument/2006/relationships" xmlns:p="http://schemas.openxmlformats.org/presentationml/2006/main" showMasterSp="0" showMasterPhAnim="0">
   <p:cSld>
     <p:spTree>
       <p:nvGrpSpPr>
-        <p:cNvPr id="30" name="Shape 30"/>
+        <p:cNvPr id="1" name="Shape 30"/>
         <p:cNvGrpSpPr/>
         <p:nvPr/>
       </p:nvGrpSpPr>
@@ -1025,9 +1157,11 @@
       <p:sp>
         <p:nvSpPr>
           <p:cNvPr id="31" name="Shape 31"/>
-          <p:cNvSpPr/>
+          <p:cNvSpPr>
+            <a:spLocks noGrp="1" noRot="1" noChangeAspect="1"/>
+          </p:cNvSpPr>
           <p:nvPr>
-            <p:ph idx="2" type="sldImg"/>
+            <p:ph type="sldImg" idx="2"/>
           </p:nvPr>
         </p:nvSpPr>
         <p:spPr>
@@ -1036,8 +1170,13 @@
             <a:ext cx="6096000" cy="3429000"/>
           </a:xfrm>
           <a:custGeom>
+            <a:avLst/>
+            <a:gdLst/>
+            <a:ahLst/>
+            <a:cxnLst/>
+            <a:rect l="0" t="0" r="0" b="0"/>
             <a:pathLst>
-              <a:path extrusionOk="0" h="120000" w="120000">
+              <a:path w="120000" h="120000" extrusionOk="0">
                 <a:moveTo>
                   <a:pt x="0" y="0"/>
                 </a:moveTo>
@@ -1055,23 +1194,25 @@
             </a:pathLst>
           </a:custGeom>
           <a:noFill/>
-          <a:ln cap="flat" cmpd="sng" w="12700">
+          <a:ln w="12700" cap="flat" cmpd="sng">
             <a:solidFill>
               <a:srgbClr val="000000"/>
             </a:solidFill>
             <a:prstDash val="solid"/>
             <a:round/>
-            <a:headEnd len="med" w="med" type="none"/>
-            <a:tailEnd len="med" w="med" type="none"/>
+            <a:headEnd type="none" w="med" len="med"/>
+            <a:tailEnd type="none" w="med" len="med"/>
           </a:ln>
         </p:spPr>
       </p:sp>
       <p:sp>
         <p:nvSpPr>
           <p:cNvPr id="32" name="Shape 32"/>
-          <p:cNvSpPr txBox="1"/>
+          <p:cNvSpPr txBox="1">
+            <a:spLocks noGrp="1"/>
+          </p:cNvSpPr>
           <p:nvPr>
-            <p:ph idx="1" type="body"/>
+            <p:ph type="body" idx="1"/>
           </p:nvPr>
         </p:nvSpPr>
         <p:spPr>
@@ -1088,12 +1229,12 @@
           </a:ln>
         </p:spPr>
         <p:txBody>
-          <a:bodyPr anchorCtr="0" anchor="t" bIns="45700" lIns="91425" rIns="91425" tIns="45700">
+          <a:bodyPr lIns="91425" tIns="45700" rIns="91425" bIns="45700" anchor="t" anchorCtr="0">
             <a:noAutofit/>
           </a:bodyPr>
           <a:lstStyle/>
           <a:p>
-            <a:pPr indent="0" lvl="0" marL="0" marR="0" rtl="0" algn="l">
+            <a:pPr marL="0" marR="0" lvl="0" indent="0" algn="l" rtl="0">
               <a:spcBef>
                 <a:spcPts val="0"/>
               </a:spcBef>
@@ -1104,10 +1245,7 @@
               <a:buFont typeface="Arial"/>
               <a:buNone/>
             </a:pPr>
-            <a:r>
-              <a:t/>
-            </a:r>
-            <a:endParaRPr b="0" i="0" sz="1200" u="none" cap="none" strike="noStrike">
+            <a:endParaRPr sz="1200" b="0" i="0" u="none" strike="noStrike" cap="none">
               <a:solidFill>
                 <a:schemeClr val="dk1"/>
               </a:solidFill>
@@ -1122,9 +1260,11 @@
       <p:sp>
         <p:nvSpPr>
           <p:cNvPr id="33" name="Shape 33"/>
-          <p:cNvSpPr txBox="1"/>
+          <p:cNvSpPr txBox="1">
+            <a:spLocks noGrp="1"/>
+          </p:cNvSpPr>
           <p:nvPr>
-            <p:ph idx="12" type="sldNum"/>
+            <p:ph type="sldNum" idx="12"/>
           </p:nvPr>
         </p:nvSpPr>
         <p:spPr>
@@ -1141,12 +1281,12 @@
           </a:ln>
         </p:spPr>
         <p:txBody>
-          <a:bodyPr anchorCtr="0" anchor="b" bIns="45700" lIns="91425" rIns="91425" tIns="45700">
+          <a:bodyPr lIns="91425" tIns="45700" rIns="91425" bIns="45700" anchor="b" anchorCtr="0">
             <a:noAutofit/>
           </a:bodyPr>
           <a:lstStyle/>
           <a:p>
-            <a:pPr indent="0" lvl="0" marL="0" marR="0" rtl="0" algn="r">
+            <a:pPr marL="0" marR="0" lvl="0" indent="0" algn="r" rtl="0">
               <a:spcBef>
                 <a:spcPts val="0"/>
               </a:spcBef>
@@ -1154,7 +1294,7 @@
               <a:buNone/>
             </a:pPr>
             <a:fld id="{00000000-1234-1234-1234-123412341234}" type="slidenum">
-              <a:rPr b="0" i="0" lang="en-US" sz="1200" u="none" cap="none" strike="noStrike">
+              <a:rPr lang="en-US" sz="1200" b="0" i="0" u="none" strike="noStrike" cap="none">
                 <a:solidFill>
                   <a:srgbClr val="000000"/>
                 </a:solidFill>
@@ -1163,8 +1303,17 @@
                 <a:cs typeface="Calibri"/>
                 <a:sym typeface="Calibri"/>
               </a:rPr>
-              <a:t>‹#›</a:t>
+              <a:t>1</a:t>
             </a:fld>
+            <a:endParaRPr lang="en-US" sz="1200" b="0" i="0" u="none" strike="noStrike" cap="none">
+              <a:solidFill>
+                <a:srgbClr val="000000"/>
+              </a:solidFill>
+              <a:latin typeface="Calibri"/>
+              <a:ea typeface="Calibri"/>
+              <a:cs typeface="Calibri"/>
+              <a:sym typeface="Calibri"/>
+            </a:endParaRPr>
           </a:p>
         </p:txBody>
       </p:sp>
@@ -1177,11 +1326,11 @@
 </file>
 
 <file path=ppt/notesSlides/notesSlide10.xml><?xml version="1.0" encoding="utf-8"?>
-<p:notes xmlns:a="http://schemas.openxmlformats.org/drawingml/2006/main" xmlns:r="http://schemas.openxmlformats.org/officeDocument/2006/relationships" xmlns:mc="http://schemas.openxmlformats.org/markup-compatibility/2006" xmlns:mv="urn:schemas-microsoft-com:mac:vml" xmlns:p="http://schemas.openxmlformats.org/presentationml/2006/main" xmlns:c="http://schemas.openxmlformats.org/drawingml/2006/chart" xmlns:dgm="http://schemas.openxmlformats.org/drawingml/2006/diagram" xmlns:o="urn:schemas-microsoft-com:office:office" xmlns:v="urn:schemas-microsoft-com:vml" xmlns:pvml="urn:schemas-microsoft-com:office:powerpoint" xmlns:com="http://schemas.openxmlformats.org/drawingml/2006/compatibility" xmlns:p14="http://schemas.microsoft.com/office/powerpoint/2010/main" showMasterPhAnim="0" showMasterSp="0">
+<p:notes xmlns:a="http://schemas.openxmlformats.org/drawingml/2006/main" xmlns:r="http://schemas.openxmlformats.org/officeDocument/2006/relationships" xmlns:p="http://schemas.openxmlformats.org/presentationml/2006/main" showMasterSp="0" showMasterPhAnim="0">
   <p:cSld>
     <p:spTree>
       <p:nvGrpSpPr>
-        <p:cNvPr id="104" name="Shape 104"/>
+        <p:cNvPr id="1" name="Shape 104"/>
         <p:cNvGrpSpPr/>
         <p:nvPr/>
       </p:nvGrpSpPr>
@@ -1196,9 +1345,11 @@
       <p:sp>
         <p:nvSpPr>
           <p:cNvPr id="105" name="Shape 105"/>
-          <p:cNvSpPr txBox="1"/>
+          <p:cNvSpPr txBox="1">
+            <a:spLocks noGrp="1"/>
+          </p:cNvSpPr>
           <p:nvPr>
-            <p:ph idx="1" type="body"/>
+            <p:ph type="body" idx="1"/>
           </p:nvPr>
         </p:nvSpPr>
         <p:spPr>
@@ -1215,22 +1366,19 @@
           </a:ln>
         </p:spPr>
         <p:txBody>
-          <a:bodyPr anchorCtr="0" anchor="t" bIns="90525" lIns="90525" rIns="90525" tIns="90525">
+          <a:bodyPr lIns="90525" tIns="90525" rIns="90525" bIns="90525" anchor="t" anchorCtr="0">
             <a:noAutofit/>
           </a:bodyPr>
           <a:lstStyle/>
           <a:p>
-            <a:pPr indent="0" lvl="0" marL="0" marR="0" rtl="0" algn="l">
+            <a:pPr marL="0" marR="0" lvl="0" indent="0" algn="l" rtl="0">
               <a:spcBef>
                 <a:spcPts val="0"/>
               </a:spcBef>
               <a:buSzPct val="25000"/>
               <a:buNone/>
             </a:pPr>
-            <a:r>
-              <a:t/>
-            </a:r>
-            <a:endParaRPr b="0" i="0" sz="1200" u="none" cap="none" strike="noStrike">
+            <a:endParaRPr sz="1200" b="0" i="0" u="none" strike="noStrike" cap="none">
               <a:solidFill>
                 <a:schemeClr val="dk1"/>
               </a:solidFill>
@@ -1245,19 +1393,26 @@
       <p:sp>
         <p:nvSpPr>
           <p:cNvPr id="106" name="Shape 106"/>
-          <p:cNvSpPr/>
+          <p:cNvSpPr>
+            <a:spLocks noGrp="1" noRot="1" noChangeAspect="1"/>
+          </p:cNvSpPr>
           <p:nvPr>
-            <p:ph idx="2" type="sldImg"/>
+            <p:ph type="sldImg" idx="2"/>
           </p:nvPr>
         </p:nvSpPr>
         <p:spPr>
           <a:xfrm>
             <a:off x="1606550" y="685800"/>
-            <a:ext cx="3702000" cy="2082900"/>
+            <a:ext cx="3702050" cy="2082800"/>
           </a:xfrm>
           <a:custGeom>
+            <a:avLst/>
+            <a:gdLst/>
+            <a:ahLst/>
+            <a:cxnLst/>
+            <a:rect l="0" t="0" r="0" b="0"/>
             <a:pathLst>
-              <a:path extrusionOk="0" h="120000" w="120000">
+              <a:path w="120000" h="120000" extrusionOk="0">
                 <a:moveTo>
                   <a:pt x="0" y="0"/>
                 </a:moveTo>
@@ -1275,14 +1430,14 @@
             </a:pathLst>
           </a:custGeom>
           <a:noFill/>
-          <a:ln cap="flat" cmpd="sng" w="9525">
+          <a:ln w="9525" cap="flat" cmpd="sng">
             <a:solidFill>
               <a:srgbClr val="000000"/>
             </a:solidFill>
             <a:prstDash val="solid"/>
             <a:round/>
-            <a:headEnd len="med" w="med" type="none"/>
-            <a:tailEnd len="med" w="med" type="none"/>
+            <a:headEnd type="none" w="med" len="med"/>
+            <a:tailEnd type="none" w="med" len="med"/>
           </a:ln>
         </p:spPr>
       </p:sp>
@@ -1295,11 +1450,11 @@
 </file>
 
 <file path=ppt/notesSlides/notesSlide11.xml><?xml version="1.0" encoding="utf-8"?>
-<p:notes xmlns:a="http://schemas.openxmlformats.org/drawingml/2006/main" xmlns:r="http://schemas.openxmlformats.org/officeDocument/2006/relationships" xmlns:mc="http://schemas.openxmlformats.org/markup-compatibility/2006" xmlns:mv="urn:schemas-microsoft-com:mac:vml" xmlns:p="http://schemas.openxmlformats.org/presentationml/2006/main" xmlns:c="http://schemas.openxmlformats.org/drawingml/2006/chart" xmlns:dgm="http://schemas.openxmlformats.org/drawingml/2006/diagram" xmlns:o="urn:schemas-microsoft-com:office:office" xmlns:v="urn:schemas-microsoft-com:vml" xmlns:pvml="urn:schemas-microsoft-com:office:powerpoint" xmlns:com="http://schemas.openxmlformats.org/drawingml/2006/compatibility" xmlns:p14="http://schemas.microsoft.com/office/powerpoint/2010/main" showMasterPhAnim="0" showMasterSp="0">
+<p:notes xmlns:a="http://schemas.openxmlformats.org/drawingml/2006/main" xmlns:r="http://schemas.openxmlformats.org/officeDocument/2006/relationships" xmlns:p="http://schemas.openxmlformats.org/presentationml/2006/main" showMasterSp="0" showMasterPhAnim="0">
   <p:cSld>
     <p:spTree>
       <p:nvGrpSpPr>
-        <p:cNvPr id="111" name="Shape 111"/>
+        <p:cNvPr id="1" name="Shape 111"/>
         <p:cNvGrpSpPr/>
         <p:nvPr/>
       </p:nvGrpSpPr>
@@ -1314,9 +1469,11 @@
       <p:sp>
         <p:nvSpPr>
           <p:cNvPr id="112" name="Shape 112"/>
-          <p:cNvSpPr txBox="1"/>
+          <p:cNvSpPr txBox="1">
+            <a:spLocks noGrp="1"/>
+          </p:cNvSpPr>
           <p:nvPr>
-            <p:ph idx="1" type="body"/>
+            <p:ph type="body" idx="1"/>
           </p:nvPr>
         </p:nvSpPr>
         <p:spPr>
@@ -1333,22 +1490,19 @@
           </a:ln>
         </p:spPr>
         <p:txBody>
-          <a:bodyPr anchorCtr="0" anchor="t" bIns="90525" lIns="90525" rIns="90525" tIns="90525">
+          <a:bodyPr lIns="90525" tIns="90525" rIns="90525" bIns="90525" anchor="t" anchorCtr="0">
             <a:noAutofit/>
           </a:bodyPr>
           <a:lstStyle/>
           <a:p>
-            <a:pPr indent="0" lvl="0" marL="0" marR="0" rtl="0" algn="l">
+            <a:pPr marL="0" marR="0" lvl="0" indent="0" algn="l" rtl="0">
               <a:spcBef>
                 <a:spcPts val="0"/>
               </a:spcBef>
               <a:buSzPct val="25000"/>
               <a:buNone/>
             </a:pPr>
-            <a:r>
-              <a:t/>
-            </a:r>
-            <a:endParaRPr b="0" i="0" sz="1200" u="none" cap="none" strike="noStrike">
+            <a:endParaRPr sz="1200" b="0" i="0" u="none" strike="noStrike" cap="none">
               <a:solidFill>
                 <a:schemeClr val="dk1"/>
               </a:solidFill>
@@ -1363,19 +1517,26 @@
       <p:sp>
         <p:nvSpPr>
           <p:cNvPr id="113" name="Shape 113"/>
-          <p:cNvSpPr/>
+          <p:cNvSpPr>
+            <a:spLocks noGrp="1" noRot="1" noChangeAspect="1"/>
+          </p:cNvSpPr>
           <p:nvPr>
-            <p:ph idx="2" type="sldImg"/>
+            <p:ph type="sldImg" idx="2"/>
           </p:nvPr>
         </p:nvSpPr>
         <p:spPr>
           <a:xfrm>
             <a:off x="1606550" y="685800"/>
-            <a:ext cx="3702049" cy="2082800"/>
+            <a:ext cx="3702050" cy="2082800"/>
           </a:xfrm>
           <a:custGeom>
+            <a:avLst/>
+            <a:gdLst/>
+            <a:ahLst/>
+            <a:cxnLst/>
+            <a:rect l="0" t="0" r="0" b="0"/>
             <a:pathLst>
-              <a:path extrusionOk="0" h="120000" w="120000">
+              <a:path w="120000" h="120000" extrusionOk="0">
                 <a:moveTo>
                   <a:pt x="0" y="0"/>
                 </a:moveTo>
@@ -1393,14 +1554,14 @@
             </a:pathLst>
           </a:custGeom>
           <a:noFill/>
-          <a:ln cap="flat" cmpd="sng" w="9525">
+          <a:ln w="9525" cap="flat" cmpd="sng">
             <a:solidFill>
               <a:srgbClr val="000000"/>
             </a:solidFill>
             <a:prstDash val="solid"/>
             <a:round/>
-            <a:headEnd len="med" w="med" type="none"/>
-            <a:tailEnd len="med" w="med" type="none"/>
+            <a:headEnd type="none" w="med" len="med"/>
+            <a:tailEnd type="none" w="med" len="med"/>
           </a:ln>
         </p:spPr>
       </p:sp>
@@ -1413,11 +1574,11 @@
 </file>
 
 <file path=ppt/notesSlides/notesSlide12.xml><?xml version="1.0" encoding="utf-8"?>
-<p:notes xmlns:a="http://schemas.openxmlformats.org/drawingml/2006/main" xmlns:r="http://schemas.openxmlformats.org/officeDocument/2006/relationships" xmlns:mc="http://schemas.openxmlformats.org/markup-compatibility/2006" xmlns:mv="urn:schemas-microsoft-com:mac:vml" xmlns:p="http://schemas.openxmlformats.org/presentationml/2006/main" xmlns:c="http://schemas.openxmlformats.org/drawingml/2006/chart" xmlns:dgm="http://schemas.openxmlformats.org/drawingml/2006/diagram" xmlns:o="urn:schemas-microsoft-com:office:office" xmlns:v="urn:schemas-microsoft-com:vml" xmlns:pvml="urn:schemas-microsoft-com:office:powerpoint" xmlns:com="http://schemas.openxmlformats.org/drawingml/2006/compatibility" xmlns:p14="http://schemas.microsoft.com/office/powerpoint/2010/main" showMasterPhAnim="0" showMasterSp="0">
+<p:notes xmlns:a="http://schemas.openxmlformats.org/drawingml/2006/main" xmlns:r="http://schemas.openxmlformats.org/officeDocument/2006/relationships" xmlns:p="http://schemas.openxmlformats.org/presentationml/2006/main" showMasterSp="0" showMasterPhAnim="0">
   <p:cSld>
     <p:spTree>
       <p:nvGrpSpPr>
-        <p:cNvPr id="118" name="Shape 118"/>
+        <p:cNvPr id="1" name="Shape 118"/>
         <p:cNvGrpSpPr/>
         <p:nvPr/>
       </p:nvGrpSpPr>
@@ -1432,9 +1593,11 @@
       <p:sp>
         <p:nvSpPr>
           <p:cNvPr id="119" name="Shape 119"/>
-          <p:cNvSpPr txBox="1"/>
+          <p:cNvSpPr txBox="1">
+            <a:spLocks noGrp="1"/>
+          </p:cNvSpPr>
           <p:nvPr>
-            <p:ph idx="1" type="body"/>
+            <p:ph type="body" idx="1"/>
           </p:nvPr>
         </p:nvSpPr>
         <p:spPr>
@@ -1451,22 +1614,19 @@
           </a:ln>
         </p:spPr>
         <p:txBody>
-          <a:bodyPr anchorCtr="0" anchor="t" bIns="90525" lIns="90525" rIns="90525" tIns="90525">
+          <a:bodyPr lIns="90525" tIns="90525" rIns="90525" bIns="90525" anchor="t" anchorCtr="0">
             <a:noAutofit/>
           </a:bodyPr>
           <a:lstStyle/>
           <a:p>
-            <a:pPr indent="0" lvl="0" marL="0" marR="0" rtl="0" algn="l">
+            <a:pPr marL="0" marR="0" lvl="0" indent="0" algn="l" rtl="0">
               <a:spcBef>
                 <a:spcPts val="0"/>
               </a:spcBef>
               <a:buSzPct val="25000"/>
               <a:buNone/>
             </a:pPr>
-            <a:r>
-              <a:t/>
-            </a:r>
-            <a:endParaRPr b="0" i="0" sz="1200" u="none" cap="none" strike="noStrike">
+            <a:endParaRPr sz="1200" b="0" i="0" u="none" strike="noStrike" cap="none">
               <a:solidFill>
                 <a:schemeClr val="dk1"/>
               </a:solidFill>
@@ -1481,19 +1641,26 @@
       <p:sp>
         <p:nvSpPr>
           <p:cNvPr id="120" name="Shape 120"/>
-          <p:cNvSpPr/>
+          <p:cNvSpPr>
+            <a:spLocks noGrp="1" noRot="1" noChangeAspect="1"/>
+          </p:cNvSpPr>
           <p:nvPr>
-            <p:ph idx="2" type="sldImg"/>
+            <p:ph type="sldImg" idx="2"/>
           </p:nvPr>
         </p:nvSpPr>
         <p:spPr>
           <a:xfrm>
             <a:off x="1606550" y="685800"/>
-            <a:ext cx="3702049" cy="2082800"/>
+            <a:ext cx="3702050" cy="2082800"/>
           </a:xfrm>
           <a:custGeom>
+            <a:avLst/>
+            <a:gdLst/>
+            <a:ahLst/>
+            <a:cxnLst/>
+            <a:rect l="0" t="0" r="0" b="0"/>
             <a:pathLst>
-              <a:path extrusionOk="0" h="120000" w="120000">
+              <a:path w="120000" h="120000" extrusionOk="0">
                 <a:moveTo>
                   <a:pt x="0" y="0"/>
                 </a:moveTo>
@@ -1511,14 +1678,14 @@
             </a:pathLst>
           </a:custGeom>
           <a:noFill/>
-          <a:ln cap="flat" cmpd="sng" w="9525">
+          <a:ln w="9525" cap="flat" cmpd="sng">
             <a:solidFill>
               <a:srgbClr val="000000"/>
             </a:solidFill>
             <a:prstDash val="solid"/>
             <a:round/>
-            <a:headEnd len="med" w="med" type="none"/>
-            <a:tailEnd len="med" w="med" type="none"/>
+            <a:headEnd type="none" w="med" len="med"/>
+            <a:tailEnd type="none" w="med" len="med"/>
           </a:ln>
         </p:spPr>
       </p:sp>
@@ -1531,11 +1698,11 @@
 </file>
 
 <file path=ppt/notesSlides/notesSlide13.xml><?xml version="1.0" encoding="utf-8"?>
-<p:notes xmlns:a="http://schemas.openxmlformats.org/drawingml/2006/main" xmlns:r="http://schemas.openxmlformats.org/officeDocument/2006/relationships" xmlns:mc="http://schemas.openxmlformats.org/markup-compatibility/2006" xmlns:mv="urn:schemas-microsoft-com:mac:vml" xmlns:p="http://schemas.openxmlformats.org/presentationml/2006/main" xmlns:c="http://schemas.openxmlformats.org/drawingml/2006/chart" xmlns:dgm="http://schemas.openxmlformats.org/drawingml/2006/diagram" xmlns:o="urn:schemas-microsoft-com:office:office" xmlns:v="urn:schemas-microsoft-com:vml" xmlns:pvml="urn:schemas-microsoft-com:office:powerpoint" xmlns:com="http://schemas.openxmlformats.org/drawingml/2006/compatibility" xmlns:p14="http://schemas.microsoft.com/office/powerpoint/2010/main" showMasterPhAnim="0" showMasterSp="0">
+<p:notes xmlns:a="http://schemas.openxmlformats.org/drawingml/2006/main" xmlns:r="http://schemas.openxmlformats.org/officeDocument/2006/relationships" xmlns:p="http://schemas.openxmlformats.org/presentationml/2006/main" showMasterSp="0" showMasterPhAnim="0">
   <p:cSld>
     <p:spTree>
       <p:nvGrpSpPr>
-        <p:cNvPr id="129" name="Shape 129"/>
+        <p:cNvPr id="1" name="Shape 129"/>
         <p:cNvGrpSpPr/>
         <p:nvPr/>
       </p:nvGrpSpPr>
@@ -1550,9 +1717,11 @@
       <p:sp>
         <p:nvSpPr>
           <p:cNvPr id="130" name="Shape 130"/>
-          <p:cNvSpPr txBox="1"/>
+          <p:cNvSpPr txBox="1">
+            <a:spLocks noGrp="1"/>
+          </p:cNvSpPr>
           <p:nvPr>
-            <p:ph idx="1" type="body"/>
+            <p:ph type="body" idx="1"/>
           </p:nvPr>
         </p:nvSpPr>
         <p:spPr>
@@ -1569,22 +1738,19 @@
           </a:ln>
         </p:spPr>
         <p:txBody>
-          <a:bodyPr anchorCtr="0" anchor="t" bIns="90525" lIns="90525" rIns="90525" tIns="90525">
+          <a:bodyPr lIns="90525" tIns="90525" rIns="90525" bIns="90525" anchor="t" anchorCtr="0">
             <a:noAutofit/>
           </a:bodyPr>
           <a:lstStyle/>
           <a:p>
-            <a:pPr indent="0" lvl="0" marL="0" marR="0" rtl="0" algn="l">
+            <a:pPr marL="0" marR="0" lvl="0" indent="0" algn="l" rtl="0">
               <a:spcBef>
                 <a:spcPts val="0"/>
               </a:spcBef>
               <a:buSzPct val="25000"/>
               <a:buNone/>
             </a:pPr>
-            <a:r>
-              <a:t/>
-            </a:r>
-            <a:endParaRPr b="0" i="0" sz="1200" u="none" cap="none" strike="noStrike">
+            <a:endParaRPr sz="1200" b="0" i="0" u="none" strike="noStrike" cap="none">
               <a:solidFill>
                 <a:schemeClr val="dk1"/>
               </a:solidFill>
@@ -1599,19 +1765,26 @@
       <p:sp>
         <p:nvSpPr>
           <p:cNvPr id="131" name="Shape 131"/>
-          <p:cNvSpPr/>
+          <p:cNvSpPr>
+            <a:spLocks noGrp="1" noRot="1" noChangeAspect="1"/>
+          </p:cNvSpPr>
           <p:nvPr>
-            <p:ph idx="2" type="sldImg"/>
+            <p:ph type="sldImg" idx="2"/>
           </p:nvPr>
         </p:nvSpPr>
         <p:spPr>
           <a:xfrm>
             <a:off x="1606550" y="685800"/>
-            <a:ext cx="3702049" cy="2082800"/>
+            <a:ext cx="3702050" cy="2082800"/>
           </a:xfrm>
           <a:custGeom>
+            <a:avLst/>
+            <a:gdLst/>
+            <a:ahLst/>
+            <a:cxnLst/>
+            <a:rect l="0" t="0" r="0" b="0"/>
             <a:pathLst>
-              <a:path extrusionOk="0" h="120000" w="120000">
+              <a:path w="120000" h="120000" extrusionOk="0">
                 <a:moveTo>
                   <a:pt x="0" y="0"/>
                 </a:moveTo>
@@ -1629,14 +1802,14 @@
             </a:pathLst>
           </a:custGeom>
           <a:noFill/>
-          <a:ln cap="flat" cmpd="sng" w="9525">
+          <a:ln w="9525" cap="flat" cmpd="sng">
             <a:solidFill>
               <a:srgbClr val="000000"/>
             </a:solidFill>
             <a:prstDash val="solid"/>
             <a:round/>
-            <a:headEnd len="med" w="med" type="none"/>
-            <a:tailEnd len="med" w="med" type="none"/>
+            <a:headEnd type="none" w="med" len="med"/>
+            <a:tailEnd type="none" w="med" len="med"/>
           </a:ln>
         </p:spPr>
       </p:sp>
@@ -1649,11 +1822,11 @@
 </file>
 
 <file path=ppt/notesSlides/notesSlide14.xml><?xml version="1.0" encoding="utf-8"?>
-<p:notes xmlns:a="http://schemas.openxmlformats.org/drawingml/2006/main" xmlns:r="http://schemas.openxmlformats.org/officeDocument/2006/relationships" xmlns:mc="http://schemas.openxmlformats.org/markup-compatibility/2006" xmlns:mv="urn:schemas-microsoft-com:mac:vml" xmlns:p="http://schemas.openxmlformats.org/presentationml/2006/main" xmlns:c="http://schemas.openxmlformats.org/drawingml/2006/chart" xmlns:dgm="http://schemas.openxmlformats.org/drawingml/2006/diagram" xmlns:o="urn:schemas-microsoft-com:office:office" xmlns:v="urn:schemas-microsoft-com:vml" xmlns:pvml="urn:schemas-microsoft-com:office:powerpoint" xmlns:com="http://schemas.openxmlformats.org/drawingml/2006/compatibility" xmlns:p14="http://schemas.microsoft.com/office/powerpoint/2010/main" showMasterPhAnim="0" showMasterSp="0">
+<p:notes xmlns:a="http://schemas.openxmlformats.org/drawingml/2006/main" xmlns:r="http://schemas.openxmlformats.org/officeDocument/2006/relationships" xmlns:p="http://schemas.openxmlformats.org/presentationml/2006/main" showMasterSp="0" showMasterPhAnim="0">
   <p:cSld>
     <p:spTree>
       <p:nvGrpSpPr>
-        <p:cNvPr id="144" name="Shape 144"/>
+        <p:cNvPr id="1" name="Shape 144"/>
         <p:cNvGrpSpPr/>
         <p:nvPr/>
       </p:nvGrpSpPr>
@@ -1668,9 +1841,11 @@
       <p:sp>
         <p:nvSpPr>
           <p:cNvPr id="145" name="Shape 145"/>
-          <p:cNvSpPr/>
+          <p:cNvSpPr>
+            <a:spLocks noGrp="1" noRot="1" noChangeAspect="1"/>
+          </p:cNvSpPr>
           <p:nvPr>
-            <p:ph idx="2" type="sldImg"/>
+            <p:ph type="sldImg" idx="2"/>
           </p:nvPr>
         </p:nvSpPr>
         <p:spPr>
@@ -1679,8 +1854,13 @@
             <a:ext cx="6096000" cy="3429000"/>
           </a:xfrm>
           <a:custGeom>
+            <a:avLst/>
+            <a:gdLst/>
+            <a:ahLst/>
+            <a:cxnLst/>
+            <a:rect l="0" t="0" r="0" b="0"/>
             <a:pathLst>
-              <a:path extrusionOk="0" h="120000" w="120000">
+              <a:path w="120000" h="120000" extrusionOk="0">
                 <a:moveTo>
                   <a:pt x="0" y="0"/>
                 </a:moveTo>
@@ -1698,23 +1878,25 @@
             </a:pathLst>
           </a:custGeom>
           <a:noFill/>
-          <a:ln cap="flat" cmpd="sng" w="12700">
+          <a:ln w="12700" cap="flat" cmpd="sng">
             <a:solidFill>
               <a:srgbClr val="000000"/>
             </a:solidFill>
             <a:prstDash val="solid"/>
             <a:round/>
-            <a:headEnd len="med" w="med" type="none"/>
-            <a:tailEnd len="med" w="med" type="none"/>
+            <a:headEnd type="none" w="med" len="med"/>
+            <a:tailEnd type="none" w="med" len="med"/>
           </a:ln>
         </p:spPr>
       </p:sp>
       <p:sp>
         <p:nvSpPr>
           <p:cNvPr id="146" name="Shape 146"/>
-          <p:cNvSpPr txBox="1"/>
+          <p:cNvSpPr txBox="1">
+            <a:spLocks noGrp="1"/>
+          </p:cNvSpPr>
           <p:nvPr>
-            <p:ph idx="1" type="body"/>
+            <p:ph type="body" idx="1"/>
           </p:nvPr>
         </p:nvSpPr>
         <p:spPr>
@@ -1731,22 +1913,19 @@
           </a:ln>
         </p:spPr>
         <p:txBody>
-          <a:bodyPr anchorCtr="0" anchor="t" bIns="45275" lIns="90550" rIns="90550" tIns="45275">
+          <a:bodyPr lIns="90550" tIns="45275" rIns="90550" bIns="45275" anchor="t" anchorCtr="0">
             <a:noAutofit/>
           </a:bodyPr>
           <a:lstStyle/>
           <a:p>
-            <a:pPr indent="0" lvl="0" marL="0" marR="0" rtl="0" algn="l">
+            <a:pPr marL="0" marR="0" lvl="0" indent="0" algn="l" rtl="0">
               <a:spcBef>
                 <a:spcPts val="0"/>
               </a:spcBef>
               <a:buSzPct val="25000"/>
               <a:buNone/>
             </a:pPr>
-            <a:r>
-              <a:t/>
-            </a:r>
-            <a:endParaRPr b="0" i="0" sz="1200" u="none" cap="none" strike="noStrike">
+            <a:endParaRPr sz="1200" b="0" i="0" u="none" strike="noStrike" cap="none">
               <a:solidFill>
                 <a:schemeClr val="dk1"/>
               </a:solidFill>
@@ -1767,11 +1946,11 @@
 </file>
 
 <file path=ppt/notesSlides/notesSlide2.xml><?xml version="1.0" encoding="utf-8"?>
-<p:notes xmlns:a="http://schemas.openxmlformats.org/drawingml/2006/main" xmlns:r="http://schemas.openxmlformats.org/officeDocument/2006/relationships" xmlns:mc="http://schemas.openxmlformats.org/markup-compatibility/2006" xmlns:mv="urn:schemas-microsoft-com:mac:vml" xmlns:p="http://schemas.openxmlformats.org/presentationml/2006/main" xmlns:c="http://schemas.openxmlformats.org/drawingml/2006/chart" xmlns:dgm="http://schemas.openxmlformats.org/drawingml/2006/diagram" xmlns:o="urn:schemas-microsoft-com:office:office" xmlns:v="urn:schemas-microsoft-com:vml" xmlns:pvml="urn:schemas-microsoft-com:office:powerpoint" xmlns:com="http://schemas.openxmlformats.org/drawingml/2006/compatibility" xmlns:p14="http://schemas.microsoft.com/office/powerpoint/2010/main" showMasterPhAnim="0" showMasterSp="0">
+<p:notes xmlns:a="http://schemas.openxmlformats.org/drawingml/2006/main" xmlns:r="http://schemas.openxmlformats.org/officeDocument/2006/relationships" xmlns:p="http://schemas.openxmlformats.org/presentationml/2006/main" showMasterSp="0" showMasterPhAnim="0">
   <p:cSld>
     <p:spTree>
       <p:nvGrpSpPr>
-        <p:cNvPr id="40" name="Shape 40"/>
+        <p:cNvPr id="1" name="Shape 40"/>
         <p:cNvGrpSpPr/>
         <p:nvPr/>
       </p:nvGrpSpPr>
@@ -1786,9 +1965,11 @@
       <p:sp>
         <p:nvSpPr>
           <p:cNvPr id="41" name="Shape 41"/>
-          <p:cNvSpPr txBox="1"/>
+          <p:cNvSpPr txBox="1">
+            <a:spLocks noGrp="1"/>
+          </p:cNvSpPr>
           <p:nvPr>
-            <p:ph idx="1" type="body"/>
+            <p:ph type="body" idx="1"/>
           </p:nvPr>
         </p:nvSpPr>
         <p:spPr>
@@ -1805,22 +1986,19 @@
           </a:ln>
         </p:spPr>
         <p:txBody>
-          <a:bodyPr anchorCtr="0" anchor="t" bIns="90525" lIns="90525" rIns="90525" tIns="90525">
+          <a:bodyPr lIns="90525" tIns="90525" rIns="90525" bIns="90525" anchor="t" anchorCtr="0">
             <a:noAutofit/>
           </a:bodyPr>
           <a:lstStyle/>
           <a:p>
-            <a:pPr indent="0" lvl="0" marL="0" marR="0" rtl="0" algn="l">
+            <a:pPr marL="0" marR="0" lvl="0" indent="0" algn="l" rtl="0">
               <a:spcBef>
                 <a:spcPts val="0"/>
               </a:spcBef>
               <a:buSzPct val="25000"/>
               <a:buNone/>
             </a:pPr>
-            <a:r>
-              <a:t/>
-            </a:r>
-            <a:endParaRPr b="0" i="0" sz="1200" u="none" cap="none" strike="noStrike">
+            <a:endParaRPr sz="1200" b="0" i="0" u="none" strike="noStrike" cap="none">
               <a:solidFill>
                 <a:schemeClr val="dk1"/>
               </a:solidFill>
@@ -1835,19 +2013,26 @@
       <p:sp>
         <p:nvSpPr>
           <p:cNvPr id="42" name="Shape 42"/>
-          <p:cNvSpPr/>
+          <p:cNvSpPr>
+            <a:spLocks noGrp="1" noRot="1" noChangeAspect="1"/>
+          </p:cNvSpPr>
           <p:nvPr>
-            <p:ph idx="2" type="sldImg"/>
+            <p:ph type="sldImg" idx="2"/>
           </p:nvPr>
         </p:nvSpPr>
         <p:spPr>
           <a:xfrm>
             <a:off x="1606550" y="685800"/>
-            <a:ext cx="3702049" cy="2082800"/>
+            <a:ext cx="3702050" cy="2082800"/>
           </a:xfrm>
           <a:custGeom>
+            <a:avLst/>
+            <a:gdLst/>
+            <a:ahLst/>
+            <a:cxnLst/>
+            <a:rect l="0" t="0" r="0" b="0"/>
             <a:pathLst>
-              <a:path extrusionOk="0" h="120000" w="120000">
+              <a:path w="120000" h="120000" extrusionOk="0">
                 <a:moveTo>
                   <a:pt x="0" y="0"/>
                 </a:moveTo>
@@ -1865,14 +2050,14 @@
             </a:pathLst>
           </a:custGeom>
           <a:noFill/>
-          <a:ln cap="flat" cmpd="sng" w="9525">
+          <a:ln w="9525" cap="flat" cmpd="sng">
             <a:solidFill>
               <a:srgbClr val="000000"/>
             </a:solidFill>
             <a:prstDash val="solid"/>
             <a:round/>
-            <a:headEnd len="med" w="med" type="none"/>
-            <a:tailEnd len="med" w="med" type="none"/>
+            <a:headEnd type="none" w="med" len="med"/>
+            <a:tailEnd type="none" w="med" len="med"/>
           </a:ln>
         </p:spPr>
       </p:sp>
@@ -1885,11 +2070,11 @@
 </file>
 
 <file path=ppt/notesSlides/notesSlide3.xml><?xml version="1.0" encoding="utf-8"?>
-<p:notes xmlns:a="http://schemas.openxmlformats.org/drawingml/2006/main" xmlns:r="http://schemas.openxmlformats.org/officeDocument/2006/relationships" xmlns:mc="http://schemas.openxmlformats.org/markup-compatibility/2006" xmlns:mv="urn:schemas-microsoft-com:mac:vml" xmlns:p="http://schemas.openxmlformats.org/presentationml/2006/main" xmlns:c="http://schemas.openxmlformats.org/drawingml/2006/chart" xmlns:dgm="http://schemas.openxmlformats.org/drawingml/2006/diagram" xmlns:o="urn:schemas-microsoft-com:office:office" xmlns:v="urn:schemas-microsoft-com:vml" xmlns:pvml="urn:schemas-microsoft-com:office:powerpoint" xmlns:com="http://schemas.openxmlformats.org/drawingml/2006/compatibility" xmlns:p14="http://schemas.microsoft.com/office/powerpoint/2010/main" showMasterPhAnim="0" showMasterSp="0">
+<p:notes xmlns:a="http://schemas.openxmlformats.org/drawingml/2006/main" xmlns:r="http://schemas.openxmlformats.org/officeDocument/2006/relationships" xmlns:p="http://schemas.openxmlformats.org/presentationml/2006/main" showMasterSp="0" showMasterPhAnim="0">
   <p:cSld>
     <p:spTree>
       <p:nvGrpSpPr>
-        <p:cNvPr id="47" name="Shape 47"/>
+        <p:cNvPr id="1" name="Shape 47"/>
         <p:cNvGrpSpPr/>
         <p:nvPr/>
       </p:nvGrpSpPr>
@@ -1904,9 +2089,11 @@
       <p:sp>
         <p:nvSpPr>
           <p:cNvPr id="48" name="Shape 48"/>
-          <p:cNvSpPr txBox="1"/>
+          <p:cNvSpPr txBox="1">
+            <a:spLocks noGrp="1"/>
+          </p:cNvSpPr>
           <p:nvPr>
-            <p:ph idx="1" type="body"/>
+            <p:ph type="body" idx="1"/>
           </p:nvPr>
         </p:nvSpPr>
         <p:spPr>
@@ -1923,22 +2110,19 @@
           </a:ln>
         </p:spPr>
         <p:txBody>
-          <a:bodyPr anchorCtr="0" anchor="t" bIns="90525" lIns="90525" rIns="90525" tIns="90525">
+          <a:bodyPr lIns="90525" tIns="90525" rIns="90525" bIns="90525" anchor="t" anchorCtr="0">
             <a:noAutofit/>
           </a:bodyPr>
           <a:lstStyle/>
           <a:p>
-            <a:pPr indent="0" lvl="0" marL="0" marR="0" rtl="0" algn="l">
+            <a:pPr marL="0" marR="0" lvl="0" indent="0" algn="l" rtl="0">
               <a:spcBef>
                 <a:spcPts val="0"/>
               </a:spcBef>
               <a:buSzPct val="25000"/>
               <a:buNone/>
             </a:pPr>
-            <a:r>
-              <a:t/>
-            </a:r>
-            <a:endParaRPr b="0" i="0" sz="1200" u="none" cap="none" strike="noStrike">
+            <a:endParaRPr sz="1200" b="0" i="0" u="none" strike="noStrike" cap="none">
               <a:solidFill>
                 <a:schemeClr val="dk1"/>
               </a:solidFill>
@@ -1953,19 +2137,26 @@
       <p:sp>
         <p:nvSpPr>
           <p:cNvPr id="49" name="Shape 49"/>
-          <p:cNvSpPr/>
+          <p:cNvSpPr>
+            <a:spLocks noGrp="1" noRot="1" noChangeAspect="1"/>
+          </p:cNvSpPr>
           <p:nvPr>
-            <p:ph idx="2" type="sldImg"/>
+            <p:ph type="sldImg" idx="2"/>
           </p:nvPr>
         </p:nvSpPr>
         <p:spPr>
           <a:xfrm>
             <a:off x="1606550" y="685800"/>
-            <a:ext cx="3702000" cy="2082900"/>
+            <a:ext cx="3702050" cy="2082800"/>
           </a:xfrm>
           <a:custGeom>
+            <a:avLst/>
+            <a:gdLst/>
+            <a:ahLst/>
+            <a:cxnLst/>
+            <a:rect l="0" t="0" r="0" b="0"/>
             <a:pathLst>
-              <a:path extrusionOk="0" h="120000" w="120000">
+              <a:path w="120000" h="120000" extrusionOk="0">
                 <a:moveTo>
                   <a:pt x="0" y="0"/>
                 </a:moveTo>
@@ -1983,14 +2174,14 @@
             </a:pathLst>
           </a:custGeom>
           <a:noFill/>
-          <a:ln cap="flat" cmpd="sng" w="9525">
+          <a:ln w="9525" cap="flat" cmpd="sng">
             <a:solidFill>
               <a:srgbClr val="000000"/>
             </a:solidFill>
             <a:prstDash val="solid"/>
             <a:round/>
-            <a:headEnd len="med" w="med" type="none"/>
-            <a:tailEnd len="med" w="med" type="none"/>
+            <a:headEnd type="none" w="med" len="med"/>
+            <a:tailEnd type="none" w="med" len="med"/>
           </a:ln>
         </p:spPr>
       </p:sp>
@@ -2003,11 +2194,11 @@
 </file>
 
 <file path=ppt/notesSlides/notesSlide4.xml><?xml version="1.0" encoding="utf-8"?>
-<p:notes xmlns:a="http://schemas.openxmlformats.org/drawingml/2006/main" xmlns:r="http://schemas.openxmlformats.org/officeDocument/2006/relationships" xmlns:mc="http://schemas.openxmlformats.org/markup-compatibility/2006" xmlns:mv="urn:schemas-microsoft-com:mac:vml" xmlns:p="http://schemas.openxmlformats.org/presentationml/2006/main" xmlns:c="http://schemas.openxmlformats.org/drawingml/2006/chart" xmlns:dgm="http://schemas.openxmlformats.org/drawingml/2006/diagram" xmlns:o="urn:schemas-microsoft-com:office:office" xmlns:v="urn:schemas-microsoft-com:vml" xmlns:pvml="urn:schemas-microsoft-com:office:powerpoint" xmlns:com="http://schemas.openxmlformats.org/drawingml/2006/compatibility" xmlns:p14="http://schemas.microsoft.com/office/powerpoint/2010/main" showMasterPhAnim="0" showMasterSp="0">
+<p:notes xmlns:a="http://schemas.openxmlformats.org/drawingml/2006/main" xmlns:r="http://schemas.openxmlformats.org/officeDocument/2006/relationships" xmlns:p="http://schemas.openxmlformats.org/presentationml/2006/main" showMasterSp="0" showMasterPhAnim="0">
   <p:cSld>
     <p:spTree>
       <p:nvGrpSpPr>
-        <p:cNvPr id="55" name="Shape 55"/>
+        <p:cNvPr id="1" name="Shape 55"/>
         <p:cNvGrpSpPr/>
         <p:nvPr/>
       </p:nvGrpSpPr>
@@ -2022,9 +2213,11 @@
       <p:sp>
         <p:nvSpPr>
           <p:cNvPr id="56" name="Shape 56"/>
-          <p:cNvSpPr txBox="1"/>
+          <p:cNvSpPr txBox="1">
+            <a:spLocks noGrp="1"/>
+          </p:cNvSpPr>
           <p:nvPr>
-            <p:ph idx="1" type="body"/>
+            <p:ph type="body" idx="1"/>
           </p:nvPr>
         </p:nvSpPr>
         <p:spPr>
@@ -2041,22 +2234,19 @@
           </a:ln>
         </p:spPr>
         <p:txBody>
-          <a:bodyPr anchorCtr="0" anchor="t" bIns="90525" lIns="90525" rIns="90525" tIns="90525">
+          <a:bodyPr lIns="90525" tIns="90525" rIns="90525" bIns="90525" anchor="t" anchorCtr="0">
             <a:noAutofit/>
           </a:bodyPr>
           <a:lstStyle/>
           <a:p>
-            <a:pPr indent="0" lvl="0" marL="0" marR="0" rtl="0" algn="l">
+            <a:pPr marL="0" marR="0" lvl="0" indent="0" algn="l" rtl="0">
               <a:spcBef>
                 <a:spcPts val="0"/>
               </a:spcBef>
               <a:buSzPct val="25000"/>
               <a:buNone/>
             </a:pPr>
-            <a:r>
-              <a:t/>
-            </a:r>
-            <a:endParaRPr b="0" i="0" sz="1200" u="none" cap="none" strike="noStrike">
+            <a:endParaRPr sz="1200" b="0" i="0" u="none" strike="noStrike" cap="none">
               <a:solidFill>
                 <a:schemeClr val="dk1"/>
               </a:solidFill>
@@ -2071,19 +2261,26 @@
       <p:sp>
         <p:nvSpPr>
           <p:cNvPr id="57" name="Shape 57"/>
-          <p:cNvSpPr/>
+          <p:cNvSpPr>
+            <a:spLocks noGrp="1" noRot="1" noChangeAspect="1"/>
+          </p:cNvSpPr>
           <p:nvPr>
-            <p:ph idx="2" type="sldImg"/>
+            <p:ph type="sldImg" idx="2"/>
           </p:nvPr>
         </p:nvSpPr>
         <p:spPr>
           <a:xfrm>
             <a:off x="1606550" y="685800"/>
-            <a:ext cx="3702000" cy="2082900"/>
+            <a:ext cx="3702050" cy="2082800"/>
           </a:xfrm>
           <a:custGeom>
+            <a:avLst/>
+            <a:gdLst/>
+            <a:ahLst/>
+            <a:cxnLst/>
+            <a:rect l="0" t="0" r="0" b="0"/>
             <a:pathLst>
-              <a:path extrusionOk="0" h="120000" w="120000">
+              <a:path w="120000" h="120000" extrusionOk="0">
                 <a:moveTo>
                   <a:pt x="0" y="0"/>
                 </a:moveTo>
@@ -2101,14 +2298,14 @@
             </a:pathLst>
           </a:custGeom>
           <a:noFill/>
-          <a:ln cap="flat" cmpd="sng" w="9525">
+          <a:ln w="9525" cap="flat" cmpd="sng">
             <a:solidFill>
               <a:srgbClr val="000000"/>
             </a:solidFill>
             <a:prstDash val="solid"/>
             <a:round/>
-            <a:headEnd len="med" w="med" type="none"/>
-            <a:tailEnd len="med" w="med" type="none"/>
+            <a:headEnd type="none" w="med" len="med"/>
+            <a:tailEnd type="none" w="med" len="med"/>
           </a:ln>
         </p:spPr>
       </p:sp>
@@ -2121,11 +2318,11 @@
 </file>
 
 <file path=ppt/notesSlides/notesSlide5.xml><?xml version="1.0" encoding="utf-8"?>
-<p:notes xmlns:a="http://schemas.openxmlformats.org/drawingml/2006/main" xmlns:r="http://schemas.openxmlformats.org/officeDocument/2006/relationships" xmlns:mc="http://schemas.openxmlformats.org/markup-compatibility/2006" xmlns:mv="urn:schemas-microsoft-com:mac:vml" xmlns:p="http://schemas.openxmlformats.org/presentationml/2006/main" xmlns:c="http://schemas.openxmlformats.org/drawingml/2006/chart" xmlns:dgm="http://schemas.openxmlformats.org/drawingml/2006/diagram" xmlns:o="urn:schemas-microsoft-com:office:office" xmlns:v="urn:schemas-microsoft-com:vml" xmlns:pvml="urn:schemas-microsoft-com:office:powerpoint" xmlns:com="http://schemas.openxmlformats.org/drawingml/2006/compatibility" xmlns:p14="http://schemas.microsoft.com/office/powerpoint/2010/main" showMasterPhAnim="0" showMasterSp="0">
+<p:notes xmlns:a="http://schemas.openxmlformats.org/drawingml/2006/main" xmlns:r="http://schemas.openxmlformats.org/officeDocument/2006/relationships" xmlns:p="http://schemas.openxmlformats.org/presentationml/2006/main" showMasterSp="0" showMasterPhAnim="0">
   <p:cSld>
     <p:spTree>
       <p:nvGrpSpPr>
-        <p:cNvPr id="62" name="Shape 62"/>
+        <p:cNvPr id="1" name="Shape 62"/>
         <p:cNvGrpSpPr/>
         <p:nvPr/>
       </p:nvGrpSpPr>
@@ -2140,9 +2337,11 @@
       <p:sp>
         <p:nvSpPr>
           <p:cNvPr id="63" name="Shape 63"/>
-          <p:cNvSpPr txBox="1"/>
+          <p:cNvSpPr txBox="1">
+            <a:spLocks noGrp="1"/>
+          </p:cNvSpPr>
           <p:nvPr>
-            <p:ph idx="1" type="body"/>
+            <p:ph type="body" idx="1"/>
           </p:nvPr>
         </p:nvSpPr>
         <p:spPr>
@@ -2159,22 +2358,19 @@
           </a:ln>
         </p:spPr>
         <p:txBody>
-          <a:bodyPr anchorCtr="0" anchor="t" bIns="90525" lIns="90525" rIns="90525" tIns="90525">
+          <a:bodyPr lIns="90525" tIns="90525" rIns="90525" bIns="90525" anchor="t" anchorCtr="0">
             <a:noAutofit/>
           </a:bodyPr>
           <a:lstStyle/>
           <a:p>
-            <a:pPr indent="0" lvl="0" marL="0" marR="0" rtl="0" algn="l">
+            <a:pPr marL="0" marR="0" lvl="0" indent="0" algn="l" rtl="0">
               <a:spcBef>
                 <a:spcPts val="0"/>
               </a:spcBef>
               <a:buSzPct val="25000"/>
               <a:buNone/>
             </a:pPr>
-            <a:r>
-              <a:t/>
-            </a:r>
-            <a:endParaRPr b="0" i="0" sz="1200" u="none" cap="none" strike="noStrike">
+            <a:endParaRPr sz="1200" b="0" i="0" u="none" strike="noStrike" cap="none">
               <a:solidFill>
                 <a:schemeClr val="dk1"/>
               </a:solidFill>
@@ -2189,19 +2385,26 @@
       <p:sp>
         <p:nvSpPr>
           <p:cNvPr id="64" name="Shape 64"/>
-          <p:cNvSpPr/>
+          <p:cNvSpPr>
+            <a:spLocks noGrp="1" noRot="1" noChangeAspect="1"/>
+          </p:cNvSpPr>
           <p:nvPr>
-            <p:ph idx="2" type="sldImg"/>
+            <p:ph type="sldImg" idx="2"/>
           </p:nvPr>
         </p:nvSpPr>
         <p:spPr>
           <a:xfrm>
             <a:off x="1606550" y="685800"/>
-            <a:ext cx="3702049" cy="2082800"/>
+            <a:ext cx="3702050" cy="2082800"/>
           </a:xfrm>
           <a:custGeom>
+            <a:avLst/>
+            <a:gdLst/>
+            <a:ahLst/>
+            <a:cxnLst/>
+            <a:rect l="0" t="0" r="0" b="0"/>
             <a:pathLst>
-              <a:path extrusionOk="0" h="120000" w="120000">
+              <a:path w="120000" h="120000" extrusionOk="0">
                 <a:moveTo>
                   <a:pt x="0" y="0"/>
                 </a:moveTo>
@@ -2219,14 +2422,14 @@
             </a:pathLst>
           </a:custGeom>
           <a:noFill/>
-          <a:ln cap="flat" cmpd="sng" w="9525">
+          <a:ln w="9525" cap="flat" cmpd="sng">
             <a:solidFill>
               <a:srgbClr val="000000"/>
             </a:solidFill>
             <a:prstDash val="solid"/>
             <a:round/>
-            <a:headEnd len="med" w="med" type="none"/>
-            <a:tailEnd len="med" w="med" type="none"/>
+            <a:headEnd type="none" w="med" len="med"/>
+            <a:tailEnd type="none" w="med" len="med"/>
           </a:ln>
         </p:spPr>
       </p:sp>
@@ -2239,11 +2442,11 @@
 </file>
 
 <file path=ppt/notesSlides/notesSlide6.xml><?xml version="1.0" encoding="utf-8"?>
-<p:notes xmlns:a="http://schemas.openxmlformats.org/drawingml/2006/main" xmlns:r="http://schemas.openxmlformats.org/officeDocument/2006/relationships" xmlns:mc="http://schemas.openxmlformats.org/markup-compatibility/2006" xmlns:mv="urn:schemas-microsoft-com:mac:vml" xmlns:p="http://schemas.openxmlformats.org/presentationml/2006/main" xmlns:c="http://schemas.openxmlformats.org/drawingml/2006/chart" xmlns:dgm="http://schemas.openxmlformats.org/drawingml/2006/diagram" xmlns:o="urn:schemas-microsoft-com:office:office" xmlns:v="urn:schemas-microsoft-com:vml" xmlns:pvml="urn:schemas-microsoft-com:office:powerpoint" xmlns:com="http://schemas.openxmlformats.org/drawingml/2006/compatibility" xmlns:p14="http://schemas.microsoft.com/office/powerpoint/2010/main" showMasterPhAnim="0" showMasterSp="0">
+<p:notes xmlns:a="http://schemas.openxmlformats.org/drawingml/2006/main" xmlns:r="http://schemas.openxmlformats.org/officeDocument/2006/relationships" xmlns:p="http://schemas.openxmlformats.org/presentationml/2006/main" showMasterSp="0" showMasterPhAnim="0">
   <p:cSld>
     <p:spTree>
       <p:nvGrpSpPr>
-        <p:cNvPr id="70" name="Shape 70"/>
+        <p:cNvPr id="1" name="Shape 70"/>
         <p:cNvGrpSpPr/>
         <p:nvPr/>
       </p:nvGrpSpPr>
@@ -2258,9 +2461,11 @@
       <p:sp>
         <p:nvSpPr>
           <p:cNvPr id="71" name="Shape 71"/>
-          <p:cNvSpPr txBox="1"/>
+          <p:cNvSpPr txBox="1">
+            <a:spLocks noGrp="1"/>
+          </p:cNvSpPr>
           <p:nvPr>
-            <p:ph idx="1" type="body"/>
+            <p:ph type="body" idx="1"/>
           </p:nvPr>
         </p:nvSpPr>
         <p:spPr>
@@ -2277,12 +2482,12 @@
           </a:ln>
         </p:spPr>
         <p:txBody>
-          <a:bodyPr anchorCtr="0" anchor="t" bIns="90525" lIns="90525" rIns="90525" tIns="90525">
+          <a:bodyPr lIns="90525" tIns="90525" rIns="90525" bIns="90525" anchor="t" anchorCtr="0">
             <a:noAutofit/>
           </a:bodyPr>
           <a:lstStyle/>
           <a:p>
-            <a:pPr indent="0" lvl="0" marL="0" marR="0" rtl="0" algn="l">
+            <a:pPr marL="0" marR="0" lvl="0" indent="0" algn="l" rtl="0">
               <a:spcBef>
                 <a:spcPts val="0"/>
               </a:spcBef>
@@ -2290,7 +2495,7 @@
               <a:buNone/>
             </a:pPr>
             <a:r>
-              <a:rPr b="0" i="0" lang="en-US" sz="1200" u="none" cap="none" strike="noStrike">
+              <a:rPr lang="en-US" sz="1200" b="0" i="0" u="none" strike="noStrike" cap="none">
                 <a:solidFill>
                   <a:schemeClr val="dk1"/>
                 </a:solidFill>
@@ -2307,19 +2512,26 @@
       <p:sp>
         <p:nvSpPr>
           <p:cNvPr id="72" name="Shape 72"/>
-          <p:cNvSpPr/>
+          <p:cNvSpPr>
+            <a:spLocks noGrp="1" noRot="1" noChangeAspect="1"/>
+          </p:cNvSpPr>
           <p:nvPr>
-            <p:ph idx="2" type="sldImg"/>
+            <p:ph type="sldImg" idx="2"/>
           </p:nvPr>
         </p:nvSpPr>
         <p:spPr>
           <a:xfrm>
             <a:off x="1606550" y="685800"/>
-            <a:ext cx="3702049" cy="2082800"/>
+            <a:ext cx="3702050" cy="2082800"/>
           </a:xfrm>
           <a:custGeom>
+            <a:avLst/>
+            <a:gdLst/>
+            <a:ahLst/>
+            <a:cxnLst/>
+            <a:rect l="0" t="0" r="0" b="0"/>
             <a:pathLst>
-              <a:path extrusionOk="0" h="120000" w="120000">
+              <a:path w="120000" h="120000" extrusionOk="0">
                 <a:moveTo>
                   <a:pt x="0" y="0"/>
                 </a:moveTo>
@@ -2337,14 +2549,14 @@
             </a:pathLst>
           </a:custGeom>
           <a:noFill/>
-          <a:ln cap="flat" cmpd="sng" w="9525">
+          <a:ln w="9525" cap="flat" cmpd="sng">
             <a:solidFill>
               <a:srgbClr val="000000"/>
             </a:solidFill>
             <a:prstDash val="solid"/>
             <a:round/>
-            <a:headEnd len="med" w="med" type="none"/>
-            <a:tailEnd len="med" w="med" type="none"/>
+            <a:headEnd type="none" w="med" len="med"/>
+            <a:tailEnd type="none" w="med" len="med"/>
           </a:ln>
         </p:spPr>
       </p:sp>
@@ -2357,11 +2569,11 @@
 </file>
 
 <file path=ppt/notesSlides/notesSlide7.xml><?xml version="1.0" encoding="utf-8"?>
-<p:notes xmlns:a="http://schemas.openxmlformats.org/drawingml/2006/main" xmlns:r="http://schemas.openxmlformats.org/officeDocument/2006/relationships" xmlns:mc="http://schemas.openxmlformats.org/markup-compatibility/2006" xmlns:mv="urn:schemas-microsoft-com:mac:vml" xmlns:p="http://schemas.openxmlformats.org/presentationml/2006/main" xmlns:c="http://schemas.openxmlformats.org/drawingml/2006/chart" xmlns:dgm="http://schemas.openxmlformats.org/drawingml/2006/diagram" xmlns:o="urn:schemas-microsoft-com:office:office" xmlns:v="urn:schemas-microsoft-com:vml" xmlns:pvml="urn:schemas-microsoft-com:office:powerpoint" xmlns:com="http://schemas.openxmlformats.org/drawingml/2006/compatibility" xmlns:p14="http://schemas.microsoft.com/office/powerpoint/2010/main" showMasterPhAnim="0" showMasterSp="0">
+<p:notes xmlns:a="http://schemas.openxmlformats.org/drawingml/2006/main" xmlns:r="http://schemas.openxmlformats.org/officeDocument/2006/relationships" xmlns:p="http://schemas.openxmlformats.org/presentationml/2006/main" showMasterSp="0" showMasterPhAnim="0">
   <p:cSld>
     <p:spTree>
       <p:nvGrpSpPr>
-        <p:cNvPr id="78" name="Shape 78"/>
+        <p:cNvPr id="1" name="Shape 78"/>
         <p:cNvGrpSpPr/>
         <p:nvPr/>
       </p:nvGrpSpPr>
@@ -2376,9 +2588,11 @@
       <p:sp>
         <p:nvSpPr>
           <p:cNvPr id="79" name="Shape 79"/>
-          <p:cNvSpPr txBox="1"/>
+          <p:cNvSpPr txBox="1">
+            <a:spLocks noGrp="1"/>
+          </p:cNvSpPr>
           <p:nvPr>
-            <p:ph idx="1" type="body"/>
+            <p:ph type="body" idx="1"/>
           </p:nvPr>
         </p:nvSpPr>
         <p:spPr>
@@ -2395,22 +2609,19 @@
           </a:ln>
         </p:spPr>
         <p:txBody>
-          <a:bodyPr anchorCtr="0" anchor="t" bIns="90525" lIns="90525" rIns="90525" tIns="90525">
+          <a:bodyPr lIns="90525" tIns="90525" rIns="90525" bIns="90525" anchor="t" anchorCtr="0">
             <a:noAutofit/>
           </a:bodyPr>
           <a:lstStyle/>
           <a:p>
-            <a:pPr indent="0" lvl="0" marL="0" marR="0" rtl="0" algn="l">
+            <a:pPr marL="0" marR="0" lvl="0" indent="0" algn="l" rtl="0">
               <a:spcBef>
                 <a:spcPts val="0"/>
               </a:spcBef>
               <a:buSzPct val="25000"/>
               <a:buNone/>
             </a:pPr>
-            <a:r>
-              <a:t/>
-            </a:r>
-            <a:endParaRPr b="0" i="0" sz="1200" u="none" cap="none" strike="noStrike">
+            <a:endParaRPr sz="1200" b="0" i="0" u="none" strike="noStrike" cap="none">
               <a:solidFill>
                 <a:schemeClr val="dk1"/>
               </a:solidFill>
@@ -2425,19 +2636,26 @@
       <p:sp>
         <p:nvSpPr>
           <p:cNvPr id="80" name="Shape 80"/>
-          <p:cNvSpPr/>
+          <p:cNvSpPr>
+            <a:spLocks noGrp="1" noRot="1" noChangeAspect="1"/>
+          </p:cNvSpPr>
           <p:nvPr>
-            <p:ph idx="2" type="sldImg"/>
+            <p:ph type="sldImg" idx="2"/>
           </p:nvPr>
         </p:nvSpPr>
         <p:spPr>
           <a:xfrm>
             <a:off x="1606550" y="685800"/>
-            <a:ext cx="3702049" cy="2082800"/>
+            <a:ext cx="3702050" cy="2082800"/>
           </a:xfrm>
           <a:custGeom>
+            <a:avLst/>
+            <a:gdLst/>
+            <a:ahLst/>
+            <a:cxnLst/>
+            <a:rect l="0" t="0" r="0" b="0"/>
             <a:pathLst>
-              <a:path extrusionOk="0" h="120000" w="120000">
+              <a:path w="120000" h="120000" extrusionOk="0">
                 <a:moveTo>
                   <a:pt x="0" y="0"/>
                 </a:moveTo>
@@ -2455,14 +2673,14 @@
             </a:pathLst>
           </a:custGeom>
           <a:noFill/>
-          <a:ln cap="flat" cmpd="sng" w="9525">
+          <a:ln w="9525" cap="flat" cmpd="sng">
             <a:solidFill>
               <a:srgbClr val="000000"/>
             </a:solidFill>
             <a:prstDash val="solid"/>
             <a:round/>
-            <a:headEnd len="med" w="med" type="none"/>
-            <a:tailEnd len="med" w="med" type="none"/>
+            <a:headEnd type="none" w="med" len="med"/>
+            <a:tailEnd type="none" w="med" len="med"/>
           </a:ln>
         </p:spPr>
       </p:sp>
@@ -2475,11 +2693,11 @@
 </file>
 
 <file path=ppt/notesSlides/notesSlide8.xml><?xml version="1.0" encoding="utf-8"?>
-<p:notes xmlns:a="http://schemas.openxmlformats.org/drawingml/2006/main" xmlns:r="http://schemas.openxmlformats.org/officeDocument/2006/relationships" xmlns:mc="http://schemas.openxmlformats.org/markup-compatibility/2006" xmlns:mv="urn:schemas-microsoft-com:mac:vml" xmlns:p="http://schemas.openxmlformats.org/presentationml/2006/main" xmlns:c="http://schemas.openxmlformats.org/drawingml/2006/chart" xmlns:dgm="http://schemas.openxmlformats.org/drawingml/2006/diagram" xmlns:o="urn:schemas-microsoft-com:office:office" xmlns:v="urn:schemas-microsoft-com:vml" xmlns:pvml="urn:schemas-microsoft-com:office:powerpoint" xmlns:com="http://schemas.openxmlformats.org/drawingml/2006/compatibility" xmlns:p14="http://schemas.microsoft.com/office/powerpoint/2010/main" showMasterPhAnim="0" showMasterSp="0">
+<p:notes xmlns:a="http://schemas.openxmlformats.org/drawingml/2006/main" xmlns:r="http://schemas.openxmlformats.org/officeDocument/2006/relationships" xmlns:p="http://schemas.openxmlformats.org/presentationml/2006/main" showMasterSp="0" showMasterPhAnim="0">
   <p:cSld>
     <p:spTree>
       <p:nvGrpSpPr>
-        <p:cNvPr id="87" name="Shape 87"/>
+        <p:cNvPr id="1" name="Shape 87"/>
         <p:cNvGrpSpPr/>
         <p:nvPr/>
       </p:nvGrpSpPr>
@@ -2494,9 +2712,11 @@
       <p:sp>
         <p:nvSpPr>
           <p:cNvPr id="88" name="Shape 88"/>
-          <p:cNvSpPr txBox="1"/>
+          <p:cNvSpPr txBox="1">
+            <a:spLocks noGrp="1"/>
+          </p:cNvSpPr>
           <p:nvPr>
-            <p:ph idx="1" type="body"/>
+            <p:ph type="body" idx="1"/>
           </p:nvPr>
         </p:nvSpPr>
         <p:spPr>
@@ -2513,22 +2733,19 @@
           </a:ln>
         </p:spPr>
         <p:txBody>
-          <a:bodyPr anchorCtr="0" anchor="t" bIns="90525" lIns="90525" rIns="90525" tIns="90525">
+          <a:bodyPr lIns="90525" tIns="90525" rIns="90525" bIns="90525" anchor="t" anchorCtr="0">
             <a:noAutofit/>
           </a:bodyPr>
           <a:lstStyle/>
           <a:p>
-            <a:pPr indent="0" lvl="0" marL="0" marR="0" rtl="0" algn="l">
+            <a:pPr marL="0" marR="0" lvl="0" indent="0" algn="l" rtl="0">
               <a:spcBef>
                 <a:spcPts val="0"/>
               </a:spcBef>
               <a:buSzPct val="25000"/>
               <a:buNone/>
             </a:pPr>
-            <a:r>
-              <a:t/>
-            </a:r>
-            <a:endParaRPr b="0" i="0" sz="1200" u="none" cap="none" strike="noStrike">
+            <a:endParaRPr sz="1200" b="0" i="0" u="none" strike="noStrike" cap="none">
               <a:solidFill>
                 <a:schemeClr val="dk1"/>
               </a:solidFill>
@@ -2543,19 +2760,26 @@
       <p:sp>
         <p:nvSpPr>
           <p:cNvPr id="89" name="Shape 89"/>
-          <p:cNvSpPr/>
+          <p:cNvSpPr>
+            <a:spLocks noGrp="1" noRot="1" noChangeAspect="1"/>
+          </p:cNvSpPr>
           <p:nvPr>
-            <p:ph idx="2" type="sldImg"/>
+            <p:ph type="sldImg" idx="2"/>
           </p:nvPr>
         </p:nvSpPr>
         <p:spPr>
           <a:xfrm>
             <a:off x="1606550" y="685800"/>
-            <a:ext cx="3702049" cy="2082800"/>
+            <a:ext cx="3702050" cy="2082800"/>
           </a:xfrm>
           <a:custGeom>
+            <a:avLst/>
+            <a:gdLst/>
+            <a:ahLst/>
+            <a:cxnLst/>
+            <a:rect l="0" t="0" r="0" b="0"/>
             <a:pathLst>
-              <a:path extrusionOk="0" h="120000" w="120000">
+              <a:path w="120000" h="120000" extrusionOk="0">
                 <a:moveTo>
                   <a:pt x="0" y="0"/>
                 </a:moveTo>
@@ -2573,14 +2797,14 @@
             </a:pathLst>
           </a:custGeom>
           <a:noFill/>
-          <a:ln cap="flat" cmpd="sng" w="9525">
+          <a:ln w="9525" cap="flat" cmpd="sng">
             <a:solidFill>
               <a:srgbClr val="000000"/>
             </a:solidFill>
             <a:prstDash val="solid"/>
             <a:round/>
-            <a:headEnd len="med" w="med" type="none"/>
-            <a:tailEnd len="med" w="med" type="none"/>
+            <a:headEnd type="none" w="med" len="med"/>
+            <a:tailEnd type="none" w="med" len="med"/>
           </a:ln>
         </p:spPr>
       </p:sp>
@@ -2593,11 +2817,11 @@
 </file>
 
 <file path=ppt/notesSlides/notesSlide9.xml><?xml version="1.0" encoding="utf-8"?>
-<p:notes xmlns:a="http://schemas.openxmlformats.org/drawingml/2006/main" xmlns:r="http://schemas.openxmlformats.org/officeDocument/2006/relationships" xmlns:mc="http://schemas.openxmlformats.org/markup-compatibility/2006" xmlns:mv="urn:schemas-microsoft-com:mac:vml" xmlns:p="http://schemas.openxmlformats.org/presentationml/2006/main" xmlns:c="http://schemas.openxmlformats.org/drawingml/2006/chart" xmlns:dgm="http://schemas.openxmlformats.org/drawingml/2006/diagram" xmlns:o="urn:schemas-microsoft-com:office:office" xmlns:v="urn:schemas-microsoft-com:vml" xmlns:pvml="urn:schemas-microsoft-com:office:powerpoint" xmlns:com="http://schemas.openxmlformats.org/drawingml/2006/compatibility" xmlns:p14="http://schemas.microsoft.com/office/powerpoint/2010/main" showMasterPhAnim="0" showMasterSp="0">
+<p:notes xmlns:a="http://schemas.openxmlformats.org/drawingml/2006/main" xmlns:r="http://schemas.openxmlformats.org/officeDocument/2006/relationships" xmlns:p="http://schemas.openxmlformats.org/presentationml/2006/main" showMasterSp="0" showMasterPhAnim="0">
   <p:cSld>
     <p:spTree>
       <p:nvGrpSpPr>
-        <p:cNvPr id="95" name="Shape 95"/>
+        <p:cNvPr id="1" name="Shape 95"/>
         <p:cNvGrpSpPr/>
         <p:nvPr/>
       </p:nvGrpSpPr>
@@ -2612,9 +2836,11 @@
       <p:sp>
         <p:nvSpPr>
           <p:cNvPr id="96" name="Shape 96"/>
-          <p:cNvSpPr txBox="1"/>
+          <p:cNvSpPr txBox="1">
+            <a:spLocks noGrp="1"/>
+          </p:cNvSpPr>
           <p:nvPr>
-            <p:ph idx="1" type="body"/>
+            <p:ph type="body" idx="1"/>
           </p:nvPr>
         </p:nvSpPr>
         <p:spPr>
@@ -2631,22 +2857,19 @@
           </a:ln>
         </p:spPr>
         <p:txBody>
-          <a:bodyPr anchorCtr="0" anchor="t" bIns="90525" lIns="90525" rIns="90525" tIns="90525">
+          <a:bodyPr lIns="90525" tIns="90525" rIns="90525" bIns="90525" anchor="t" anchorCtr="0">
             <a:noAutofit/>
           </a:bodyPr>
           <a:lstStyle/>
           <a:p>
-            <a:pPr indent="0" lvl="0" marL="0" marR="0" rtl="0" algn="l">
+            <a:pPr marL="0" marR="0" lvl="0" indent="0" algn="l" rtl="0">
               <a:spcBef>
                 <a:spcPts val="0"/>
               </a:spcBef>
               <a:buSzPct val="25000"/>
               <a:buNone/>
             </a:pPr>
-            <a:r>
-              <a:t/>
-            </a:r>
-            <a:endParaRPr b="0" i="0" sz="1200" u="none" cap="none" strike="noStrike">
+            <a:endParaRPr sz="1200" b="0" i="0" u="none" strike="noStrike" cap="none">
               <a:solidFill>
                 <a:schemeClr val="dk1"/>
               </a:solidFill>
@@ -2661,19 +2884,26 @@
       <p:sp>
         <p:nvSpPr>
           <p:cNvPr id="97" name="Shape 97"/>
-          <p:cNvSpPr/>
+          <p:cNvSpPr>
+            <a:spLocks noGrp="1" noRot="1" noChangeAspect="1"/>
+          </p:cNvSpPr>
           <p:nvPr>
-            <p:ph idx="2" type="sldImg"/>
+            <p:ph type="sldImg" idx="2"/>
           </p:nvPr>
         </p:nvSpPr>
         <p:spPr>
           <a:xfrm>
             <a:off x="1606550" y="685800"/>
-            <a:ext cx="3702049" cy="2082800"/>
+            <a:ext cx="3702050" cy="2082800"/>
           </a:xfrm>
           <a:custGeom>
+            <a:avLst/>
+            <a:gdLst/>
+            <a:ahLst/>
+            <a:cxnLst/>
+            <a:rect l="0" t="0" r="0" b="0"/>
             <a:pathLst>
-              <a:path extrusionOk="0" h="120000" w="120000">
+              <a:path w="120000" h="120000" extrusionOk="0">
                 <a:moveTo>
                   <a:pt x="0" y="0"/>
                 </a:moveTo>
@@ -2691,14 +2921,14 @@
             </a:pathLst>
           </a:custGeom>
           <a:noFill/>
-          <a:ln cap="flat" cmpd="sng" w="9525">
+          <a:ln w="9525" cap="flat" cmpd="sng">
             <a:solidFill>
               <a:srgbClr val="000000"/>
             </a:solidFill>
             <a:prstDash val="solid"/>
             <a:round/>
-            <a:headEnd len="med" w="med" type="none"/>
-            <a:tailEnd len="med" w="med" type="none"/>
+            <a:headEnd type="none" w="med" len="med"/>
+            <a:tailEnd type="none" w="med" len="med"/>
           </a:ln>
         </p:spPr>
       </p:sp>
@@ -2711,11 +2941,11 @@
 </file>
 
 <file path=ppt/slideLayouts/slideLayout1.xml><?xml version="1.0" encoding="utf-8"?>
-<p:sldLayout xmlns:a="http://schemas.openxmlformats.org/drawingml/2006/main" xmlns:r="http://schemas.openxmlformats.org/officeDocument/2006/relationships" xmlns:mc="http://schemas.openxmlformats.org/markup-compatibility/2006" xmlns:mv="urn:schemas-microsoft-com:mac:vml" xmlns:p="http://schemas.openxmlformats.org/presentationml/2006/main" xmlns:c="http://schemas.openxmlformats.org/drawingml/2006/chart" xmlns:dgm="http://schemas.openxmlformats.org/drawingml/2006/diagram" xmlns:o="urn:schemas-microsoft-com:office:office" xmlns:v="urn:schemas-microsoft-com:vml" xmlns:pvml="urn:schemas-microsoft-com:office:powerpoint" xmlns:com="http://schemas.openxmlformats.org/drawingml/2006/compatibility" xmlns:p14="http://schemas.microsoft.com/office/powerpoint/2010/main">
+<p:sldLayout xmlns:a="http://schemas.openxmlformats.org/drawingml/2006/main" xmlns:r="http://schemas.openxmlformats.org/officeDocument/2006/relationships" xmlns:p="http://schemas.openxmlformats.org/presentationml/2006/main">
   <p:cSld name=" Blank logo">
     <p:spTree>
       <p:nvGrpSpPr>
-        <p:cNvPr id="11" name="Shape 11"/>
+        <p:cNvPr id="1" name="Shape 11"/>
         <p:cNvGrpSpPr/>
         <p:nvPr/>
       </p:nvGrpSpPr>
@@ -2730,9 +2960,11 @@
       <p:sp>
         <p:nvSpPr>
           <p:cNvPr id="12" name="Shape 12"/>
-          <p:cNvSpPr txBox="1"/>
+          <p:cNvSpPr txBox="1">
+            <a:spLocks noGrp="1"/>
+          </p:cNvSpPr>
           <p:nvPr>
-            <p:ph idx="12" type="sldNum"/>
+            <p:ph type="sldNum" idx="12"/>
           </p:nvPr>
         </p:nvSpPr>
         <p:spPr>
@@ -2749,12 +2981,12 @@
           </a:ln>
         </p:spPr>
         <p:txBody>
-          <a:bodyPr anchorCtr="0" anchor="t" bIns="45700" lIns="91425" rIns="91425" tIns="45700">
+          <a:bodyPr lIns="91425" tIns="45700" rIns="91425" bIns="45700" anchor="t" anchorCtr="0">
             <a:noAutofit/>
           </a:bodyPr>
           <a:lstStyle/>
           <a:p>
-            <a:pPr indent="0" lvl="0" marL="0" marR="0" rtl="0" algn="l">
+            <a:pPr marL="0" marR="0" lvl="0" indent="0" algn="l" rtl="0">
               <a:spcBef>
                 <a:spcPts val="0"/>
               </a:spcBef>
@@ -2762,7 +2994,7 @@
               <a:buNone/>
             </a:pPr>
             <a:fld id="{00000000-1234-1234-1234-123412341234}" type="slidenum">
-              <a:rPr b="0" i="0" lang="en-US" sz="900" u="none" cap="none" strike="noStrike">
+              <a:rPr lang="en-US" sz="900" b="0" i="0" u="none" strike="noStrike" cap="none">
                 <a:solidFill>
                   <a:srgbClr val="A5A5A5"/>
                 </a:solidFill>
@@ -2773,6 +3005,15 @@
               </a:rPr>
               <a:t>‹#›</a:t>
             </a:fld>
+            <a:endParaRPr lang="en-US" sz="900" b="0" i="0" u="none" strike="noStrike" cap="none">
+              <a:solidFill>
+                <a:srgbClr val="A5A5A5"/>
+              </a:solidFill>
+              <a:latin typeface="Arial"/>
+              <a:ea typeface="Arial"/>
+              <a:cs typeface="Arial"/>
+              <a:sym typeface="Arial"/>
+            </a:endParaRPr>
           </a:p>
         </p:txBody>
       </p:sp>
@@ -2785,11 +3026,11 @@
 </file>
 
 <file path=ppt/slideLayouts/slideLayout2.xml><?xml version="1.0" encoding="utf-8"?>
-<p:sldLayout xmlns:a="http://schemas.openxmlformats.org/drawingml/2006/main" xmlns:r="http://schemas.openxmlformats.org/officeDocument/2006/relationships" xmlns:mc="http://schemas.openxmlformats.org/markup-compatibility/2006" xmlns:mv="urn:schemas-microsoft-com:mac:vml" xmlns:p="http://schemas.openxmlformats.org/presentationml/2006/main" xmlns:c="http://schemas.openxmlformats.org/drawingml/2006/chart" xmlns:dgm="http://schemas.openxmlformats.org/drawingml/2006/diagram" xmlns:o="urn:schemas-microsoft-com:office:office" xmlns:v="urn:schemas-microsoft-com:vml" xmlns:pvml="urn:schemas-microsoft-com:office:powerpoint" xmlns:com="http://schemas.openxmlformats.org/drawingml/2006/compatibility" xmlns:p14="http://schemas.microsoft.com/office/powerpoint/2010/main" type="obj">
+<p:sldLayout xmlns:a="http://schemas.openxmlformats.org/drawingml/2006/main" xmlns:r="http://schemas.openxmlformats.org/officeDocument/2006/relationships" xmlns:p="http://schemas.openxmlformats.org/presentationml/2006/main" type="obj">
   <p:cSld name="Title and Content">
     <p:spTree>
       <p:nvGrpSpPr>
-        <p:cNvPr id="13" name="Shape 13"/>
+        <p:cNvPr id="1" name="Shape 13"/>
         <p:cNvGrpSpPr/>
         <p:nvPr/>
       </p:nvGrpSpPr>
@@ -2804,7 +3045,9 @@
       <p:sp>
         <p:nvSpPr>
           <p:cNvPr id="14" name="Shape 14"/>
-          <p:cNvSpPr txBox="1"/>
+          <p:cNvSpPr txBox="1">
+            <a:spLocks noGrp="1"/>
+          </p:cNvSpPr>
           <p:nvPr>
             <p:ph type="title"/>
           </p:nvPr>
@@ -2823,9 +3066,9 @@
           </a:ln>
         </p:spPr>
         <p:txBody>
-          <a:bodyPr anchorCtr="0" anchor="t" bIns="91425" lIns="91425" rIns="91425" tIns="91425"/>
+          <a:bodyPr lIns="91425" tIns="91425" rIns="91425" bIns="91425" anchor="t" anchorCtr="0"/>
           <a:lstStyle>
-            <a:lvl1pPr indent="0" lvl="0" marL="0" marR="0" rtl="0" algn="l">
+            <a:lvl1pPr marL="0" marR="0" lvl="0" indent="0" algn="l" rtl="0">
               <a:spcBef>
                 <a:spcPts val="0"/>
               </a:spcBef>
@@ -2837,7 +3080,7 @@
               </a:buClr>
               <a:buFont typeface="Arial"/>
               <a:buNone/>
-              <a:defRPr b="0" i="0" sz="4400" u="none" cap="none" strike="noStrike">
+              <a:defRPr sz="4400" b="0" i="0" u="none" strike="noStrike" cap="none">
                 <a:solidFill>
                   <a:schemeClr val="dk1"/>
                 </a:solidFill>
@@ -2847,7 +3090,7 @@
                 <a:sym typeface="Arial"/>
               </a:defRPr>
             </a:lvl1pPr>
-            <a:lvl2pPr indent="0" lvl="1" rtl="0" algn="l">
+            <a:lvl2pPr lvl="1" indent="0" algn="l" rtl="0">
               <a:spcBef>
                 <a:spcPts val="0"/>
               </a:spcBef>
@@ -2857,7 +3100,7 @@
               <a:buNone/>
               <a:defRPr sz="1800"/>
             </a:lvl2pPr>
-            <a:lvl3pPr indent="0" lvl="2" rtl="0" algn="l">
+            <a:lvl3pPr lvl="2" indent="0" algn="l" rtl="0">
               <a:spcBef>
                 <a:spcPts val="0"/>
               </a:spcBef>
@@ -2867,7 +3110,7 @@
               <a:buNone/>
               <a:defRPr sz="1800"/>
             </a:lvl3pPr>
-            <a:lvl4pPr indent="0" lvl="3" rtl="0" algn="l">
+            <a:lvl4pPr lvl="3" indent="0" algn="l" rtl="0">
               <a:spcBef>
                 <a:spcPts val="0"/>
               </a:spcBef>
@@ -2877,7 +3120,7 @@
               <a:buNone/>
               <a:defRPr sz="1800"/>
             </a:lvl4pPr>
-            <a:lvl5pPr indent="0" lvl="4" rtl="0" algn="l">
+            <a:lvl5pPr lvl="4" indent="0" algn="l" rtl="0">
               <a:spcBef>
                 <a:spcPts val="0"/>
               </a:spcBef>
@@ -2887,7 +3130,7 @@
               <a:buNone/>
               <a:defRPr sz="1800"/>
             </a:lvl5pPr>
-            <a:lvl6pPr indent="0" lvl="5" marL="457200" rtl="0" algn="l">
+            <a:lvl6pPr marL="457200" lvl="5" indent="0" algn="l" rtl="0">
               <a:spcBef>
                 <a:spcPts val="0"/>
               </a:spcBef>
@@ -2897,7 +3140,7 @@
               <a:buNone/>
               <a:defRPr sz="1800"/>
             </a:lvl6pPr>
-            <a:lvl7pPr indent="0" lvl="6" marL="914400" rtl="0" algn="l">
+            <a:lvl7pPr marL="914400" lvl="6" indent="0" algn="l" rtl="0">
               <a:spcBef>
                 <a:spcPts val="0"/>
               </a:spcBef>
@@ -2907,7 +3150,7 @@
               <a:buNone/>
               <a:defRPr sz="1800"/>
             </a:lvl7pPr>
-            <a:lvl8pPr indent="0" lvl="7" marL="1371600" rtl="0" algn="l">
+            <a:lvl8pPr marL="1371600" lvl="7" indent="0" algn="l" rtl="0">
               <a:spcBef>
                 <a:spcPts val="0"/>
               </a:spcBef>
@@ -2917,7 +3160,7 @@
               <a:buNone/>
               <a:defRPr sz="1800"/>
             </a:lvl8pPr>
-            <a:lvl9pPr indent="0" lvl="8" marL="1828800" rtl="0" algn="l">
+            <a:lvl9pPr marL="1828800" lvl="8" indent="0" algn="l" rtl="0">
               <a:spcBef>
                 <a:spcPts val="0"/>
               </a:spcBef>
@@ -2928,15 +3171,19 @@
               <a:defRPr sz="1800"/>
             </a:lvl9pPr>
           </a:lstStyle>
-          <a:p/>
+          <a:p>
+            <a:endParaRPr/>
+          </a:p>
         </p:txBody>
       </p:sp>
       <p:sp>
         <p:nvSpPr>
           <p:cNvPr id="15" name="Shape 15"/>
-          <p:cNvSpPr txBox="1"/>
+          <p:cNvSpPr txBox="1">
+            <a:spLocks noGrp="1"/>
+          </p:cNvSpPr>
           <p:nvPr>
-            <p:ph idx="1" type="body"/>
+            <p:ph type="body" idx="1"/>
           </p:nvPr>
         </p:nvSpPr>
         <p:spPr>
@@ -2953,9 +3200,9 @@
           </a:ln>
         </p:spPr>
         <p:txBody>
-          <a:bodyPr anchorCtr="0" anchor="t" bIns="91425" lIns="91425" rIns="91425" tIns="91425"/>
+          <a:bodyPr lIns="91425" tIns="91425" rIns="91425" bIns="91425" anchor="t" anchorCtr="0"/>
           <a:lstStyle>
-            <a:lvl1pPr indent="-139700" lvl="0" marL="342900" marR="0" rtl="0" algn="l">
+            <a:lvl1pPr marL="342900" marR="0" lvl="0" indent="-139700" algn="l" rtl="0">
               <a:spcBef>
                 <a:spcPts val="0"/>
               </a:spcBef>
@@ -2965,7 +3212,7 @@
               <a:buSzPct val="100000"/>
               <a:buFont typeface="Arial"/>
               <a:buChar char="•"/>
-              <a:defRPr b="0" i="0" sz="3200" u="none" cap="none" strike="noStrike">
+              <a:defRPr sz="3200" b="0" i="0" u="none" strike="noStrike" cap="none">
                 <a:solidFill>
                   <a:schemeClr val="dk1"/>
                 </a:solidFill>
@@ -2975,7 +3222,7 @@
                 <a:sym typeface="Arial"/>
               </a:defRPr>
             </a:lvl1pPr>
-            <a:lvl2pPr indent="-107950" lvl="1" marL="742950" marR="0" rtl="0" algn="l">
+            <a:lvl2pPr marL="742950" marR="0" lvl="1" indent="-107950" algn="l" rtl="0">
               <a:spcBef>
                 <a:spcPts val="0"/>
               </a:spcBef>
@@ -2985,7 +3232,7 @@
               <a:buSzPct val="100000"/>
               <a:buFont typeface="Arial"/>
               <a:buChar char="–"/>
-              <a:defRPr b="0" i="0" sz="2800" u="none" cap="none" strike="noStrike">
+              <a:defRPr sz="2800" b="0" i="0" u="none" strike="noStrike" cap="none">
                 <a:solidFill>
                   <a:schemeClr val="dk1"/>
                 </a:solidFill>
@@ -2995,7 +3242,7 @@
                 <a:sym typeface="Arial"/>
               </a:defRPr>
             </a:lvl2pPr>
-            <a:lvl3pPr indent="-76200" lvl="2" marL="1143000" marR="0" rtl="0" algn="l">
+            <a:lvl3pPr marL="1143000" marR="0" lvl="2" indent="-76200" algn="l" rtl="0">
               <a:spcBef>
                 <a:spcPts val="0"/>
               </a:spcBef>
@@ -3005,7 +3252,7 @@
               <a:buSzPct val="100000"/>
               <a:buFont typeface="Arial"/>
               <a:buChar char="•"/>
-              <a:defRPr b="0" i="0" sz="2400" u="none" cap="none" strike="noStrike">
+              <a:defRPr sz="2400" b="0" i="0" u="none" strike="noStrike" cap="none">
                 <a:solidFill>
                   <a:schemeClr val="dk1"/>
                 </a:solidFill>
@@ -3015,7 +3262,7 @@
                 <a:sym typeface="Arial"/>
               </a:defRPr>
             </a:lvl3pPr>
-            <a:lvl4pPr indent="-101600" lvl="3" marL="1600200" marR="0" rtl="0" algn="l">
+            <a:lvl4pPr marL="1600200" marR="0" lvl="3" indent="-101600" algn="l" rtl="0">
               <a:spcBef>
                 <a:spcPts val="0"/>
               </a:spcBef>
@@ -3025,7 +3272,7 @@
               <a:buSzPct val="100000"/>
               <a:buFont typeface="Arial"/>
               <a:buChar char="–"/>
-              <a:defRPr b="0" i="0" sz="2000" u="none" cap="none" strike="noStrike">
+              <a:defRPr sz="2000" b="0" i="0" u="none" strike="noStrike" cap="none">
                 <a:solidFill>
                   <a:schemeClr val="dk1"/>
                 </a:solidFill>
@@ -3035,7 +3282,7 @@
                 <a:sym typeface="Arial"/>
               </a:defRPr>
             </a:lvl4pPr>
-            <a:lvl5pPr indent="-101600" lvl="4" marL="2057400" marR="0" rtl="0" algn="l">
+            <a:lvl5pPr marL="2057400" marR="0" lvl="4" indent="-101600" algn="l" rtl="0">
               <a:spcBef>
                 <a:spcPts val="0"/>
               </a:spcBef>
@@ -3045,7 +3292,7 @@
               <a:buSzPct val="100000"/>
               <a:buFont typeface="Arial"/>
               <a:buChar char="»"/>
-              <a:defRPr b="0" i="0" sz="2000" u="none" cap="none" strike="noStrike">
+              <a:defRPr sz="2000" b="0" i="0" u="none" strike="noStrike" cap="none">
                 <a:solidFill>
                   <a:schemeClr val="dk1"/>
                 </a:solidFill>
@@ -3055,7 +3302,7 @@
                 <a:sym typeface="Arial"/>
               </a:defRPr>
             </a:lvl5pPr>
-            <a:lvl6pPr indent="-101600" lvl="5" marL="2514600" marR="0" rtl="0" algn="l">
+            <a:lvl6pPr marL="2514600" marR="0" lvl="5" indent="-101600" algn="l" rtl="0">
               <a:spcBef>
                 <a:spcPts val="0"/>
               </a:spcBef>
@@ -3065,7 +3312,7 @@
               <a:buSzPct val="100000"/>
               <a:buFont typeface="Arial"/>
               <a:buChar char="•"/>
-              <a:defRPr b="0" i="0" sz="2000" u="none" cap="none" strike="noStrike">
+              <a:defRPr sz="2000" b="0" i="0" u="none" strike="noStrike" cap="none">
                 <a:solidFill>
                   <a:schemeClr val="dk1"/>
                 </a:solidFill>
@@ -3075,7 +3322,7 @@
                 <a:sym typeface="Arial"/>
               </a:defRPr>
             </a:lvl6pPr>
-            <a:lvl7pPr indent="-101600" lvl="6" marL="2971800" marR="0" rtl="0" algn="l">
+            <a:lvl7pPr marL="2971800" marR="0" lvl="6" indent="-101600" algn="l" rtl="0">
               <a:spcBef>
                 <a:spcPts val="0"/>
               </a:spcBef>
@@ -3085,7 +3332,7 @@
               <a:buSzPct val="100000"/>
               <a:buFont typeface="Arial"/>
               <a:buChar char="•"/>
-              <a:defRPr b="0" i="0" sz="2000" u="none" cap="none" strike="noStrike">
+              <a:defRPr sz="2000" b="0" i="0" u="none" strike="noStrike" cap="none">
                 <a:solidFill>
                   <a:schemeClr val="dk1"/>
                 </a:solidFill>
@@ -3095,7 +3342,7 @@
                 <a:sym typeface="Arial"/>
               </a:defRPr>
             </a:lvl7pPr>
-            <a:lvl8pPr indent="-101600" lvl="7" marL="3429000" marR="0" rtl="0" algn="l">
+            <a:lvl8pPr marL="3429000" marR="0" lvl="7" indent="-101600" algn="l" rtl="0">
               <a:spcBef>
                 <a:spcPts val="0"/>
               </a:spcBef>
@@ -3105,7 +3352,7 @@
               <a:buSzPct val="100000"/>
               <a:buFont typeface="Arial"/>
               <a:buChar char="•"/>
-              <a:defRPr b="0" i="0" sz="2000" u="none" cap="none" strike="noStrike">
+              <a:defRPr sz="2000" b="0" i="0" u="none" strike="noStrike" cap="none">
                 <a:solidFill>
                   <a:schemeClr val="dk1"/>
                 </a:solidFill>
@@ -3115,7 +3362,7 @@
                 <a:sym typeface="Arial"/>
               </a:defRPr>
             </a:lvl8pPr>
-            <a:lvl9pPr indent="-101600" lvl="8" marL="3886200" marR="0" rtl="0" algn="l">
+            <a:lvl9pPr marL="3886200" marR="0" lvl="8" indent="-101600" algn="l" rtl="0">
               <a:spcBef>
                 <a:spcPts val="0"/>
               </a:spcBef>
@@ -3125,7 +3372,7 @@
               <a:buSzPct val="100000"/>
               <a:buFont typeface="Arial"/>
               <a:buChar char="•"/>
-              <a:defRPr b="0" i="0" sz="2000" u="none" cap="none" strike="noStrike">
+              <a:defRPr sz="2000" b="0" i="0" u="none" strike="noStrike" cap="none">
                 <a:solidFill>
                   <a:schemeClr val="dk1"/>
                 </a:solidFill>
@@ -3136,7 +3383,9 @@
               </a:defRPr>
             </a:lvl9pPr>
           </a:lstStyle>
-          <a:p/>
+          <a:p>
+            <a:endParaRPr/>
+          </a:p>
         </p:txBody>
       </p:sp>
     </p:spTree>
@@ -3148,11 +3397,11 @@
 </file>
 
 <file path=ppt/slideLayouts/slideLayout3.xml><?xml version="1.0" encoding="utf-8"?>
-<p:sldLayout xmlns:a="http://schemas.openxmlformats.org/drawingml/2006/main" xmlns:r="http://schemas.openxmlformats.org/officeDocument/2006/relationships" xmlns:mc="http://schemas.openxmlformats.org/markup-compatibility/2006" xmlns:mv="urn:schemas-microsoft-com:mac:vml" xmlns:p="http://schemas.openxmlformats.org/presentationml/2006/main" xmlns:c="http://schemas.openxmlformats.org/drawingml/2006/chart" xmlns:dgm="http://schemas.openxmlformats.org/drawingml/2006/diagram" xmlns:o="urn:schemas-microsoft-com:office:office" xmlns:v="urn:schemas-microsoft-com:vml" xmlns:pvml="urn:schemas-microsoft-com:office:powerpoint" xmlns:com="http://schemas.openxmlformats.org/drawingml/2006/compatibility" xmlns:p14="http://schemas.microsoft.com/office/powerpoint/2010/main">
+<p:sldLayout xmlns:a="http://schemas.openxmlformats.org/drawingml/2006/main" xmlns:r="http://schemas.openxmlformats.org/officeDocument/2006/relationships" xmlns:p="http://schemas.openxmlformats.org/presentationml/2006/main">
   <p:cSld name="black background">
     <p:spTree>
       <p:nvGrpSpPr>
-        <p:cNvPr id="16" name="Shape 16"/>
+        <p:cNvPr id="1" name="Shape 16"/>
         <p:cNvGrpSpPr/>
         <p:nvPr/>
       </p:nvGrpSpPr>
@@ -3181,23 +3430,23 @@
           <a:solidFill>
             <a:srgbClr val="000000"/>
           </a:solidFill>
-          <a:ln cap="flat" cmpd="sng" w="12700">
+          <a:ln w="12700" cap="flat" cmpd="sng">
             <a:solidFill>
               <a:schemeClr val="lt2"/>
             </a:solidFill>
             <a:prstDash val="solid"/>
             <a:round/>
-            <a:headEnd len="med" w="med" type="none"/>
-            <a:tailEnd len="med" w="med" type="none"/>
+            <a:headEnd type="none" w="med" len="med"/>
+            <a:tailEnd type="none" w="med" len="med"/>
           </a:ln>
         </p:spPr>
         <p:txBody>
-          <a:bodyPr anchorCtr="0" anchor="ctr" bIns="45700" lIns="91425" rIns="91425" tIns="45700">
+          <a:bodyPr lIns="91425" tIns="45700" rIns="91425" bIns="45700" anchor="ctr" anchorCtr="0">
             <a:noAutofit/>
           </a:bodyPr>
           <a:lstStyle/>
           <a:p>
-            <a:pPr indent="0" lvl="0" marL="0" marR="0" rtl="0" algn="ctr">
+            <a:pPr marL="0" marR="0" lvl="0" indent="0" algn="ctr" rtl="0">
               <a:lnSpc>
                 <a:spcPct val="100000"/>
               </a:lnSpc>
@@ -3213,10 +3462,7 @@
               <a:buFont typeface="Arial"/>
               <a:buNone/>
             </a:pPr>
-            <a:r>
-              <a:t/>
-            </a:r>
-            <a:endParaRPr b="0" i="0" sz="1800" u="none" cap="none" strike="noStrike">
+            <a:endParaRPr sz="1800" b="0" i="0" u="none" strike="noStrike" cap="none">
               <a:solidFill>
                 <a:srgbClr val="FFFFFF"/>
               </a:solidFill>
@@ -3250,12 +3496,12 @@
           </a:ln>
         </p:spPr>
         <p:txBody>
-          <a:bodyPr anchorCtr="0" anchor="ctr" bIns="45700" lIns="91425" rIns="91425" tIns="45700">
+          <a:bodyPr lIns="91425" tIns="45700" rIns="91425" bIns="45700" anchor="ctr" anchorCtr="0">
             <a:noAutofit/>
           </a:bodyPr>
           <a:lstStyle/>
           <a:p>
-            <a:pPr indent="0" lvl="0" marL="0" marR="0" rtl="0" algn="l">
+            <a:pPr marL="0" marR="0" lvl="0" indent="0" algn="l" rtl="0">
               <a:lnSpc>
                 <a:spcPct val="100000"/>
               </a:lnSpc>
@@ -3271,10 +3517,7 @@
               <a:buFont typeface="Arial"/>
               <a:buNone/>
             </a:pPr>
-            <a:r>
-              <a:t/>
-            </a:r>
-            <a:endParaRPr b="0" i="0" sz="1800" u="none" cap="none" strike="noStrike">
+            <a:endParaRPr sz="1800" b="0" i="0" u="none" strike="noStrike" cap="none">
               <a:solidFill>
                 <a:srgbClr val="FFFFFF"/>
               </a:solidFill>
@@ -3306,12 +3549,12 @@
           </a:ln>
         </p:spPr>
         <p:txBody>
-          <a:bodyPr anchorCtr="0" anchor="t" bIns="0" lIns="0" rIns="0" tIns="0">
+          <a:bodyPr lIns="0" tIns="0" rIns="0" bIns="0" anchor="t" anchorCtr="0">
             <a:noAutofit/>
           </a:bodyPr>
           <a:lstStyle/>
           <a:p>
-            <a:pPr indent="0" lvl="0" marL="0" marR="0" rtl="0" algn="r">
+            <a:pPr marL="0" marR="0" lvl="0" indent="0" algn="r" rtl="0">
               <a:lnSpc>
                 <a:spcPct val="100000"/>
               </a:lnSpc>
@@ -3329,7 +3572,7 @@
               <a:buNone/>
             </a:pPr>
             <a:fld id="{00000000-1234-1234-1234-123412341234}" type="slidenum">
-              <a:rPr b="0" i="0" lang="en-US" sz="800" u="none" cap="none" strike="noStrike">
+              <a:rPr lang="en-US" sz="800" b="0" i="0" u="none" strike="noStrike" cap="none">
                 <a:solidFill>
                   <a:srgbClr val="7F7F7F"/>
                 </a:solidFill>
@@ -3340,6 +3583,15 @@
               </a:rPr>
               <a:t>‹#›</a:t>
             </a:fld>
+            <a:endParaRPr lang="en-US" sz="800" b="0" i="0" u="none" strike="noStrike" cap="none">
+              <a:solidFill>
+                <a:srgbClr val="7F7F7F"/>
+              </a:solidFill>
+              <a:latin typeface="Arial"/>
+              <a:ea typeface="Arial"/>
+              <a:cs typeface="Arial"/>
+              <a:sym typeface="Arial"/>
+            </a:endParaRPr>
           </a:p>
         </p:txBody>
       </p:sp>
@@ -3363,12 +3615,12 @@
           </a:ln>
         </p:spPr>
         <p:txBody>
-          <a:bodyPr anchorCtr="0" anchor="t" bIns="0" lIns="0" rIns="0" tIns="0">
+          <a:bodyPr lIns="0" tIns="0" rIns="0" bIns="0" anchor="t" anchorCtr="0">
             <a:noAutofit/>
           </a:bodyPr>
           <a:lstStyle/>
           <a:p>
-            <a:pPr indent="0" lvl="0" marL="0" marR="0" rtl="0" algn="l">
+            <a:pPr marL="0" marR="0" lvl="0" indent="0" algn="l" rtl="0">
               <a:lnSpc>
                 <a:spcPct val="100000"/>
               </a:lnSpc>
@@ -3386,7 +3638,7 @@
               <a:buNone/>
             </a:pPr>
             <a:r>
-              <a:rPr b="0" i="0" lang="en-US" sz="600" u="none" cap="none" strike="noStrike">
+              <a:rPr lang="en-US" sz="600" b="0" i="0" u="none" strike="noStrike" cap="none">
                 <a:solidFill>
                   <a:srgbClr val="7F7F7F"/>
                 </a:solidFill>
@@ -3400,33 +3652,6 @@
           </a:p>
         </p:txBody>
       </p:sp>
-      <p:pic>
-        <p:nvPicPr>
-          <p:cNvPr id="21" name="Shape 21"/>
-          <p:cNvPicPr preferRelativeResize="0"/>
-          <p:nvPr/>
-        </p:nvPicPr>
-        <p:blipFill rotWithShape="1">
-          <a:blip r:embed="rId2">
-            <a:alphaModFix/>
-          </a:blip>
-          <a:srcRect b="0" l="0" r="0" t="0"/>
-          <a:stretch/>
-        </p:blipFill>
-        <p:spPr>
-          <a:xfrm>
-            <a:off x="7942263" y="4713287"/>
-            <a:ext cx="957298" cy="220800"/>
-          </a:xfrm>
-          <a:prstGeom prst="rect">
-            <a:avLst/>
-          </a:prstGeom>
-          <a:noFill/>
-          <a:ln>
-            <a:noFill/>
-          </a:ln>
-        </p:spPr>
-      </p:pic>
     </p:spTree>
   </p:cSld>
   <p:clrMapOvr>
@@ -3436,11 +3661,11 @@
 </file>
 
 <file path=ppt/slideLayouts/slideLayout4.xml><?xml version="1.0" encoding="utf-8"?>
-<p:sldLayout xmlns:a="http://schemas.openxmlformats.org/drawingml/2006/main" xmlns:r="http://schemas.openxmlformats.org/officeDocument/2006/relationships" xmlns:mc="http://schemas.openxmlformats.org/markup-compatibility/2006" xmlns:mv="urn:schemas-microsoft-com:mac:vml" xmlns:p="http://schemas.openxmlformats.org/presentationml/2006/main" xmlns:c="http://schemas.openxmlformats.org/drawingml/2006/chart" xmlns:dgm="http://schemas.openxmlformats.org/drawingml/2006/diagram" xmlns:o="urn:schemas-microsoft-com:office:office" xmlns:v="urn:schemas-microsoft-com:vml" xmlns:pvml="urn:schemas-microsoft-com:office:powerpoint" xmlns:com="http://schemas.openxmlformats.org/drawingml/2006/compatibility" xmlns:p14="http://schemas.microsoft.com/office/powerpoint/2010/main">
+<p:sldLayout xmlns:a="http://schemas.openxmlformats.org/drawingml/2006/main" xmlns:r="http://schemas.openxmlformats.org/officeDocument/2006/relationships" xmlns:p="http://schemas.openxmlformats.org/presentationml/2006/main">
   <p:cSld name="Main Page">
     <p:spTree>
       <p:nvGrpSpPr>
-        <p:cNvPr id="22" name="Shape 22"/>
+        <p:cNvPr id="1" name="Shape 22"/>
         <p:cNvGrpSpPr/>
         <p:nvPr/>
       </p:nvGrpSpPr>
@@ -3455,7 +3680,9 @@
       <p:sp>
         <p:nvSpPr>
           <p:cNvPr id="23" name="Shape 23"/>
-          <p:cNvSpPr txBox="1"/>
+          <p:cNvSpPr txBox="1">
+            <a:spLocks noGrp="1"/>
+          </p:cNvSpPr>
           <p:nvPr>
             <p:ph type="title"/>
           </p:nvPr>
@@ -3474,9 +3701,9 @@
           </a:ln>
         </p:spPr>
         <p:txBody>
-          <a:bodyPr anchorCtr="0" anchor="t" bIns="91425" lIns="91425" rIns="91425" tIns="91425"/>
+          <a:bodyPr lIns="91425" tIns="91425" rIns="91425" bIns="91425" anchor="t" anchorCtr="0"/>
           <a:lstStyle>
-            <a:lvl1pPr indent="0" lvl="0" marL="0" marR="0" rtl="0" algn="l">
+            <a:lvl1pPr marL="0" marR="0" lvl="0" indent="0" algn="l" rtl="0">
               <a:spcBef>
                 <a:spcPts val="0"/>
               </a:spcBef>
@@ -3485,7 +3712,7 @@
               </a:buClr>
               <a:buFont typeface="Arial"/>
               <a:buNone/>
-              <a:defRPr b="1" i="0" sz="2800" u="none" cap="none" strike="noStrike">
+              <a:defRPr sz="2800" b="1" i="0" u="none" strike="noStrike" cap="none">
                 <a:solidFill>
                   <a:srgbClr val="008774"/>
                 </a:solidFill>
@@ -3495,56 +3722,56 @@
                 <a:sym typeface="Arial"/>
               </a:defRPr>
             </a:lvl1pPr>
-            <a:lvl2pPr indent="0" lvl="1">
+            <a:lvl2pPr lvl="1" indent="0">
               <a:spcBef>
                 <a:spcPts val="0"/>
               </a:spcBef>
               <a:buNone/>
               <a:defRPr sz="1800"/>
             </a:lvl2pPr>
-            <a:lvl3pPr indent="0" lvl="2">
+            <a:lvl3pPr lvl="2" indent="0">
               <a:spcBef>
                 <a:spcPts val="0"/>
               </a:spcBef>
               <a:buNone/>
               <a:defRPr sz="1800"/>
             </a:lvl3pPr>
-            <a:lvl4pPr indent="0" lvl="3">
+            <a:lvl4pPr lvl="3" indent="0">
               <a:spcBef>
                 <a:spcPts val="0"/>
               </a:spcBef>
               <a:buNone/>
               <a:defRPr sz="1800"/>
             </a:lvl4pPr>
-            <a:lvl5pPr indent="0" lvl="4">
+            <a:lvl5pPr lvl="4" indent="0">
               <a:spcBef>
                 <a:spcPts val="0"/>
               </a:spcBef>
               <a:buNone/>
               <a:defRPr sz="1800"/>
             </a:lvl5pPr>
-            <a:lvl6pPr indent="0" lvl="5">
+            <a:lvl6pPr lvl="5" indent="0">
               <a:spcBef>
                 <a:spcPts val="0"/>
               </a:spcBef>
               <a:buNone/>
               <a:defRPr sz="1800"/>
             </a:lvl6pPr>
-            <a:lvl7pPr indent="0" lvl="6">
+            <a:lvl7pPr lvl="6" indent="0">
               <a:spcBef>
                 <a:spcPts val="0"/>
               </a:spcBef>
               <a:buNone/>
               <a:defRPr sz="1800"/>
             </a:lvl7pPr>
-            <a:lvl8pPr indent="0" lvl="7">
+            <a:lvl8pPr lvl="7" indent="0">
               <a:spcBef>
                 <a:spcPts val="0"/>
               </a:spcBef>
               <a:buNone/>
               <a:defRPr sz="1800"/>
             </a:lvl8pPr>
-            <a:lvl9pPr indent="0" lvl="8">
+            <a:lvl9pPr lvl="8" indent="0">
               <a:spcBef>
                 <a:spcPts val="0"/>
               </a:spcBef>
@@ -3552,15 +3779,19 @@
               <a:defRPr sz="1800"/>
             </a:lvl9pPr>
           </a:lstStyle>
-          <a:p/>
+          <a:p>
+            <a:endParaRPr/>
+          </a:p>
         </p:txBody>
       </p:sp>
       <p:sp>
         <p:nvSpPr>
           <p:cNvPr id="24" name="Shape 24"/>
-          <p:cNvSpPr txBox="1"/>
+          <p:cNvSpPr txBox="1">
+            <a:spLocks noGrp="1"/>
+          </p:cNvSpPr>
           <p:nvPr>
-            <p:ph idx="12" type="sldNum"/>
+            <p:ph type="sldNum" idx="12"/>
           </p:nvPr>
         </p:nvSpPr>
         <p:spPr>
@@ -3577,12 +3808,12 @@
           </a:ln>
         </p:spPr>
         <p:txBody>
-          <a:bodyPr anchorCtr="0" anchor="t" bIns="45700" lIns="91425" rIns="91425" tIns="45700">
+          <a:bodyPr lIns="91425" tIns="45700" rIns="91425" bIns="45700" anchor="t" anchorCtr="0">
             <a:noAutofit/>
           </a:bodyPr>
           <a:lstStyle/>
           <a:p>
-            <a:pPr indent="0" lvl="0" marL="0" marR="0" rtl="0" algn="l">
+            <a:pPr marL="0" marR="0" lvl="0" indent="0" algn="l" rtl="0">
               <a:spcBef>
                 <a:spcPts val="0"/>
               </a:spcBef>
@@ -3601,15 +3832,26 @@
               </a:rPr>
               <a:t>‹#›</a:t>
             </a:fld>
+            <a:endParaRPr lang="en-US" sz="900">
+              <a:solidFill>
+                <a:srgbClr val="A5A5A5"/>
+              </a:solidFill>
+              <a:latin typeface="Arial"/>
+              <a:ea typeface="Arial"/>
+              <a:cs typeface="Arial"/>
+              <a:sym typeface="Arial"/>
+            </a:endParaRPr>
           </a:p>
         </p:txBody>
       </p:sp>
       <p:sp>
         <p:nvSpPr>
           <p:cNvPr id="25" name="Shape 25"/>
-          <p:cNvSpPr txBox="1"/>
+          <p:cNvSpPr txBox="1">
+            <a:spLocks noGrp="1"/>
+          </p:cNvSpPr>
           <p:nvPr>
-            <p:ph idx="1" type="body"/>
+            <p:ph type="body" idx="1"/>
           </p:nvPr>
         </p:nvSpPr>
         <p:spPr>
@@ -3626,9 +3868,9 @@
           </a:ln>
         </p:spPr>
         <p:txBody>
-          <a:bodyPr anchorCtr="0" anchor="t" bIns="91425" lIns="91425" rIns="91425" tIns="91425"/>
+          <a:bodyPr lIns="91425" tIns="91425" rIns="91425" bIns="91425" anchor="t" anchorCtr="0"/>
           <a:lstStyle>
-            <a:lvl1pPr indent="0" lvl="0" marL="0" marR="0" rtl="0" algn="l">
+            <a:lvl1pPr marL="0" marR="0" lvl="0" indent="0" algn="l" rtl="0">
               <a:spcBef>
                 <a:spcPts val="360"/>
               </a:spcBef>
@@ -3637,7 +3879,7 @@
               </a:buClr>
               <a:buFont typeface="Arial"/>
               <a:buNone/>
-              <a:defRPr b="0" i="0" sz="1800" u="none" cap="none" strike="noStrike">
+              <a:defRPr sz="1800" b="0" i="0" u="none" strike="noStrike" cap="none">
                 <a:solidFill>
                   <a:srgbClr val="7F7F7F"/>
                 </a:solidFill>
@@ -3647,7 +3889,7 @@
                 <a:sym typeface="Arial"/>
               </a:defRPr>
             </a:lvl1pPr>
-            <a:lvl2pPr indent="-107950" lvl="1" marL="742950" marR="0" rtl="0" algn="l">
+            <a:lvl2pPr marL="742950" marR="0" lvl="1" indent="-107950" algn="l" rtl="0">
               <a:spcBef>
                 <a:spcPts val="560"/>
               </a:spcBef>
@@ -3657,7 +3899,7 @@
               <a:buSzPct val="100000"/>
               <a:buFont typeface="Arial"/>
               <a:buChar char="–"/>
-              <a:defRPr b="0" i="0" sz="2800" u="none" cap="none" strike="noStrike">
+              <a:defRPr sz="2800" b="0" i="0" u="none" strike="noStrike" cap="none">
                 <a:solidFill>
                   <a:schemeClr val="dk1"/>
                 </a:solidFill>
@@ -3667,7 +3909,7 @@
                 <a:sym typeface="Arial"/>
               </a:defRPr>
             </a:lvl2pPr>
-            <a:lvl3pPr indent="-76200" lvl="2" marL="1143000" marR="0" rtl="0" algn="l">
+            <a:lvl3pPr marL="1143000" marR="0" lvl="2" indent="-76200" algn="l" rtl="0">
               <a:spcBef>
                 <a:spcPts val="480"/>
               </a:spcBef>
@@ -3677,7 +3919,7 @@
               <a:buSzPct val="100000"/>
               <a:buFont typeface="Arial"/>
               <a:buChar char="•"/>
-              <a:defRPr b="0" i="0" sz="2400" u="none" cap="none" strike="noStrike">
+              <a:defRPr sz="2400" b="0" i="0" u="none" strike="noStrike" cap="none">
                 <a:solidFill>
                   <a:schemeClr val="dk1"/>
                 </a:solidFill>
@@ -3687,7 +3929,7 @@
                 <a:sym typeface="Arial"/>
               </a:defRPr>
             </a:lvl3pPr>
-            <a:lvl4pPr indent="-101600" lvl="3" marL="1600200" marR="0" rtl="0" algn="l">
+            <a:lvl4pPr marL="1600200" marR="0" lvl="3" indent="-101600" algn="l" rtl="0">
               <a:spcBef>
                 <a:spcPts val="400"/>
               </a:spcBef>
@@ -3697,7 +3939,7 @@
               <a:buSzPct val="100000"/>
               <a:buFont typeface="Arial"/>
               <a:buChar char="–"/>
-              <a:defRPr b="0" i="0" sz="2000" u="none" cap="none" strike="noStrike">
+              <a:defRPr sz="2000" b="0" i="0" u="none" strike="noStrike" cap="none">
                 <a:solidFill>
                   <a:schemeClr val="dk1"/>
                 </a:solidFill>
@@ -3707,7 +3949,7 @@
                 <a:sym typeface="Arial"/>
               </a:defRPr>
             </a:lvl4pPr>
-            <a:lvl5pPr indent="-101600" lvl="4" marL="2057400" marR="0" rtl="0" algn="l">
+            <a:lvl5pPr marL="2057400" marR="0" lvl="4" indent="-101600" algn="l" rtl="0">
               <a:spcBef>
                 <a:spcPts val="400"/>
               </a:spcBef>
@@ -3717,7 +3959,7 @@
               <a:buSzPct val="100000"/>
               <a:buFont typeface="Arial"/>
               <a:buChar char="»"/>
-              <a:defRPr b="0" i="0" sz="2000" u="none" cap="none" strike="noStrike">
+              <a:defRPr sz="2000" b="0" i="0" u="none" strike="noStrike" cap="none">
                 <a:solidFill>
                   <a:schemeClr val="dk1"/>
                 </a:solidFill>
@@ -3727,7 +3969,7 @@
                 <a:sym typeface="Arial"/>
               </a:defRPr>
             </a:lvl5pPr>
-            <a:lvl6pPr indent="-101600" lvl="5" marL="2514600" marR="0" rtl="0" algn="l">
+            <a:lvl6pPr marL="2514600" marR="0" lvl="5" indent="-101600" algn="l" rtl="0">
               <a:spcBef>
                 <a:spcPts val="400"/>
               </a:spcBef>
@@ -3737,7 +3979,7 @@
               <a:buSzPct val="100000"/>
               <a:buFont typeface="Arial"/>
               <a:buChar char="•"/>
-              <a:defRPr b="0" i="0" sz="2000" u="none" cap="none" strike="noStrike">
+              <a:defRPr sz="2000" b="0" i="0" u="none" strike="noStrike" cap="none">
                 <a:solidFill>
                   <a:schemeClr val="dk1"/>
                 </a:solidFill>
@@ -3747,7 +3989,7 @@
                 <a:sym typeface="Arial"/>
               </a:defRPr>
             </a:lvl6pPr>
-            <a:lvl7pPr indent="-101600" lvl="6" marL="2971800" marR="0" rtl="0" algn="l">
+            <a:lvl7pPr marL="2971800" marR="0" lvl="6" indent="-101600" algn="l" rtl="0">
               <a:spcBef>
                 <a:spcPts val="400"/>
               </a:spcBef>
@@ -3757,7 +3999,7 @@
               <a:buSzPct val="100000"/>
               <a:buFont typeface="Arial"/>
               <a:buChar char="•"/>
-              <a:defRPr b="0" i="0" sz="2000" u="none" cap="none" strike="noStrike">
+              <a:defRPr sz="2000" b="0" i="0" u="none" strike="noStrike" cap="none">
                 <a:solidFill>
                   <a:schemeClr val="dk1"/>
                 </a:solidFill>
@@ -3767,7 +4009,7 @@
                 <a:sym typeface="Arial"/>
               </a:defRPr>
             </a:lvl7pPr>
-            <a:lvl8pPr indent="-101600" lvl="7" marL="3429000" marR="0" rtl="0" algn="l">
+            <a:lvl8pPr marL="3429000" marR="0" lvl="7" indent="-101600" algn="l" rtl="0">
               <a:spcBef>
                 <a:spcPts val="400"/>
               </a:spcBef>
@@ -3777,7 +4019,7 @@
               <a:buSzPct val="100000"/>
               <a:buFont typeface="Arial"/>
               <a:buChar char="•"/>
-              <a:defRPr b="0" i="0" sz="2000" u="none" cap="none" strike="noStrike">
+              <a:defRPr sz="2000" b="0" i="0" u="none" strike="noStrike" cap="none">
                 <a:solidFill>
                   <a:schemeClr val="dk1"/>
                 </a:solidFill>
@@ -3787,7 +4029,7 @@
                 <a:sym typeface="Arial"/>
               </a:defRPr>
             </a:lvl8pPr>
-            <a:lvl9pPr indent="-101600" lvl="8" marL="3886200" marR="0" rtl="0" algn="l">
+            <a:lvl9pPr marL="3886200" marR="0" lvl="8" indent="-101600" algn="l" rtl="0">
               <a:spcBef>
                 <a:spcPts val="400"/>
               </a:spcBef>
@@ -3797,7 +4039,7 @@
               <a:buSzPct val="100000"/>
               <a:buFont typeface="Arial"/>
               <a:buChar char="•"/>
-              <a:defRPr b="0" i="0" sz="2000" u="none" cap="none" strike="noStrike">
+              <a:defRPr sz="2000" b="0" i="0" u="none" strike="noStrike" cap="none">
                 <a:solidFill>
                   <a:schemeClr val="dk1"/>
                 </a:solidFill>
@@ -3808,7 +4050,9 @@
               </a:defRPr>
             </a:lvl9pPr>
           </a:lstStyle>
-          <a:p/>
+          <a:p>
+            <a:endParaRPr/>
+          </a:p>
         </p:txBody>
       </p:sp>
     </p:spTree>
@@ -3820,11 +4064,11 @@
 </file>
 
 <file path=ppt/slideLayouts/slideLayout5.xml><?xml version="1.0" encoding="utf-8"?>
-<p:sldLayout xmlns:a="http://schemas.openxmlformats.org/drawingml/2006/main" xmlns:r="http://schemas.openxmlformats.org/officeDocument/2006/relationships" xmlns:mc="http://schemas.openxmlformats.org/markup-compatibility/2006" xmlns:mv="urn:schemas-microsoft-com:mac:vml" xmlns:p="http://schemas.openxmlformats.org/presentationml/2006/main" xmlns:c="http://schemas.openxmlformats.org/drawingml/2006/chart" xmlns:dgm="http://schemas.openxmlformats.org/drawingml/2006/diagram" xmlns:o="urn:schemas-microsoft-com:office:office" xmlns:v="urn:schemas-microsoft-com:vml" xmlns:pvml="urn:schemas-microsoft-com:office:powerpoint" xmlns:com="http://schemas.openxmlformats.org/drawingml/2006/compatibility" xmlns:p14="http://schemas.microsoft.com/office/powerpoint/2010/main">
+<p:sldLayout xmlns:a="http://schemas.openxmlformats.org/drawingml/2006/main" xmlns:r="http://schemas.openxmlformats.org/officeDocument/2006/relationships" xmlns:p="http://schemas.openxmlformats.org/presentationml/2006/main">
   <p:cSld name="Split">
     <p:spTree>
       <p:nvGrpSpPr>
-        <p:cNvPr id="26" name="Shape 26"/>
+        <p:cNvPr id="1" name="Shape 26"/>
         <p:cNvGrpSpPr/>
         <p:nvPr/>
       </p:nvGrpSpPr>
@@ -3858,20 +4102,17 @@
           </a:ln>
         </p:spPr>
         <p:txBody>
-          <a:bodyPr anchorCtr="0" anchor="ctr" bIns="45700" lIns="91425" rIns="91425" tIns="45700">
+          <a:bodyPr lIns="91425" tIns="45700" rIns="91425" bIns="45700" anchor="ctr" anchorCtr="0">
             <a:noAutofit/>
           </a:bodyPr>
           <a:lstStyle/>
           <a:p>
-            <a:pPr indent="0" lvl="0" marL="0" marR="0" rtl="0" algn="ctr">
-              <a:spcBef>
-                <a:spcPts val="0"/>
-              </a:spcBef>
-              <a:buNone/>
-            </a:pPr>
-            <a:r>
-              <a:t/>
-            </a:r>
+            <a:pPr marL="0" marR="0" lvl="0" indent="0" algn="ctr" rtl="0">
+              <a:spcBef>
+                <a:spcPts val="0"/>
+              </a:spcBef>
+              <a:buNone/>
+            </a:pPr>
             <a:endParaRPr sz="1800">
               <a:solidFill>
                 <a:schemeClr val="lt1"/>
@@ -3884,39 +4125,14 @@
           </a:p>
         </p:txBody>
       </p:sp>
-      <p:pic>
-        <p:nvPicPr>
-          <p:cNvPr descr="Pivotal_White.png" id="28" name="Shape 28"/>
-          <p:cNvPicPr preferRelativeResize="0"/>
-          <p:nvPr/>
-        </p:nvPicPr>
-        <p:blipFill rotWithShape="1">
-          <a:blip r:embed="rId2">
-            <a:alphaModFix/>
-          </a:blip>
-          <a:srcRect b="0" l="0" r="0" t="0"/>
-          <a:stretch/>
-        </p:blipFill>
-        <p:spPr>
-          <a:xfrm>
-            <a:off x="8286414" y="4854091"/>
-            <a:ext cx="712061" cy="173735"/>
-          </a:xfrm>
-          <a:prstGeom prst="rect">
-            <a:avLst/>
-          </a:prstGeom>
-          <a:noFill/>
-          <a:ln>
-            <a:noFill/>
-          </a:ln>
-        </p:spPr>
-      </p:pic>
       <p:sp>
         <p:nvSpPr>
           <p:cNvPr id="29" name="Shape 29"/>
-          <p:cNvSpPr txBox="1"/>
+          <p:cNvSpPr txBox="1">
+            <a:spLocks noGrp="1"/>
+          </p:cNvSpPr>
           <p:nvPr>
-            <p:ph idx="12" type="sldNum"/>
+            <p:ph type="sldNum" idx="12"/>
           </p:nvPr>
         </p:nvSpPr>
         <p:spPr>
@@ -3933,12 +4149,12 @@
           </a:ln>
         </p:spPr>
         <p:txBody>
-          <a:bodyPr anchorCtr="0" anchor="t" bIns="45700" lIns="91425" rIns="91425" tIns="45700">
+          <a:bodyPr lIns="91425" tIns="45700" rIns="91425" bIns="45700" anchor="t" anchorCtr="0">
             <a:noAutofit/>
           </a:bodyPr>
           <a:lstStyle/>
           <a:p>
-            <a:pPr indent="0" lvl="0" marL="0" marR="0" rtl="0" algn="l">
+            <a:pPr marL="0" marR="0" lvl="0" indent="0" algn="l" rtl="0">
               <a:spcBef>
                 <a:spcPts val="0"/>
               </a:spcBef>
@@ -3957,6 +4173,15 @@
               </a:rPr>
               <a:t>‹#›</a:t>
             </a:fld>
+            <a:endParaRPr lang="en-US" sz="900">
+              <a:solidFill>
+                <a:srgbClr val="A5A5A5"/>
+              </a:solidFill>
+              <a:latin typeface="Arial"/>
+              <a:ea typeface="Arial"/>
+              <a:cs typeface="Arial"/>
+              <a:sym typeface="Arial"/>
+            </a:endParaRPr>
           </a:p>
         </p:txBody>
       </p:sp>
@@ -3969,18 +4194,19 @@
 </file>
 
 <file path=ppt/slideMasters/slideMaster1.xml><?xml version="1.0" encoding="utf-8"?>
-<p:sldMaster xmlns:a="http://schemas.openxmlformats.org/drawingml/2006/main" xmlns:r="http://schemas.openxmlformats.org/officeDocument/2006/relationships" xmlns:mc="http://schemas.openxmlformats.org/markup-compatibility/2006" xmlns:mv="urn:schemas-microsoft-com:mac:vml" xmlns:p="http://schemas.openxmlformats.org/presentationml/2006/main" xmlns:c="http://schemas.openxmlformats.org/drawingml/2006/chart" xmlns:dgm="http://schemas.openxmlformats.org/drawingml/2006/diagram" xmlns:o="urn:schemas-microsoft-com:office:office" xmlns:v="urn:schemas-microsoft-com:vml" xmlns:pvml="urn:schemas-microsoft-com:office:powerpoint" xmlns:com="http://schemas.openxmlformats.org/drawingml/2006/compatibility" xmlns:p14="http://schemas.microsoft.com/office/powerpoint/2010/main">
+<p:sldMaster xmlns:a="http://schemas.openxmlformats.org/drawingml/2006/main" xmlns:r="http://schemas.openxmlformats.org/officeDocument/2006/relationships" xmlns:p="http://schemas.openxmlformats.org/presentationml/2006/main">
   <p:cSld>
     <p:bg>
       <p:bgPr>
         <a:solidFill>
           <a:schemeClr val="lt1"/>
         </a:solidFill>
+        <a:effectLst/>
       </p:bgPr>
     </p:bg>
     <p:spTree>
       <p:nvGrpSpPr>
-        <p:cNvPr id="9" name="Shape 9"/>
+        <p:cNvPr id="1" name="Shape 9"/>
         <p:cNvGrpSpPr/>
         <p:nvPr/>
       </p:nvGrpSpPr>
@@ -3992,47 +4218,20 @@
           <a:chExt cx="0" cy="0"/>
         </a:xfrm>
       </p:grpSpPr>
-      <p:pic>
-        <p:nvPicPr>
-          <p:cNvPr descr="pivotal_teal.png" id="10" name="Shape 10"/>
-          <p:cNvPicPr preferRelativeResize="0"/>
-          <p:nvPr/>
-        </p:nvPicPr>
-        <p:blipFill rotWithShape="1">
-          <a:blip r:embed="rId1">
-            <a:alphaModFix/>
-          </a:blip>
-          <a:srcRect b="0" l="0" r="0" t="0"/>
-          <a:stretch/>
-        </p:blipFill>
-        <p:spPr>
-          <a:xfrm>
-            <a:off x="8272779" y="4855076"/>
-            <a:ext cx="731519" cy="171298"/>
-          </a:xfrm>
-          <a:prstGeom prst="rect">
-            <a:avLst/>
-          </a:prstGeom>
-          <a:noFill/>
-          <a:ln>
-            <a:noFill/>
-          </a:ln>
-        </p:spPr>
-      </p:pic>
     </p:spTree>
   </p:cSld>
-  <p:clrMap accent1="accent1" accent2="accent2" accent3="accent3" accent4="accent4" accent5="accent5" accent6="accent6" bg1="lt1" bg2="dk2" tx1="dk1" tx2="lt2" folHlink="folHlink" hlink="hlink"/>
+  <p:clrMap bg1="lt1" tx1="dk1" bg2="dk2" tx2="lt2" accent1="accent1" accent2="accent2" accent3="accent3" accent4="accent4" accent5="accent5" accent6="accent6" hlink="hlink" folHlink="folHlink"/>
   <p:sldLayoutIdLst>
-    <p:sldLayoutId id="2147483648" r:id="rId2"/>
-    <p:sldLayoutId id="2147483649" r:id="rId3"/>
-    <p:sldLayoutId id="2147483650" r:id="rId4"/>
-    <p:sldLayoutId id="2147483651" r:id="rId5"/>
-    <p:sldLayoutId id="2147483652" r:id="rId6"/>
+    <p:sldLayoutId id="2147483648" r:id="rId1"/>
+    <p:sldLayoutId id="2147483649" r:id="rId2"/>
+    <p:sldLayoutId id="2147483650" r:id="rId3"/>
+    <p:sldLayoutId id="2147483651" r:id="rId4"/>
+    <p:sldLayoutId id="2147483652" r:id="rId5"/>
   </p:sldLayoutIdLst>
-  <p:hf dt="0" ftr="0" hdr="0"/>
+  <p:hf hdr="0" ftr="0" dt="0"/>
   <p:txStyles>
     <p:titleStyle>
-      <a:defPPr lvl="0" marR="0" rtl="0" algn="l">
+      <a:defPPr marR="0" lvl="0" algn="l" rtl="0">
         <a:lnSpc>
           <a:spcPct val="100000"/>
         </a:lnSpc>
@@ -4043,7 +4242,7 @@
           <a:spcPts val="0"/>
         </a:spcAft>
       </a:defPPr>
-      <a:lvl1pPr lvl="0" marR="0" rtl="0" algn="l">
+      <a:lvl1pPr marR="0" lvl="0" algn="l" rtl="0">
         <a:lnSpc>
           <a:spcPct val="100000"/>
         </a:lnSpc>
@@ -4054,7 +4253,7 @@
           <a:spcPts val="0"/>
         </a:spcAft>
         <a:buNone/>
-        <a:defRPr b="0" i="0" sz="1400" u="none" cap="none" strike="noStrike">
+        <a:defRPr sz="1400" b="0" i="0" u="none" strike="noStrike" cap="none">
           <a:solidFill>
             <a:srgbClr val="000000"/>
           </a:solidFill>
@@ -4066,7 +4265,7 @@
       </a:lvl1pPr>
     </p:titleStyle>
     <p:bodyStyle>
-      <a:defPPr lvl="0" marR="0" rtl="0" algn="l">
+      <a:defPPr marR="0" lvl="0" algn="l" rtl="0">
         <a:lnSpc>
           <a:spcPct val="100000"/>
         </a:lnSpc>
@@ -4077,7 +4276,7 @@
           <a:spcPts val="0"/>
         </a:spcAft>
       </a:defPPr>
-      <a:lvl1pPr lvl="0" marR="0" rtl="0" algn="l">
+      <a:lvl1pPr marR="0" lvl="0" algn="l" rtl="0">
         <a:lnSpc>
           <a:spcPct val="100000"/>
         </a:lnSpc>
@@ -4088,7 +4287,7 @@
           <a:spcPts val="0"/>
         </a:spcAft>
         <a:buNone/>
-        <a:defRPr b="0" i="0" sz="1400" u="none" cap="none" strike="noStrike">
+        <a:defRPr sz="1400" b="0" i="0" u="none" strike="noStrike" cap="none">
           <a:solidFill>
             <a:srgbClr val="000000"/>
           </a:solidFill>
@@ -4098,7 +4297,7 @@
           <a:sym typeface="Arial"/>
         </a:defRPr>
       </a:lvl1pPr>
-      <a:lvl2pPr lvl="1" marR="0" rtl="0" algn="l">
+      <a:lvl2pPr marR="0" lvl="1" algn="l" rtl="0">
         <a:lnSpc>
           <a:spcPct val="100000"/>
         </a:lnSpc>
@@ -4109,7 +4308,7 @@
           <a:spcPts val="0"/>
         </a:spcAft>
         <a:buNone/>
-        <a:defRPr b="0" i="0" sz="1400" u="none" cap="none" strike="noStrike">
+        <a:defRPr sz="1400" b="0" i="0" u="none" strike="noStrike" cap="none">
           <a:solidFill>
             <a:srgbClr val="000000"/>
           </a:solidFill>
@@ -4119,7 +4318,7 @@
           <a:sym typeface="Arial"/>
         </a:defRPr>
       </a:lvl2pPr>
-      <a:lvl3pPr lvl="2" marR="0" rtl="0" algn="l">
+      <a:lvl3pPr marR="0" lvl="2" algn="l" rtl="0">
         <a:lnSpc>
           <a:spcPct val="100000"/>
         </a:lnSpc>
@@ -4130,7 +4329,7 @@
           <a:spcPts val="0"/>
         </a:spcAft>
         <a:buNone/>
-        <a:defRPr b="0" i="0" sz="1400" u="none" cap="none" strike="noStrike">
+        <a:defRPr sz="1400" b="0" i="0" u="none" strike="noStrike" cap="none">
           <a:solidFill>
             <a:srgbClr val="000000"/>
           </a:solidFill>
@@ -4140,7 +4339,7 @@
           <a:sym typeface="Arial"/>
         </a:defRPr>
       </a:lvl3pPr>
-      <a:lvl4pPr lvl="3" marR="0" rtl="0" algn="l">
+      <a:lvl4pPr marR="0" lvl="3" algn="l" rtl="0">
         <a:lnSpc>
           <a:spcPct val="100000"/>
         </a:lnSpc>
@@ -4151,7 +4350,7 @@
           <a:spcPts val="0"/>
         </a:spcAft>
         <a:buNone/>
-        <a:defRPr b="0" i="0" sz="1400" u="none" cap="none" strike="noStrike">
+        <a:defRPr sz="1400" b="0" i="0" u="none" strike="noStrike" cap="none">
           <a:solidFill>
             <a:srgbClr val="000000"/>
           </a:solidFill>
@@ -4161,7 +4360,7 @@
           <a:sym typeface="Arial"/>
         </a:defRPr>
       </a:lvl4pPr>
-      <a:lvl5pPr lvl="4" marR="0" rtl="0" algn="l">
+      <a:lvl5pPr marR="0" lvl="4" algn="l" rtl="0">
         <a:lnSpc>
           <a:spcPct val="100000"/>
         </a:lnSpc>
@@ -4172,7 +4371,7 @@
           <a:spcPts val="0"/>
         </a:spcAft>
         <a:buNone/>
-        <a:defRPr b="0" i="0" sz="1400" u="none" cap="none" strike="noStrike">
+        <a:defRPr sz="1400" b="0" i="0" u="none" strike="noStrike" cap="none">
           <a:solidFill>
             <a:srgbClr val="000000"/>
           </a:solidFill>
@@ -4182,7 +4381,7 @@
           <a:sym typeface="Arial"/>
         </a:defRPr>
       </a:lvl5pPr>
-      <a:lvl6pPr lvl="5" marR="0" rtl="0" algn="l">
+      <a:lvl6pPr marR="0" lvl="5" algn="l" rtl="0">
         <a:lnSpc>
           <a:spcPct val="100000"/>
         </a:lnSpc>
@@ -4193,7 +4392,7 @@
           <a:spcPts val="0"/>
         </a:spcAft>
         <a:buNone/>
-        <a:defRPr b="0" i="0" sz="1400" u="none" cap="none" strike="noStrike">
+        <a:defRPr sz="1400" b="0" i="0" u="none" strike="noStrike" cap="none">
           <a:solidFill>
             <a:srgbClr val="000000"/>
           </a:solidFill>
@@ -4203,7 +4402,7 @@
           <a:sym typeface="Arial"/>
         </a:defRPr>
       </a:lvl6pPr>
-      <a:lvl7pPr lvl="6" marR="0" rtl="0" algn="l">
+      <a:lvl7pPr marR="0" lvl="6" algn="l" rtl="0">
         <a:lnSpc>
           <a:spcPct val="100000"/>
         </a:lnSpc>
@@ -4214,7 +4413,7 @@
           <a:spcPts val="0"/>
         </a:spcAft>
         <a:buNone/>
-        <a:defRPr b="0" i="0" sz="1400" u="none" cap="none" strike="noStrike">
+        <a:defRPr sz="1400" b="0" i="0" u="none" strike="noStrike" cap="none">
           <a:solidFill>
             <a:srgbClr val="000000"/>
           </a:solidFill>
@@ -4224,7 +4423,7 @@
           <a:sym typeface="Arial"/>
         </a:defRPr>
       </a:lvl7pPr>
-      <a:lvl8pPr lvl="7" marR="0" rtl="0" algn="l">
+      <a:lvl8pPr marR="0" lvl="7" algn="l" rtl="0">
         <a:lnSpc>
           <a:spcPct val="100000"/>
         </a:lnSpc>
@@ -4235,7 +4434,7 @@
           <a:spcPts val="0"/>
         </a:spcAft>
         <a:buNone/>
-        <a:defRPr b="0" i="0" sz="1400" u="none" cap="none" strike="noStrike">
+        <a:defRPr sz="1400" b="0" i="0" u="none" strike="noStrike" cap="none">
           <a:solidFill>
             <a:srgbClr val="000000"/>
           </a:solidFill>
@@ -4245,7 +4444,7 @@
           <a:sym typeface="Arial"/>
         </a:defRPr>
       </a:lvl8pPr>
-      <a:lvl9pPr lvl="8" marR="0" rtl="0" algn="l">
+      <a:lvl9pPr marR="0" lvl="8" algn="l" rtl="0">
         <a:lnSpc>
           <a:spcPct val="100000"/>
         </a:lnSpc>
@@ -4256,7 +4455,7 @@
           <a:spcPts val="0"/>
         </a:spcAft>
         <a:buNone/>
-        <a:defRPr b="0" i="0" sz="1400" u="none" cap="none" strike="noStrike">
+        <a:defRPr sz="1400" b="0" i="0" u="none" strike="noStrike" cap="none">
           <a:solidFill>
             <a:srgbClr val="000000"/>
           </a:solidFill>
@@ -4268,7 +4467,7 @@
       </a:lvl9pPr>
     </p:bodyStyle>
     <p:otherStyle>
-      <a:defPPr lvl="0" marR="0" rtl="0" algn="l">
+      <a:defPPr marR="0" lvl="0" algn="l" rtl="0">
         <a:lnSpc>
           <a:spcPct val="100000"/>
         </a:lnSpc>
@@ -4279,7 +4478,7 @@
           <a:spcPts val="0"/>
         </a:spcAft>
       </a:defPPr>
-      <a:lvl1pPr lvl="0" marR="0" rtl="0" algn="l">
+      <a:lvl1pPr marR="0" lvl="0" algn="l" rtl="0">
         <a:lnSpc>
           <a:spcPct val="100000"/>
         </a:lnSpc>
@@ -4290,7 +4489,7 @@
           <a:spcPts val="0"/>
         </a:spcAft>
         <a:buNone/>
-        <a:defRPr b="0" i="0" sz="1400" u="none" cap="none" strike="noStrike">
+        <a:defRPr sz="1400" b="0" i="0" u="none" strike="noStrike" cap="none">
           <a:solidFill>
             <a:srgbClr val="000000"/>
           </a:solidFill>
@@ -4300,7 +4499,7 @@
           <a:sym typeface="Arial"/>
         </a:defRPr>
       </a:lvl1pPr>
-      <a:lvl2pPr lvl="1" marR="0" rtl="0" algn="l">
+      <a:lvl2pPr marR="0" lvl="1" algn="l" rtl="0">
         <a:lnSpc>
           <a:spcPct val="100000"/>
         </a:lnSpc>
@@ -4311,7 +4510,7 @@
           <a:spcPts val="0"/>
         </a:spcAft>
         <a:buNone/>
-        <a:defRPr b="0" i="0" sz="1400" u="none" cap="none" strike="noStrike">
+        <a:defRPr sz="1400" b="0" i="0" u="none" strike="noStrike" cap="none">
           <a:solidFill>
             <a:srgbClr val="000000"/>
           </a:solidFill>
@@ -4321,7 +4520,7 @@
           <a:sym typeface="Arial"/>
         </a:defRPr>
       </a:lvl2pPr>
-      <a:lvl3pPr lvl="2" marR="0" rtl="0" algn="l">
+      <a:lvl3pPr marR="0" lvl="2" algn="l" rtl="0">
         <a:lnSpc>
           <a:spcPct val="100000"/>
         </a:lnSpc>
@@ -4332,7 +4531,7 @@
           <a:spcPts val="0"/>
         </a:spcAft>
         <a:buNone/>
-        <a:defRPr b="0" i="0" sz="1400" u="none" cap="none" strike="noStrike">
+        <a:defRPr sz="1400" b="0" i="0" u="none" strike="noStrike" cap="none">
           <a:solidFill>
             <a:srgbClr val="000000"/>
           </a:solidFill>
@@ -4342,7 +4541,7 @@
           <a:sym typeface="Arial"/>
         </a:defRPr>
       </a:lvl3pPr>
-      <a:lvl4pPr lvl="3" marR="0" rtl="0" algn="l">
+      <a:lvl4pPr marR="0" lvl="3" algn="l" rtl="0">
         <a:lnSpc>
           <a:spcPct val="100000"/>
         </a:lnSpc>
@@ -4353,7 +4552,7 @@
           <a:spcPts val="0"/>
         </a:spcAft>
         <a:buNone/>
-        <a:defRPr b="0" i="0" sz="1400" u="none" cap="none" strike="noStrike">
+        <a:defRPr sz="1400" b="0" i="0" u="none" strike="noStrike" cap="none">
           <a:solidFill>
             <a:srgbClr val="000000"/>
           </a:solidFill>
@@ -4363,7 +4562,7 @@
           <a:sym typeface="Arial"/>
         </a:defRPr>
       </a:lvl4pPr>
-      <a:lvl5pPr lvl="4" marR="0" rtl="0" algn="l">
+      <a:lvl5pPr marR="0" lvl="4" algn="l" rtl="0">
         <a:lnSpc>
           <a:spcPct val="100000"/>
         </a:lnSpc>
@@ -4374,7 +4573,7 @@
           <a:spcPts val="0"/>
         </a:spcAft>
         <a:buNone/>
-        <a:defRPr b="0" i="0" sz="1400" u="none" cap="none" strike="noStrike">
+        <a:defRPr sz="1400" b="0" i="0" u="none" strike="noStrike" cap="none">
           <a:solidFill>
             <a:srgbClr val="000000"/>
           </a:solidFill>
@@ -4384,7 +4583,7 @@
           <a:sym typeface="Arial"/>
         </a:defRPr>
       </a:lvl5pPr>
-      <a:lvl6pPr lvl="5" marR="0" rtl="0" algn="l">
+      <a:lvl6pPr marR="0" lvl="5" algn="l" rtl="0">
         <a:lnSpc>
           <a:spcPct val="100000"/>
         </a:lnSpc>
@@ -4395,7 +4594,7 @@
           <a:spcPts val="0"/>
         </a:spcAft>
         <a:buNone/>
-        <a:defRPr b="0" i="0" sz="1400" u="none" cap="none" strike="noStrike">
+        <a:defRPr sz="1400" b="0" i="0" u="none" strike="noStrike" cap="none">
           <a:solidFill>
             <a:srgbClr val="000000"/>
           </a:solidFill>
@@ -4405,7 +4604,7 @@
           <a:sym typeface="Arial"/>
         </a:defRPr>
       </a:lvl6pPr>
-      <a:lvl7pPr lvl="6" marR="0" rtl="0" algn="l">
+      <a:lvl7pPr marR="0" lvl="6" algn="l" rtl="0">
         <a:lnSpc>
           <a:spcPct val="100000"/>
         </a:lnSpc>
@@ -4416,7 +4615,7 @@
           <a:spcPts val="0"/>
         </a:spcAft>
         <a:buNone/>
-        <a:defRPr b="0" i="0" sz="1400" u="none" cap="none" strike="noStrike">
+        <a:defRPr sz="1400" b="0" i="0" u="none" strike="noStrike" cap="none">
           <a:solidFill>
             <a:srgbClr val="000000"/>
           </a:solidFill>
@@ -4426,7 +4625,7 @@
           <a:sym typeface="Arial"/>
         </a:defRPr>
       </a:lvl7pPr>
-      <a:lvl8pPr lvl="7" marR="0" rtl="0" algn="l">
+      <a:lvl8pPr marR="0" lvl="7" algn="l" rtl="0">
         <a:lnSpc>
           <a:spcPct val="100000"/>
         </a:lnSpc>
@@ -4437,7 +4636,7 @@
           <a:spcPts val="0"/>
         </a:spcAft>
         <a:buNone/>
-        <a:defRPr b="0" i="0" sz="1400" u="none" cap="none" strike="noStrike">
+        <a:defRPr sz="1400" b="0" i="0" u="none" strike="noStrike" cap="none">
           <a:solidFill>
             <a:srgbClr val="000000"/>
           </a:solidFill>
@@ -4447,7 +4646,7 @@
           <a:sym typeface="Arial"/>
         </a:defRPr>
       </a:lvl8pPr>
-      <a:lvl9pPr lvl="8" marR="0" rtl="0" algn="l">
+      <a:lvl9pPr marR="0" lvl="8" algn="l" rtl="0">
         <a:lnSpc>
           <a:spcPct val="100000"/>
         </a:lnSpc>
@@ -4458,7 +4657,7 @@
           <a:spcPts val="0"/>
         </a:spcAft>
         <a:buNone/>
-        <a:defRPr b="0" i="0" sz="1400" u="none" cap="none" strike="noStrike">
+        <a:defRPr sz="1400" b="0" i="0" u="none" strike="noStrike" cap="none">
           <a:solidFill>
             <a:srgbClr val="000000"/>
           </a:solidFill>
@@ -4474,11 +4673,11 @@
 </file>
 
 <file path=ppt/slides/slide1.xml><?xml version="1.0" encoding="utf-8"?>
-<p:sld xmlns:a="http://schemas.openxmlformats.org/drawingml/2006/main" xmlns:r="http://schemas.openxmlformats.org/officeDocument/2006/relationships" xmlns:mc="http://schemas.openxmlformats.org/markup-compatibility/2006" xmlns:mv="urn:schemas-microsoft-com:mac:vml" xmlns:p="http://schemas.openxmlformats.org/presentationml/2006/main" xmlns:c="http://schemas.openxmlformats.org/drawingml/2006/chart" xmlns:dgm="http://schemas.openxmlformats.org/drawingml/2006/diagram" xmlns:o="urn:schemas-microsoft-com:office:office" xmlns:v="urn:schemas-microsoft-com:vml" xmlns:pvml="urn:schemas-microsoft-com:office:powerpoint" xmlns:com="http://schemas.openxmlformats.org/drawingml/2006/compatibility" xmlns:p14="http://schemas.microsoft.com/office/powerpoint/2010/main">
+<p:sld xmlns:a="http://schemas.openxmlformats.org/drawingml/2006/main" xmlns:r="http://schemas.openxmlformats.org/officeDocument/2006/relationships" xmlns:p="http://schemas.openxmlformats.org/presentationml/2006/main">
   <p:cSld>
     <p:spTree>
       <p:nvGrpSpPr>
-        <p:cNvPr id="34" name="Shape 34"/>
+        <p:cNvPr id="1" name="Shape 34"/>
         <p:cNvGrpSpPr/>
         <p:nvPr/>
       </p:nvGrpSpPr>
@@ -4500,7 +4699,7 @@
           <a:blip r:embed="rId3">
             <a:alphaModFix/>
           </a:blip>
-          <a:srcRect b="5795" l="0" r="0" t="5794"/>
+          <a:srcRect t="5794" b="5795"/>
           <a:stretch/>
         </p:blipFill>
         <p:spPr>
@@ -4541,21 +4740,18 @@
           </a:ln>
         </p:spPr>
         <p:txBody>
-          <a:bodyPr anchorCtr="0" anchor="ctr" bIns="45700" lIns="91425" rIns="91425" tIns="45700">
+          <a:bodyPr lIns="91425" tIns="45700" rIns="91425" bIns="45700" anchor="ctr" anchorCtr="0">
             <a:noAutofit/>
           </a:bodyPr>
           <a:lstStyle/>
           <a:p>
-            <a:pPr indent="0" lvl="0" marL="0" marR="0" rtl="0" algn="ctr">
-              <a:spcBef>
-                <a:spcPts val="0"/>
-              </a:spcBef>
-              <a:buNone/>
-            </a:pPr>
-            <a:r>
-              <a:t/>
-            </a:r>
-            <a:endParaRPr b="0" i="0" sz="1800" u="none" cap="none" strike="noStrike">
+            <a:pPr marL="0" marR="0" lvl="0" indent="0" algn="ctr" rtl="0">
+              <a:spcBef>
+                <a:spcPts val="0"/>
+              </a:spcBef>
+              <a:buNone/>
+            </a:pPr>
+            <a:endParaRPr sz="1800" b="0" i="0" u="none" strike="noStrike" cap="none">
               <a:solidFill>
                 <a:srgbClr val="FFFFFF"/>
               </a:solidFill>
@@ -4567,33 +4763,6 @@
           </a:p>
         </p:txBody>
       </p:sp>
-      <p:pic>
-        <p:nvPicPr>
-          <p:cNvPr descr="pivotal_white.png" id="37" name="Shape 37"/>
-          <p:cNvPicPr preferRelativeResize="0"/>
-          <p:nvPr/>
-        </p:nvPicPr>
-        <p:blipFill rotWithShape="1">
-          <a:blip r:embed="rId4">
-            <a:alphaModFix/>
-          </a:blip>
-          <a:srcRect b="0" l="0" r="0" t="0"/>
-          <a:stretch/>
-        </p:blipFill>
-        <p:spPr>
-          <a:xfrm>
-            <a:off x="753110" y="978441"/>
-            <a:ext cx="1368553" cy="336279"/>
-          </a:xfrm>
-          <a:prstGeom prst="rect">
-            <a:avLst/>
-          </a:prstGeom>
-          <a:noFill/>
-          <a:ln>
-            <a:noFill/>
-          </a:ln>
-        </p:spPr>
-      </p:pic>
       <p:sp>
         <p:nvSpPr>
           <p:cNvPr id="38" name="Shape 38"/>
@@ -4613,7 +4782,7 @@
             <a:noFill/>
           </a:ln>
           <a:effectLst>
-            <a:outerShdw blurRad="63500" sx="102000" rotWithShape="0" algn="ctr" sy="102000">
+            <a:outerShdw blurRad="63500" sx="102000" sy="102000" algn="ctr" rotWithShape="0">
               <a:srgbClr val="000000">
                 <a:alpha val="40000"/>
               </a:srgbClr>
@@ -4621,12 +4790,12 @@
           </a:effectLst>
         </p:spPr>
         <p:txBody>
-          <a:bodyPr anchorCtr="0" anchor="t" bIns="45700" lIns="91425" rIns="91425" tIns="45700">
+          <a:bodyPr lIns="91425" tIns="45700" rIns="91425" bIns="45700" anchor="t" anchorCtr="0">
             <a:noAutofit/>
           </a:bodyPr>
           <a:lstStyle/>
           <a:p>
-            <a:pPr indent="0" lvl="0" marL="0" marR="0" rtl="0" algn="l">
+            <a:pPr marL="0" marR="0" lvl="0" indent="0" algn="l" rtl="0">
               <a:spcBef>
                 <a:spcPts val="0"/>
               </a:spcBef>
@@ -4637,7 +4806,7 @@
               <a:buNone/>
             </a:pPr>
             <a:r>
-              <a:rPr b="1" i="0" lang="en-US" sz="4200" u="none" cap="none" strike="noStrike">
+              <a:rPr lang="en-US" sz="4200" b="1" i="0" u="none" strike="noStrike" cap="none">
                 <a:solidFill>
                   <a:srgbClr val="00AE9E"/>
                 </a:solidFill>
@@ -4650,7 +4819,7 @@
             </a:r>
           </a:p>
           <a:p>
-            <a:pPr indent="0" lvl="0" marL="0" marR="0" rtl="0" algn="l">
+            <a:pPr marL="0" marR="0" lvl="0" indent="0" algn="l" rtl="0">
               <a:spcBef>
                 <a:spcPts val="1200"/>
               </a:spcBef>
@@ -4659,10 +4828,7 @@
               </a:spcAft>
               <a:buNone/>
             </a:pPr>
-            <a:r>
-              <a:t/>
-            </a:r>
-            <a:endParaRPr b="1" i="0" sz="4200" u="none" cap="none" strike="noStrike">
+            <a:endParaRPr sz="4200" b="1" i="0" u="none" strike="noStrike" cap="none">
               <a:solidFill>
                 <a:srgbClr val="00AE9E"/>
               </a:solidFill>
@@ -4674,33 +4840,6 @@
           </a:p>
         </p:txBody>
       </p:sp>
-      <p:pic>
-        <p:nvPicPr>
-          <p:cNvPr descr="pivotal_teal.png" id="39" name="Shape 39"/>
-          <p:cNvPicPr preferRelativeResize="0"/>
-          <p:nvPr/>
-        </p:nvPicPr>
-        <p:blipFill rotWithShape="1">
-          <a:blip r:embed="rId5">
-            <a:alphaModFix/>
-          </a:blip>
-          <a:srcRect b="0" l="0" r="0" t="0"/>
-          <a:stretch/>
-        </p:blipFill>
-        <p:spPr>
-          <a:xfrm>
-            <a:off x="8272779" y="4855076"/>
-            <a:ext cx="731519" cy="171298"/>
-          </a:xfrm>
-          <a:prstGeom prst="rect">
-            <a:avLst/>
-          </a:prstGeom>
-          <a:noFill/>
-          <a:ln>
-            <a:noFill/>
-          </a:ln>
-        </p:spPr>
-      </p:pic>
     </p:spTree>
   </p:cSld>
   <p:clrMapOvr>
@@ -4709,13 +4848,13 @@
   <p:timing>
     <p:tnLst>
       <p:par>
-        <p:cTn dur="indefinite" nodeType="tmRoot" restart="never">
+        <p:cTn xmlns:p14="http://schemas.microsoft.com/office/powerpoint/2010/main" id="1" dur="indefinite" restart="never" nodeType="tmRoot">
           <p:childTnLst>
             <p:seq concurrent="1" nextAc="seek">
-              <p:cTn dur="indefinite" id="2" nodeType="mainSeq">
+              <p:cTn id="2" dur="indefinite" nodeType="mainSeq">
                 <p:childTnLst>
                   <p:par>
-                    <p:cTn fill="hold">
+                    <p:cTn id="3" fill="hold">
                       <p:stCondLst>
                         <p:cond delay="indefinite"/>
                         <p:cond evt="onBegin" delay="0">
@@ -4724,20 +4863,20 @@
                       </p:stCondLst>
                       <p:childTnLst>
                         <p:par>
-                          <p:cTn fill="hold">
+                          <p:cTn id="4" fill="hold">
                             <p:stCondLst>
                               <p:cond delay="0"/>
                             </p:stCondLst>
                             <p:childTnLst>
                               <p:par>
-                                <p:cTn fill="hold" nodeType="withEffect" presetClass="entr" presetID="10" presetSubtype="0">
+                                <p:cTn id="5" presetID="10" presetClass="entr" presetSubtype="0" fill="hold" nodeType="withEffect">
                                   <p:stCondLst>
                                     <p:cond delay="0"/>
                                   </p:stCondLst>
                                   <p:childTnLst>
                                     <p:set>
                                       <p:cBhvr>
-                                        <p:cTn dur="1" fill="hold">
+                                        <p:cTn id="6" dur="1" fill="hold">
                                           <p:stCondLst>
                                             <p:cond delay="0"/>
                                           </p:stCondLst>
@@ -4753,9 +4892,9 @@
                                         <p:strVal val="visible"/>
                                       </p:to>
                                     </p:set>
-                                    <p:animEffect filter="fade" transition="in">
+                                    <p:animEffect transition="in" filter="fade">
                                       <p:cBhvr>
-                                        <p:cTn dur="1000"/>
+                                        <p:cTn id="7" dur="1000"/>
                                         <p:tgtEl>
                                           <p:spTgt spid="36"/>
                                         </p:tgtEl>
@@ -4764,59 +4903,15 @@
                                   </p:childTnLst>
                                 </p:cTn>
                               </p:par>
-                            </p:childTnLst>
-                          </p:cTn>
-                        </p:par>
-                        <p:par>
-                          <p:cTn fill="hold">
-                            <p:stCondLst>
-                              <p:cond delay="1000"/>
-                            </p:stCondLst>
-                            <p:childTnLst>
                               <p:par>
-                                <p:cTn fill="hold" nodeType="afterEffect" presetClass="entr" presetID="10" presetSubtype="0">
+                                <p:cTn id="8" presetID="10" presetClass="entr" presetSubtype="0" fill="hold" nodeType="withEffect">
                                   <p:stCondLst>
                                     <p:cond delay="0"/>
                                   </p:stCondLst>
                                   <p:childTnLst>
                                     <p:set>
                                       <p:cBhvr>
-                                        <p:cTn dur="1" fill="hold">
-                                          <p:stCondLst>
-                                            <p:cond delay="0"/>
-                                          </p:stCondLst>
-                                        </p:cTn>
-                                        <p:tgtEl>
-                                          <p:spTgt spid="37"/>
-                                        </p:tgtEl>
-                                        <p:attrNameLst>
-                                          <p:attrName>style.visibility</p:attrName>
-                                        </p:attrNameLst>
-                                      </p:cBhvr>
-                                      <p:to>
-                                        <p:strVal val="visible"/>
-                                      </p:to>
-                                    </p:set>
-                                    <p:animEffect filter="fade" transition="in">
-                                      <p:cBhvr>
-                                        <p:cTn dur="1000"/>
-                                        <p:tgtEl>
-                                          <p:spTgt spid="37"/>
-                                        </p:tgtEl>
-                                      </p:cBhvr>
-                                    </p:animEffect>
-                                  </p:childTnLst>
-                                </p:cTn>
-                              </p:par>
-                              <p:par>
-                                <p:cTn fill="hold" nodeType="withEffect" presetClass="entr" presetID="10" presetSubtype="0">
-                                  <p:stCondLst>
-                                    <p:cond delay="0"/>
-                                  </p:stCondLst>
-                                  <p:childTnLst>
-                                    <p:set>
-                                      <p:cBhvr>
-                                        <p:cTn dur="1" fill="hold">
+                                        <p:cTn id="9" dur="1" fill="hold">
                                           <p:stCondLst>
                                             <p:cond delay="0"/>
                                           </p:stCondLst>
@@ -4832,9 +4927,9 @@
                                         <p:strVal val="visible"/>
                                       </p:to>
                                     </p:set>
-                                    <p:animEffect filter="fade" transition="in">
+                                    <p:animEffect transition="in" filter="fade">
                                       <p:cBhvr>
-                                        <p:cTn dur="1000"/>
+                                        <p:cTn id="10" dur="1000"/>
                                         <p:tgtEl>
                                           <p:spTgt spid="38"/>
                                         </p:tgtEl>
@@ -4852,14 +4947,14 @@
                 </p:childTnLst>
               </p:cTn>
               <p:prevCondLst>
-                <p:cond evt="onPrev">
+                <p:cond evt="onPrev" delay="0">
                   <p:tgtEl>
                     <p:sldTgt/>
                   </p:tgtEl>
                 </p:cond>
               </p:prevCondLst>
               <p:nextCondLst>
-                <p:cond evt="onNext">
+                <p:cond evt="onNext" delay="0">
                   <p:tgtEl>
                     <p:sldTgt/>
                   </p:tgtEl>
@@ -4875,11 +4970,11 @@
 </file>
 
 <file path=ppt/slides/slide10.xml><?xml version="1.0" encoding="utf-8"?>
-<p:sld xmlns:a="http://schemas.openxmlformats.org/drawingml/2006/main" xmlns:r="http://schemas.openxmlformats.org/officeDocument/2006/relationships" xmlns:mc="http://schemas.openxmlformats.org/markup-compatibility/2006" xmlns:mv="urn:schemas-microsoft-com:mac:vml" xmlns:p="http://schemas.openxmlformats.org/presentationml/2006/main" xmlns:c="http://schemas.openxmlformats.org/drawingml/2006/chart" xmlns:dgm="http://schemas.openxmlformats.org/drawingml/2006/diagram" xmlns:o="urn:schemas-microsoft-com:office:office" xmlns:v="urn:schemas-microsoft-com:vml" xmlns:pvml="urn:schemas-microsoft-com:office:powerpoint" xmlns:com="http://schemas.openxmlformats.org/drawingml/2006/compatibility" xmlns:p14="http://schemas.microsoft.com/office/powerpoint/2010/main">
+<p:sld xmlns:a="http://schemas.openxmlformats.org/drawingml/2006/main" xmlns:r="http://schemas.openxmlformats.org/officeDocument/2006/relationships" xmlns:p="http://schemas.openxmlformats.org/presentationml/2006/main">
   <p:cSld>
     <p:spTree>
       <p:nvGrpSpPr>
-        <p:cNvPr id="107" name="Shape 107"/>
+        <p:cNvPr id="1" name="Shape 107"/>
         <p:cNvGrpSpPr/>
         <p:nvPr/>
       </p:nvGrpSpPr>
@@ -4894,7 +4989,9 @@
       <p:sp>
         <p:nvSpPr>
           <p:cNvPr id="108" name="Shape 108"/>
-          <p:cNvSpPr txBox="1"/>
+          <p:cNvSpPr txBox="1">
+            <a:spLocks noGrp="1"/>
+          </p:cNvSpPr>
           <p:nvPr>
             <p:ph type="title"/>
           </p:nvPr>
@@ -4913,12 +5010,12 @@
           </a:ln>
         </p:spPr>
         <p:txBody>
-          <a:bodyPr anchorCtr="0" anchor="t" bIns="91425" lIns="91425" rIns="91425" tIns="91425">
+          <a:bodyPr lIns="91425" tIns="91425" rIns="91425" bIns="91425" anchor="t" anchorCtr="0">
             <a:noAutofit/>
           </a:bodyPr>
           <a:lstStyle/>
           <a:p>
-            <a:pPr indent="0" lvl="0" marL="0" marR="0" rtl="0" algn="l">
+            <a:pPr marL="0" marR="0" lvl="0" indent="0" algn="l" rtl="0">
               <a:spcBef>
                 <a:spcPts val="0"/>
               </a:spcBef>
@@ -4946,9 +5043,11 @@
       <p:sp>
         <p:nvSpPr>
           <p:cNvPr id="109" name="Shape 109"/>
-          <p:cNvSpPr txBox="1"/>
+          <p:cNvSpPr txBox="1">
+            <a:spLocks noGrp="1"/>
+          </p:cNvSpPr>
           <p:nvPr>
-            <p:ph idx="1" type="body"/>
+            <p:ph type="body" idx="1"/>
           </p:nvPr>
         </p:nvSpPr>
         <p:spPr>
@@ -4965,12 +5064,12 @@
           </a:ln>
         </p:spPr>
         <p:txBody>
-          <a:bodyPr anchorCtr="0" anchor="t" bIns="45700" lIns="91425" rIns="91425" tIns="45700">
+          <a:bodyPr lIns="91425" tIns="45700" rIns="91425" bIns="45700" anchor="t" anchorCtr="0">
             <a:noAutofit/>
           </a:bodyPr>
           <a:lstStyle/>
           <a:p>
-            <a:pPr indent="0" lvl="0" marL="0" marR="0" rtl="0" algn="l">
+            <a:pPr marL="0" marR="0" lvl="0" indent="0" algn="l" rtl="0">
               <a:spcBef>
                 <a:spcPts val="0"/>
               </a:spcBef>
@@ -4990,7 +5089,7 @@
             </a:r>
           </a:p>
           <a:p>
-            <a:pPr indent="-355600" lvl="0" marL="457200" marR="0" rtl="0" algn="l">
+            <a:pPr marL="457200" marR="0" lvl="0" indent="-355600" algn="l" rtl="0">
               <a:spcBef>
                 <a:spcPts val="0"/>
               </a:spcBef>
@@ -5005,7 +5104,7 @@
             </a:r>
           </a:p>
           <a:p>
-            <a:pPr indent="-355600" lvl="0" marL="457200" marR="0" rtl="0" algn="l">
+            <a:pPr marL="457200" marR="0" lvl="0" indent="-355600" algn="l" rtl="0">
               <a:spcBef>
                 <a:spcPts val="0"/>
               </a:spcBef>
@@ -5020,7 +5119,7 @@
             </a:r>
           </a:p>
           <a:p>
-            <a:pPr indent="-355600" lvl="0" marL="457200" marR="0" rtl="0" algn="l">
+            <a:pPr marL="457200" marR="0" lvl="0" indent="-355600" algn="l" rtl="0">
               <a:spcBef>
                 <a:spcPts val="0"/>
               </a:spcBef>
@@ -5035,7 +5134,7 @@
             </a:r>
           </a:p>
           <a:p>
-            <a:pPr indent="-355600" lvl="0" marL="457200" marR="0" rtl="0" algn="l">
+            <a:pPr marL="457200" marR="0" lvl="0" indent="-355600" algn="l" rtl="0">
               <a:spcBef>
                 <a:spcPts val="0"/>
               </a:spcBef>
@@ -5050,15 +5149,12 @@
             </a:r>
           </a:p>
           <a:p>
-            <a:pPr indent="0" lvl="0" marL="0" marR="0" rtl="0" algn="l">
+            <a:pPr marL="0" marR="0" lvl="0" indent="0" algn="l" rtl="0">
               <a:spcBef>
                 <a:spcPts val="480"/>
               </a:spcBef>
               <a:buNone/>
             </a:pPr>
-            <a:r>
-              <a:t/>
-            </a:r>
             <a:endParaRPr/>
           </a:p>
         </p:txBody>
@@ -5083,20 +5179,17 @@
           </a:ln>
         </p:spPr>
         <p:txBody>
-          <a:bodyPr anchorCtr="0" anchor="t" bIns="45700" lIns="91425" rIns="91425" tIns="45700">
+          <a:bodyPr lIns="91425" tIns="45700" rIns="91425" bIns="45700" anchor="t" anchorCtr="0">
             <a:noAutofit/>
           </a:bodyPr>
           <a:lstStyle/>
           <a:p>
-            <a:pPr indent="0" lvl="0" marL="0" marR="0" rtl="0" algn="l">
-              <a:spcBef>
-                <a:spcPts val="0"/>
-              </a:spcBef>
-              <a:buNone/>
-            </a:pPr>
-            <a:r>
-              <a:t/>
-            </a:r>
+            <a:pPr marL="0" marR="0" lvl="0" indent="0" algn="l" rtl="0">
+              <a:spcBef>
+                <a:spcPts val="0"/>
+              </a:spcBef>
+              <a:buNone/>
+            </a:pPr>
             <a:endParaRPr sz="1800">
               <a:solidFill>
                 <a:schemeClr val="dk1"/>
@@ -5117,32 +5210,32 @@
   <p:timing>
     <p:tnLst>
       <p:par>
-        <p:cTn dur="indefinite" nodeType="tmRoot" restart="never">
+        <p:cTn xmlns:p14="http://schemas.microsoft.com/office/powerpoint/2010/main" id="1" dur="indefinite" restart="never" nodeType="tmRoot">
           <p:childTnLst>
             <p:seq concurrent="1" nextAc="seek">
-              <p:cTn dur="indefinite" id="2" nodeType="mainSeq">
+              <p:cTn id="2" dur="indefinite" nodeType="mainSeq">
                 <p:childTnLst>
                   <p:par>
-                    <p:cTn fill="hold">
+                    <p:cTn id="3" fill="hold">
                       <p:stCondLst>
                         <p:cond delay="indefinite"/>
                       </p:stCondLst>
                       <p:childTnLst>
                         <p:par>
-                          <p:cTn fill="hold">
+                          <p:cTn id="4" fill="hold">
                             <p:stCondLst>
                               <p:cond delay="0"/>
                             </p:stCondLst>
                             <p:childTnLst>
                               <p:par>
-                                <p:cTn fill="hold" nodeType="clickEffect" presetClass="entr" presetID="10" presetSubtype="0">
+                                <p:cTn id="5" presetID="10" presetClass="entr" presetSubtype="0" fill="hold" nodeType="clickEffect">
                                   <p:stCondLst>
                                     <p:cond delay="0"/>
                                   </p:stCondLst>
                                   <p:childTnLst>
                                     <p:set>
                                       <p:cBhvr>
-                                        <p:cTn dur="1" fill="hold">
+                                        <p:cTn id="6" dur="1" fill="hold">
                                           <p:stCondLst>
                                             <p:cond delay="0"/>
                                           </p:stCondLst>
@@ -5150,7 +5243,7 @@
                                         <p:tgtEl>
                                           <p:spTgt spid="109">
                                             <p:txEl>
-                                              <p:pRg end="0" st="0"/>
+                                              <p:pRg st="0" end="0"/>
                                             </p:txEl>
                                           </p:spTgt>
                                         </p:tgtEl>
@@ -5162,13 +5255,13 @@
                                         <p:strVal val="visible"/>
                                       </p:to>
                                     </p:set>
-                                    <p:animEffect filter="fade" transition="in">
+                                    <p:animEffect transition="in" filter="fade">
                                       <p:cBhvr>
-                                        <p:cTn dur="1000"/>
+                                        <p:cTn id="7" dur="1000"/>
                                         <p:tgtEl>
                                           <p:spTgt spid="109">
                                             <p:txEl>
-                                              <p:pRg end="0" st="0"/>
+                                              <p:pRg st="0" end="0"/>
                                             </p:txEl>
                                           </p:spTgt>
                                         </p:tgtEl>
@@ -5184,26 +5277,26 @@
                     </p:cTn>
                   </p:par>
                   <p:par>
-                    <p:cTn fill="hold">
+                    <p:cTn id="8" fill="hold">
                       <p:stCondLst>
                         <p:cond delay="indefinite"/>
                       </p:stCondLst>
                       <p:childTnLst>
                         <p:par>
-                          <p:cTn fill="hold">
+                          <p:cTn id="9" fill="hold">
                             <p:stCondLst>
                               <p:cond delay="0"/>
                             </p:stCondLst>
                             <p:childTnLst>
                               <p:par>
-                                <p:cTn fill="hold" nodeType="clickEffect" presetClass="entr" presetID="10" presetSubtype="0">
+                                <p:cTn id="10" presetID="10" presetClass="entr" presetSubtype="0" fill="hold" nodeType="clickEffect">
                                   <p:stCondLst>
                                     <p:cond delay="0"/>
                                   </p:stCondLst>
                                   <p:childTnLst>
                                     <p:set>
                                       <p:cBhvr>
-                                        <p:cTn dur="1" fill="hold">
+                                        <p:cTn id="11" dur="1" fill="hold">
                                           <p:stCondLst>
                                             <p:cond delay="0"/>
                                           </p:stCondLst>
@@ -5211,7 +5304,7 @@
                                         <p:tgtEl>
                                           <p:spTgt spid="109">
                                             <p:txEl>
-                                              <p:pRg end="1" st="1"/>
+                                              <p:pRg st="1" end="1"/>
                                             </p:txEl>
                                           </p:spTgt>
                                         </p:tgtEl>
@@ -5223,13 +5316,13 @@
                                         <p:strVal val="visible"/>
                                       </p:to>
                                     </p:set>
-                                    <p:animEffect filter="fade" transition="in">
+                                    <p:animEffect transition="in" filter="fade">
                                       <p:cBhvr>
-                                        <p:cTn dur="1000"/>
+                                        <p:cTn id="12" dur="1000"/>
                                         <p:tgtEl>
                                           <p:spTgt spid="109">
                                             <p:txEl>
-                                              <p:pRg end="1" st="1"/>
+                                              <p:pRg st="1" end="1"/>
                                             </p:txEl>
                                           </p:spTgt>
                                         </p:tgtEl>
@@ -5245,26 +5338,26 @@
                     </p:cTn>
                   </p:par>
                   <p:par>
-                    <p:cTn fill="hold">
+                    <p:cTn id="13" fill="hold">
                       <p:stCondLst>
                         <p:cond delay="indefinite"/>
                       </p:stCondLst>
                       <p:childTnLst>
                         <p:par>
-                          <p:cTn fill="hold">
+                          <p:cTn id="14" fill="hold">
                             <p:stCondLst>
                               <p:cond delay="0"/>
                             </p:stCondLst>
                             <p:childTnLst>
                               <p:par>
-                                <p:cTn fill="hold" nodeType="clickEffect" presetClass="entr" presetID="10" presetSubtype="0">
+                                <p:cTn id="15" presetID="10" presetClass="entr" presetSubtype="0" fill="hold" nodeType="clickEffect">
                                   <p:stCondLst>
                                     <p:cond delay="0"/>
                                   </p:stCondLst>
                                   <p:childTnLst>
                                     <p:set>
                                       <p:cBhvr>
-                                        <p:cTn dur="1" fill="hold">
+                                        <p:cTn id="16" dur="1" fill="hold">
                                           <p:stCondLst>
                                             <p:cond delay="0"/>
                                           </p:stCondLst>
@@ -5272,7 +5365,7 @@
                                         <p:tgtEl>
                                           <p:spTgt spid="109">
                                             <p:txEl>
-                                              <p:pRg end="2" st="2"/>
+                                              <p:pRg st="2" end="2"/>
                                             </p:txEl>
                                           </p:spTgt>
                                         </p:tgtEl>
@@ -5284,13 +5377,13 @@
                                         <p:strVal val="visible"/>
                                       </p:to>
                                     </p:set>
-                                    <p:animEffect filter="fade" transition="in">
+                                    <p:animEffect transition="in" filter="fade">
                                       <p:cBhvr>
-                                        <p:cTn dur="1000"/>
+                                        <p:cTn id="17" dur="1000"/>
                                         <p:tgtEl>
                                           <p:spTgt spid="109">
                                             <p:txEl>
-                                              <p:pRg end="2" st="2"/>
+                                              <p:pRg st="2" end="2"/>
                                             </p:txEl>
                                           </p:spTgt>
                                         </p:tgtEl>
@@ -5306,26 +5399,26 @@
                     </p:cTn>
                   </p:par>
                   <p:par>
-                    <p:cTn fill="hold">
+                    <p:cTn id="18" fill="hold">
                       <p:stCondLst>
                         <p:cond delay="indefinite"/>
                       </p:stCondLst>
                       <p:childTnLst>
                         <p:par>
-                          <p:cTn fill="hold">
+                          <p:cTn id="19" fill="hold">
                             <p:stCondLst>
                               <p:cond delay="0"/>
                             </p:stCondLst>
                             <p:childTnLst>
                               <p:par>
-                                <p:cTn fill="hold" nodeType="clickEffect" presetClass="entr" presetID="10" presetSubtype="0">
+                                <p:cTn id="20" presetID="10" presetClass="entr" presetSubtype="0" fill="hold" nodeType="clickEffect">
                                   <p:stCondLst>
                                     <p:cond delay="0"/>
                                   </p:stCondLst>
                                   <p:childTnLst>
                                     <p:set>
                                       <p:cBhvr>
-                                        <p:cTn dur="1" fill="hold">
+                                        <p:cTn id="21" dur="1" fill="hold">
                                           <p:stCondLst>
                                             <p:cond delay="0"/>
                                           </p:stCondLst>
@@ -5333,7 +5426,7 @@
                                         <p:tgtEl>
                                           <p:spTgt spid="109">
                                             <p:txEl>
-                                              <p:pRg end="3" st="3"/>
+                                              <p:pRg st="3" end="3"/>
                                             </p:txEl>
                                           </p:spTgt>
                                         </p:tgtEl>
@@ -5345,13 +5438,13 @@
                                         <p:strVal val="visible"/>
                                       </p:to>
                                     </p:set>
-                                    <p:animEffect filter="fade" transition="in">
+                                    <p:animEffect transition="in" filter="fade">
                                       <p:cBhvr>
-                                        <p:cTn dur="1000"/>
+                                        <p:cTn id="22" dur="1000"/>
                                         <p:tgtEl>
                                           <p:spTgt spid="109">
                                             <p:txEl>
-                                              <p:pRg end="3" st="3"/>
+                                              <p:pRg st="3" end="3"/>
                                             </p:txEl>
                                           </p:spTgt>
                                         </p:tgtEl>
@@ -5367,26 +5460,26 @@
                     </p:cTn>
                   </p:par>
                   <p:par>
-                    <p:cTn fill="hold">
+                    <p:cTn id="23" fill="hold">
                       <p:stCondLst>
                         <p:cond delay="indefinite"/>
                       </p:stCondLst>
                       <p:childTnLst>
                         <p:par>
-                          <p:cTn fill="hold">
+                          <p:cTn id="24" fill="hold">
                             <p:stCondLst>
                               <p:cond delay="0"/>
                             </p:stCondLst>
                             <p:childTnLst>
                               <p:par>
-                                <p:cTn fill="hold" nodeType="clickEffect" presetClass="entr" presetID="10" presetSubtype="0">
+                                <p:cTn id="25" presetID="10" presetClass="entr" presetSubtype="0" fill="hold" nodeType="clickEffect">
                                   <p:stCondLst>
                                     <p:cond delay="0"/>
                                   </p:stCondLst>
                                   <p:childTnLst>
                                     <p:set>
                                       <p:cBhvr>
-                                        <p:cTn dur="1" fill="hold">
+                                        <p:cTn id="26" dur="1" fill="hold">
                                           <p:stCondLst>
                                             <p:cond delay="0"/>
                                           </p:stCondLst>
@@ -5394,7 +5487,7 @@
                                         <p:tgtEl>
                                           <p:spTgt spid="109">
                                             <p:txEl>
-                                              <p:pRg end="4" st="4"/>
+                                              <p:pRg st="4" end="4"/>
                                             </p:txEl>
                                           </p:spTgt>
                                         </p:tgtEl>
@@ -5406,13 +5499,13 @@
                                         <p:strVal val="visible"/>
                                       </p:to>
                                     </p:set>
-                                    <p:animEffect filter="fade" transition="in">
+                                    <p:animEffect transition="in" filter="fade">
                                       <p:cBhvr>
-                                        <p:cTn dur="1000"/>
+                                        <p:cTn id="27" dur="1000"/>
                                         <p:tgtEl>
                                           <p:spTgt spid="109">
                                             <p:txEl>
-                                              <p:pRg end="4" st="4"/>
+                                              <p:pRg st="4" end="4"/>
                                             </p:txEl>
                                           </p:spTgt>
                                         </p:tgtEl>
@@ -5428,26 +5521,26 @@
                     </p:cTn>
                   </p:par>
                   <p:par>
-                    <p:cTn fill="hold">
+                    <p:cTn id="28" fill="hold">
                       <p:stCondLst>
                         <p:cond delay="indefinite"/>
                       </p:stCondLst>
                       <p:childTnLst>
                         <p:par>
-                          <p:cTn fill="hold">
+                          <p:cTn id="29" fill="hold">
                             <p:stCondLst>
                               <p:cond delay="0"/>
                             </p:stCondLst>
                             <p:childTnLst>
                               <p:par>
-                                <p:cTn fill="hold" nodeType="clickEffect" presetClass="entr" presetID="10" presetSubtype="0">
+                                <p:cTn id="30" presetID="10" presetClass="entr" presetSubtype="0" fill="hold" nodeType="clickEffect">
                                   <p:stCondLst>
                                     <p:cond delay="0"/>
                                   </p:stCondLst>
                                   <p:childTnLst>
                                     <p:set>
                                       <p:cBhvr>
-                                        <p:cTn dur="1" fill="hold">
+                                        <p:cTn id="31" dur="1" fill="hold">
                                           <p:stCondLst>
                                             <p:cond delay="0"/>
                                           </p:stCondLst>
@@ -5455,7 +5548,7 @@
                                         <p:tgtEl>
                                           <p:spTgt spid="109">
                                             <p:txEl>
-                                              <p:pRg end="5" st="5"/>
+                                              <p:pRg st="5" end="5"/>
                                             </p:txEl>
                                           </p:spTgt>
                                         </p:tgtEl>
@@ -5467,13 +5560,13 @@
                                         <p:strVal val="visible"/>
                                       </p:to>
                                     </p:set>
-                                    <p:animEffect filter="fade" transition="in">
+                                    <p:animEffect transition="in" filter="fade">
                                       <p:cBhvr>
-                                        <p:cTn dur="1000"/>
+                                        <p:cTn id="32" dur="1000"/>
                                         <p:tgtEl>
                                           <p:spTgt spid="109">
                                             <p:txEl>
-                                              <p:pRg end="5" st="5"/>
+                                              <p:pRg st="5" end="5"/>
                                             </p:txEl>
                                           </p:spTgt>
                                         </p:tgtEl>
@@ -5491,14 +5584,14 @@
                 </p:childTnLst>
               </p:cTn>
               <p:prevCondLst>
-                <p:cond evt="onPrev">
+                <p:cond evt="onPrev" delay="0">
                   <p:tgtEl>
                     <p:sldTgt/>
                   </p:tgtEl>
                 </p:cond>
               </p:prevCondLst>
               <p:nextCondLst>
-                <p:cond evt="onNext">
+                <p:cond evt="onNext" delay="0">
                   <p:tgtEl>
                     <p:sldTgt/>
                   </p:tgtEl>
@@ -5514,11 +5607,11 @@
 </file>
 
 <file path=ppt/slides/slide11.xml><?xml version="1.0" encoding="utf-8"?>
-<p:sld xmlns:a="http://schemas.openxmlformats.org/drawingml/2006/main" xmlns:r="http://schemas.openxmlformats.org/officeDocument/2006/relationships" xmlns:mc="http://schemas.openxmlformats.org/markup-compatibility/2006" xmlns:mv="urn:schemas-microsoft-com:mac:vml" xmlns:p="http://schemas.openxmlformats.org/presentationml/2006/main" xmlns:c="http://schemas.openxmlformats.org/drawingml/2006/chart" xmlns:dgm="http://schemas.openxmlformats.org/drawingml/2006/diagram" xmlns:o="urn:schemas-microsoft-com:office:office" xmlns:v="urn:schemas-microsoft-com:vml" xmlns:pvml="urn:schemas-microsoft-com:office:powerpoint" xmlns:com="http://schemas.openxmlformats.org/drawingml/2006/compatibility" xmlns:p14="http://schemas.microsoft.com/office/powerpoint/2010/main">
+<p:sld xmlns:a="http://schemas.openxmlformats.org/drawingml/2006/main" xmlns:r="http://schemas.openxmlformats.org/officeDocument/2006/relationships" xmlns:p="http://schemas.openxmlformats.org/presentationml/2006/main">
   <p:cSld>
     <p:spTree>
       <p:nvGrpSpPr>
-        <p:cNvPr id="114" name="Shape 114"/>
+        <p:cNvPr id="1" name="Shape 114"/>
         <p:cNvGrpSpPr/>
         <p:nvPr/>
       </p:nvGrpSpPr>
@@ -5533,7 +5626,9 @@
       <p:sp>
         <p:nvSpPr>
           <p:cNvPr id="115" name="Shape 115"/>
-          <p:cNvSpPr txBox="1"/>
+          <p:cNvSpPr txBox="1">
+            <a:spLocks noGrp="1"/>
+          </p:cNvSpPr>
           <p:nvPr>
             <p:ph type="title"/>
           </p:nvPr>
@@ -5552,12 +5647,12 @@
           </a:ln>
         </p:spPr>
         <p:txBody>
-          <a:bodyPr anchorCtr="0" anchor="t" bIns="91425" lIns="91425" rIns="91425" tIns="91425">
+          <a:bodyPr lIns="91425" tIns="91425" rIns="91425" bIns="91425" anchor="t" anchorCtr="0">
             <a:noAutofit/>
           </a:bodyPr>
           <a:lstStyle/>
           <a:p>
-            <a:pPr indent="0" lvl="0" marL="0" marR="0" rtl="0" algn="l">
+            <a:pPr marL="0" marR="0" lvl="0" indent="0" algn="l" rtl="0">
               <a:spcBef>
                 <a:spcPts val="0"/>
               </a:spcBef>
@@ -5572,7 +5667,7 @@
               <a:buNone/>
             </a:pPr>
             <a:r>
-              <a:rPr b="0" i="0" lang="en-US" sz="3600" u="none" cap="none" strike="noStrike">
+              <a:rPr lang="en-US" sz="3600" b="0" i="0" u="none" strike="noStrike" cap="none">
                 <a:solidFill>
                   <a:schemeClr val="accent1"/>
                 </a:solidFill>
@@ -5589,9 +5684,11 @@
       <p:sp>
         <p:nvSpPr>
           <p:cNvPr id="116" name="Shape 116"/>
-          <p:cNvSpPr txBox="1"/>
+          <p:cNvSpPr txBox="1">
+            <a:spLocks noGrp="1"/>
+          </p:cNvSpPr>
           <p:nvPr>
-            <p:ph idx="1" type="body"/>
+            <p:ph type="body" idx="1"/>
           </p:nvPr>
         </p:nvSpPr>
         <p:spPr>
@@ -5608,12 +5705,12 @@
           </a:ln>
         </p:spPr>
         <p:txBody>
-          <a:bodyPr anchorCtr="0" anchor="t" bIns="45700" lIns="91425" rIns="91425" tIns="45700">
+          <a:bodyPr lIns="91425" tIns="45700" rIns="91425" bIns="45700" anchor="t" anchorCtr="0">
             <a:noAutofit/>
           </a:bodyPr>
           <a:lstStyle/>
           <a:p>
-            <a:pPr indent="0" lvl="0" marL="0" marR="0" rtl="0" algn="l">
+            <a:pPr marL="0" marR="0" lvl="0" indent="0" algn="l" rtl="0">
               <a:spcBef>
                 <a:spcPts val="0"/>
               </a:spcBef>
@@ -5627,10 +5724,7 @@
               <a:buFont typeface="Arial"/>
               <a:buNone/>
             </a:pPr>
-            <a:r>
-              <a:t/>
-            </a:r>
-            <a:endParaRPr b="0" i="0" sz="2800" u="none" cap="none" strike="noStrike">
+            <a:endParaRPr sz="2800" b="0" i="0" u="none" strike="noStrike" cap="none">
               <a:solidFill>
                 <a:schemeClr val="dk1"/>
               </a:solidFill>
@@ -5641,7 +5735,7 @@
             </a:endParaRPr>
           </a:p>
           <a:p>
-            <a:pPr indent="-342900" lvl="0" marL="342900" marR="0" rtl="0" algn="l">
+            <a:pPr marL="342900" marR="0" lvl="0" indent="-342900" algn="l" rtl="0">
               <a:spcBef>
                 <a:spcPts val="480"/>
               </a:spcBef>
@@ -5656,7 +5750,7 @@
               <a:buChar char="•"/>
             </a:pPr>
             <a:r>
-              <a:rPr b="0" i="0" lang="en-US" sz="2400" u="none" cap="none" strike="noStrike">
+              <a:rPr lang="en-US" sz="2400" b="0" i="0" u="none" strike="noStrike" cap="none">
                 <a:solidFill>
                   <a:schemeClr val="dk1"/>
                 </a:solidFill>
@@ -5669,7 +5763,7 @@
             </a:r>
           </a:p>
           <a:p>
-            <a:pPr indent="-342900" lvl="0" marL="342900" marR="0" rtl="0" algn="l">
+            <a:pPr marL="342900" marR="0" lvl="0" indent="-342900" algn="l" rtl="0">
               <a:spcBef>
                 <a:spcPts val="480"/>
               </a:spcBef>
@@ -5681,7 +5775,7 @@
               <a:buChar char="•"/>
             </a:pPr>
             <a:r>
-              <a:rPr b="1" i="0" lang="en-US" sz="2400" u="none" cap="none" strike="noStrike">
+              <a:rPr lang="en-US" sz="2400" b="1" i="0" u="none" strike="noStrike" cap="none">
                 <a:solidFill>
                   <a:schemeClr val="dk1"/>
                 </a:solidFill>
@@ -5715,20 +5809,17 @@
           </a:ln>
         </p:spPr>
         <p:txBody>
-          <a:bodyPr anchorCtr="0" anchor="t" bIns="45700" lIns="91425" rIns="91425" tIns="45700">
+          <a:bodyPr lIns="91425" tIns="45700" rIns="91425" bIns="45700" anchor="t" anchorCtr="0">
             <a:noAutofit/>
           </a:bodyPr>
           <a:lstStyle/>
           <a:p>
-            <a:pPr indent="0" lvl="0" marL="0" marR="0" rtl="0" algn="l">
-              <a:spcBef>
-                <a:spcPts val="0"/>
-              </a:spcBef>
-              <a:buNone/>
-            </a:pPr>
-            <a:r>
-              <a:t/>
-            </a:r>
+            <a:pPr marL="0" marR="0" lvl="0" indent="0" algn="l" rtl="0">
+              <a:spcBef>
+                <a:spcPts val="0"/>
+              </a:spcBef>
+              <a:buNone/>
+            </a:pPr>
             <a:endParaRPr sz="1800">
               <a:solidFill>
                 <a:schemeClr val="dk1"/>
@@ -5750,11 +5841,11 @@
 </file>
 
 <file path=ppt/slides/slide12.xml><?xml version="1.0" encoding="utf-8"?>
-<p:sld xmlns:a="http://schemas.openxmlformats.org/drawingml/2006/main" xmlns:r="http://schemas.openxmlformats.org/officeDocument/2006/relationships" xmlns:mc="http://schemas.openxmlformats.org/markup-compatibility/2006" xmlns:mv="urn:schemas-microsoft-com:mac:vml" xmlns:p="http://schemas.openxmlformats.org/presentationml/2006/main" xmlns:c="http://schemas.openxmlformats.org/drawingml/2006/chart" xmlns:dgm="http://schemas.openxmlformats.org/drawingml/2006/diagram" xmlns:o="urn:schemas-microsoft-com:office:office" xmlns:v="urn:schemas-microsoft-com:vml" xmlns:pvml="urn:schemas-microsoft-com:office:powerpoint" xmlns:com="http://schemas.openxmlformats.org/drawingml/2006/compatibility" xmlns:p14="http://schemas.microsoft.com/office/powerpoint/2010/main">
+<p:sld xmlns:a="http://schemas.openxmlformats.org/drawingml/2006/main" xmlns:r="http://schemas.openxmlformats.org/officeDocument/2006/relationships" xmlns:p="http://schemas.openxmlformats.org/presentationml/2006/main">
   <p:cSld>
     <p:spTree>
       <p:nvGrpSpPr>
-        <p:cNvPr id="121" name="Shape 121"/>
+        <p:cNvPr id="1" name="Shape 121"/>
         <p:cNvGrpSpPr/>
         <p:nvPr/>
       </p:nvGrpSpPr>
@@ -5769,7 +5860,9 @@
       <p:sp>
         <p:nvSpPr>
           <p:cNvPr id="122" name="Shape 122"/>
-          <p:cNvSpPr txBox="1"/>
+          <p:cNvSpPr txBox="1">
+            <a:spLocks noGrp="1"/>
+          </p:cNvSpPr>
           <p:nvPr>
             <p:ph type="title"/>
           </p:nvPr>
@@ -5788,12 +5881,12 @@
           </a:ln>
         </p:spPr>
         <p:txBody>
-          <a:bodyPr anchorCtr="0" anchor="t" bIns="91425" lIns="91425" rIns="91425" tIns="91425">
+          <a:bodyPr lIns="91425" tIns="91425" rIns="91425" bIns="91425" anchor="t" anchorCtr="0">
             <a:noAutofit/>
           </a:bodyPr>
           <a:lstStyle/>
           <a:p>
-            <a:pPr indent="0" lvl="0" marL="0" marR="0" rtl="0" algn="l">
+            <a:pPr marL="0" marR="0" lvl="0" indent="0" algn="l" rtl="0">
               <a:spcBef>
                 <a:spcPts val="0"/>
               </a:spcBef>
@@ -5808,7 +5901,7 @@
               <a:buNone/>
             </a:pPr>
             <a:r>
-              <a:rPr b="0" i="0" lang="en-US" sz="3600" u="none" cap="none" strike="noStrike">
+              <a:rPr lang="en-US" sz="3600" b="0" i="0" u="none" strike="noStrike" cap="none">
                 <a:solidFill>
                   <a:schemeClr val="accent1"/>
                 </a:solidFill>
@@ -5825,9 +5918,11 @@
       <p:sp>
         <p:nvSpPr>
           <p:cNvPr id="123" name="Shape 123"/>
-          <p:cNvSpPr txBox="1"/>
+          <p:cNvSpPr txBox="1">
+            <a:spLocks noGrp="1"/>
+          </p:cNvSpPr>
           <p:nvPr>
-            <p:ph idx="1" type="body"/>
+            <p:ph type="body" idx="1"/>
           </p:nvPr>
         </p:nvSpPr>
         <p:spPr>
@@ -5844,12 +5939,12 @@
           </a:ln>
         </p:spPr>
         <p:txBody>
-          <a:bodyPr anchorCtr="0" anchor="t" bIns="45700" lIns="91425" rIns="91425" tIns="45700">
+          <a:bodyPr lIns="91425" tIns="45700" rIns="91425" bIns="45700" anchor="t" anchorCtr="0">
             <a:noAutofit/>
           </a:bodyPr>
           <a:lstStyle/>
           <a:p>
-            <a:pPr indent="0" lvl="0" marL="0" marR="0" rtl="0" algn="l">
+            <a:pPr marL="0" marR="0" lvl="0" indent="0" algn="l" rtl="0">
               <a:spcBef>
                 <a:spcPts val="0"/>
               </a:spcBef>
@@ -5863,10 +5958,7 @@
               <a:buFont typeface="Arial"/>
               <a:buNone/>
             </a:pPr>
-            <a:r>
-              <a:t/>
-            </a:r>
-            <a:endParaRPr b="0" i="0" sz="2800" u="none" cap="none" strike="noStrike">
+            <a:endParaRPr sz="2800" b="0" i="0" u="none" strike="noStrike" cap="none">
               <a:solidFill>
                 <a:schemeClr val="dk1"/>
               </a:solidFill>
@@ -5877,7 +5969,7 @@
             </a:endParaRPr>
           </a:p>
           <a:p>
-            <a:pPr indent="-342900" lvl="0" marL="342900" marR="0" rtl="0" algn="l">
+            <a:pPr marL="342900" marR="0" lvl="0" indent="-342900" algn="l" rtl="0">
               <a:spcBef>
                 <a:spcPts val="480"/>
               </a:spcBef>
@@ -5892,7 +5984,7 @@
               <a:buChar char="•"/>
             </a:pPr>
             <a:r>
-              <a:rPr b="0" i="0" lang="en-US" sz="2400" u="none" cap="none" strike="noStrike">
+              <a:rPr lang="en-US" sz="2400" b="0" i="0" u="none" strike="noStrike" cap="none">
                 <a:solidFill>
                   <a:schemeClr val="dk1"/>
                 </a:solidFill>
@@ -5905,7 +5997,7 @@
             </a:r>
           </a:p>
           <a:p>
-            <a:pPr indent="-285750" lvl="1" marL="742950" marR="0" rtl="0" algn="l">
+            <a:pPr marL="742950" marR="0" lvl="1" indent="-285750" algn="l" rtl="0">
               <a:spcBef>
                 <a:spcPts val="400"/>
               </a:spcBef>
@@ -5920,7 +6012,7 @@
               <a:buChar char="–"/>
             </a:pPr>
             <a:r>
-              <a:rPr b="0" i="0" lang="en-US" sz="2000" u="none" cap="none" strike="noStrike">
+              <a:rPr lang="en-US" sz="2000" b="0" i="0" u="none" strike="noStrike" cap="none">
                 <a:solidFill>
                   <a:schemeClr val="dk1"/>
                 </a:solidFill>
@@ -5933,7 +6025,7 @@
             </a:r>
           </a:p>
           <a:p>
-            <a:pPr indent="0" lvl="0" marL="0" marR="0" rtl="0" algn="l">
+            <a:pPr marL="0" marR="0" lvl="0" indent="0" algn="l" rtl="0">
               <a:spcBef>
                 <a:spcPts val="480"/>
               </a:spcBef>
@@ -5947,10 +6039,7 @@
               <a:buFont typeface="Arial"/>
               <a:buNone/>
             </a:pPr>
-            <a:r>
-              <a:t/>
-            </a:r>
-            <a:endParaRPr b="0" i="0" sz="2400" u="none" cap="none" strike="noStrike">
+            <a:endParaRPr sz="2400" b="0" i="0" u="none" strike="noStrike" cap="none">
               <a:solidFill>
                 <a:schemeClr val="dk1"/>
               </a:solidFill>
@@ -5961,7 +6050,7 @@
             </a:endParaRPr>
           </a:p>
           <a:p>
-            <a:pPr indent="-342900" lvl="0" marL="342900" marR="0" rtl="0" algn="l">
+            <a:pPr marL="342900" marR="0" lvl="0" indent="-342900" algn="l" rtl="0">
               <a:spcBef>
                 <a:spcPts val="480"/>
               </a:spcBef>
@@ -5975,10 +6064,7 @@
               <a:buFont typeface="Arial"/>
               <a:buNone/>
             </a:pPr>
-            <a:r>
-              <a:t/>
-            </a:r>
-            <a:endParaRPr b="0" i="0" sz="2400" u="none" cap="none" strike="noStrike">
+            <a:endParaRPr sz="2400" b="0" i="0" u="none" strike="noStrike" cap="none">
               <a:solidFill>
                 <a:schemeClr val="dk1"/>
               </a:solidFill>
@@ -5989,7 +6075,7 @@
             </a:endParaRPr>
           </a:p>
           <a:p>
-            <a:pPr indent="0" lvl="0" marL="0" marR="0" rtl="0" algn="l">
+            <a:pPr marL="0" marR="0" lvl="0" indent="0" algn="l" rtl="0">
               <a:spcBef>
                 <a:spcPts val="480"/>
               </a:spcBef>
@@ -6003,10 +6089,7 @@
               <a:buFont typeface="Arial"/>
               <a:buNone/>
             </a:pPr>
-            <a:r>
-              <a:t/>
-            </a:r>
-            <a:endParaRPr b="0" i="0" sz="2400" u="none" cap="none" strike="noStrike">
+            <a:endParaRPr sz="2400" b="0" i="0" u="none" strike="noStrike" cap="none">
               <a:solidFill>
                 <a:schemeClr val="dk1"/>
               </a:solidFill>
@@ -6017,7 +6100,7 @@
             </a:endParaRPr>
           </a:p>
           <a:p>
-            <a:pPr indent="-342900" lvl="0" marL="342900" marR="0" rtl="0" algn="l">
+            <a:pPr marL="342900" marR="0" lvl="0" indent="-342900" algn="l" rtl="0">
               <a:spcBef>
                 <a:spcPts val="480"/>
               </a:spcBef>
@@ -6032,7 +6115,7 @@
               <a:buChar char="•"/>
             </a:pPr>
             <a:r>
-              <a:rPr b="0" i="0" lang="en-US" sz="2400" u="none" cap="none" strike="noStrike">
+              <a:rPr lang="en-US" sz="2400" b="0" i="0" u="none" strike="noStrike" cap="none">
                 <a:solidFill>
                   <a:schemeClr val="dk1"/>
                 </a:solidFill>
@@ -6045,7 +6128,7 @@
             </a:r>
           </a:p>
           <a:p>
-            <a:pPr indent="-285750" lvl="1" marL="742950" marR="0" rtl="0" algn="l">
+            <a:pPr marL="742950" marR="0" lvl="1" indent="-285750" algn="l" rtl="0">
               <a:spcBef>
                 <a:spcPts val="400"/>
               </a:spcBef>
@@ -6060,7 +6143,7 @@
               <a:buChar char="–"/>
             </a:pPr>
             <a:r>
-              <a:rPr b="0" i="0" lang="en-US" sz="2000" u="none" cap="none" strike="noStrike">
+              <a:rPr lang="en-US" sz="2000" b="0" i="0" u="none" strike="noStrike" cap="none">
                 <a:solidFill>
                   <a:schemeClr val="dk1"/>
                 </a:solidFill>
@@ -6073,7 +6156,7 @@
             </a:r>
           </a:p>
           <a:p>
-            <a:pPr indent="-285750" lvl="1" marL="742950" marR="0" rtl="0" algn="l">
+            <a:pPr marL="742950" marR="0" lvl="1" indent="-285750" algn="l" rtl="0">
               <a:spcBef>
                 <a:spcPts val="400"/>
               </a:spcBef>
@@ -6088,7 +6171,7 @@
               <a:buChar char="–"/>
             </a:pPr>
             <a:r>
-              <a:rPr b="0" i="0" lang="en-US" sz="2000" u="none" cap="none" strike="noStrike">
+              <a:rPr lang="en-US" sz="2000" b="0" i="0" u="none" strike="noStrike" cap="none">
                 <a:solidFill>
                   <a:schemeClr val="dk1"/>
                 </a:solidFill>
@@ -6101,7 +6184,7 @@
             </a:r>
           </a:p>
           <a:p>
-            <a:pPr indent="-342900" lvl="0" marL="342900" marR="0" rtl="0" algn="l">
+            <a:pPr marL="342900" marR="0" lvl="0" indent="-342900" algn="l" rtl="0">
               <a:spcBef>
                 <a:spcPts val="480"/>
               </a:spcBef>
@@ -6116,7 +6199,7 @@
               <a:buChar char="•"/>
             </a:pPr>
             <a:r>
-              <a:rPr b="0" i="0" lang="en-US" sz="2400" u="none" cap="none" strike="noStrike">
+              <a:rPr lang="en-US" sz="2400" b="0" i="0" u="none" strike="noStrike" cap="none">
                 <a:solidFill>
                   <a:schemeClr val="dk1"/>
                 </a:solidFill>
@@ -6129,7 +6212,7 @@
             </a:r>
           </a:p>
           <a:p>
-            <a:pPr indent="-285750" lvl="1" marL="742950" marR="0" rtl="0" algn="l">
+            <a:pPr marL="742950" marR="0" lvl="1" indent="-285750" algn="l" rtl="0">
               <a:spcBef>
                 <a:spcPts val="400"/>
               </a:spcBef>
@@ -6141,7 +6224,7 @@
               <a:buChar char="–"/>
             </a:pPr>
             <a:r>
-              <a:rPr b="0" i="0" lang="en-US" sz="2000" u="none" cap="none" strike="noStrike">
+              <a:rPr lang="en-US" sz="2000" b="0" i="0" u="none" strike="noStrike" cap="none">
                 <a:solidFill>
                   <a:schemeClr val="dk1"/>
                 </a:solidFill>
@@ -6175,20 +6258,17 @@
           </a:ln>
         </p:spPr>
         <p:txBody>
-          <a:bodyPr anchorCtr="0" anchor="t" bIns="45700" lIns="91425" rIns="91425" tIns="45700">
+          <a:bodyPr lIns="91425" tIns="45700" rIns="91425" bIns="45700" anchor="t" anchorCtr="0">
             <a:noAutofit/>
           </a:bodyPr>
           <a:lstStyle/>
           <a:p>
-            <a:pPr indent="0" lvl="0" marL="0" marR="0" rtl="0" algn="l">
-              <a:spcBef>
-                <a:spcPts val="0"/>
-              </a:spcBef>
-              <a:buNone/>
-            </a:pPr>
-            <a:r>
-              <a:t/>
-            </a:r>
+            <a:pPr marL="0" marR="0" lvl="0" indent="0" algn="l" rtl="0">
+              <a:spcBef>
+                <a:spcPts val="0"/>
+              </a:spcBef>
+              <a:buNone/>
+            </a:pPr>
             <a:endParaRPr sz="1800">
               <a:solidFill>
                 <a:schemeClr val="dk1"/>
@@ -6218,17 +6298,17 @@
           <a:solidFill>
             <a:srgbClr val="FFFFCC"/>
           </a:solidFill>
-          <a:ln cap="flat" cmpd="sng" w="9525">
+          <a:ln w="9525" cap="flat" cmpd="sng">
             <a:solidFill>
               <a:srgbClr val="FFFFCC"/>
             </a:solidFill>
             <a:prstDash val="solid"/>
             <a:round/>
-            <a:headEnd len="med" w="med" type="none"/>
-            <a:tailEnd len="med" w="med" type="none"/>
+            <a:headEnd type="none" w="med" len="med"/>
+            <a:tailEnd type="none" w="med" len="med"/>
           </a:ln>
           <a:effectLst>
-            <a:outerShdw blurRad="39999" rotWithShape="0" dir="5400000" dist="23000">
+            <a:outerShdw blurRad="39999" dist="23000" dir="5400000" rotWithShape="0">
               <a:srgbClr val="000000">
                 <a:alpha val="34901"/>
               </a:srgbClr>
@@ -6236,12 +6316,12 @@
           </a:effectLst>
         </p:spPr>
         <p:txBody>
-          <a:bodyPr anchorCtr="0" anchor="ctr" bIns="45700" lIns="91425" rIns="91425" tIns="45700">
+          <a:bodyPr lIns="91425" tIns="45700" rIns="91425" bIns="45700" anchor="ctr" anchorCtr="0">
             <a:noAutofit/>
           </a:bodyPr>
           <a:lstStyle/>
           <a:p>
-            <a:pPr indent="0" lvl="0" marL="0" marR="0" rtl="0" algn="l">
+            <a:pPr marL="0" marR="0" lvl="0" indent="0" algn="l" rtl="0">
               <a:spcBef>
                 <a:spcPts val="0"/>
               </a:spcBef>
@@ -6262,7 +6342,7 @@
             </a:r>
           </a:p>
           <a:p>
-            <a:pPr indent="0" lvl="0" marL="0" marR="0" rtl="0" algn="l">
+            <a:pPr marL="0" marR="0" lvl="0" indent="0" algn="l" rtl="0">
               <a:spcBef>
                 <a:spcPts val="0"/>
               </a:spcBef>
@@ -6301,17 +6381,17 @@
           <a:solidFill>
             <a:srgbClr val="FFFFCC"/>
           </a:solidFill>
-          <a:ln cap="flat" cmpd="sng" w="9525">
+          <a:ln w="9525" cap="flat" cmpd="sng">
             <a:solidFill>
               <a:srgbClr val="FFFFCC"/>
             </a:solidFill>
             <a:prstDash val="solid"/>
             <a:round/>
-            <a:headEnd len="med" w="med" type="none"/>
-            <a:tailEnd len="med" w="med" type="none"/>
+            <a:headEnd type="none" w="med" len="med"/>
+            <a:tailEnd type="none" w="med" len="med"/>
           </a:ln>
           <a:effectLst>
-            <a:outerShdw blurRad="39999" rotWithShape="0" dir="5400000" dist="23000">
+            <a:outerShdw blurRad="39999" dist="23000" dir="5400000" rotWithShape="0">
               <a:srgbClr val="000000">
                 <a:alpha val="34901"/>
               </a:srgbClr>
@@ -6319,12 +6399,12 @@
           </a:effectLst>
         </p:spPr>
         <p:txBody>
-          <a:bodyPr anchorCtr="0" anchor="ctr" bIns="45700" lIns="91425" rIns="91425" tIns="45700">
+          <a:bodyPr lIns="91425" tIns="45700" rIns="91425" bIns="45700" anchor="ctr" anchorCtr="0">
             <a:noAutofit/>
           </a:bodyPr>
           <a:lstStyle/>
           <a:p>
-            <a:pPr indent="0" lvl="0" marL="0" marR="0" rtl="0" algn="l">
+            <a:pPr marL="0" marR="0" lvl="0" indent="0" algn="l" rtl="0">
               <a:spcBef>
                 <a:spcPts val="0"/>
               </a:spcBef>
@@ -6345,7 +6425,7 @@
             </a:r>
           </a:p>
           <a:p>
-            <a:pPr indent="0" lvl="0" marL="0" marR="0" rtl="0" algn="l">
+            <a:pPr marL="0" marR="0" lvl="0" indent="0" algn="l" rtl="0">
               <a:spcBef>
                 <a:spcPts val="0"/>
               </a:spcBef>
@@ -6366,7 +6446,7 @@
             </a:r>
           </a:p>
           <a:p>
-            <a:pPr indent="0" lvl="0" marL="0" marR="0" rtl="0" algn="l">
+            <a:pPr marL="0" marR="0" lvl="0" indent="0" algn="l" rtl="0">
               <a:spcBef>
                 <a:spcPts val="0"/>
               </a:spcBef>
@@ -6408,12 +6488,12 @@
           </a:ln>
         </p:spPr>
         <p:txBody>
-          <a:bodyPr anchorCtr="0" anchor="t" bIns="45700" lIns="91425" rIns="91425" tIns="45700">
+          <a:bodyPr lIns="91425" tIns="45700" rIns="91425" bIns="45700" anchor="t" anchorCtr="0">
             <a:noAutofit/>
           </a:bodyPr>
           <a:lstStyle/>
           <a:p>
-            <a:pPr indent="0" lvl="0" marL="0" marR="0" rtl="0" algn="l">
+            <a:pPr marL="0" marR="0" lvl="0" indent="0" algn="l" rtl="0">
               <a:spcBef>
                 <a:spcPts val="0"/>
               </a:spcBef>
@@ -6455,12 +6535,12 @@
           </a:ln>
         </p:spPr>
         <p:txBody>
-          <a:bodyPr anchorCtr="0" anchor="t" bIns="45700" lIns="91425" rIns="91425" tIns="45700">
+          <a:bodyPr lIns="91425" tIns="45700" rIns="91425" bIns="45700" anchor="t" anchorCtr="0">
             <a:noAutofit/>
           </a:bodyPr>
           <a:lstStyle/>
           <a:p>
-            <a:pPr indent="0" lvl="0" marL="0" marR="0" rtl="0" algn="l">
+            <a:pPr marL="0" marR="0" lvl="0" indent="0" algn="l" rtl="0">
               <a:spcBef>
                 <a:spcPts val="0"/>
               </a:spcBef>
@@ -6491,11 +6571,11 @@
 </file>
 
 <file path=ppt/slides/slide13.xml><?xml version="1.0" encoding="utf-8"?>
-<p:sld xmlns:a="http://schemas.openxmlformats.org/drawingml/2006/main" xmlns:r="http://schemas.openxmlformats.org/officeDocument/2006/relationships" xmlns:mc="http://schemas.openxmlformats.org/markup-compatibility/2006" xmlns:mv="urn:schemas-microsoft-com:mac:vml" xmlns:p="http://schemas.openxmlformats.org/presentationml/2006/main" xmlns:c="http://schemas.openxmlformats.org/drawingml/2006/chart" xmlns:dgm="http://schemas.openxmlformats.org/drawingml/2006/diagram" xmlns:o="urn:schemas-microsoft-com:office:office" xmlns:v="urn:schemas-microsoft-com:vml" xmlns:pvml="urn:schemas-microsoft-com:office:powerpoint" xmlns:com="http://schemas.openxmlformats.org/drawingml/2006/compatibility" xmlns:p14="http://schemas.microsoft.com/office/powerpoint/2010/main">
+<p:sld xmlns:a="http://schemas.openxmlformats.org/drawingml/2006/main" xmlns:r="http://schemas.openxmlformats.org/officeDocument/2006/relationships" xmlns:p="http://schemas.openxmlformats.org/presentationml/2006/main">
   <p:cSld>
     <p:spTree>
       <p:nvGrpSpPr>
-        <p:cNvPr id="132" name="Shape 132"/>
+        <p:cNvPr id="1" name="Shape 132"/>
         <p:cNvGrpSpPr/>
         <p:nvPr/>
       </p:nvGrpSpPr>
@@ -6510,7 +6590,9 @@
       <p:sp>
         <p:nvSpPr>
           <p:cNvPr id="133" name="Shape 133"/>
-          <p:cNvSpPr txBox="1"/>
+          <p:cNvSpPr txBox="1">
+            <a:spLocks noGrp="1"/>
+          </p:cNvSpPr>
           <p:nvPr>
             <p:ph type="title"/>
           </p:nvPr>
@@ -6529,12 +6611,12 @@
           </a:ln>
         </p:spPr>
         <p:txBody>
-          <a:bodyPr anchorCtr="0" anchor="t" bIns="91425" lIns="91425" rIns="91425" tIns="91425">
+          <a:bodyPr lIns="91425" tIns="91425" rIns="91425" bIns="91425" anchor="t" anchorCtr="0">
             <a:noAutofit/>
           </a:bodyPr>
           <a:lstStyle/>
           <a:p>
-            <a:pPr indent="0" lvl="0" marL="0" marR="0" rtl="0" algn="l">
+            <a:pPr marL="0" marR="0" lvl="0" indent="0" algn="l" rtl="0">
               <a:spcBef>
                 <a:spcPts val="0"/>
               </a:spcBef>
@@ -6549,7 +6631,7 @@
               <a:buNone/>
             </a:pPr>
             <a:r>
-              <a:rPr b="0" i="0" lang="en-US" sz="3600" u="none" cap="none" strike="noStrike">
+              <a:rPr lang="en-US" sz="3600" b="0" i="0" u="none" strike="noStrike" cap="none">
                 <a:solidFill>
                   <a:schemeClr val="accent1"/>
                 </a:solidFill>
@@ -6566,9 +6648,11 @@
       <p:sp>
         <p:nvSpPr>
           <p:cNvPr id="134" name="Shape 134"/>
-          <p:cNvSpPr txBox="1"/>
+          <p:cNvSpPr txBox="1">
+            <a:spLocks noGrp="1"/>
+          </p:cNvSpPr>
           <p:nvPr>
-            <p:ph idx="1" type="body"/>
+            <p:ph type="body" idx="1"/>
           </p:nvPr>
         </p:nvSpPr>
         <p:spPr>
@@ -6585,12 +6669,12 @@
           </a:ln>
         </p:spPr>
         <p:txBody>
-          <a:bodyPr anchorCtr="0" anchor="t" bIns="45700" lIns="91425" rIns="91425" tIns="45700">
+          <a:bodyPr lIns="91425" tIns="45700" rIns="91425" bIns="45700" anchor="t" anchorCtr="0">
             <a:noAutofit/>
           </a:bodyPr>
           <a:lstStyle/>
           <a:p>
-            <a:pPr indent="0" lvl="0" marL="0" marR="0" rtl="0" algn="l">
+            <a:pPr marL="0" marR="0" lvl="0" indent="0" algn="l" rtl="0">
               <a:spcBef>
                 <a:spcPts val="0"/>
               </a:spcBef>
@@ -6604,10 +6688,7 @@
               <a:buFont typeface="Arial"/>
               <a:buNone/>
             </a:pPr>
-            <a:r>
-              <a:t/>
-            </a:r>
-            <a:endParaRPr b="0" i="0" sz="2800" u="none" cap="none" strike="noStrike">
+            <a:endParaRPr sz="2800" b="0" i="0" u="none" strike="noStrike" cap="none">
               <a:solidFill>
                 <a:schemeClr val="dk1"/>
               </a:solidFill>
@@ -6618,7 +6699,7 @@
             </a:endParaRPr>
           </a:p>
           <a:p>
-            <a:pPr indent="-342900" lvl="0" marL="342900" marR="0" rtl="0" algn="l">
+            <a:pPr marL="342900" marR="0" lvl="0" indent="-342900" algn="l" rtl="0">
               <a:spcBef>
                 <a:spcPts val="480"/>
               </a:spcBef>
@@ -6633,7 +6714,7 @@
               <a:buChar char="•"/>
             </a:pPr>
             <a:r>
-              <a:rPr b="0" i="0" lang="en-US" sz="2400" u="none" cap="none" strike="noStrike">
+              <a:rPr lang="en-US" sz="2400" b="0" i="0" u="none" strike="noStrike" cap="none">
                 <a:solidFill>
                   <a:schemeClr val="dk1"/>
                 </a:solidFill>
@@ -6646,7 +6727,7 @@
             </a:r>
           </a:p>
           <a:p>
-            <a:pPr indent="-342900" lvl="0" marL="342900" marR="0" rtl="0" algn="l">
+            <a:pPr marL="342900" marR="0" lvl="0" indent="-342900" algn="l" rtl="0">
               <a:spcBef>
                 <a:spcPts val="480"/>
               </a:spcBef>
@@ -6658,7 +6739,7 @@
               <a:buChar char="•"/>
             </a:pPr>
             <a:r>
-              <a:rPr b="0" i="0" lang="en-US" sz="2400" u="none" cap="none" strike="noStrike">
+              <a:rPr lang="en-US" sz="2400" b="0" i="0" u="none" strike="noStrike" cap="none">
                 <a:solidFill>
                   <a:schemeClr val="dk1"/>
                 </a:solidFill>
@@ -6692,20 +6773,17 @@
           </a:ln>
         </p:spPr>
         <p:txBody>
-          <a:bodyPr anchorCtr="0" anchor="t" bIns="45700" lIns="91425" rIns="91425" tIns="45700">
+          <a:bodyPr lIns="91425" tIns="45700" rIns="91425" bIns="45700" anchor="t" anchorCtr="0">
             <a:noAutofit/>
           </a:bodyPr>
           <a:lstStyle/>
           <a:p>
-            <a:pPr indent="0" lvl="0" marL="0" marR="0" rtl="0" algn="l">
-              <a:spcBef>
-                <a:spcPts val="0"/>
-              </a:spcBef>
-              <a:buNone/>
-            </a:pPr>
-            <a:r>
-              <a:t/>
-            </a:r>
+            <a:pPr marL="0" marR="0" lvl="0" indent="0" algn="l" rtl="0">
+              <a:spcBef>
+                <a:spcPts val="0"/>
+              </a:spcBef>
+              <a:buNone/>
+            </a:pPr>
             <a:endParaRPr sz="1800">
               <a:solidFill>
                 <a:schemeClr val="dk1"/>
@@ -6735,17 +6813,17 @@
           <a:solidFill>
             <a:srgbClr val="FFFFCC"/>
           </a:solidFill>
-          <a:ln cap="flat" cmpd="sng" w="9525">
+          <a:ln w="9525" cap="flat" cmpd="sng">
             <a:solidFill>
               <a:srgbClr val="FFFFCC"/>
             </a:solidFill>
             <a:prstDash val="solid"/>
             <a:round/>
-            <a:headEnd len="med" w="med" type="none"/>
-            <a:tailEnd len="med" w="med" type="none"/>
+            <a:headEnd type="none" w="med" len="med"/>
+            <a:tailEnd type="none" w="med" len="med"/>
           </a:ln>
           <a:effectLst>
-            <a:outerShdw blurRad="39999" rotWithShape="0" dir="5400000" dist="23000">
+            <a:outerShdw blurRad="39999" dist="23000" dir="5400000" rotWithShape="0">
               <a:srgbClr val="000000">
                 <a:alpha val="34901"/>
               </a:srgbClr>
@@ -6753,12 +6831,12 @@
           </a:effectLst>
         </p:spPr>
         <p:txBody>
-          <a:bodyPr anchorCtr="0" anchor="ctr" bIns="45700" lIns="91425" rIns="91425" tIns="45700">
+          <a:bodyPr lIns="91425" tIns="45700" rIns="91425" bIns="45700" anchor="ctr" anchorCtr="0">
             <a:noAutofit/>
           </a:bodyPr>
           <a:lstStyle/>
           <a:p>
-            <a:pPr indent="0" lvl="0" marL="0" marR="0" rtl="0" algn="l">
+            <a:pPr marL="0" marR="0" lvl="0" indent="0" algn="l" rtl="0">
               <a:spcBef>
                 <a:spcPts val="0"/>
               </a:spcBef>
@@ -6779,7 +6857,7 @@
             </a:r>
           </a:p>
           <a:p>
-            <a:pPr indent="0" lvl="0" marL="0" marR="0" rtl="0" algn="l">
+            <a:pPr marL="0" marR="0" lvl="0" indent="0" algn="l" rtl="0">
               <a:spcBef>
                 <a:spcPts val="0"/>
               </a:spcBef>
@@ -6800,7 +6878,7 @@
             </a:r>
           </a:p>
           <a:p>
-            <a:pPr indent="0" lvl="0" marL="0" marR="0" rtl="0" algn="l">
+            <a:pPr marL="0" marR="0" lvl="0" indent="0" algn="l" rtl="0">
               <a:spcBef>
                 <a:spcPts val="0"/>
               </a:spcBef>
@@ -6821,7 +6899,7 @@
             </a:r>
           </a:p>
           <a:p>
-            <a:pPr indent="0" lvl="0" marL="0" marR="0" rtl="0" algn="l">
+            <a:pPr marL="0" marR="0" lvl="0" indent="0" algn="l" rtl="0">
               <a:spcBef>
                 <a:spcPts val="0"/>
               </a:spcBef>
@@ -6842,7 +6920,7 @@
             </a:r>
           </a:p>
           <a:p>
-            <a:pPr indent="0" lvl="0" marL="0" marR="0" rtl="0" algn="l">
+            <a:pPr marL="0" marR="0" lvl="0" indent="0" algn="l" rtl="0">
               <a:spcBef>
                 <a:spcPts val="0"/>
               </a:spcBef>
@@ -6863,7 +6941,7 @@
             </a:r>
           </a:p>
           <a:p>
-            <a:pPr indent="0" lvl="0" marL="0" marR="0" rtl="0" algn="l">
+            <a:pPr marL="0" marR="0" lvl="0" indent="0" algn="l" rtl="0">
               <a:spcBef>
                 <a:spcPts val="0"/>
               </a:spcBef>
@@ -6884,7 +6962,7 @@
             </a:r>
           </a:p>
           <a:p>
-            <a:pPr indent="0" lvl="0" marL="0" marR="0" rtl="0" algn="l">
+            <a:pPr marL="0" marR="0" lvl="0" indent="0" algn="l" rtl="0">
               <a:spcBef>
                 <a:spcPts val="0"/>
               </a:spcBef>
@@ -6905,7 +6983,7 @@
             </a:r>
           </a:p>
           <a:p>
-            <a:pPr indent="0" lvl="0" marL="0" marR="0" rtl="0" algn="l">
+            <a:pPr marL="0" marR="0" lvl="0" indent="0" algn="l" rtl="0">
               <a:spcBef>
                 <a:spcPts val="0"/>
               </a:spcBef>
@@ -6926,7 +7004,7 @@
             </a:r>
           </a:p>
           <a:p>
-            <a:pPr indent="0" lvl="0" marL="0" marR="0" rtl="0" algn="l">
+            <a:pPr marL="0" marR="0" lvl="0" indent="0" algn="l" rtl="0">
               <a:spcBef>
                 <a:spcPts val="0"/>
               </a:spcBef>
@@ -6947,7 +7025,7 @@
             </a:r>
           </a:p>
           <a:p>
-            <a:pPr indent="0" lvl="0" marL="0" marR="0" rtl="0" algn="l">
+            <a:pPr marL="0" marR="0" lvl="0" indent="0" algn="l" rtl="0">
               <a:spcBef>
                 <a:spcPts val="0"/>
               </a:spcBef>
@@ -6968,7 +7046,7 @@
             </a:r>
           </a:p>
           <a:p>
-            <a:pPr indent="0" lvl="0" marL="0" marR="0" rtl="0" algn="l">
+            <a:pPr marL="0" marR="0" lvl="0" indent="0" algn="l" rtl="0">
               <a:spcBef>
                 <a:spcPts val="0"/>
               </a:spcBef>
@@ -6989,7 +7067,7 @@
             </a:r>
           </a:p>
           <a:p>
-            <a:pPr indent="0" lvl="0" marL="0" marR="0" rtl="0" algn="l">
+            <a:pPr marL="0" marR="0" lvl="0" indent="0" algn="l" rtl="0">
               <a:spcBef>
                 <a:spcPts val="0"/>
               </a:spcBef>
@@ -7024,23 +7102,23 @@
           </a:xfrm>
           <a:prstGeom prst="roundRect">
             <a:avLst>
-              <a:gd fmla="val 16667" name="adj"/>
+              <a:gd name="adj" fmla="val 16667"/>
             </a:avLst>
           </a:prstGeom>
           <a:solidFill>
             <a:schemeClr val="lt1"/>
           </a:solidFill>
-          <a:ln cap="flat" cmpd="sng" w="9525">
+          <a:ln w="9525" cap="flat" cmpd="sng">
             <a:solidFill>
               <a:srgbClr val="BFBFBF"/>
             </a:solidFill>
             <a:prstDash val="solid"/>
             <a:round/>
-            <a:headEnd len="med" w="med" type="none"/>
-            <a:tailEnd len="med" w="med" type="none"/>
+            <a:headEnd type="none" w="med" len="med"/>
+            <a:tailEnd type="none" w="med" len="med"/>
           </a:ln>
           <a:effectLst>
-            <a:outerShdw blurRad="39999" rotWithShape="0" dir="5400000" dist="23000">
+            <a:outerShdw blurRad="39999" dist="23000" dir="5400000" rotWithShape="0">
               <a:srgbClr val="000000">
                 <a:alpha val="34901"/>
               </a:srgbClr>
@@ -7048,12 +7126,12 @@
           </a:effectLst>
         </p:spPr>
         <p:txBody>
-          <a:bodyPr anchorCtr="0" anchor="ctr" bIns="45700" lIns="91425" rIns="91425" tIns="45700">
+          <a:bodyPr lIns="91425" tIns="45700" rIns="91425" bIns="45700" anchor="ctr" anchorCtr="0">
             <a:noAutofit/>
           </a:bodyPr>
           <a:lstStyle/>
           <a:p>
-            <a:pPr indent="0" lvl="0" marL="0" marR="0" rtl="0" algn="l">
+            <a:pPr marL="0" marR="0" lvl="0" indent="0" algn="l" rtl="0">
               <a:spcBef>
                 <a:spcPts val="0"/>
               </a:spcBef>
@@ -7088,23 +7166,23 @@
           </a:xfrm>
           <a:prstGeom prst="roundRect">
             <a:avLst>
-              <a:gd fmla="val 16667" name="adj"/>
+              <a:gd name="adj" fmla="val 16667"/>
             </a:avLst>
           </a:prstGeom>
           <a:solidFill>
             <a:schemeClr val="lt1"/>
           </a:solidFill>
-          <a:ln cap="flat" cmpd="sng" w="9525">
+          <a:ln w="9525" cap="flat" cmpd="sng">
             <a:solidFill>
               <a:srgbClr val="BFBFBF"/>
             </a:solidFill>
             <a:prstDash val="solid"/>
             <a:round/>
-            <a:headEnd len="med" w="med" type="none"/>
-            <a:tailEnd len="med" w="med" type="none"/>
+            <a:headEnd type="none" w="med" len="med"/>
+            <a:tailEnd type="none" w="med" len="med"/>
           </a:ln>
           <a:effectLst>
-            <a:outerShdw blurRad="39999" rotWithShape="0" dir="5400000" dist="23000">
+            <a:outerShdw blurRad="39999" dist="23000" dir="5400000" rotWithShape="0">
               <a:srgbClr val="000000">
                 <a:alpha val="34901"/>
               </a:srgbClr>
@@ -7112,12 +7190,12 @@
           </a:effectLst>
         </p:spPr>
         <p:txBody>
-          <a:bodyPr anchorCtr="0" anchor="ctr" bIns="45700" lIns="91425" rIns="91425" tIns="45700">
+          <a:bodyPr lIns="91425" tIns="45700" rIns="91425" bIns="45700" anchor="ctr" anchorCtr="0">
             <a:noAutofit/>
           </a:bodyPr>
           <a:lstStyle/>
           <a:p>
-            <a:pPr indent="0" lvl="0" marL="0" marR="0" rtl="0" algn="l">
+            <a:pPr marL="0" marR="0" lvl="0" indent="0" algn="l" rtl="0">
               <a:spcBef>
                 <a:spcPts val="0"/>
               </a:spcBef>
@@ -7152,23 +7230,23 @@
           </a:xfrm>
           <a:prstGeom prst="roundRect">
             <a:avLst>
-              <a:gd fmla="val 16667" name="adj"/>
+              <a:gd name="adj" fmla="val 16667"/>
             </a:avLst>
           </a:prstGeom>
           <a:solidFill>
             <a:schemeClr val="lt1"/>
           </a:solidFill>
-          <a:ln cap="flat" cmpd="sng" w="9525">
+          <a:ln w="9525" cap="flat" cmpd="sng">
             <a:solidFill>
               <a:srgbClr val="BFBFBF"/>
             </a:solidFill>
             <a:prstDash val="solid"/>
             <a:round/>
-            <a:headEnd len="med" w="med" type="none"/>
-            <a:tailEnd len="med" w="med" type="none"/>
+            <a:headEnd type="none" w="med" len="med"/>
+            <a:tailEnd type="none" w="med" len="med"/>
           </a:ln>
           <a:effectLst>
-            <a:outerShdw blurRad="39999" rotWithShape="0" dir="5400000" dist="23000">
+            <a:outerShdw blurRad="39999" dist="23000" dir="5400000" rotWithShape="0">
               <a:srgbClr val="000000">
                 <a:alpha val="34901"/>
               </a:srgbClr>
@@ -7176,12 +7254,12 @@
           </a:effectLst>
         </p:spPr>
         <p:txBody>
-          <a:bodyPr anchorCtr="0" anchor="ctr" bIns="45700" lIns="91425" rIns="91425" tIns="45700">
+          <a:bodyPr lIns="91425" tIns="45700" rIns="91425" bIns="45700" anchor="ctr" anchorCtr="0">
             <a:noAutofit/>
           </a:bodyPr>
           <a:lstStyle/>
           <a:p>
-            <a:pPr indent="0" lvl="0" marL="0" marR="0" rtl="0" algn="l">
+            <a:pPr marL="0" marR="0" lvl="0" indent="0" algn="l" rtl="0">
               <a:spcBef>
                 <a:spcPts val="0"/>
               </a:spcBef>
@@ -7220,17 +7298,17 @@
             <a:avLst/>
           </a:prstGeom>
           <a:noFill/>
-          <a:ln cap="flat" cmpd="sng" w="25400">
+          <a:ln w="25400" cap="flat" cmpd="sng">
             <a:solidFill>
               <a:srgbClr val="A5A5A5"/>
             </a:solidFill>
             <a:prstDash val="solid"/>
             <a:round/>
-            <a:headEnd len="med" w="med" type="none"/>
-            <a:tailEnd len="lg" w="lg" type="stealth"/>
+            <a:headEnd type="none" w="med" len="med"/>
+            <a:tailEnd type="stealth" w="lg" len="lg"/>
           </a:ln>
           <a:effectLst>
-            <a:outerShdw blurRad="39999" rotWithShape="0" dir="5400000" dist="20000">
+            <a:outerShdw blurRad="39999" dist="20000" dir="5400000" rotWithShape="0">
               <a:srgbClr val="000000">
                 <a:alpha val="37647"/>
               </a:srgbClr>
@@ -7255,17 +7333,17 @@
             <a:avLst/>
           </a:prstGeom>
           <a:noFill/>
-          <a:ln cap="flat" cmpd="sng" w="25400">
+          <a:ln w="25400" cap="flat" cmpd="sng">
             <a:solidFill>
               <a:srgbClr val="A5A5A5"/>
             </a:solidFill>
             <a:prstDash val="solid"/>
             <a:round/>
-            <a:headEnd len="med" w="med" type="none"/>
-            <a:tailEnd len="lg" w="lg" type="stealth"/>
+            <a:headEnd type="none" w="med" len="med"/>
+            <a:tailEnd type="stealth" w="lg" len="lg"/>
           </a:ln>
           <a:effectLst>
-            <a:outerShdw blurRad="39999" rotWithShape="0" dir="5400000" dist="20000">
+            <a:outerShdw blurRad="39999" dist="20000" dir="5400000" rotWithShape="0">
               <a:srgbClr val="000000">
                 <a:alpha val="37647"/>
               </a:srgbClr>
@@ -7290,17 +7368,17 @@
             <a:avLst/>
           </a:prstGeom>
           <a:noFill/>
-          <a:ln cap="flat" cmpd="sng" w="25400">
+          <a:ln w="25400" cap="flat" cmpd="sng">
             <a:solidFill>
               <a:srgbClr val="A5A5A5"/>
             </a:solidFill>
             <a:prstDash val="solid"/>
             <a:round/>
-            <a:headEnd len="med" w="med" type="none"/>
-            <a:tailEnd len="lg" w="lg" type="stealth"/>
+            <a:headEnd type="none" w="med" len="med"/>
+            <a:tailEnd type="stealth" w="lg" len="lg"/>
           </a:ln>
           <a:effectLst>
-            <a:outerShdw blurRad="39999" rotWithShape="0" dir="5400000" dist="20000">
+            <a:outerShdw blurRad="39999" dist="20000" dir="5400000" rotWithShape="0">
               <a:srgbClr val="000000">
                 <a:alpha val="37647"/>
               </a:srgbClr>
@@ -7328,12 +7406,12 @@
           </a:ln>
         </p:spPr>
         <p:txBody>
-          <a:bodyPr anchorCtr="0" anchor="t" bIns="45700" lIns="91425" rIns="91425" tIns="45700">
+          <a:bodyPr lIns="91425" tIns="45700" rIns="91425" bIns="45700" anchor="t" anchorCtr="0">
             <a:noAutofit/>
           </a:bodyPr>
           <a:lstStyle/>
           <a:p>
-            <a:pPr indent="0" lvl="0" marL="0" marR="0" rtl="0" algn="l">
+            <a:pPr marL="0" marR="0" lvl="0" indent="0" algn="l" rtl="0">
               <a:spcBef>
                 <a:spcPts val="0"/>
               </a:spcBef>
@@ -7364,11 +7442,11 @@
 </file>
 
 <file path=ppt/slides/slide14.xml><?xml version="1.0" encoding="utf-8"?>
-<p:sld xmlns:a="http://schemas.openxmlformats.org/drawingml/2006/main" xmlns:r="http://schemas.openxmlformats.org/officeDocument/2006/relationships" xmlns:mc="http://schemas.openxmlformats.org/markup-compatibility/2006" xmlns:mv="urn:schemas-microsoft-com:mac:vml" xmlns:p="http://schemas.openxmlformats.org/presentationml/2006/main" xmlns:c="http://schemas.openxmlformats.org/drawingml/2006/chart" xmlns:dgm="http://schemas.openxmlformats.org/drawingml/2006/diagram" xmlns:o="urn:schemas-microsoft-com:office:office" xmlns:v="urn:schemas-microsoft-com:vml" xmlns:pvml="urn:schemas-microsoft-com:office:powerpoint" xmlns:com="http://schemas.openxmlformats.org/drawingml/2006/compatibility" xmlns:p14="http://schemas.microsoft.com/office/powerpoint/2010/main">
+<p:sld xmlns:a="http://schemas.openxmlformats.org/drawingml/2006/main" xmlns:r="http://schemas.openxmlformats.org/officeDocument/2006/relationships" xmlns:p="http://schemas.openxmlformats.org/presentationml/2006/main">
   <p:cSld>
     <p:spTree>
       <p:nvGrpSpPr>
-        <p:cNvPr id="147" name="Shape 147"/>
+        <p:cNvPr id="1" name="Shape 147"/>
         <p:cNvGrpSpPr/>
         <p:nvPr/>
       </p:nvGrpSpPr>
@@ -7382,7 +7460,7 @@
       </p:grpSpPr>
       <p:pic>
         <p:nvPicPr>
-          <p:cNvPr descr="Stocksy_txp157cab05rEJ000_Medium_423382.jpg" id="148" name="Shape 148"/>
+          <p:cNvPr id="148" name="Shape 148" descr="Stocksy_txp157cab05rEJ000_Medium_423382.jpg"/>
           <p:cNvPicPr preferRelativeResize="0"/>
           <p:nvPr/>
         </p:nvPicPr>
@@ -7390,7 +7468,7 @@
           <a:blip r:embed="rId3">
             <a:alphaModFix/>
           </a:blip>
-          <a:srcRect b="0" l="0" r="0" t="15584"/>
+          <a:srcRect t="15584"/>
           <a:stretch/>
         </p:blipFill>
         <p:spPr>
@@ -7456,20 +7534,17 @@
           </a:ln>
         </p:spPr>
         <p:txBody>
-          <a:bodyPr anchorCtr="0" anchor="ctr" bIns="34275" lIns="68575" rIns="68575" tIns="34275">
+          <a:bodyPr lIns="68575" tIns="34275" rIns="68575" bIns="34275" anchor="ctr" anchorCtr="0">
             <a:noAutofit/>
           </a:bodyPr>
           <a:lstStyle/>
           <a:p>
-            <a:pPr indent="0" lvl="0" marL="0" marR="0" rtl="0" algn="ctr">
-              <a:spcBef>
-                <a:spcPts val="0"/>
-              </a:spcBef>
-              <a:buNone/>
-            </a:pPr>
-            <a:r>
-              <a:t/>
-            </a:r>
+            <a:pPr marL="0" marR="0" lvl="0" indent="0" algn="ctr" rtl="0">
+              <a:spcBef>
+                <a:spcPts val="0"/>
+              </a:spcBef>
+              <a:buNone/>
+            </a:pPr>
             <a:endParaRPr sz="1800">
               <a:solidFill>
                 <a:srgbClr val="FFFFFF"/>
@@ -7497,17 +7572,17 @@
             <a:avLst/>
           </a:prstGeom>
           <a:noFill/>
-          <a:ln cap="flat" cmpd="sng" w="22225">
+          <a:ln w="22225" cap="flat" cmpd="sng">
             <a:solidFill>
               <a:schemeClr val="accent1"/>
             </a:solidFill>
             <a:prstDash val="solid"/>
             <a:round/>
-            <a:headEnd len="med" w="med" type="none"/>
-            <a:tailEnd len="med" w="med" type="none"/>
+            <a:headEnd type="none" w="med" len="med"/>
+            <a:tailEnd type="none" w="med" len="med"/>
           </a:ln>
           <a:effectLst>
-            <a:outerShdw blurRad="39999" rotWithShape="0" dir="5400000" dist="20000">
+            <a:outerShdw blurRad="39999" dist="20000" dir="5400000" rotWithShape="0">
               <a:srgbClr val="000000">
                 <a:alpha val="37647"/>
               </a:srgbClr>
@@ -7530,17 +7605,17 @@
             <a:avLst/>
           </a:prstGeom>
           <a:noFill/>
-          <a:ln cap="flat" cmpd="sng" w="22225">
+          <a:ln w="22225" cap="flat" cmpd="sng">
             <a:solidFill>
               <a:schemeClr val="accent1"/>
             </a:solidFill>
             <a:prstDash val="solid"/>
             <a:round/>
-            <a:headEnd len="med" w="med" type="none"/>
-            <a:tailEnd len="med" w="med" type="none"/>
+            <a:headEnd type="none" w="med" len="med"/>
+            <a:tailEnd type="none" w="med" len="med"/>
           </a:ln>
           <a:effectLst>
-            <a:outerShdw blurRad="39999" rotWithShape="0" dir="5400000" dist="20000">
+            <a:outerShdw blurRad="39999" dist="20000" dir="5400000" rotWithShape="0">
               <a:srgbClr val="000000">
                 <a:alpha val="37647"/>
               </a:srgbClr>
@@ -7568,12 +7643,12 @@
           </a:ln>
         </p:spPr>
         <p:txBody>
-          <a:bodyPr anchorCtr="0" anchor="t" bIns="0" lIns="0" rIns="0" tIns="0">
+          <a:bodyPr lIns="0" tIns="0" rIns="0" bIns="0" anchor="t" anchorCtr="0">
             <a:noAutofit/>
           </a:bodyPr>
           <a:lstStyle/>
           <a:p>
-            <a:pPr indent="0" lvl="0" marL="0" marR="0" rtl="0" algn="just">
+            <a:pPr marL="0" marR="0" lvl="0" indent="0" algn="just" rtl="0">
               <a:lnSpc>
                 <a:spcPct val="90000"/>
               </a:lnSpc>
@@ -7582,10 +7657,7 @@
               </a:spcBef>
               <a:buNone/>
             </a:pPr>
-            <a:r>
-              <a:t/>
-            </a:r>
-            <a:endParaRPr b="1" sz="4500" cap="none">
+            <a:endParaRPr sz="4500" b="1" cap="none">
               <a:solidFill>
                 <a:srgbClr val="008881"/>
               </a:solidFill>
@@ -7617,12 +7689,12 @@
           </a:ln>
         </p:spPr>
         <p:txBody>
-          <a:bodyPr anchorCtr="0" anchor="t" bIns="0" lIns="0" rIns="0" tIns="0">
+          <a:bodyPr lIns="0" tIns="0" rIns="0" bIns="0" anchor="t" anchorCtr="0">
             <a:noAutofit/>
           </a:bodyPr>
           <a:lstStyle/>
           <a:p>
-            <a:pPr indent="0" lvl="0" marL="0" marR="0" rtl="0" algn="ctr">
+            <a:pPr marL="0" marR="0" lvl="0" indent="0" algn="ctr" rtl="0">
               <a:lnSpc>
                 <a:spcPct val="90000"/>
               </a:lnSpc>
@@ -7640,7 +7712,7 @@
               <a:buNone/>
             </a:pPr>
             <a:r>
-              <a:rPr b="0" i="0" lang="en-US" sz="3200" u="none" cap="none" strike="noStrike">
+              <a:rPr lang="en-US" sz="3200" b="0" i="0" u="none" strike="noStrike" cap="none">
                 <a:solidFill>
                   <a:srgbClr val="74CEC7"/>
                 </a:solidFill>
@@ -7663,11 +7735,11 @@
 </file>
 
 <file path=ppt/slides/slide2.xml><?xml version="1.0" encoding="utf-8"?>
-<p:sld xmlns:a="http://schemas.openxmlformats.org/drawingml/2006/main" xmlns:r="http://schemas.openxmlformats.org/officeDocument/2006/relationships" xmlns:mc="http://schemas.openxmlformats.org/markup-compatibility/2006" xmlns:mv="urn:schemas-microsoft-com:mac:vml" xmlns:p="http://schemas.openxmlformats.org/presentationml/2006/main" xmlns:c="http://schemas.openxmlformats.org/drawingml/2006/chart" xmlns:dgm="http://schemas.openxmlformats.org/drawingml/2006/diagram" xmlns:o="urn:schemas-microsoft-com:office:office" xmlns:v="urn:schemas-microsoft-com:vml" xmlns:pvml="urn:schemas-microsoft-com:office:powerpoint" xmlns:com="http://schemas.openxmlformats.org/drawingml/2006/compatibility" xmlns:p14="http://schemas.microsoft.com/office/powerpoint/2010/main">
+<p:sld xmlns:a="http://schemas.openxmlformats.org/drawingml/2006/main" xmlns:r="http://schemas.openxmlformats.org/officeDocument/2006/relationships" xmlns:p="http://schemas.openxmlformats.org/presentationml/2006/main">
   <p:cSld>
     <p:spTree>
       <p:nvGrpSpPr>
-        <p:cNvPr id="43" name="Shape 43"/>
+        <p:cNvPr id="1" name="Shape 43"/>
         <p:cNvGrpSpPr/>
         <p:nvPr/>
       </p:nvGrpSpPr>
@@ -7682,7 +7754,9 @@
       <p:sp>
         <p:nvSpPr>
           <p:cNvPr id="44" name="Shape 44"/>
-          <p:cNvSpPr txBox="1"/>
+          <p:cNvSpPr txBox="1">
+            <a:spLocks noGrp="1"/>
+          </p:cNvSpPr>
           <p:nvPr>
             <p:ph type="title"/>
           </p:nvPr>
@@ -7701,12 +7775,12 @@
           </a:ln>
         </p:spPr>
         <p:txBody>
-          <a:bodyPr anchorCtr="0" anchor="t" bIns="91425" lIns="91425" rIns="91425" tIns="91425">
+          <a:bodyPr lIns="91425" tIns="91425" rIns="91425" bIns="91425" anchor="t" anchorCtr="0">
             <a:noAutofit/>
           </a:bodyPr>
           <a:lstStyle/>
           <a:p>
-            <a:pPr indent="0" lvl="0" marL="0" marR="0" rtl="0" algn="l">
+            <a:pPr marL="0" marR="0" lvl="0" indent="0" algn="l" rtl="0">
               <a:spcBef>
                 <a:spcPts val="0"/>
               </a:spcBef>
@@ -7721,7 +7795,7 @@
               <a:buNone/>
             </a:pPr>
             <a:r>
-              <a:rPr b="0" i="0" lang="en-US" sz="3600" u="none" cap="none" strike="noStrike">
+              <a:rPr lang="en-US" sz="3600" b="0" i="0" u="none" strike="noStrike" cap="none">
                 <a:solidFill>
                   <a:schemeClr val="accent1"/>
                 </a:solidFill>
@@ -7738,9 +7812,11 @@
       <p:sp>
         <p:nvSpPr>
           <p:cNvPr id="45" name="Shape 45"/>
-          <p:cNvSpPr txBox="1"/>
+          <p:cNvSpPr txBox="1">
+            <a:spLocks noGrp="1"/>
+          </p:cNvSpPr>
           <p:nvPr>
-            <p:ph idx="1" type="body"/>
+            <p:ph type="body" idx="1"/>
           </p:nvPr>
         </p:nvSpPr>
         <p:spPr>
@@ -7757,12 +7833,12 @@
           </a:ln>
         </p:spPr>
         <p:txBody>
-          <a:bodyPr anchorCtr="0" anchor="t" bIns="45700" lIns="91425" rIns="91425" tIns="45700">
+          <a:bodyPr lIns="91425" tIns="45700" rIns="91425" bIns="45700" anchor="t" anchorCtr="0">
             <a:noAutofit/>
           </a:bodyPr>
           <a:lstStyle/>
           <a:p>
-            <a:pPr indent="0" lvl="0" marL="0" marR="0" rtl="0" algn="l">
+            <a:pPr marL="0" marR="0" lvl="0" indent="0" algn="l" rtl="0">
               <a:spcBef>
                 <a:spcPts val="0"/>
               </a:spcBef>
@@ -7776,10 +7852,7 @@
               <a:buFont typeface="Arial"/>
               <a:buNone/>
             </a:pPr>
-            <a:r>
-              <a:t/>
-            </a:r>
-            <a:endParaRPr b="0" i="0" sz="2800" u="none" cap="none" strike="noStrike">
+            <a:endParaRPr sz="2800" b="0" i="0" u="none" strike="noStrike" cap="none">
               <a:solidFill>
                 <a:schemeClr val="dk1"/>
               </a:solidFill>
@@ -7790,7 +7863,7 @@
             </a:endParaRPr>
           </a:p>
           <a:p>
-            <a:pPr indent="-342900" lvl="0" marL="342900" marR="0" rtl="0" algn="l">
+            <a:pPr marL="342900" marR="0" lvl="0" indent="-342900" algn="l" rtl="0">
               <a:spcBef>
                 <a:spcPts val="480"/>
               </a:spcBef>
@@ -7805,7 +7878,7 @@
               <a:buChar char="•"/>
             </a:pPr>
             <a:r>
-              <a:rPr b="1" i="0" lang="en-US" sz="2400" u="none" cap="none" strike="noStrike">
+              <a:rPr lang="en-US" sz="2400" b="1" i="0" u="none" strike="noStrike" cap="none">
                 <a:solidFill>
                   <a:schemeClr val="dk1"/>
                 </a:solidFill>
@@ -7818,7 +7891,7 @@
             </a:r>
           </a:p>
           <a:p>
-            <a:pPr indent="-342900" lvl="0" marL="342900" marR="0" rtl="0" algn="l">
+            <a:pPr marL="342900" marR="0" lvl="0" indent="-342900" algn="l" rtl="0">
               <a:spcBef>
                 <a:spcPts val="480"/>
               </a:spcBef>
@@ -7830,7 +7903,7 @@
               <a:buChar char="•"/>
             </a:pPr>
             <a:r>
-              <a:rPr b="0" i="0" lang="en-US" sz="2400" u="none" cap="none" strike="noStrike">
+              <a:rPr lang="en-US" sz="2400" b="0" i="0" u="none" strike="noStrike" cap="none">
                 <a:solidFill>
                   <a:schemeClr val="dk1"/>
                 </a:solidFill>
@@ -7864,20 +7937,17 @@
           </a:ln>
         </p:spPr>
         <p:txBody>
-          <a:bodyPr anchorCtr="0" anchor="t" bIns="45700" lIns="91425" rIns="91425" tIns="45700">
+          <a:bodyPr lIns="91425" tIns="45700" rIns="91425" bIns="45700" anchor="t" anchorCtr="0">
             <a:noAutofit/>
           </a:bodyPr>
           <a:lstStyle/>
           <a:p>
-            <a:pPr indent="0" lvl="0" marL="0" marR="0" rtl="0" algn="l">
-              <a:spcBef>
-                <a:spcPts val="0"/>
-              </a:spcBef>
-              <a:buNone/>
-            </a:pPr>
-            <a:r>
-              <a:t/>
-            </a:r>
+            <a:pPr marL="0" marR="0" lvl="0" indent="0" algn="l" rtl="0">
+              <a:spcBef>
+                <a:spcPts val="0"/>
+              </a:spcBef>
+              <a:buNone/>
+            </a:pPr>
             <a:endParaRPr sz="1800">
               <a:solidFill>
                 <a:schemeClr val="dk1"/>
@@ -7899,11 +7969,11 @@
 </file>
 
 <file path=ppt/slides/slide3.xml><?xml version="1.0" encoding="utf-8"?>
-<p:sld xmlns:a="http://schemas.openxmlformats.org/drawingml/2006/main" xmlns:r="http://schemas.openxmlformats.org/officeDocument/2006/relationships" xmlns:mc="http://schemas.openxmlformats.org/markup-compatibility/2006" xmlns:mv="urn:schemas-microsoft-com:mac:vml" xmlns:p="http://schemas.openxmlformats.org/presentationml/2006/main" xmlns:c="http://schemas.openxmlformats.org/drawingml/2006/chart" xmlns:dgm="http://schemas.openxmlformats.org/drawingml/2006/diagram" xmlns:o="urn:schemas-microsoft-com:office:office" xmlns:v="urn:schemas-microsoft-com:vml" xmlns:pvml="urn:schemas-microsoft-com:office:powerpoint" xmlns:com="http://schemas.openxmlformats.org/drawingml/2006/compatibility" xmlns:p14="http://schemas.microsoft.com/office/powerpoint/2010/main">
+<p:sld xmlns:a="http://schemas.openxmlformats.org/drawingml/2006/main" xmlns:r="http://schemas.openxmlformats.org/officeDocument/2006/relationships" xmlns:p="http://schemas.openxmlformats.org/presentationml/2006/main">
   <p:cSld>
     <p:spTree>
       <p:nvGrpSpPr>
-        <p:cNvPr id="50" name="Shape 50"/>
+        <p:cNvPr id="1" name="Shape 50"/>
         <p:cNvGrpSpPr/>
         <p:nvPr/>
       </p:nvGrpSpPr>
@@ -7918,7 +7988,9 @@
       <p:sp>
         <p:nvSpPr>
           <p:cNvPr id="51" name="Shape 51"/>
-          <p:cNvSpPr txBox="1"/>
+          <p:cNvSpPr txBox="1">
+            <a:spLocks noGrp="1"/>
+          </p:cNvSpPr>
           <p:nvPr>
             <p:ph type="title"/>
           </p:nvPr>
@@ -7937,12 +8009,12 @@
           </a:ln>
         </p:spPr>
         <p:txBody>
-          <a:bodyPr anchorCtr="0" anchor="t" bIns="91425" lIns="91425" rIns="91425" tIns="91425">
+          <a:bodyPr lIns="91425" tIns="91425" rIns="91425" bIns="91425" anchor="t" anchorCtr="0">
             <a:noAutofit/>
           </a:bodyPr>
           <a:lstStyle/>
           <a:p>
-            <a:pPr indent="0" lvl="0" marL="0" marR="0" rtl="0" algn="l">
+            <a:pPr marL="0" marR="0" lvl="0" indent="0" algn="l" rtl="0">
               <a:spcBef>
                 <a:spcPts val="0"/>
               </a:spcBef>
@@ -7970,9 +8042,11 @@
       <p:sp>
         <p:nvSpPr>
           <p:cNvPr id="52" name="Shape 52"/>
-          <p:cNvSpPr txBox="1"/>
+          <p:cNvSpPr txBox="1">
+            <a:spLocks noGrp="1"/>
+          </p:cNvSpPr>
           <p:nvPr>
-            <p:ph idx="1" type="body"/>
+            <p:ph type="body" idx="1"/>
           </p:nvPr>
         </p:nvSpPr>
         <p:spPr>
@@ -7989,12 +8063,12 @@
           </a:ln>
         </p:spPr>
         <p:txBody>
-          <a:bodyPr anchorCtr="0" anchor="t" bIns="45700" lIns="91425" rIns="91425" tIns="45700">
+          <a:bodyPr lIns="91425" tIns="45700" rIns="91425" bIns="45700" anchor="t" anchorCtr="0">
             <a:noAutofit/>
           </a:bodyPr>
           <a:lstStyle/>
           <a:p>
-            <a:pPr indent="0" lvl="0" marL="0" marR="0" rtl="0" algn="l">
+            <a:pPr marL="0" marR="0" lvl="0" indent="0" algn="l" rtl="0">
               <a:spcBef>
                 <a:spcPts val="0"/>
               </a:spcBef>
@@ -8008,10 +8082,7 @@
               <a:buFont typeface="Arial"/>
               <a:buNone/>
             </a:pPr>
-            <a:r>
-              <a:t/>
-            </a:r>
-            <a:endParaRPr b="0" i="0" sz="2800" u="none" cap="none" strike="noStrike">
+            <a:endParaRPr sz="2800" b="0" i="0" u="none" strike="noStrike" cap="none">
               <a:solidFill>
                 <a:schemeClr val="dk1"/>
               </a:solidFill>
@@ -8022,7 +8093,7 @@
             </a:endParaRPr>
           </a:p>
           <a:p>
-            <a:pPr indent="0" lvl="0" marL="0" marR="0" rtl="0" algn="l">
+            <a:pPr marL="0" marR="0" lvl="0" indent="0" algn="l" rtl="0">
               <a:spcBef>
                 <a:spcPts val="480"/>
               </a:spcBef>
@@ -8055,20 +8126,17 @@
           </a:ln>
         </p:spPr>
         <p:txBody>
-          <a:bodyPr anchorCtr="0" anchor="t" bIns="45700" lIns="91425" rIns="91425" tIns="45700">
+          <a:bodyPr lIns="91425" tIns="45700" rIns="91425" bIns="45700" anchor="t" anchorCtr="0">
             <a:noAutofit/>
           </a:bodyPr>
           <a:lstStyle/>
           <a:p>
-            <a:pPr indent="0" lvl="0" marL="0" marR="0" rtl="0" algn="l">
-              <a:spcBef>
-                <a:spcPts val="0"/>
-              </a:spcBef>
-              <a:buNone/>
-            </a:pPr>
-            <a:r>
-              <a:t/>
-            </a:r>
+            <a:pPr marL="0" marR="0" lvl="0" indent="0" algn="l" rtl="0">
+              <a:spcBef>
+                <a:spcPts val="0"/>
+              </a:spcBef>
+              <a:buNone/>
+            </a:pPr>
             <a:endParaRPr sz="1800">
               <a:solidFill>
                 <a:schemeClr val="dk1"/>
@@ -8118,11 +8186,11 @@
 </file>
 
 <file path=ppt/slides/slide4.xml><?xml version="1.0" encoding="utf-8"?>
-<p:sld xmlns:a="http://schemas.openxmlformats.org/drawingml/2006/main" xmlns:r="http://schemas.openxmlformats.org/officeDocument/2006/relationships" xmlns:mc="http://schemas.openxmlformats.org/markup-compatibility/2006" xmlns:mv="urn:schemas-microsoft-com:mac:vml" xmlns:p="http://schemas.openxmlformats.org/presentationml/2006/main" xmlns:c="http://schemas.openxmlformats.org/drawingml/2006/chart" xmlns:dgm="http://schemas.openxmlformats.org/drawingml/2006/diagram" xmlns:o="urn:schemas-microsoft-com:office:office" xmlns:v="urn:schemas-microsoft-com:vml" xmlns:pvml="urn:schemas-microsoft-com:office:powerpoint" xmlns:com="http://schemas.openxmlformats.org/drawingml/2006/compatibility" xmlns:p14="http://schemas.microsoft.com/office/powerpoint/2010/main">
+<p:sld xmlns:a="http://schemas.openxmlformats.org/drawingml/2006/main" xmlns:r="http://schemas.openxmlformats.org/officeDocument/2006/relationships" xmlns:p="http://schemas.openxmlformats.org/presentationml/2006/main">
   <p:cSld>
     <p:spTree>
       <p:nvGrpSpPr>
-        <p:cNvPr id="58" name="Shape 58"/>
+        <p:cNvPr id="1" name="Shape 58"/>
         <p:cNvGrpSpPr/>
         <p:nvPr/>
       </p:nvGrpSpPr>
@@ -8137,7 +8205,9 @@
       <p:sp>
         <p:nvSpPr>
           <p:cNvPr id="59" name="Shape 59"/>
-          <p:cNvSpPr txBox="1"/>
+          <p:cNvSpPr txBox="1">
+            <a:spLocks noGrp="1"/>
+          </p:cNvSpPr>
           <p:nvPr>
             <p:ph type="title"/>
           </p:nvPr>
@@ -8156,12 +8226,12 @@
           </a:ln>
         </p:spPr>
         <p:txBody>
-          <a:bodyPr anchorCtr="0" anchor="t" bIns="91425" lIns="91425" rIns="91425" tIns="91425">
+          <a:bodyPr lIns="91425" tIns="91425" rIns="91425" bIns="91425" anchor="t" anchorCtr="0">
             <a:noAutofit/>
           </a:bodyPr>
           <a:lstStyle/>
           <a:p>
-            <a:pPr indent="0" lvl="0" marL="0" marR="0" rtl="0" algn="l">
+            <a:pPr marL="0" marR="0" lvl="0" indent="0" algn="l" rtl="0">
               <a:spcBef>
                 <a:spcPts val="0"/>
               </a:spcBef>
@@ -8189,9 +8259,11 @@
       <p:sp>
         <p:nvSpPr>
           <p:cNvPr id="60" name="Shape 60"/>
-          <p:cNvSpPr txBox="1"/>
+          <p:cNvSpPr txBox="1">
+            <a:spLocks noGrp="1"/>
+          </p:cNvSpPr>
           <p:nvPr>
-            <p:ph idx="1" type="body"/>
+            <p:ph type="body" idx="1"/>
           </p:nvPr>
         </p:nvSpPr>
         <p:spPr>
@@ -8208,12 +8280,12 @@
           </a:ln>
         </p:spPr>
         <p:txBody>
-          <a:bodyPr anchorCtr="0" anchor="t" bIns="45700" lIns="91425" rIns="91425" tIns="45700">
+          <a:bodyPr lIns="91425" tIns="45700" rIns="91425" bIns="45700" anchor="t" anchorCtr="0">
             <a:noAutofit/>
           </a:bodyPr>
           <a:lstStyle/>
           <a:p>
-            <a:pPr indent="0" lvl="0" marL="0" marR="0" rtl="0" algn="l">
+            <a:pPr marL="0" marR="0" lvl="0" indent="0" algn="l" rtl="0">
               <a:spcBef>
                 <a:spcPts val="0"/>
               </a:spcBef>
@@ -8233,7 +8305,7 @@
             </a:r>
           </a:p>
           <a:p>
-            <a:pPr indent="-355600" lvl="0" marL="457200" marR="0" rtl="0" algn="l">
+            <a:pPr marL="457200" marR="0" lvl="0" indent="-355600" algn="l" rtl="0">
               <a:spcBef>
                 <a:spcPts val="0"/>
               </a:spcBef>
@@ -8248,7 +8320,7 @@
             </a:r>
           </a:p>
           <a:p>
-            <a:pPr indent="-355600" lvl="0" marL="457200" marR="0" rtl="0" algn="l">
+            <a:pPr marL="457200" marR="0" lvl="0" indent="-355600" algn="l" rtl="0">
               <a:spcBef>
                 <a:spcPts val="0"/>
               </a:spcBef>
@@ -8263,7 +8335,7 @@
             </a:r>
           </a:p>
           <a:p>
-            <a:pPr indent="-355600" lvl="0" marL="457200" marR="0" rtl="0" algn="l">
+            <a:pPr marL="457200" marR="0" lvl="0" indent="-355600" algn="l" rtl="0">
               <a:spcBef>
                 <a:spcPts val="0"/>
               </a:spcBef>
@@ -8278,15 +8350,12 @@
             </a:r>
           </a:p>
           <a:p>
-            <a:pPr indent="0" lvl="0" marL="0" marR="0" rtl="0" algn="l">
+            <a:pPr marL="0" marR="0" lvl="0" indent="0" algn="l" rtl="0">
               <a:spcBef>
                 <a:spcPts val="480"/>
               </a:spcBef>
               <a:buNone/>
             </a:pPr>
-            <a:r>
-              <a:t/>
-            </a:r>
             <a:endParaRPr/>
           </a:p>
         </p:txBody>
@@ -8311,20 +8380,17 @@
           </a:ln>
         </p:spPr>
         <p:txBody>
-          <a:bodyPr anchorCtr="0" anchor="t" bIns="45700" lIns="91425" rIns="91425" tIns="45700">
+          <a:bodyPr lIns="91425" tIns="45700" rIns="91425" bIns="45700" anchor="t" anchorCtr="0">
             <a:noAutofit/>
           </a:bodyPr>
           <a:lstStyle/>
           <a:p>
-            <a:pPr indent="0" lvl="0" marL="0" marR="0" rtl="0" algn="l">
-              <a:spcBef>
-                <a:spcPts val="0"/>
-              </a:spcBef>
-              <a:buNone/>
-            </a:pPr>
-            <a:r>
-              <a:t/>
-            </a:r>
+            <a:pPr marL="0" marR="0" lvl="0" indent="0" algn="l" rtl="0">
+              <a:spcBef>
+                <a:spcPts val="0"/>
+              </a:spcBef>
+              <a:buNone/>
+            </a:pPr>
             <a:endParaRPr sz="1800">
               <a:solidFill>
                 <a:schemeClr val="dk1"/>
@@ -8345,32 +8411,32 @@
   <p:timing>
     <p:tnLst>
       <p:par>
-        <p:cTn dur="indefinite" nodeType="tmRoot" restart="never">
+        <p:cTn xmlns:p14="http://schemas.microsoft.com/office/powerpoint/2010/main" id="1" dur="indefinite" restart="never" nodeType="tmRoot">
           <p:childTnLst>
             <p:seq concurrent="1" nextAc="seek">
-              <p:cTn dur="indefinite" id="2" nodeType="mainSeq">
+              <p:cTn id="2" dur="indefinite" nodeType="mainSeq">
                 <p:childTnLst>
                   <p:par>
-                    <p:cTn fill="hold">
+                    <p:cTn id="3" fill="hold">
                       <p:stCondLst>
                         <p:cond delay="indefinite"/>
                       </p:stCondLst>
                       <p:childTnLst>
                         <p:par>
-                          <p:cTn fill="hold">
+                          <p:cTn id="4" fill="hold">
                             <p:stCondLst>
                               <p:cond delay="0"/>
                             </p:stCondLst>
                             <p:childTnLst>
                               <p:par>
-                                <p:cTn fill="hold" nodeType="clickEffect" presetClass="entr" presetID="10" presetSubtype="0">
+                                <p:cTn id="5" presetID="10" presetClass="entr" presetSubtype="0" fill="hold" nodeType="clickEffect">
                                   <p:stCondLst>
                                     <p:cond delay="0"/>
                                   </p:stCondLst>
                                   <p:childTnLst>
                                     <p:set>
                                       <p:cBhvr>
-                                        <p:cTn dur="1" fill="hold">
+                                        <p:cTn id="6" dur="1" fill="hold">
                                           <p:stCondLst>
                                             <p:cond delay="0"/>
                                           </p:stCondLst>
@@ -8378,7 +8444,7 @@
                                         <p:tgtEl>
                                           <p:spTgt spid="60">
                                             <p:txEl>
-                                              <p:pRg end="0" st="0"/>
+                                              <p:pRg st="0" end="0"/>
                                             </p:txEl>
                                           </p:spTgt>
                                         </p:tgtEl>
@@ -8390,13 +8456,13 @@
                                         <p:strVal val="visible"/>
                                       </p:to>
                                     </p:set>
-                                    <p:animEffect filter="fade" transition="in">
+                                    <p:animEffect transition="in" filter="fade">
                                       <p:cBhvr>
-                                        <p:cTn dur="1000"/>
+                                        <p:cTn id="7" dur="1000"/>
                                         <p:tgtEl>
                                           <p:spTgt spid="60">
                                             <p:txEl>
-                                              <p:pRg end="0" st="0"/>
+                                              <p:pRg st="0" end="0"/>
                                             </p:txEl>
                                           </p:spTgt>
                                         </p:tgtEl>
@@ -8412,26 +8478,26 @@
                     </p:cTn>
                   </p:par>
                   <p:par>
-                    <p:cTn fill="hold">
+                    <p:cTn id="8" fill="hold">
                       <p:stCondLst>
                         <p:cond delay="indefinite"/>
                       </p:stCondLst>
                       <p:childTnLst>
                         <p:par>
-                          <p:cTn fill="hold">
+                          <p:cTn id="9" fill="hold">
                             <p:stCondLst>
                               <p:cond delay="0"/>
                             </p:stCondLst>
                             <p:childTnLst>
                               <p:par>
-                                <p:cTn fill="hold" nodeType="clickEffect" presetClass="entr" presetID="10" presetSubtype="0">
+                                <p:cTn id="10" presetID="10" presetClass="entr" presetSubtype="0" fill="hold" nodeType="clickEffect">
                                   <p:stCondLst>
                                     <p:cond delay="0"/>
                                   </p:stCondLst>
                                   <p:childTnLst>
                                     <p:set>
                                       <p:cBhvr>
-                                        <p:cTn dur="1" fill="hold">
+                                        <p:cTn id="11" dur="1" fill="hold">
                                           <p:stCondLst>
                                             <p:cond delay="0"/>
                                           </p:stCondLst>
@@ -8439,7 +8505,7 @@
                                         <p:tgtEl>
                                           <p:spTgt spid="60">
                                             <p:txEl>
-                                              <p:pRg end="1" st="1"/>
+                                              <p:pRg st="1" end="1"/>
                                             </p:txEl>
                                           </p:spTgt>
                                         </p:tgtEl>
@@ -8451,13 +8517,13 @@
                                         <p:strVal val="visible"/>
                                       </p:to>
                                     </p:set>
-                                    <p:animEffect filter="fade" transition="in">
+                                    <p:animEffect transition="in" filter="fade">
                                       <p:cBhvr>
-                                        <p:cTn dur="1000"/>
+                                        <p:cTn id="12" dur="1000"/>
                                         <p:tgtEl>
                                           <p:spTgt spid="60">
                                             <p:txEl>
-                                              <p:pRg end="1" st="1"/>
+                                              <p:pRg st="1" end="1"/>
                                             </p:txEl>
                                           </p:spTgt>
                                         </p:tgtEl>
@@ -8473,26 +8539,26 @@
                     </p:cTn>
                   </p:par>
                   <p:par>
-                    <p:cTn fill="hold">
+                    <p:cTn id="13" fill="hold">
                       <p:stCondLst>
                         <p:cond delay="indefinite"/>
                       </p:stCondLst>
                       <p:childTnLst>
                         <p:par>
-                          <p:cTn fill="hold">
+                          <p:cTn id="14" fill="hold">
                             <p:stCondLst>
                               <p:cond delay="0"/>
                             </p:stCondLst>
                             <p:childTnLst>
                               <p:par>
-                                <p:cTn fill="hold" nodeType="clickEffect" presetClass="entr" presetID="10" presetSubtype="0">
+                                <p:cTn id="15" presetID="10" presetClass="entr" presetSubtype="0" fill="hold" nodeType="clickEffect">
                                   <p:stCondLst>
                                     <p:cond delay="0"/>
                                   </p:stCondLst>
                                   <p:childTnLst>
                                     <p:set>
                                       <p:cBhvr>
-                                        <p:cTn dur="1" fill="hold">
+                                        <p:cTn id="16" dur="1" fill="hold">
                                           <p:stCondLst>
                                             <p:cond delay="0"/>
                                           </p:stCondLst>
@@ -8500,7 +8566,7 @@
                                         <p:tgtEl>
                                           <p:spTgt spid="60">
                                             <p:txEl>
-                                              <p:pRg end="2" st="2"/>
+                                              <p:pRg st="2" end="2"/>
                                             </p:txEl>
                                           </p:spTgt>
                                         </p:tgtEl>
@@ -8512,13 +8578,13 @@
                                         <p:strVal val="visible"/>
                                       </p:to>
                                     </p:set>
-                                    <p:animEffect filter="fade" transition="in">
+                                    <p:animEffect transition="in" filter="fade">
                                       <p:cBhvr>
-                                        <p:cTn dur="1000"/>
+                                        <p:cTn id="17" dur="1000"/>
                                         <p:tgtEl>
                                           <p:spTgt spid="60">
                                             <p:txEl>
-                                              <p:pRg end="2" st="2"/>
+                                              <p:pRg st="2" end="2"/>
                                             </p:txEl>
                                           </p:spTgt>
                                         </p:tgtEl>
@@ -8534,26 +8600,26 @@
                     </p:cTn>
                   </p:par>
                   <p:par>
-                    <p:cTn fill="hold">
+                    <p:cTn id="18" fill="hold">
                       <p:stCondLst>
                         <p:cond delay="indefinite"/>
                       </p:stCondLst>
                       <p:childTnLst>
                         <p:par>
-                          <p:cTn fill="hold">
+                          <p:cTn id="19" fill="hold">
                             <p:stCondLst>
                               <p:cond delay="0"/>
                             </p:stCondLst>
                             <p:childTnLst>
                               <p:par>
-                                <p:cTn fill="hold" nodeType="clickEffect" presetClass="entr" presetID="10" presetSubtype="0">
+                                <p:cTn id="20" presetID="10" presetClass="entr" presetSubtype="0" fill="hold" nodeType="clickEffect">
                                   <p:stCondLst>
                                     <p:cond delay="0"/>
                                   </p:stCondLst>
                                   <p:childTnLst>
                                     <p:set>
                                       <p:cBhvr>
-                                        <p:cTn dur="1" fill="hold">
+                                        <p:cTn id="21" dur="1" fill="hold">
                                           <p:stCondLst>
                                             <p:cond delay="0"/>
                                           </p:stCondLst>
@@ -8561,7 +8627,7 @@
                                         <p:tgtEl>
                                           <p:spTgt spid="60">
                                             <p:txEl>
-                                              <p:pRg end="3" st="3"/>
+                                              <p:pRg st="3" end="3"/>
                                             </p:txEl>
                                           </p:spTgt>
                                         </p:tgtEl>
@@ -8573,13 +8639,13 @@
                                         <p:strVal val="visible"/>
                                       </p:to>
                                     </p:set>
-                                    <p:animEffect filter="fade" transition="in">
+                                    <p:animEffect transition="in" filter="fade">
                                       <p:cBhvr>
-                                        <p:cTn dur="1000"/>
+                                        <p:cTn id="22" dur="1000"/>
                                         <p:tgtEl>
                                           <p:spTgt spid="60">
                                             <p:txEl>
-                                              <p:pRg end="3" st="3"/>
+                                              <p:pRg st="3" end="3"/>
                                             </p:txEl>
                                           </p:spTgt>
                                         </p:tgtEl>
@@ -8595,26 +8661,26 @@
                     </p:cTn>
                   </p:par>
                   <p:par>
-                    <p:cTn fill="hold">
+                    <p:cTn id="23" fill="hold">
                       <p:stCondLst>
                         <p:cond delay="indefinite"/>
                       </p:stCondLst>
                       <p:childTnLst>
                         <p:par>
-                          <p:cTn fill="hold">
+                          <p:cTn id="24" fill="hold">
                             <p:stCondLst>
                               <p:cond delay="0"/>
                             </p:stCondLst>
                             <p:childTnLst>
                               <p:par>
-                                <p:cTn fill="hold" nodeType="clickEffect" presetClass="entr" presetID="10" presetSubtype="0">
+                                <p:cTn id="25" presetID="10" presetClass="entr" presetSubtype="0" fill="hold" nodeType="clickEffect">
                                   <p:stCondLst>
                                     <p:cond delay="0"/>
                                   </p:stCondLst>
                                   <p:childTnLst>
                                     <p:set>
                                       <p:cBhvr>
-                                        <p:cTn dur="1" fill="hold">
+                                        <p:cTn id="26" dur="1" fill="hold">
                                           <p:stCondLst>
                                             <p:cond delay="0"/>
                                           </p:stCondLst>
@@ -8622,7 +8688,7 @@
                                         <p:tgtEl>
                                           <p:spTgt spid="60">
                                             <p:txEl>
-                                              <p:pRg end="4" st="4"/>
+                                              <p:pRg st="4" end="4"/>
                                             </p:txEl>
                                           </p:spTgt>
                                         </p:tgtEl>
@@ -8634,13 +8700,13 @@
                                         <p:strVal val="visible"/>
                                       </p:to>
                                     </p:set>
-                                    <p:animEffect filter="fade" transition="in">
+                                    <p:animEffect transition="in" filter="fade">
                                       <p:cBhvr>
-                                        <p:cTn dur="1000"/>
+                                        <p:cTn id="27" dur="1000"/>
                                         <p:tgtEl>
                                           <p:spTgt spid="60">
                                             <p:txEl>
-                                              <p:pRg end="4" st="4"/>
+                                              <p:pRg st="4" end="4"/>
                                             </p:txEl>
                                           </p:spTgt>
                                         </p:tgtEl>
@@ -8658,14 +8724,14 @@
                 </p:childTnLst>
               </p:cTn>
               <p:prevCondLst>
-                <p:cond evt="onPrev">
+                <p:cond evt="onPrev" delay="0">
                   <p:tgtEl>
                     <p:sldTgt/>
                   </p:tgtEl>
                 </p:cond>
               </p:prevCondLst>
               <p:nextCondLst>
-                <p:cond evt="onNext">
+                <p:cond evt="onNext" delay="0">
                   <p:tgtEl>
                     <p:sldTgt/>
                   </p:tgtEl>
@@ -8681,11 +8747,11 @@
 </file>
 
 <file path=ppt/slides/slide5.xml><?xml version="1.0" encoding="utf-8"?>
-<p:sld xmlns:a="http://schemas.openxmlformats.org/drawingml/2006/main" xmlns:r="http://schemas.openxmlformats.org/officeDocument/2006/relationships" xmlns:mc="http://schemas.openxmlformats.org/markup-compatibility/2006" xmlns:mv="urn:schemas-microsoft-com:mac:vml" xmlns:p="http://schemas.openxmlformats.org/presentationml/2006/main" xmlns:c="http://schemas.openxmlformats.org/drawingml/2006/chart" xmlns:dgm="http://schemas.openxmlformats.org/drawingml/2006/diagram" xmlns:o="urn:schemas-microsoft-com:office:office" xmlns:v="urn:schemas-microsoft-com:vml" xmlns:pvml="urn:schemas-microsoft-com:office:powerpoint" xmlns:com="http://schemas.openxmlformats.org/drawingml/2006/compatibility" xmlns:p14="http://schemas.microsoft.com/office/powerpoint/2010/main">
+<p:sld xmlns:a="http://schemas.openxmlformats.org/drawingml/2006/main" xmlns:r="http://schemas.openxmlformats.org/officeDocument/2006/relationships" xmlns:p="http://schemas.openxmlformats.org/presentationml/2006/main">
   <p:cSld>
     <p:spTree>
       <p:nvGrpSpPr>
-        <p:cNvPr id="65" name="Shape 65"/>
+        <p:cNvPr id="1" name="Shape 65"/>
         <p:cNvGrpSpPr/>
         <p:nvPr/>
       </p:nvGrpSpPr>
@@ -8700,7 +8766,9 @@
       <p:sp>
         <p:nvSpPr>
           <p:cNvPr id="66" name="Shape 66"/>
-          <p:cNvSpPr txBox="1"/>
+          <p:cNvSpPr txBox="1">
+            <a:spLocks noGrp="1"/>
+          </p:cNvSpPr>
           <p:nvPr>
             <p:ph type="title"/>
           </p:nvPr>
@@ -8719,12 +8787,12 @@
           </a:ln>
         </p:spPr>
         <p:txBody>
-          <a:bodyPr anchorCtr="0" anchor="t" bIns="91425" lIns="91425" rIns="91425" tIns="91425">
+          <a:bodyPr lIns="91425" tIns="91425" rIns="91425" bIns="91425" anchor="t" anchorCtr="0">
             <a:noAutofit/>
           </a:bodyPr>
           <a:lstStyle/>
           <a:p>
-            <a:pPr indent="0" lvl="0" marL="0" marR="0" rtl="0" algn="l">
+            <a:pPr marL="0" marR="0" lvl="0" indent="0" algn="l" rtl="0">
               <a:spcBef>
                 <a:spcPts val="0"/>
               </a:spcBef>
@@ -8739,7 +8807,7 @@
               <a:buNone/>
             </a:pPr>
             <a:r>
-              <a:rPr b="0" i="0" lang="en-US" sz="3600" u="none" cap="none" strike="noStrike">
+              <a:rPr lang="en-US" sz="3600" b="0" i="0" u="none" strike="noStrike" cap="none">
                 <a:solidFill>
                   <a:schemeClr val="accent1"/>
                 </a:solidFill>
@@ -8773,20 +8841,17 @@
           </a:ln>
         </p:spPr>
         <p:txBody>
-          <a:bodyPr anchorCtr="0" anchor="t" bIns="45700" lIns="91425" rIns="91425" tIns="45700">
+          <a:bodyPr lIns="91425" tIns="45700" rIns="91425" bIns="45700" anchor="t" anchorCtr="0">
             <a:noAutofit/>
           </a:bodyPr>
           <a:lstStyle/>
           <a:p>
-            <a:pPr indent="0" lvl="0" marL="0" marR="0" rtl="0" algn="l">
-              <a:spcBef>
-                <a:spcPts val="0"/>
-              </a:spcBef>
-              <a:buNone/>
-            </a:pPr>
-            <a:r>
-              <a:t/>
-            </a:r>
+            <a:pPr marL="0" marR="0" lvl="0" indent="0" algn="l" rtl="0">
+              <a:spcBef>
+                <a:spcPts val="0"/>
+              </a:spcBef>
+              <a:buNone/>
+            </a:pPr>
             <a:endParaRPr sz="1800">
               <a:solidFill>
                 <a:schemeClr val="dk1"/>
@@ -8816,17 +8881,17 @@
           <a:solidFill>
             <a:srgbClr val="FFFFCC"/>
           </a:solidFill>
-          <a:ln cap="flat" cmpd="sng" w="9525">
+          <a:ln w="9525" cap="flat" cmpd="sng">
             <a:solidFill>
               <a:srgbClr val="FFFFCC"/>
             </a:solidFill>
             <a:prstDash val="solid"/>
             <a:round/>
-            <a:headEnd len="med" w="med" type="none"/>
-            <a:tailEnd len="med" w="med" type="none"/>
+            <a:headEnd type="none" w="med" len="med"/>
+            <a:tailEnd type="none" w="med" len="med"/>
           </a:ln>
           <a:effectLst>
-            <a:outerShdw blurRad="39999" rotWithShape="0" dir="5400000" dist="23000">
+            <a:outerShdw blurRad="39999" dist="23000" dir="5400000" rotWithShape="0">
               <a:srgbClr val="000000">
                 <a:alpha val="34901"/>
               </a:srgbClr>
@@ -8834,19 +8899,19 @@
           </a:effectLst>
         </p:spPr>
         <p:txBody>
-          <a:bodyPr anchorCtr="0" anchor="ctr" bIns="45700" lIns="91425" rIns="91425" tIns="45700">
+          <a:bodyPr lIns="91425" tIns="45700" rIns="91425" bIns="45700" anchor="ctr" anchorCtr="0">
             <a:noAutofit/>
           </a:bodyPr>
           <a:lstStyle/>
           <a:p>
-            <a:pPr indent="0" lvl="0" marL="0" marR="0" rtl="0" algn="l">
-              <a:spcBef>
-                <a:spcPts val="0"/>
-              </a:spcBef>
-              <a:buNone/>
-            </a:pPr>
-            <a:r>
-              <a:rPr b="1" lang="en-US">
+            <a:pPr marL="0" marR="0" lvl="0" indent="0" algn="l" rtl="0">
+              <a:spcBef>
+                <a:spcPts val="0"/>
+              </a:spcBef>
+              <a:buNone/>
+            </a:pPr>
+            <a:r>
+              <a:rPr lang="en-US" b="1">
                 <a:solidFill>
                   <a:schemeClr val="dk1"/>
                 </a:solidFill>
@@ -8854,7 +8919,7 @@
               <a:t>greeter.details.name</a:t>
             </a:r>
             <a:r>
-              <a:rPr b="1" lang="en-US" sz="1400">
+              <a:rPr lang="en-US" sz="1400" b="1">
                 <a:solidFill>
                   <a:schemeClr val="dk1"/>
                 </a:solidFill>
@@ -8866,7 +8931,7 @@
               <a:t>=</a:t>
             </a:r>
             <a:r>
-              <a:rPr b="1" lang="en-US">
+              <a:rPr lang="en-US" b="1">
                 <a:solidFill>
                   <a:schemeClr val="dk1"/>
                 </a:solidFill>
@@ -8893,17 +8958,17 @@
           <a:solidFill>
             <a:srgbClr val="FFFFCC"/>
           </a:solidFill>
-          <a:ln cap="flat" cmpd="sng" w="9525">
+          <a:ln w="9525" cap="flat" cmpd="sng">
             <a:solidFill>
               <a:srgbClr val="FFFFCC"/>
             </a:solidFill>
             <a:prstDash val="solid"/>
             <a:round/>
-            <a:headEnd len="med" w="med" type="none"/>
-            <a:tailEnd len="med" w="med" type="none"/>
+            <a:headEnd type="none" w="med" len="med"/>
+            <a:tailEnd type="none" w="med" len="med"/>
           </a:ln>
           <a:effectLst>
-            <a:outerShdw blurRad="39999" rotWithShape="0" dir="5400000" dist="23000">
+            <a:outerShdw blurRad="39999" dist="23000" dir="5400000" rotWithShape="0">
               <a:srgbClr val="000000">
                 <a:alpha val="34901"/>
               </a:srgbClr>
@@ -8911,12 +8976,12 @@
           </a:effectLst>
         </p:spPr>
         <p:txBody>
-          <a:bodyPr anchorCtr="0" anchor="ctr" bIns="45700" lIns="91425" rIns="91425" tIns="45700">
+          <a:bodyPr lIns="91425" tIns="45700" rIns="91425" bIns="45700" anchor="ctr" anchorCtr="0">
             <a:noAutofit/>
           </a:bodyPr>
           <a:lstStyle/>
           <a:p>
-            <a:pPr indent="0" lvl="0" marL="0" marR="0" rtl="0" algn="l">
+            <a:pPr marL="0" marR="0" lvl="0" indent="0" algn="l" rtl="0">
               <a:spcBef>
                 <a:spcPts val="0"/>
               </a:spcBef>
@@ -8924,7 +8989,7 @@
               <a:buNone/>
             </a:pPr>
             <a:r>
-              <a:rPr b="1" lang="en-US" sz="1400">
+              <a:rPr lang="en-US" sz="1400" b="1">
                 <a:solidFill>
                   <a:srgbClr val="7F7F7F"/>
                 </a:solidFill>
@@ -8937,7 +9002,7 @@
             </a:r>
           </a:p>
           <a:p>
-            <a:pPr indent="0" lvl="0" marL="0" marR="0" rtl="0" algn="l">
+            <a:pPr marL="0" marR="0" lvl="0" indent="0" algn="l" rtl="0">
               <a:spcBef>
                 <a:spcPts val="0"/>
               </a:spcBef>
@@ -8945,7 +9010,7 @@
               <a:buNone/>
             </a:pPr>
             <a:r>
-              <a:rPr b="1" lang="en-US" sz="1400">
+              <a:rPr lang="en-US" sz="1400" b="1">
                 <a:solidFill>
                   <a:srgbClr val="800000"/>
                 </a:solidFill>
@@ -8957,7 +9022,7 @@
               <a:t>public</a:t>
             </a:r>
             <a:r>
-              <a:rPr b="1" lang="en-US" sz="1400">
+              <a:rPr lang="en-US" sz="1400" b="1">
                 <a:solidFill>
                   <a:schemeClr val="dk1"/>
                 </a:solidFill>
@@ -8969,7 +9034,7 @@
               <a:t> </a:t>
             </a:r>
             <a:r>
-              <a:rPr b="1" lang="en-US" sz="1400">
+              <a:rPr lang="en-US" sz="1400" b="1">
                 <a:solidFill>
                   <a:srgbClr val="800000"/>
                 </a:solidFill>
@@ -8981,7 +9046,7 @@
               <a:t>class</a:t>
             </a:r>
             <a:r>
-              <a:rPr b="1" lang="en-US" sz="1400">
+              <a:rPr lang="en-US" sz="1400" b="1">
                 <a:solidFill>
                   <a:schemeClr val="dk1"/>
                 </a:solidFill>
@@ -8993,7 +9058,7 @@
               <a:t> </a:t>
             </a:r>
             <a:r>
-              <a:rPr b="1" lang="en-US">
+              <a:rPr lang="en-US" b="1">
                 <a:solidFill>
                   <a:schemeClr val="dk1"/>
                 </a:solidFill>
@@ -9001,7 +9066,7 @@
               <a:t>GreeterSettings</a:t>
             </a:r>
             <a:r>
-              <a:rPr b="1" lang="en-US" sz="1400">
+              <a:rPr lang="en-US" sz="1400" b="1">
                 <a:solidFill>
                   <a:schemeClr val="dk1"/>
                 </a:solidFill>
@@ -9014,16 +9079,13 @@
             </a:r>
           </a:p>
           <a:p>
-            <a:pPr indent="0" lvl="0" marL="0" marR="0" rtl="0" algn="l">
-              <a:spcBef>
-                <a:spcPts val="0"/>
-              </a:spcBef>
-              <a:buNone/>
-            </a:pPr>
-            <a:r>
-              <a:t/>
-            </a:r>
-            <a:endParaRPr b="1" sz="1400">
+            <a:pPr marL="0" marR="0" lvl="0" indent="0" algn="l" rtl="0">
+              <a:spcBef>
+                <a:spcPts val="0"/>
+              </a:spcBef>
+              <a:buNone/>
+            </a:pPr>
+            <a:endParaRPr sz="1400" b="1">
               <a:solidFill>
                 <a:schemeClr val="dk1"/>
               </a:solidFill>
@@ -9034,7 +9096,7 @@
             </a:endParaRPr>
           </a:p>
           <a:p>
-            <a:pPr indent="0" lvl="0" marL="0" marR="0" rtl="0" algn="l">
+            <a:pPr marL="0" marR="0" lvl="0" indent="0" algn="l" rtl="0">
               <a:spcBef>
                 <a:spcPts val="0"/>
               </a:spcBef>
@@ -9042,7 +9104,7 @@
               <a:buNone/>
             </a:pPr>
             <a:r>
-              <a:rPr b="1" lang="en-US" sz="1400">
+              <a:rPr lang="en-US" sz="1400" b="1">
                 <a:solidFill>
                   <a:schemeClr val="dk1"/>
                 </a:solidFill>
@@ -9054,7 +9116,7 @@
               <a:t>	</a:t>
             </a:r>
             <a:r>
-              <a:rPr b="1" lang="en-US" sz="1400">
+              <a:rPr lang="en-US" sz="1400" b="1">
                 <a:solidFill>
                   <a:srgbClr val="7F7F7F"/>
                 </a:solidFill>
@@ -9066,7 +9128,7 @@
               <a:t>@Value</a:t>
             </a:r>
             <a:r>
-              <a:rPr b="1" lang="en-US" sz="1400">
+              <a:rPr lang="en-US" sz="1400" b="1">
                 <a:solidFill>
                   <a:schemeClr val="dk1"/>
                 </a:solidFill>
@@ -9078,7 +9140,7 @@
               <a:t>(“</a:t>
             </a:r>
             <a:r>
-              <a:rPr b="1" lang="en-US" sz="1400">
+              <a:rPr lang="en-US" sz="1400" b="1">
                 <a:solidFill>
                   <a:srgbClr val="0000FF"/>
                 </a:solidFill>
@@ -9090,7 +9152,7 @@
               <a:t>${</a:t>
             </a:r>
             <a:r>
-              <a:rPr b="1" lang="en-US">
+              <a:rPr lang="en-US" b="1">
                 <a:solidFill>
                   <a:srgbClr val="0000FF"/>
                 </a:solidFill>
@@ -9098,7 +9160,7 @@
               <a:t>greeter.details.name</a:t>
             </a:r>
             <a:r>
-              <a:rPr b="1" lang="en-US" sz="1400">
+              <a:rPr lang="en-US" sz="1400" b="1">
                 <a:solidFill>
                   <a:srgbClr val="0000FF"/>
                 </a:solidFill>
@@ -9110,7 +9172,7 @@
               <a:t>}</a:t>
             </a:r>
             <a:r>
-              <a:rPr b="1" lang="en-US" sz="1400">
+              <a:rPr lang="en-US" sz="1400" b="1">
                 <a:solidFill>
                   <a:schemeClr val="dk1"/>
                 </a:solidFill>
@@ -9123,7 +9185,7 @@
             </a:r>
           </a:p>
           <a:p>
-            <a:pPr indent="0" lvl="0" marL="0" marR="0" rtl="0" algn="l">
+            <a:pPr marL="0" marR="0" lvl="0" indent="0" algn="l" rtl="0">
               <a:spcBef>
                 <a:spcPts val="0"/>
               </a:spcBef>
@@ -9131,7 +9193,7 @@
               <a:buNone/>
             </a:pPr>
             <a:r>
-              <a:rPr b="1" lang="en-US" sz="1400">
+              <a:rPr lang="en-US" sz="1400" b="1">
                 <a:solidFill>
                   <a:schemeClr val="dk1"/>
                 </a:solidFill>
@@ -9143,7 +9205,7 @@
               <a:t>	String </a:t>
             </a:r>
             <a:r>
-              <a:rPr b="1" lang="en-US">
+              <a:rPr lang="en-US" b="1">
                 <a:solidFill>
                   <a:schemeClr val="dk1"/>
                 </a:solidFill>
@@ -9151,7 +9213,7 @@
               <a:t>name</a:t>
             </a:r>
             <a:r>
-              <a:rPr b="1" lang="en-US" sz="1400">
+              <a:rPr lang="en-US" sz="1400" b="1">
                 <a:solidFill>
                   <a:schemeClr val="dk1"/>
                 </a:solidFill>
@@ -9164,16 +9226,13 @@
             </a:r>
           </a:p>
           <a:p>
-            <a:pPr indent="0" lvl="0" marL="0" marR="0" rtl="0" algn="l">
-              <a:spcBef>
-                <a:spcPts val="0"/>
-              </a:spcBef>
-              <a:buNone/>
-            </a:pPr>
-            <a:r>
-              <a:t/>
-            </a:r>
-            <a:endParaRPr b="1" sz="1400">
+            <a:pPr marL="0" marR="0" lvl="0" indent="0" algn="l" rtl="0">
+              <a:spcBef>
+                <a:spcPts val="0"/>
+              </a:spcBef>
+              <a:buNone/>
+            </a:pPr>
+            <a:endParaRPr sz="1400" b="1">
               <a:solidFill>
                 <a:schemeClr val="dk1"/>
               </a:solidFill>
@@ -9184,7 +9243,7 @@
             </a:endParaRPr>
           </a:p>
           <a:p>
-            <a:pPr indent="0" lvl="0" marL="0" marR="0" rtl="0" algn="l">
+            <a:pPr marL="0" marR="0" lvl="0" indent="0" algn="l" rtl="0">
               <a:spcBef>
                 <a:spcPts val="0"/>
               </a:spcBef>
@@ -9192,7 +9251,7 @@
               <a:buNone/>
             </a:pPr>
             <a:r>
-              <a:rPr b="1" lang="en-US" sz="1400">
+              <a:rPr lang="en-US" sz="1400" b="1">
                 <a:solidFill>
                   <a:schemeClr val="dk1"/>
                 </a:solidFill>
@@ -9205,7 +9264,7 @@
             </a:r>
           </a:p>
           <a:p>
-            <a:pPr indent="0" lvl="0" marL="0" marR="0" rtl="0" algn="l">
+            <a:pPr marL="0" marR="0" lvl="0" indent="0" algn="l" rtl="0">
               <a:spcBef>
                 <a:spcPts val="0"/>
               </a:spcBef>
@@ -9213,7 +9272,7 @@
               <a:buNone/>
             </a:pPr>
             <a:r>
-              <a:rPr b="1" lang="en-US" sz="1400">
+              <a:rPr lang="en-US" sz="1400" b="1">
                 <a:solidFill>
                   <a:schemeClr val="dk1"/>
                 </a:solidFill>
@@ -9236,11 +9295,11 @@
 </file>
 
 <file path=ppt/slides/slide6.xml><?xml version="1.0" encoding="utf-8"?>
-<p:sld xmlns:a="http://schemas.openxmlformats.org/drawingml/2006/main" xmlns:r="http://schemas.openxmlformats.org/officeDocument/2006/relationships" xmlns:mc="http://schemas.openxmlformats.org/markup-compatibility/2006" xmlns:mv="urn:schemas-microsoft-com:mac:vml" xmlns:p="http://schemas.openxmlformats.org/presentationml/2006/main" xmlns:c="http://schemas.openxmlformats.org/drawingml/2006/chart" xmlns:dgm="http://schemas.openxmlformats.org/drawingml/2006/diagram" xmlns:o="urn:schemas-microsoft-com:office:office" xmlns:v="urn:schemas-microsoft-com:vml" xmlns:pvml="urn:schemas-microsoft-com:office:powerpoint" xmlns:com="http://schemas.openxmlformats.org/drawingml/2006/compatibility" xmlns:p14="http://schemas.microsoft.com/office/powerpoint/2010/main">
+<p:sld xmlns:a="http://schemas.openxmlformats.org/drawingml/2006/main" xmlns:r="http://schemas.openxmlformats.org/officeDocument/2006/relationships" xmlns:p="http://schemas.openxmlformats.org/presentationml/2006/main">
   <p:cSld>
     <p:spTree>
       <p:nvGrpSpPr>
-        <p:cNvPr id="73" name="Shape 73"/>
+        <p:cNvPr id="1" name="Shape 73"/>
         <p:cNvGrpSpPr/>
         <p:nvPr/>
       </p:nvGrpSpPr>
@@ -9269,17 +9328,17 @@
           <a:solidFill>
             <a:srgbClr val="FFFFCC"/>
           </a:solidFill>
-          <a:ln cap="flat" cmpd="sng" w="9525">
+          <a:ln w="9525" cap="flat" cmpd="sng">
             <a:solidFill>
               <a:srgbClr val="FFFFCC"/>
             </a:solidFill>
             <a:prstDash val="solid"/>
             <a:round/>
-            <a:headEnd len="med" w="med" type="none"/>
-            <a:tailEnd len="med" w="med" type="none"/>
+            <a:headEnd type="none" w="med" len="med"/>
+            <a:tailEnd type="none" w="med" len="med"/>
           </a:ln>
           <a:effectLst>
-            <a:outerShdw blurRad="39999" rotWithShape="0" dir="5400000" dist="23000">
+            <a:outerShdw blurRad="39999" dist="23000" dir="5400000" rotWithShape="0">
               <a:srgbClr val="000000">
                 <a:alpha val="34901"/>
               </a:srgbClr>
@@ -9287,12 +9346,12 @@
           </a:effectLst>
         </p:spPr>
         <p:txBody>
-          <a:bodyPr anchorCtr="0" anchor="ctr" bIns="45700" lIns="91425" rIns="91425" tIns="45700">
+          <a:bodyPr lIns="91425" tIns="45700" rIns="91425" bIns="45700" anchor="ctr" anchorCtr="0">
             <a:noAutofit/>
           </a:bodyPr>
           <a:lstStyle/>
           <a:p>
-            <a:pPr indent="0" lvl="0" marL="0" marR="0" rtl="0" algn="l">
+            <a:pPr marL="0" marR="0" lvl="0" indent="0" algn="l" rtl="0">
               <a:spcBef>
                 <a:spcPts val="0"/>
               </a:spcBef>
@@ -9300,7 +9359,7 @@
               <a:buNone/>
             </a:pPr>
             <a:r>
-              <a:rPr b="1" lang="en-US" sz="1200">
+              <a:rPr lang="en-US" sz="1200" b="1">
                 <a:solidFill>
                   <a:srgbClr val="7F7F7F"/>
                 </a:solidFill>
@@ -9313,7 +9372,7 @@
             </a:r>
           </a:p>
           <a:p>
-            <a:pPr indent="0" lvl="0" marL="0" marR="0" rtl="0" algn="l">
+            <a:pPr marL="0" marR="0" lvl="0" indent="0" algn="l" rtl="0">
               <a:spcBef>
                 <a:spcPts val="0"/>
               </a:spcBef>
@@ -9321,7 +9380,7 @@
               <a:buNone/>
             </a:pPr>
             <a:r>
-              <a:rPr b="1" lang="en-US" sz="1200">
+              <a:rPr lang="en-US" sz="1200" b="1">
                 <a:solidFill>
                   <a:srgbClr val="800000"/>
                 </a:solidFill>
@@ -9333,7 +9392,7 @@
               <a:t>public</a:t>
             </a:r>
             <a:r>
-              <a:rPr b="1" lang="en-US" sz="1200">
+              <a:rPr lang="en-US" sz="1200" b="1">
                 <a:solidFill>
                   <a:schemeClr val="dk1"/>
                 </a:solidFill>
@@ -9345,7 +9404,7 @@
               <a:t> </a:t>
             </a:r>
             <a:r>
-              <a:rPr b="1" lang="en-US" sz="1200">
+              <a:rPr lang="en-US" sz="1200" b="1">
                 <a:solidFill>
                   <a:srgbClr val="800000"/>
                 </a:solidFill>
@@ -9357,7 +9416,7 @@
               <a:t>class</a:t>
             </a:r>
             <a:r>
-              <a:rPr b="1" lang="en-US" sz="1200">
+              <a:rPr lang="en-US" sz="1200" b="1">
                 <a:solidFill>
                   <a:schemeClr val="dk1"/>
                 </a:solidFill>
@@ -9370,16 +9429,13 @@
             </a:r>
           </a:p>
           <a:p>
-            <a:pPr indent="0" lvl="0" marL="0" marR="0" rtl="0" algn="l">
-              <a:spcBef>
-                <a:spcPts val="0"/>
-              </a:spcBef>
-              <a:buNone/>
-            </a:pPr>
-            <a:r>
-              <a:t/>
-            </a:r>
-            <a:endParaRPr b="1" sz="1200">
+            <a:pPr marL="0" marR="0" lvl="0" indent="0" algn="l" rtl="0">
+              <a:spcBef>
+                <a:spcPts val="0"/>
+              </a:spcBef>
+              <a:buNone/>
+            </a:pPr>
+            <a:endParaRPr sz="1200" b="1">
               <a:solidFill>
                 <a:schemeClr val="dk1"/>
               </a:solidFill>
@@ -9390,7 +9446,7 @@
             </a:endParaRPr>
           </a:p>
           <a:p>
-            <a:pPr indent="0" lvl="0" marL="0" marR="0" rtl="0" algn="l">
+            <a:pPr marL="0" marR="0" lvl="0" indent="0" algn="l" rtl="0">
               <a:spcBef>
                 <a:spcPts val="0"/>
               </a:spcBef>
@@ -9398,7 +9454,7 @@
               <a:buNone/>
             </a:pPr>
             <a:r>
-              <a:rPr b="1" lang="en-US" sz="1200">
+              <a:rPr lang="en-US" sz="1200" b="1">
                 <a:solidFill>
                   <a:schemeClr val="dk1"/>
                 </a:solidFill>
@@ -9410,7 +9466,7 @@
               <a:t>	@Value(“</a:t>
             </a:r>
             <a:r>
-              <a:rPr b="1" lang="en-US" sz="1200">
+              <a:rPr lang="en-US" sz="1200" b="1">
                 <a:solidFill>
                   <a:srgbClr val="0000FF"/>
                 </a:solidFill>
@@ -9422,7 +9478,7 @@
               <a:t>${rewards.client.host}</a:t>
             </a:r>
             <a:r>
-              <a:rPr b="1" lang="en-US" sz="1200">
+              <a:rPr lang="en-US" sz="1200" b="1">
                 <a:solidFill>
                   <a:schemeClr val="dk1"/>
                 </a:solidFill>
@@ -9435,7 +9491,7 @@
             </a:r>
           </a:p>
           <a:p>
-            <a:pPr indent="0" lvl="0" marL="0" marR="0" rtl="0" algn="l">
+            <a:pPr marL="0" marR="0" lvl="0" indent="0" algn="l" rtl="0">
               <a:spcBef>
                 <a:spcPts val="0"/>
               </a:spcBef>
@@ -9443,7 +9499,7 @@
               <a:buNone/>
             </a:pPr>
             <a:r>
-              <a:rPr b="1" lang="en-US" sz="1200">
+              <a:rPr lang="en-US" sz="1200" b="1">
                 <a:solidFill>
                   <a:schemeClr val="dk1"/>
                 </a:solidFill>
@@ -9456,16 +9512,13 @@
             </a:r>
           </a:p>
           <a:p>
-            <a:pPr indent="0" lvl="0" marL="0" marR="0" rtl="0" algn="l">
-              <a:spcBef>
-                <a:spcPts val="0"/>
-              </a:spcBef>
-              <a:buNone/>
-            </a:pPr>
-            <a:r>
-              <a:t/>
-            </a:r>
-            <a:endParaRPr b="1" sz="1200">
+            <a:pPr marL="0" marR="0" lvl="0" indent="0" algn="l" rtl="0">
+              <a:spcBef>
+                <a:spcPts val="0"/>
+              </a:spcBef>
+              <a:buNone/>
+            </a:pPr>
+            <a:endParaRPr sz="1200" b="1">
               <a:solidFill>
                 <a:schemeClr val="dk1"/>
               </a:solidFill>
@@ -9476,7 +9529,7 @@
             </a:endParaRPr>
           </a:p>
           <a:p>
-            <a:pPr indent="0" lvl="0" marL="0" marR="0" rtl="0" algn="l">
+            <a:pPr marL="0" marR="0" lvl="0" indent="0" algn="l" rtl="0">
               <a:spcBef>
                 <a:spcPts val="0"/>
               </a:spcBef>
@@ -9484,7 +9537,7 @@
               <a:buNone/>
             </a:pPr>
             <a:r>
-              <a:rPr b="1" lang="en-US" sz="1200">
+              <a:rPr lang="en-US" sz="1200" b="1">
                 <a:solidFill>
                   <a:schemeClr val="dk1"/>
                 </a:solidFill>
@@ -9496,7 +9549,7 @@
               <a:t>	@Value(“</a:t>
             </a:r>
             <a:r>
-              <a:rPr b="1" lang="en-US" sz="1200">
+              <a:rPr lang="en-US" sz="1200" b="1">
                 <a:solidFill>
                   <a:srgbClr val="0000FF"/>
                 </a:solidFill>
@@ -9508,7 +9561,7 @@
               <a:t>${rewards.client.port}</a:t>
             </a:r>
             <a:r>
-              <a:rPr b="1" lang="en-US" sz="1200">
+              <a:rPr lang="en-US" sz="1200" b="1">
                 <a:solidFill>
                   <a:schemeClr val="dk1"/>
                 </a:solidFill>
@@ -9521,7 +9574,7 @@
             </a:r>
           </a:p>
           <a:p>
-            <a:pPr indent="0" lvl="0" marL="0" marR="0" rtl="0" algn="l">
+            <a:pPr marL="0" marR="0" lvl="0" indent="0" algn="l" rtl="0">
               <a:spcBef>
                 <a:spcPts val="0"/>
               </a:spcBef>
@@ -9529,7 +9582,7 @@
               <a:buNone/>
             </a:pPr>
             <a:r>
-              <a:rPr b="1" lang="en-US" sz="1200">
+              <a:rPr lang="en-US" sz="1200" b="1">
                 <a:solidFill>
                   <a:schemeClr val="dk1"/>
                 </a:solidFill>
@@ -9541,7 +9594,7 @@
               <a:t>	</a:t>
             </a:r>
             <a:r>
-              <a:rPr b="1" lang="en-US" sz="1200">
+              <a:rPr lang="en-US" sz="1200" b="1">
                 <a:solidFill>
                   <a:srgbClr val="800000"/>
                 </a:solidFill>
@@ -9553,7 +9606,7 @@
               <a:t>int</a:t>
             </a:r>
             <a:r>
-              <a:rPr b="1" lang="en-US" sz="1200">
+              <a:rPr lang="en-US" sz="1200" b="1">
                 <a:solidFill>
                   <a:schemeClr val="dk1"/>
                 </a:solidFill>
@@ -9566,16 +9619,13 @@
             </a:r>
           </a:p>
           <a:p>
-            <a:pPr indent="0" lvl="0" marL="0" marR="0" rtl="0" algn="l">
-              <a:spcBef>
-                <a:spcPts val="0"/>
-              </a:spcBef>
-              <a:buNone/>
-            </a:pPr>
-            <a:r>
-              <a:t/>
-            </a:r>
-            <a:endParaRPr b="1" sz="1200">
+            <a:pPr marL="0" marR="0" lvl="0" indent="0" algn="l" rtl="0">
+              <a:spcBef>
+                <a:spcPts val="0"/>
+              </a:spcBef>
+              <a:buNone/>
+            </a:pPr>
+            <a:endParaRPr sz="1200" b="1">
               <a:solidFill>
                 <a:schemeClr val="dk1"/>
               </a:solidFill>
@@ -9586,16 +9636,13 @@
             </a:endParaRPr>
           </a:p>
           <a:p>
-            <a:pPr indent="0" lvl="0" marL="0" marR="0" rtl="0" algn="l">
-              <a:spcBef>
-                <a:spcPts val="0"/>
-              </a:spcBef>
-              <a:buNone/>
-            </a:pPr>
-            <a:r>
-              <a:t/>
-            </a:r>
-            <a:endParaRPr b="1" sz="1200">
+            <a:pPr marL="0" marR="0" lvl="0" indent="0" algn="l" rtl="0">
+              <a:spcBef>
+                <a:spcPts val="0"/>
+              </a:spcBef>
+              <a:buNone/>
+            </a:pPr>
+            <a:endParaRPr sz="1200" b="1">
               <a:solidFill>
                 <a:schemeClr val="dk1"/>
               </a:solidFill>
@@ -9606,7 +9653,7 @@
             </a:endParaRPr>
           </a:p>
           <a:p>
-            <a:pPr indent="0" lvl="0" marL="0" marR="0" rtl="0" algn="l">
+            <a:pPr marL="0" marR="0" lvl="0" indent="0" algn="l" rtl="0">
               <a:spcBef>
                 <a:spcPts val="0"/>
               </a:spcBef>
@@ -9614,7 +9661,7 @@
               <a:buNone/>
             </a:pPr>
             <a:r>
-              <a:rPr b="1" lang="en-US" sz="1200">
+              <a:rPr lang="en-US" sz="1200" b="1">
                 <a:solidFill>
                   <a:schemeClr val="dk1"/>
                 </a:solidFill>
@@ -9627,7 +9674,7 @@
             </a:r>
           </a:p>
           <a:p>
-            <a:pPr indent="0" lvl="0" marL="0" marR="0" rtl="0" algn="l">
+            <a:pPr marL="0" marR="0" lvl="0" indent="0" algn="l" rtl="0">
               <a:spcBef>
                 <a:spcPts val="0"/>
               </a:spcBef>
@@ -9635,7 +9682,7 @@
               <a:buNone/>
             </a:pPr>
             <a:r>
-              <a:rPr b="1" lang="en-US" sz="1200">
+              <a:rPr lang="en-US" sz="1200" b="1">
                 <a:solidFill>
                   <a:schemeClr val="dk1"/>
                 </a:solidFill>
@@ -9652,7 +9699,9 @@
       <p:sp>
         <p:nvSpPr>
           <p:cNvPr id="75" name="Shape 75"/>
-          <p:cNvSpPr txBox="1"/>
+          <p:cNvSpPr txBox="1">
+            <a:spLocks noGrp="1"/>
+          </p:cNvSpPr>
           <p:nvPr>
             <p:ph type="title"/>
           </p:nvPr>
@@ -9671,12 +9720,12 @@
           </a:ln>
         </p:spPr>
         <p:txBody>
-          <a:bodyPr anchorCtr="0" anchor="t" bIns="91425" lIns="91425" rIns="91425" tIns="91425">
+          <a:bodyPr lIns="91425" tIns="91425" rIns="91425" bIns="91425" anchor="t" anchorCtr="0">
             <a:noAutofit/>
           </a:bodyPr>
           <a:lstStyle/>
           <a:p>
-            <a:pPr indent="0" lvl="0" marL="0" marR="0" rtl="0" algn="l">
+            <a:pPr marL="0" marR="0" lvl="0" indent="0" algn="l" rtl="0">
               <a:spcBef>
                 <a:spcPts val="0"/>
               </a:spcBef>
@@ -9691,7 +9740,7 @@
               <a:buNone/>
             </a:pPr>
             <a:r>
-              <a:rPr b="0" i="0" lang="en-US" sz="3600" u="none" cap="none" strike="noStrike">
+              <a:rPr lang="en-US" sz="3600" b="0" i="0" u="none" strike="noStrike" cap="none">
                 <a:solidFill>
                   <a:schemeClr val="accent1"/>
                 </a:solidFill>
@@ -9725,20 +9774,17 @@
           </a:ln>
         </p:spPr>
         <p:txBody>
-          <a:bodyPr anchorCtr="0" anchor="t" bIns="45700" lIns="91425" rIns="91425" tIns="45700">
+          <a:bodyPr lIns="91425" tIns="45700" rIns="91425" bIns="45700" anchor="t" anchorCtr="0">
             <a:noAutofit/>
           </a:bodyPr>
           <a:lstStyle/>
           <a:p>
-            <a:pPr indent="0" lvl="0" marL="0" marR="0" rtl="0" algn="l">
-              <a:spcBef>
-                <a:spcPts val="0"/>
-              </a:spcBef>
-              <a:buNone/>
-            </a:pPr>
-            <a:r>
-              <a:t/>
-            </a:r>
+            <a:pPr marL="0" marR="0" lvl="0" indent="0" algn="l" rtl="0">
+              <a:spcBef>
+                <a:spcPts val="0"/>
+              </a:spcBef>
+              <a:buNone/>
+            </a:pPr>
             <a:endParaRPr sz="1800">
               <a:solidFill>
                 <a:schemeClr val="dk1"/>
@@ -9754,9 +9800,11 @@
       <p:sp>
         <p:nvSpPr>
           <p:cNvPr id="77" name="Shape 77"/>
-          <p:cNvSpPr txBox="1"/>
+          <p:cNvSpPr txBox="1">
+            <a:spLocks noGrp="1"/>
+          </p:cNvSpPr>
           <p:nvPr>
-            <p:ph idx="1" type="body"/>
+            <p:ph type="body" idx="1"/>
           </p:nvPr>
         </p:nvSpPr>
         <p:spPr>
@@ -9773,12 +9821,12 @@
           </a:ln>
         </p:spPr>
         <p:txBody>
-          <a:bodyPr anchorCtr="0" anchor="t" bIns="45700" lIns="91425" rIns="91425" tIns="45700">
+          <a:bodyPr lIns="91425" tIns="45700" rIns="91425" bIns="45700" anchor="t" anchorCtr="0">
             <a:noAutofit/>
           </a:bodyPr>
           <a:lstStyle/>
           <a:p>
-            <a:pPr indent="0" lvl="0" marL="0" marR="0" rtl="0" algn="l">
+            <a:pPr marL="0" marR="0" lvl="0" indent="0" algn="l" rtl="0">
               <a:spcBef>
                 <a:spcPts val="0"/>
               </a:spcBef>
@@ -9792,10 +9840,7 @@
               <a:buFont typeface="Arial"/>
               <a:buNone/>
             </a:pPr>
-            <a:r>
-              <a:t/>
-            </a:r>
-            <a:endParaRPr b="0" i="0" sz="2800" u="none" cap="none" strike="noStrike">
+            <a:endParaRPr sz="2800" b="0" i="0" u="none" strike="noStrike" cap="none">
               <a:solidFill>
                 <a:schemeClr val="dk1"/>
               </a:solidFill>
@@ -9806,7 +9851,7 @@
             </a:endParaRPr>
           </a:p>
           <a:p>
-            <a:pPr indent="-342900" lvl="0" marL="342900" marR="0" rtl="0" algn="l">
+            <a:pPr marL="342900" marR="0" lvl="0" indent="-342900" algn="l" rtl="0">
               <a:spcBef>
                 <a:spcPts val="480"/>
               </a:spcBef>
@@ -9821,7 +9866,7 @@
               <a:buChar char="•"/>
             </a:pPr>
             <a:r>
-              <a:rPr b="0" i="0" lang="en-US" sz="2400" u="none" cap="none" strike="noStrike">
+              <a:rPr lang="en-US" sz="2400" b="0" i="0" u="none" strike="noStrike" cap="none">
                 <a:solidFill>
                   <a:schemeClr val="dk1"/>
                 </a:solidFill>
@@ -9834,7 +9879,7 @@
             </a:r>
           </a:p>
           <a:p>
-            <a:pPr indent="-285750" lvl="1" marL="742950" marR="0" rtl="0" algn="l">
+            <a:pPr marL="742950" marR="0" lvl="1" indent="-285750" algn="l" rtl="0">
               <a:spcBef>
                 <a:spcPts val="320"/>
               </a:spcBef>
@@ -9849,7 +9894,7 @@
               <a:buChar char="–"/>
             </a:pPr>
             <a:r>
-              <a:rPr b="0" i="0" lang="en-US" sz="1600" u="none" cap="none" strike="noStrike">
+              <a:rPr lang="en-US" sz="1600" b="0" i="0" u="none" strike="noStrike" cap="none">
                 <a:solidFill>
                   <a:schemeClr val="dk1"/>
                 </a:solidFill>
@@ -9862,7 +9907,7 @@
             </a:r>
           </a:p>
           <a:p>
-            <a:pPr indent="-285750" lvl="1" marL="742950" marR="0" rtl="0" algn="l">
+            <a:pPr marL="742950" marR="0" lvl="1" indent="-285750" algn="l" rtl="0">
               <a:spcBef>
                 <a:spcPts val="320"/>
               </a:spcBef>
@@ -9882,7 +9927,7 @@
             </a:r>
           </a:p>
           <a:p>
-            <a:pPr indent="0" lvl="1" marL="457200" marR="0" rtl="0" algn="l">
+            <a:pPr marL="457200" marR="0" lvl="1" indent="0" algn="l" rtl="0">
               <a:spcBef>
                 <a:spcPts val="320"/>
               </a:spcBef>
@@ -9896,10 +9941,7 @@
               <a:buFont typeface="Arial"/>
               <a:buNone/>
             </a:pPr>
-            <a:r>
-              <a:t/>
-            </a:r>
-            <a:endParaRPr b="0" i="0" sz="1600" u="none" cap="none" strike="noStrike">
+            <a:endParaRPr sz="1600" b="0" i="0" u="none" strike="noStrike" cap="none">
               <a:solidFill>
                 <a:schemeClr val="dk1"/>
               </a:solidFill>
@@ -9910,7 +9952,7 @@
             </a:endParaRPr>
           </a:p>
           <a:p>
-            <a:pPr indent="-342900" lvl="0" marL="342900" marR="0" rtl="0" algn="l">
+            <a:pPr marL="342900" marR="0" lvl="0" indent="-342900" algn="l" rtl="0">
               <a:spcBef>
                 <a:spcPts val="480"/>
               </a:spcBef>
@@ -9921,10 +9963,7 @@
               <a:buFont typeface="Arial"/>
               <a:buNone/>
             </a:pPr>
-            <a:r>
-              <a:t/>
-            </a:r>
-            <a:endParaRPr b="0" i="0" sz="2400" u="none" cap="none" strike="noStrike">
+            <a:endParaRPr sz="2400" b="0" i="0" u="none" strike="noStrike" cap="none">
               <a:solidFill>
                 <a:schemeClr val="dk1"/>
               </a:solidFill>
@@ -9945,11 +9984,11 @@
 </file>
 
 <file path=ppt/slides/slide7.xml><?xml version="1.0" encoding="utf-8"?>
-<p:sld xmlns:a="http://schemas.openxmlformats.org/drawingml/2006/main" xmlns:r="http://schemas.openxmlformats.org/officeDocument/2006/relationships" xmlns:mc="http://schemas.openxmlformats.org/markup-compatibility/2006" xmlns:mv="urn:schemas-microsoft-com:mac:vml" xmlns:p="http://schemas.openxmlformats.org/presentationml/2006/main" xmlns:c="http://schemas.openxmlformats.org/drawingml/2006/chart" xmlns:dgm="http://schemas.openxmlformats.org/drawingml/2006/diagram" xmlns:o="urn:schemas-microsoft-com:office:office" xmlns:v="urn:schemas-microsoft-com:vml" xmlns:pvml="urn:schemas-microsoft-com:office:powerpoint" xmlns:com="http://schemas.openxmlformats.org/drawingml/2006/compatibility" xmlns:p14="http://schemas.microsoft.com/office/powerpoint/2010/main">
+<p:sld xmlns:a="http://schemas.openxmlformats.org/drawingml/2006/main" xmlns:r="http://schemas.openxmlformats.org/officeDocument/2006/relationships" xmlns:p="http://schemas.openxmlformats.org/presentationml/2006/main">
   <p:cSld>
     <p:spTree>
       <p:nvGrpSpPr>
-        <p:cNvPr id="81" name="Shape 81"/>
+        <p:cNvPr id="1" name="Shape 81"/>
         <p:cNvGrpSpPr/>
         <p:nvPr/>
       </p:nvGrpSpPr>
@@ -9964,7 +10003,9 @@
       <p:sp>
         <p:nvSpPr>
           <p:cNvPr id="82" name="Shape 82"/>
-          <p:cNvSpPr txBox="1"/>
+          <p:cNvSpPr txBox="1">
+            <a:spLocks noGrp="1"/>
+          </p:cNvSpPr>
           <p:nvPr>
             <p:ph type="title"/>
           </p:nvPr>
@@ -9983,12 +10024,12 @@
           </a:ln>
         </p:spPr>
         <p:txBody>
-          <a:bodyPr anchorCtr="0" anchor="t" bIns="91425" lIns="91425" rIns="91425" tIns="91425">
+          <a:bodyPr lIns="91425" tIns="91425" rIns="91425" bIns="91425" anchor="t" anchorCtr="0">
             <a:noAutofit/>
           </a:bodyPr>
           <a:lstStyle/>
           <a:p>
-            <a:pPr indent="0" lvl="0" marL="0" marR="0" rtl="0" algn="l">
+            <a:pPr marL="0" marR="0" lvl="0" indent="0" algn="l" rtl="0">
               <a:spcBef>
                 <a:spcPts val="0"/>
               </a:spcBef>
@@ -10003,7 +10044,7 @@
               <a:buNone/>
             </a:pPr>
             <a:r>
-              <a:rPr b="0" i="0" lang="en-US" sz="3600" u="none" cap="none" strike="noStrike">
+              <a:rPr lang="en-US" sz="3600" b="0" i="0" u="none" strike="noStrike" cap="none">
                 <a:solidFill>
                   <a:schemeClr val="accent1"/>
                 </a:solidFill>
@@ -10020,9 +10061,11 @@
       <p:sp>
         <p:nvSpPr>
           <p:cNvPr id="83" name="Shape 83"/>
-          <p:cNvSpPr txBox="1"/>
+          <p:cNvSpPr txBox="1">
+            <a:spLocks noGrp="1"/>
+          </p:cNvSpPr>
           <p:nvPr>
-            <p:ph idx="1" type="body"/>
+            <p:ph type="body" idx="1"/>
           </p:nvPr>
         </p:nvSpPr>
         <p:spPr>
@@ -10039,12 +10082,12 @@
           </a:ln>
         </p:spPr>
         <p:txBody>
-          <a:bodyPr anchorCtr="0" anchor="t" bIns="45700" lIns="91425" rIns="91425" tIns="45700">
+          <a:bodyPr lIns="91425" tIns="45700" rIns="91425" bIns="45700" anchor="t" anchorCtr="0">
             <a:noAutofit/>
           </a:bodyPr>
           <a:lstStyle/>
           <a:p>
-            <a:pPr indent="0" lvl="0" marL="0" marR="0" rtl="0" algn="l">
+            <a:pPr marL="0" marR="0" lvl="0" indent="0" algn="l" rtl="0">
               <a:spcBef>
                 <a:spcPts val="0"/>
               </a:spcBef>
@@ -10058,10 +10101,7 @@
               <a:buFont typeface="Arial"/>
               <a:buNone/>
             </a:pPr>
-            <a:r>
-              <a:t/>
-            </a:r>
-            <a:endParaRPr b="0" i="0" sz="2800" u="none" cap="none" strike="noStrike">
+            <a:endParaRPr sz="2800" b="0" i="0" u="none" strike="noStrike" cap="none">
               <a:solidFill>
                 <a:schemeClr val="dk1"/>
               </a:solidFill>
@@ -10072,7 +10112,7 @@
             </a:endParaRPr>
           </a:p>
           <a:p>
-            <a:pPr indent="-342900" lvl="0" marL="342900" marR="0" rtl="0" algn="l">
+            <a:pPr marL="342900" marR="0" lvl="0" indent="-342900" algn="l" rtl="0">
               <a:spcBef>
                 <a:spcPts val="480"/>
               </a:spcBef>
@@ -10087,7 +10127,7 @@
               <a:buChar char="•"/>
             </a:pPr>
             <a:r>
-              <a:rPr b="0" i="0" lang="en-US" sz="2400" u="none" cap="none" strike="noStrike">
+              <a:rPr lang="en-US" sz="2400" b="0" i="0" u="none" strike="noStrike" cap="none">
                 <a:solidFill>
                   <a:schemeClr val="dk1"/>
                 </a:solidFill>
@@ -10100,7 +10140,7 @@
             </a:r>
           </a:p>
           <a:p>
-            <a:pPr indent="-285750" lvl="1" marL="742950" marR="0" rtl="0" algn="l">
+            <a:pPr marL="742950" marR="0" lvl="1" indent="-285750" algn="l" rtl="0">
               <a:spcBef>
                 <a:spcPts val="320"/>
               </a:spcBef>
@@ -10115,7 +10155,7 @@
               <a:buChar char="–"/>
             </a:pPr>
             <a:r>
-              <a:rPr b="0" i="0" lang="en-US" sz="1600" u="none" cap="none" strike="noStrike">
+              <a:rPr lang="en-US" sz="1600" b="0" i="0" u="none" strike="noStrike" cap="none">
                 <a:solidFill>
                   <a:schemeClr val="dk1"/>
                 </a:solidFill>
@@ -10128,7 +10168,7 @@
             </a:r>
           </a:p>
           <a:p>
-            <a:pPr indent="-285750" lvl="1" marL="742950" marR="0" rtl="0" algn="l">
+            <a:pPr marL="742950" marR="0" lvl="1" indent="-285750" algn="l" rtl="0">
               <a:spcBef>
                 <a:spcPts val="320"/>
               </a:spcBef>
@@ -10143,7 +10183,7 @@
               <a:buChar char="–"/>
             </a:pPr>
             <a:r>
-              <a:rPr b="0" i="0" lang="en-US" sz="1600" u="none" cap="none" strike="noStrike">
+              <a:rPr lang="en-US" sz="1600" b="0" i="0" u="none" strike="noStrike" cap="none">
                 <a:solidFill>
                   <a:schemeClr val="dk1"/>
                 </a:solidFill>
@@ -10156,7 +10196,7 @@
             </a:r>
           </a:p>
           <a:p>
-            <a:pPr indent="-285750" lvl="1" marL="742950" marR="0" rtl="0" algn="l">
+            <a:pPr marL="742950" marR="0" lvl="1" indent="-285750" algn="l" rtl="0">
               <a:spcBef>
                 <a:spcPts val="320"/>
               </a:spcBef>
@@ -10171,7 +10211,7 @@
               <a:buChar char="–"/>
             </a:pPr>
             <a:r>
-              <a:rPr b="0" i="0" lang="en-US" sz="1600" u="none" cap="none" strike="noStrike">
+              <a:rPr lang="en-US" sz="1600" b="0" i="0" u="none" strike="noStrike" cap="none">
                 <a:solidFill>
                   <a:schemeClr val="dk1"/>
                 </a:solidFill>
@@ -10184,7 +10224,7 @@
             </a:r>
           </a:p>
           <a:p>
-            <a:pPr indent="-342900" lvl="0" marL="342900" marR="0" rtl="0" algn="l">
+            <a:pPr marL="342900" marR="0" lvl="0" indent="-342900" algn="l" rtl="0">
               <a:spcBef>
                 <a:spcPts val="480"/>
               </a:spcBef>
@@ -10195,10 +10235,7 @@
               <a:buFont typeface="Arial"/>
               <a:buNone/>
             </a:pPr>
-            <a:r>
-              <a:t/>
-            </a:r>
-            <a:endParaRPr b="0" i="0" sz="2400" u="none" cap="none" strike="noStrike">
+            <a:endParaRPr sz="2400" b="0" i="0" u="none" strike="noStrike" cap="none">
               <a:solidFill>
                 <a:schemeClr val="dk1"/>
               </a:solidFill>
@@ -10230,20 +10267,17 @@
           </a:ln>
         </p:spPr>
         <p:txBody>
-          <a:bodyPr anchorCtr="0" anchor="t" bIns="45700" lIns="91425" rIns="91425" tIns="45700">
+          <a:bodyPr lIns="91425" tIns="45700" rIns="91425" bIns="45700" anchor="t" anchorCtr="0">
             <a:noAutofit/>
           </a:bodyPr>
           <a:lstStyle/>
           <a:p>
-            <a:pPr indent="0" lvl="0" marL="0" marR="0" rtl="0" algn="l">
-              <a:spcBef>
-                <a:spcPts val="0"/>
-              </a:spcBef>
-              <a:buNone/>
-            </a:pPr>
-            <a:r>
-              <a:t/>
-            </a:r>
+            <a:pPr marL="0" marR="0" lvl="0" indent="0" algn="l" rtl="0">
+              <a:spcBef>
+                <a:spcPts val="0"/>
+              </a:spcBef>
+              <a:buNone/>
+            </a:pPr>
             <a:endParaRPr sz="1800">
               <a:solidFill>
                 <a:schemeClr val="dk1"/>
@@ -10273,17 +10307,17 @@
           <a:solidFill>
             <a:srgbClr val="FFFFCC"/>
           </a:solidFill>
-          <a:ln cap="flat" cmpd="sng" w="9525">
+          <a:ln w="9525" cap="flat" cmpd="sng">
             <a:solidFill>
               <a:srgbClr val="FFFFCC"/>
             </a:solidFill>
             <a:prstDash val="solid"/>
             <a:round/>
-            <a:headEnd len="med" w="med" type="none"/>
-            <a:tailEnd len="med" w="med" type="none"/>
+            <a:headEnd type="none" w="med" len="med"/>
+            <a:tailEnd type="none" w="med" len="med"/>
           </a:ln>
           <a:effectLst>
-            <a:outerShdw blurRad="39999" rotWithShape="0" dir="5400000" dist="23000">
+            <a:outerShdw blurRad="39999" dist="23000" dir="5400000" rotWithShape="0">
               <a:srgbClr val="000000">
                 <a:alpha val="34901"/>
               </a:srgbClr>
@@ -10291,12 +10325,12 @@
           </a:effectLst>
         </p:spPr>
         <p:txBody>
-          <a:bodyPr anchorCtr="0" anchor="ctr" bIns="45700" lIns="91425" rIns="91425" tIns="45700">
+          <a:bodyPr lIns="91425" tIns="45700" rIns="91425" bIns="45700" anchor="ctr" anchorCtr="0">
             <a:noAutofit/>
           </a:bodyPr>
           <a:lstStyle/>
           <a:p>
-            <a:pPr indent="0" lvl="0" marL="0" marR="0" rtl="0" algn="l">
+            <a:pPr marL="0" marR="0" lvl="0" indent="0" algn="l" rtl="0">
               <a:spcBef>
                 <a:spcPts val="0"/>
               </a:spcBef>
@@ -10304,7 +10338,7 @@
               <a:buNone/>
             </a:pPr>
             <a:r>
-              <a:rPr b="1" lang="en-US" sz="1200">
+              <a:rPr lang="en-US" sz="1200" b="1">
                 <a:solidFill>
                   <a:srgbClr val="7F7F7F"/>
                 </a:solidFill>
@@ -10316,7 +10350,7 @@
               <a:t>@ConfigurationProperties</a:t>
             </a:r>
             <a:r>
-              <a:rPr b="1" lang="en-US" sz="1200">
+              <a:rPr lang="en-US" sz="1200" b="1">
                 <a:solidFill>
                   <a:schemeClr val="dk1"/>
                 </a:solidFill>
@@ -10328,7 +10362,7 @@
               <a:t>(prefix=“</a:t>
             </a:r>
             <a:r>
-              <a:rPr b="1" lang="en-US" sz="1200">
+              <a:rPr lang="en-US" sz="1200" b="1">
                 <a:solidFill>
                   <a:srgbClr val="3366FF"/>
                 </a:solidFill>
@@ -10340,7 +10374,7 @@
               <a:t>rewards.client</a:t>
             </a:r>
             <a:r>
-              <a:rPr b="1" lang="en-US" sz="1200">
+              <a:rPr lang="en-US" sz="1200" b="1">
                 <a:solidFill>
                   <a:schemeClr val="dk1"/>
                 </a:solidFill>
@@ -10353,7 +10387,7 @@
             </a:r>
           </a:p>
           <a:p>
-            <a:pPr indent="0" lvl="0" marL="0" marR="0" rtl="0" algn="l">
+            <a:pPr marL="0" marR="0" lvl="0" indent="0" algn="l" rtl="0">
               <a:spcBef>
                 <a:spcPts val="0"/>
               </a:spcBef>
@@ -10361,7 +10395,7 @@
               <a:buNone/>
             </a:pPr>
             <a:r>
-              <a:rPr b="1" lang="en-US" sz="1200">
+              <a:rPr lang="en-US" sz="1200" b="1">
                 <a:solidFill>
                   <a:srgbClr val="800000"/>
                 </a:solidFill>
@@ -10373,7 +10407,7 @@
               <a:t>public</a:t>
             </a:r>
             <a:r>
-              <a:rPr b="1" lang="en-US" sz="1200">
+              <a:rPr lang="en-US" sz="1200" b="1">
                 <a:solidFill>
                   <a:schemeClr val="dk1"/>
                 </a:solidFill>
@@ -10385,7 +10419,7 @@
               <a:t> </a:t>
             </a:r>
             <a:r>
-              <a:rPr b="1" lang="en-US" sz="1200">
+              <a:rPr lang="en-US" sz="1200" b="1">
                 <a:solidFill>
                   <a:srgbClr val="800000"/>
                 </a:solidFill>
@@ -10397,53 +10431,26 @@
               <a:t>class</a:t>
             </a:r>
             <a:r>
-              <a:rPr b="1" lang="en-US" sz="1200">
-                <a:solidFill>
-                  <a:schemeClr val="dk1"/>
-                </a:solidFill>
-                <a:latin typeface="Arial"/>
-                <a:ea typeface="Arial"/>
-                <a:cs typeface="Arial"/>
-                <a:sym typeface="Arial"/>
-              </a:rPr>
-              <a:t> </a:t>
-            </a:r>
-            <a:r>
-              <a:rPr b="1" lang="en-US" sz="1200">
-                <a:solidFill>
-                  <a:schemeClr val="dk1"/>
-                </a:solidFill>
-                <a:latin typeface="Arial"/>
-                <a:ea typeface="Arial"/>
-                <a:cs typeface="Arial"/>
-                <a:sym typeface="Arial"/>
-              </a:rPr>
-              <a:t>Connection</a:t>
-            </a:r>
-            <a:r>
-              <a:rPr b="1" lang="en-US" sz="1200">
-                <a:solidFill>
-                  <a:schemeClr val="dk1"/>
-                </a:solidFill>
-                <a:latin typeface="Arial"/>
-                <a:ea typeface="Arial"/>
-                <a:cs typeface="Arial"/>
-                <a:sym typeface="Arial"/>
-              </a:rPr>
-              <a:t>Settings {</a:t>
-            </a:r>
-          </a:p>
-          <a:p>
-            <a:pPr indent="0" lvl="0" marL="0" marR="0" rtl="0" algn="l">
-              <a:spcBef>
-                <a:spcPts val="0"/>
-              </a:spcBef>
-              <a:buNone/>
-            </a:pPr>
-            <a:r>
-              <a:t/>
-            </a:r>
-            <a:endParaRPr b="1" sz="1200">
+              <a:rPr lang="en-US" sz="1200" b="1">
+                <a:solidFill>
+                  <a:schemeClr val="dk1"/>
+                </a:solidFill>
+                <a:latin typeface="Arial"/>
+                <a:ea typeface="Arial"/>
+                <a:cs typeface="Arial"/>
+                <a:sym typeface="Arial"/>
+              </a:rPr>
+              <a:t> ConnectionSettings {</a:t>
+            </a:r>
+          </a:p>
+          <a:p>
+            <a:pPr marL="0" marR="0" lvl="0" indent="0" algn="l" rtl="0">
+              <a:spcBef>
+                <a:spcPts val="0"/>
+              </a:spcBef>
+              <a:buNone/>
+            </a:pPr>
+            <a:endParaRPr sz="1200" b="1">
               <a:solidFill>
                 <a:schemeClr val="dk1"/>
               </a:solidFill>
@@ -10454,7 +10461,7 @@
             </a:endParaRPr>
           </a:p>
           <a:p>
-            <a:pPr indent="0" lvl="0" marL="0" marR="0" rtl="0" algn="l">
+            <a:pPr marL="0" marR="0" lvl="0" indent="0" algn="l" rtl="0">
               <a:spcBef>
                 <a:spcPts val="0"/>
               </a:spcBef>
@@ -10462,44 +10469,20 @@
               <a:buNone/>
             </a:pPr>
             <a:r>
-              <a:rPr b="1" lang="en-US" sz="1200">
-                <a:solidFill>
-                  <a:schemeClr val="dk1"/>
-                </a:solidFill>
-                <a:latin typeface="Arial"/>
-                <a:ea typeface="Arial"/>
-                <a:cs typeface="Arial"/>
-                <a:sym typeface="Arial"/>
-              </a:rPr>
-              <a:t>	String </a:t>
-            </a:r>
-            <a:r>
-              <a:rPr b="1" lang="en-US" sz="1200">
-                <a:solidFill>
-                  <a:schemeClr val="dk1"/>
-                </a:solidFill>
-                <a:latin typeface="Arial"/>
-                <a:ea typeface="Arial"/>
-                <a:cs typeface="Arial"/>
-                <a:sym typeface="Arial"/>
-              </a:rPr>
-              <a:t>host</a:t>
-            </a:r>
-            <a:r>
-              <a:rPr b="1" lang="en-US" sz="1200">
-                <a:solidFill>
-                  <a:schemeClr val="dk1"/>
-                </a:solidFill>
-                <a:latin typeface="Arial"/>
-                <a:ea typeface="Arial"/>
-                <a:cs typeface="Arial"/>
-                <a:sym typeface="Arial"/>
-              </a:rPr>
-              <a:t>;</a:t>
-            </a:r>
-          </a:p>
-          <a:p>
-            <a:pPr indent="0" lvl="0" marL="0" marR="0" rtl="0" algn="l">
+              <a:rPr lang="en-US" sz="1200" b="1">
+                <a:solidFill>
+                  <a:schemeClr val="dk1"/>
+                </a:solidFill>
+                <a:latin typeface="Arial"/>
+                <a:ea typeface="Arial"/>
+                <a:cs typeface="Arial"/>
+                <a:sym typeface="Arial"/>
+              </a:rPr>
+              <a:t>	String host;</a:t>
+            </a:r>
+          </a:p>
+          <a:p>
+            <a:pPr marL="0" marR="0" lvl="0" indent="0" algn="l" rtl="0">
               <a:spcBef>
                 <a:spcPts val="0"/>
               </a:spcBef>
@@ -10507,7 +10490,7 @@
               <a:buNone/>
             </a:pPr>
             <a:r>
-              <a:rPr b="1" lang="en-US" sz="1200">
+              <a:rPr lang="en-US" sz="1200" b="1">
                 <a:solidFill>
                   <a:schemeClr val="dk1"/>
                 </a:solidFill>
@@ -10519,7 +10502,7 @@
               <a:t>	</a:t>
             </a:r>
             <a:r>
-              <a:rPr b="1" lang="en-US" sz="1200">
+              <a:rPr lang="en-US" sz="1200" b="1">
                 <a:solidFill>
                   <a:srgbClr val="800000"/>
                 </a:solidFill>
@@ -10531,7 +10514,7 @@
               <a:t>int</a:t>
             </a:r>
             <a:r>
-              <a:rPr b="1" lang="en-US" sz="1200">
+              <a:rPr lang="en-US" sz="1200" b="1">
                 <a:solidFill>
                   <a:schemeClr val="dk1"/>
                 </a:solidFill>
@@ -10544,16 +10527,13 @@
             </a:r>
           </a:p>
           <a:p>
-            <a:pPr indent="0" lvl="0" marL="0" marR="0" rtl="0" algn="l">
-              <a:spcBef>
-                <a:spcPts val="0"/>
-              </a:spcBef>
-              <a:buNone/>
-            </a:pPr>
-            <a:r>
-              <a:t/>
-            </a:r>
-            <a:endParaRPr b="1" sz="1200">
+            <a:pPr marL="0" marR="0" lvl="0" indent="0" algn="l" rtl="0">
+              <a:spcBef>
+                <a:spcPts val="0"/>
+              </a:spcBef>
+              <a:buNone/>
+            </a:pPr>
+            <a:endParaRPr sz="1200" b="1">
               <a:solidFill>
                 <a:schemeClr val="dk1"/>
               </a:solidFill>
@@ -10564,7 +10544,7 @@
             </a:endParaRPr>
           </a:p>
           <a:p>
-            <a:pPr indent="0" lvl="0" marL="0" marR="0" rtl="0" algn="l">
+            <a:pPr marL="0" marR="0" lvl="0" indent="0" algn="l" rtl="0">
               <a:spcBef>
                 <a:spcPts val="0"/>
               </a:spcBef>
@@ -10572,7 +10552,7 @@
               <a:buNone/>
             </a:pPr>
             <a:r>
-              <a:rPr b="1" lang="en-US" sz="1200">
+              <a:rPr lang="en-US" sz="1200" b="1">
                 <a:solidFill>
                   <a:srgbClr val="408000"/>
                 </a:solidFill>
@@ -10585,16 +10565,13 @@
             </a:r>
           </a:p>
           <a:p>
-            <a:pPr indent="0" lvl="0" marL="0" marR="0" rtl="0" algn="l">
-              <a:spcBef>
-                <a:spcPts val="0"/>
-              </a:spcBef>
-              <a:buNone/>
-            </a:pPr>
-            <a:r>
-              <a:t/>
-            </a:r>
-            <a:endParaRPr b="1" sz="1200">
+            <a:pPr marL="0" marR="0" lvl="0" indent="0" algn="l" rtl="0">
+              <a:spcBef>
+                <a:spcPts val="0"/>
+              </a:spcBef>
+              <a:buNone/>
+            </a:pPr>
+            <a:endParaRPr sz="1200" b="1">
               <a:solidFill>
                 <a:schemeClr val="dk1"/>
               </a:solidFill>
@@ -10605,7 +10582,7 @@
             </a:endParaRPr>
           </a:p>
           <a:p>
-            <a:pPr indent="0" lvl="0" marL="0" marR="0" rtl="0" algn="l">
+            <a:pPr marL="0" marR="0" lvl="0" indent="0" algn="l" rtl="0">
               <a:spcBef>
                 <a:spcPts val="0"/>
               </a:spcBef>
@@ -10613,7 +10590,7 @@
               <a:buNone/>
             </a:pPr>
             <a:r>
-              <a:rPr b="1" lang="en-US" sz="1200">
+              <a:rPr lang="en-US" sz="1200" b="1">
                 <a:solidFill>
                   <a:schemeClr val="dk1"/>
                 </a:solidFill>
@@ -10626,7 +10603,7 @@
             </a:r>
           </a:p>
           <a:p>
-            <a:pPr indent="0" lvl="0" marL="0" marR="0" rtl="0" algn="l">
+            <a:pPr marL="0" marR="0" lvl="0" indent="0" algn="l" rtl="0">
               <a:spcBef>
                 <a:spcPts val="0"/>
               </a:spcBef>
@@ -10634,7 +10611,7 @@
               <a:buNone/>
             </a:pPr>
             <a:r>
-              <a:rPr b="1" lang="en-US" sz="1200">
+              <a:rPr lang="en-US" sz="1200" b="1">
                 <a:solidFill>
                   <a:schemeClr val="dk1"/>
                 </a:solidFill>
@@ -10661,23 +10638,23 @@
           </a:xfrm>
           <a:prstGeom prst="roundRect">
             <a:avLst>
-              <a:gd fmla="val 16667" name="adj"/>
+              <a:gd name="adj" fmla="val 16667"/>
             </a:avLst>
           </a:prstGeom>
           <a:solidFill>
             <a:schemeClr val="lt1"/>
           </a:solidFill>
-          <a:ln cap="flat" cmpd="sng" w="9525">
+          <a:ln w="9525" cap="flat" cmpd="sng">
             <a:solidFill>
               <a:srgbClr val="A5A5A5"/>
             </a:solidFill>
             <a:prstDash val="solid"/>
             <a:round/>
-            <a:headEnd len="med" w="med" type="none"/>
-            <a:tailEnd len="med" w="med" type="none"/>
+            <a:headEnd type="none" w="med" len="med"/>
+            <a:tailEnd type="none" w="med" len="med"/>
           </a:ln>
           <a:effectLst>
-            <a:outerShdw blurRad="39999" rotWithShape="0" dir="5400000" dist="23000">
+            <a:outerShdw blurRad="39999" dist="23000" dir="5400000" rotWithShape="0">
               <a:srgbClr val="000000">
                 <a:alpha val="34901"/>
               </a:srgbClr>
@@ -10685,12 +10662,12 @@
           </a:effectLst>
         </p:spPr>
         <p:txBody>
-          <a:bodyPr anchorCtr="0" anchor="ctr" bIns="45700" lIns="91425" rIns="91425" tIns="45700">
+          <a:bodyPr lIns="91425" tIns="45700" rIns="91425" bIns="45700" anchor="ctr" anchorCtr="0">
             <a:noAutofit/>
           </a:bodyPr>
           <a:lstStyle/>
           <a:p>
-            <a:pPr indent="0" lvl="0" marL="0" marR="0" rtl="0" algn="l">
+            <a:pPr marL="0" marR="0" lvl="0" indent="0" algn="l" rtl="0">
               <a:spcBef>
                 <a:spcPts val="0"/>
               </a:spcBef>
@@ -10711,7 +10688,7 @@
             </a:r>
           </a:p>
           <a:p>
-            <a:pPr indent="0" lvl="0" marL="0" marR="0" rtl="0" algn="l">
+            <a:pPr marL="0" marR="0" lvl="0" indent="0" algn="l" rtl="0">
               <a:spcBef>
                 <a:spcPts val="0"/>
               </a:spcBef>
@@ -10742,11 +10719,11 @@
 </file>
 
 <file path=ppt/slides/slide8.xml><?xml version="1.0" encoding="utf-8"?>
-<p:sld xmlns:a="http://schemas.openxmlformats.org/drawingml/2006/main" xmlns:r="http://schemas.openxmlformats.org/officeDocument/2006/relationships" xmlns:mc="http://schemas.openxmlformats.org/markup-compatibility/2006" xmlns:mv="urn:schemas-microsoft-com:mac:vml" xmlns:p="http://schemas.openxmlformats.org/presentationml/2006/main" xmlns:c="http://schemas.openxmlformats.org/drawingml/2006/chart" xmlns:dgm="http://schemas.openxmlformats.org/drawingml/2006/diagram" xmlns:o="urn:schemas-microsoft-com:office:office" xmlns:v="urn:schemas-microsoft-com:vml" xmlns:pvml="urn:schemas-microsoft-com:office:powerpoint" xmlns:com="http://schemas.openxmlformats.org/drawingml/2006/compatibility" xmlns:p14="http://schemas.microsoft.com/office/powerpoint/2010/main">
+<p:sld xmlns:a="http://schemas.openxmlformats.org/drawingml/2006/main" xmlns:r="http://schemas.openxmlformats.org/officeDocument/2006/relationships" xmlns:p="http://schemas.openxmlformats.org/presentationml/2006/main">
   <p:cSld>
     <p:spTree>
       <p:nvGrpSpPr>
-        <p:cNvPr id="90" name="Shape 90"/>
+        <p:cNvPr id="1" name="Shape 90"/>
         <p:cNvGrpSpPr/>
         <p:nvPr/>
       </p:nvGrpSpPr>
@@ -10775,17 +10752,17 @@
           <a:solidFill>
             <a:srgbClr val="FFFFCC"/>
           </a:solidFill>
-          <a:ln cap="flat" cmpd="sng" w="9525">
+          <a:ln w="9525" cap="flat" cmpd="sng">
             <a:solidFill>
               <a:srgbClr val="FFFFCC"/>
             </a:solidFill>
             <a:prstDash val="solid"/>
             <a:round/>
-            <a:headEnd len="med" w="med" type="none"/>
-            <a:tailEnd len="med" w="med" type="none"/>
+            <a:headEnd type="none" w="med" len="med"/>
+            <a:tailEnd type="none" w="med" len="med"/>
           </a:ln>
           <a:effectLst>
-            <a:outerShdw blurRad="39999" rotWithShape="0" dir="5400000" dist="23000">
+            <a:outerShdw blurRad="39999" dist="23000" dir="5400000" rotWithShape="0">
               <a:srgbClr val="000000">
                 <a:alpha val="34901"/>
               </a:srgbClr>
@@ -10793,12 +10770,12 @@
           </a:effectLst>
         </p:spPr>
         <p:txBody>
-          <a:bodyPr anchorCtr="0" anchor="ctr" bIns="45700" lIns="91425" rIns="91425" tIns="45700">
+          <a:bodyPr lIns="91425" tIns="45700" rIns="91425" bIns="45700" anchor="ctr" anchorCtr="0">
             <a:noAutofit/>
           </a:bodyPr>
           <a:lstStyle/>
           <a:p>
-            <a:pPr indent="0" lvl="0" marL="0" marR="0" rtl="0" algn="l">
+            <a:pPr marL="0" marR="0" lvl="0" indent="0" algn="l" rtl="0">
               <a:spcBef>
                 <a:spcPts val="0"/>
               </a:spcBef>
@@ -10819,7 +10796,7 @@
             </a:r>
           </a:p>
           <a:p>
-            <a:pPr indent="0" lvl="0" marL="0" marR="0" rtl="0" algn="l">
+            <a:pPr marL="0" marR="0" lvl="0" indent="0" algn="l" rtl="0">
               <a:spcBef>
                 <a:spcPts val="0"/>
               </a:spcBef>
@@ -10852,7 +10829,7 @@
             </a:r>
           </a:p>
           <a:p>
-            <a:pPr indent="0" lvl="0" marL="0" marR="0" rtl="0" algn="l">
+            <a:pPr marL="0" marR="0" lvl="0" indent="0" algn="l" rtl="0">
               <a:spcBef>
                 <a:spcPts val="0"/>
               </a:spcBef>
@@ -10905,43 +10882,16 @@
                 <a:cs typeface="Arial"/>
                 <a:sym typeface="Arial"/>
               </a:rPr>
-              <a:t> </a:t>
-            </a:r>
-            <a:r>
-              <a:rPr lang="en-US" sz="1200">
-                <a:solidFill>
-                  <a:schemeClr val="dk1"/>
-                </a:solidFill>
-                <a:latin typeface="Arial"/>
-                <a:ea typeface="Arial"/>
-                <a:cs typeface="Arial"/>
-                <a:sym typeface="Arial"/>
-              </a:rPr>
-              <a:t>RewardsClient</a:t>
-            </a:r>
-            <a:r>
-              <a:rPr lang="en-US" sz="1200">
-                <a:solidFill>
-                  <a:schemeClr val="dk1"/>
-                </a:solidFill>
-                <a:latin typeface="Arial"/>
-                <a:ea typeface="Arial"/>
-                <a:cs typeface="Arial"/>
-                <a:sym typeface="Arial"/>
-              </a:rPr>
-              <a:t>Configuration {</a:t>
-            </a:r>
-          </a:p>
-          <a:p>
-            <a:pPr indent="0" lvl="0" marL="0" marR="0" rtl="0" algn="l">
-              <a:spcBef>
-                <a:spcPts val="0"/>
-              </a:spcBef>
-              <a:buNone/>
-            </a:pPr>
-            <a:r>
-              <a:t/>
-            </a:r>
+              <a:t> RewardsClientConfiguration {</a:t>
+            </a:r>
+          </a:p>
+          <a:p>
+            <a:pPr marL="0" marR="0" lvl="0" indent="0" algn="l" rtl="0">
+              <a:spcBef>
+                <a:spcPts val="0"/>
+              </a:spcBef>
+              <a:buNone/>
+            </a:pPr>
             <a:endParaRPr sz="1200">
               <a:solidFill>
                 <a:schemeClr val="dk1"/>
@@ -10953,7 +10903,7 @@
             </a:endParaRPr>
           </a:p>
           <a:p>
-            <a:pPr indent="0" lvl="0" marL="0" marR="0" rtl="0" algn="l">
+            <a:pPr marL="0" marR="0" lvl="0" indent="0" algn="l" rtl="0">
               <a:spcBef>
                 <a:spcPts val="0"/>
               </a:spcBef>
@@ -10986,7 +10936,7 @@
             </a:r>
           </a:p>
           <a:p>
-            <a:pPr indent="0" lvl="0" marL="0" marR="0" rtl="0" algn="l">
+            <a:pPr marL="0" marR="0" lvl="0" indent="0" algn="l" rtl="0">
               <a:spcBef>
                 <a:spcPts val="0"/>
               </a:spcBef>
@@ -11003,19 +10953,19 @@
                 <a:cs typeface="Arial"/>
                 <a:sym typeface="Arial"/>
               </a:rPr>
-              <a:t>	</a:t>
+              <a:t>	ConnectionSettings </a:t>
             </a:r>
             <a:r>
               <a:rPr lang="en-US" sz="1200">
                 <a:solidFill>
-                  <a:schemeClr val="dk1"/>
-                </a:solidFill>
-                <a:latin typeface="Arial"/>
-                <a:ea typeface="Arial"/>
-                <a:cs typeface="Arial"/>
-                <a:sym typeface="Arial"/>
-              </a:rPr>
-              <a:t>Connection</a:t>
+                  <a:srgbClr val="0000FF"/>
+                </a:solidFill>
+                <a:latin typeface="Arial"/>
+                <a:ea typeface="Arial"/>
+                <a:cs typeface="Arial"/>
+                <a:sym typeface="Arial"/>
+              </a:rPr>
+              <a:t>connectionSettings</a:t>
             </a:r>
             <a:r>
               <a:rPr lang="en-US" sz="1200">
@@ -11027,55 +10977,16 @@
                 <a:cs typeface="Arial"/>
                 <a:sym typeface="Arial"/>
               </a:rPr>
-              <a:t>Settings </a:t>
-            </a:r>
-            <a:r>
-              <a:rPr lang="en-US" sz="1200">
-                <a:solidFill>
-                  <a:srgbClr val="0000FF"/>
-                </a:solidFill>
-                <a:latin typeface="Arial"/>
-                <a:ea typeface="Arial"/>
-                <a:cs typeface="Arial"/>
-                <a:sym typeface="Arial"/>
-              </a:rPr>
-              <a:t>connection</a:t>
-            </a:r>
-            <a:r>
-              <a:rPr lang="en-US" sz="1200">
-                <a:solidFill>
-                  <a:srgbClr val="0000FF"/>
-                </a:solidFill>
-                <a:latin typeface="Arial"/>
-                <a:ea typeface="Arial"/>
-                <a:cs typeface="Arial"/>
-                <a:sym typeface="Arial"/>
-              </a:rPr>
-              <a:t>Settings</a:t>
-            </a:r>
-            <a:r>
-              <a:rPr lang="en-US" sz="1200">
-                <a:solidFill>
-                  <a:schemeClr val="dk1"/>
-                </a:solidFill>
-                <a:latin typeface="Arial"/>
-                <a:ea typeface="Arial"/>
-                <a:cs typeface="Arial"/>
-                <a:sym typeface="Arial"/>
-              </a:rPr>
               <a:t>;</a:t>
             </a:r>
           </a:p>
           <a:p>
-            <a:pPr indent="0" lvl="0" marL="0" marR="0" rtl="0" algn="l">
-              <a:spcBef>
-                <a:spcPts val="0"/>
-              </a:spcBef>
-              <a:buNone/>
-            </a:pPr>
-            <a:r>
-              <a:t/>
-            </a:r>
+            <a:pPr marL="0" marR="0" lvl="0" indent="0" algn="l" rtl="0">
+              <a:spcBef>
+                <a:spcPts val="0"/>
+              </a:spcBef>
+              <a:buNone/>
+            </a:pPr>
             <a:endParaRPr sz="1200">
               <a:solidFill>
                 <a:schemeClr val="dk1"/>
@@ -11087,7 +10998,7 @@
             </a:endParaRPr>
           </a:p>
           <a:p>
-            <a:pPr indent="0" lvl="0" marL="0" marR="0" rtl="0" algn="l">
+            <a:pPr marL="0" marR="0" lvl="0" indent="0" algn="l" rtl="0">
               <a:spcBef>
                 <a:spcPts val="0"/>
               </a:spcBef>
@@ -11120,7 +11031,7 @@
             </a:r>
           </a:p>
           <a:p>
-            <a:pPr indent="0" lvl="0" marL="0" marR="0" rtl="0" algn="l">
+            <a:pPr marL="0" marR="0" lvl="0" indent="0" algn="l" rtl="0">
               <a:spcBef>
                 <a:spcPts val="0"/>
               </a:spcBef>
@@ -11161,19 +11072,64 @@
                 <a:cs typeface="Arial"/>
                 <a:sym typeface="Arial"/>
               </a:rPr>
+              <a:t> RewardClient rewardClient() {</a:t>
+            </a:r>
+          </a:p>
+          <a:p>
+            <a:pPr marL="0" marR="0" lvl="0" indent="0" algn="l" rtl="0">
+              <a:spcBef>
+                <a:spcPts val="0"/>
+              </a:spcBef>
+              <a:buSzPct val="25000"/>
+              <a:buNone/>
+            </a:pPr>
+            <a:r>
+              <a:rPr lang="en-US" sz="1200">
+                <a:solidFill>
+                  <a:schemeClr val="dk1"/>
+                </a:solidFill>
+                <a:latin typeface="Arial"/>
+                <a:ea typeface="Arial"/>
+                <a:cs typeface="Arial"/>
+                <a:sym typeface="Arial"/>
+              </a:rPr>
+              <a:t>		</a:t>
+            </a:r>
+            <a:r>
+              <a:rPr lang="en-US" sz="1200">
+                <a:solidFill>
+                  <a:srgbClr val="800000"/>
+                </a:solidFill>
+                <a:latin typeface="Arial"/>
+                <a:ea typeface="Arial"/>
+                <a:cs typeface="Arial"/>
+                <a:sym typeface="Arial"/>
+              </a:rPr>
+              <a:t>return</a:t>
+            </a:r>
+            <a:r>
+              <a:rPr lang="en-US" sz="1200">
+                <a:solidFill>
+                  <a:schemeClr val="dk1"/>
+                </a:solidFill>
+                <a:latin typeface="Arial"/>
+                <a:ea typeface="Arial"/>
+                <a:cs typeface="Arial"/>
+                <a:sym typeface="Arial"/>
+              </a:rPr>
               <a:t> </a:t>
             </a:r>
             <a:r>
               <a:rPr lang="en-US" sz="1200">
                 <a:solidFill>
-                  <a:schemeClr val="dk1"/>
-                </a:solidFill>
-                <a:latin typeface="Arial"/>
-                <a:ea typeface="Arial"/>
-                <a:cs typeface="Arial"/>
-                <a:sym typeface="Arial"/>
-              </a:rPr>
-              <a:t>Reward</a:t>
+                  <a:srgbClr val="800000"/>
+                </a:solidFill>
+                <a:latin typeface="Arial"/>
+                <a:ea typeface="Arial"/>
+                <a:cs typeface="Arial"/>
+                <a:sym typeface="Arial"/>
+              </a:rPr>
+              <a:t>new</a:t>
             </a:r>
             <a:r>
               <a:rPr lang="en-US" sz="1200">
@@ -11185,8 +11141,17 @@
                 <a:cs typeface="Arial"/>
                 <a:sym typeface="Arial"/>
               </a:rPr>
-              <a:t>Client </a:t>
-            </a:r>
+              <a:t> RewardClient(</a:t>
+            </a:r>
+          </a:p>
+          <a:p>
+            <a:pPr marL="0" marR="0" lvl="0" indent="0" algn="l" rtl="0">
+              <a:spcBef>
+                <a:spcPts val="0"/>
+              </a:spcBef>
+              <a:buSzPct val="25000"/>
+              <a:buNone/>
+            </a:pPr>
             <a:r>
               <a:rPr lang="en-US" sz="1200">
                 <a:solidFill>
@@ -11197,23 +11162,35 @@
                 <a:cs typeface="Arial"/>
                 <a:sym typeface="Arial"/>
               </a:rPr>
-              <a:t>reward</a:t>
+              <a:t>			</a:t>
             </a:r>
             <a:r>
               <a:rPr lang="en-US" sz="1200">
                 <a:solidFill>
-                  <a:schemeClr val="dk1"/>
-                </a:solidFill>
-                <a:latin typeface="Arial"/>
-                <a:ea typeface="Arial"/>
-                <a:cs typeface="Arial"/>
-                <a:sym typeface="Arial"/>
-              </a:rPr>
-              <a:t>Client() {</a:t>
-            </a:r>
-          </a:p>
-          <a:p>
-            <a:pPr indent="0" lvl="0" marL="0" marR="0" rtl="0" algn="l">
+                  <a:srgbClr val="0000FF"/>
+                </a:solidFill>
+                <a:latin typeface="Arial"/>
+                <a:ea typeface="Arial"/>
+                <a:cs typeface="Arial"/>
+                <a:sym typeface="Arial"/>
+              </a:rPr>
+              <a:t>connectionSettings</a:t>
+            </a:r>
+            <a:r>
+              <a:rPr lang="en-US" sz="1200">
+                <a:solidFill>
+                  <a:schemeClr val="dk1"/>
+                </a:solidFill>
+                <a:latin typeface="Arial"/>
+                <a:ea typeface="Arial"/>
+                <a:cs typeface="Arial"/>
+                <a:sym typeface="Arial"/>
+              </a:rPr>
+              <a:t>.getHost(),</a:t>
+            </a:r>
+          </a:p>
+          <a:p>
+            <a:pPr marL="0" marR="0" lvl="0" indent="0" algn="l" rtl="0">
               <a:spcBef>
                 <a:spcPts val="0"/>
               </a:spcBef>
@@ -11230,19 +11207,19 @@
                 <a:cs typeface="Arial"/>
                 <a:sym typeface="Arial"/>
               </a:rPr>
-              <a:t>		</a:t>
+              <a:t>			</a:t>
             </a:r>
             <a:r>
               <a:rPr lang="en-US" sz="1200">
                 <a:solidFill>
-                  <a:srgbClr val="800000"/>
-                </a:solidFill>
-                <a:latin typeface="Arial"/>
-                <a:ea typeface="Arial"/>
-                <a:cs typeface="Arial"/>
-                <a:sym typeface="Arial"/>
-              </a:rPr>
-              <a:t>return</a:t>
+                  <a:srgbClr val="0000FF"/>
+                </a:solidFill>
+                <a:latin typeface="Arial"/>
+                <a:ea typeface="Arial"/>
+                <a:cs typeface="Arial"/>
+                <a:sym typeface="Arial"/>
+              </a:rPr>
+              <a:t>connectionSettings</a:t>
             </a:r>
             <a:r>
               <a:rPr lang="en-US" sz="1200">
@@ -11254,182 +11231,20 @@
                 <a:cs typeface="Arial"/>
                 <a:sym typeface="Arial"/>
               </a:rPr>
-              <a:t> </a:t>
-            </a:r>
+              <a:t>.getPort()</a:t>
+            </a:r>
+          </a:p>
+          <a:p>
+            <a:pPr marL="0" marR="0" lvl="0" indent="0" algn="l" rtl="0">
+              <a:spcBef>
+                <a:spcPts val="0"/>
+              </a:spcBef>
+              <a:buSzPct val="25000"/>
+              <a:buNone/>
+            </a:pPr>
             <a:r>
               <a:rPr lang="en-US" sz="1200">
                 <a:solidFill>
-                  <a:srgbClr val="800000"/>
-                </a:solidFill>
-                <a:latin typeface="Arial"/>
-                <a:ea typeface="Arial"/>
-                <a:cs typeface="Arial"/>
-                <a:sym typeface="Arial"/>
-              </a:rPr>
-              <a:t>new</a:t>
-            </a:r>
-            <a:r>
-              <a:rPr lang="en-US" sz="1200">
-                <a:solidFill>
-                  <a:schemeClr val="dk1"/>
-                </a:solidFill>
-                <a:latin typeface="Arial"/>
-                <a:ea typeface="Arial"/>
-                <a:cs typeface="Arial"/>
-                <a:sym typeface="Arial"/>
-              </a:rPr>
-              <a:t> </a:t>
-            </a:r>
-            <a:r>
-              <a:rPr lang="en-US" sz="1200">
-                <a:solidFill>
-                  <a:schemeClr val="dk1"/>
-                </a:solidFill>
-                <a:latin typeface="Arial"/>
-                <a:ea typeface="Arial"/>
-                <a:cs typeface="Arial"/>
-                <a:sym typeface="Arial"/>
-              </a:rPr>
-              <a:t>Reward</a:t>
-            </a:r>
-            <a:r>
-              <a:rPr lang="en-US" sz="1200">
-                <a:solidFill>
-                  <a:schemeClr val="dk1"/>
-                </a:solidFill>
-                <a:latin typeface="Arial"/>
-                <a:ea typeface="Arial"/>
-                <a:cs typeface="Arial"/>
-                <a:sym typeface="Arial"/>
-              </a:rPr>
-              <a:t>Client(</a:t>
-            </a:r>
-          </a:p>
-          <a:p>
-            <a:pPr indent="0" lvl="0" marL="0" marR="0" rtl="0" algn="l">
-              <a:spcBef>
-                <a:spcPts val="0"/>
-              </a:spcBef>
-              <a:buSzPct val="25000"/>
-              <a:buNone/>
-            </a:pPr>
-            <a:r>
-              <a:rPr lang="en-US" sz="1200">
-                <a:solidFill>
-                  <a:schemeClr val="dk1"/>
-                </a:solidFill>
-                <a:latin typeface="Arial"/>
-                <a:ea typeface="Arial"/>
-                <a:cs typeface="Arial"/>
-                <a:sym typeface="Arial"/>
-              </a:rPr>
-              <a:t>			</a:t>
-            </a:r>
-            <a:r>
-              <a:rPr lang="en-US" sz="1200">
-                <a:solidFill>
-                  <a:srgbClr val="0000FF"/>
-                </a:solidFill>
-                <a:latin typeface="Arial"/>
-                <a:ea typeface="Arial"/>
-                <a:cs typeface="Arial"/>
-                <a:sym typeface="Arial"/>
-              </a:rPr>
-              <a:t>connection</a:t>
-            </a:r>
-            <a:r>
-              <a:rPr lang="en-US" sz="1200">
-                <a:solidFill>
-                  <a:srgbClr val="0000FF"/>
-                </a:solidFill>
-                <a:latin typeface="Arial"/>
-                <a:ea typeface="Arial"/>
-                <a:cs typeface="Arial"/>
-                <a:sym typeface="Arial"/>
-              </a:rPr>
-              <a:t>Settings</a:t>
-            </a:r>
-            <a:r>
-              <a:rPr lang="en-US" sz="1200">
-                <a:solidFill>
-                  <a:schemeClr val="dk1"/>
-                </a:solidFill>
-                <a:latin typeface="Arial"/>
-                <a:ea typeface="Arial"/>
-                <a:cs typeface="Arial"/>
-                <a:sym typeface="Arial"/>
-              </a:rPr>
-              <a:t>.getHost(),</a:t>
-            </a:r>
-          </a:p>
-          <a:p>
-            <a:pPr indent="0" lvl="0" marL="0" marR="0" rtl="0" algn="l">
-              <a:spcBef>
-                <a:spcPts val="0"/>
-              </a:spcBef>
-              <a:buSzPct val="25000"/>
-              <a:buNone/>
-            </a:pPr>
-            <a:r>
-              <a:rPr lang="en-US" sz="1200">
-                <a:solidFill>
-                  <a:schemeClr val="dk1"/>
-                </a:solidFill>
-                <a:latin typeface="Arial"/>
-                <a:ea typeface="Arial"/>
-                <a:cs typeface="Arial"/>
-                <a:sym typeface="Arial"/>
-              </a:rPr>
-              <a:t>			</a:t>
-            </a:r>
-            <a:r>
-              <a:rPr lang="en-US" sz="1200">
-                <a:solidFill>
-                  <a:srgbClr val="0000FF"/>
-                </a:solidFill>
-                <a:latin typeface="Arial"/>
-                <a:ea typeface="Arial"/>
-                <a:cs typeface="Arial"/>
-                <a:sym typeface="Arial"/>
-              </a:rPr>
-              <a:t>connection</a:t>
-            </a:r>
-            <a:r>
-              <a:rPr lang="en-US" sz="1200">
-                <a:solidFill>
-                  <a:srgbClr val="0000FF"/>
-                </a:solidFill>
-                <a:latin typeface="Arial"/>
-                <a:ea typeface="Arial"/>
-                <a:cs typeface="Arial"/>
-                <a:sym typeface="Arial"/>
-              </a:rPr>
-              <a:t>Settings</a:t>
-            </a:r>
-            <a:r>
-              <a:rPr lang="en-US" sz="1200">
-                <a:solidFill>
-                  <a:schemeClr val="dk1"/>
-                </a:solidFill>
-                <a:latin typeface="Arial"/>
-                <a:ea typeface="Arial"/>
-                <a:cs typeface="Arial"/>
-                <a:sym typeface="Arial"/>
-              </a:rPr>
-              <a:t>.getPort()</a:t>
-            </a:r>
-          </a:p>
-          <a:p>
-            <a:pPr indent="0" lvl="0" marL="0" marR="0" rtl="0" algn="l">
-              <a:spcBef>
-                <a:spcPts val="0"/>
-              </a:spcBef>
-              <a:buSzPct val="25000"/>
-              <a:buNone/>
-            </a:pPr>
-            <a:r>
-              <a:rPr lang="en-US" sz="1200">
-                <a:solidFill>
                   <a:schemeClr val="dk1"/>
                 </a:solidFill>
                 <a:latin typeface="Arial"/>
@@ -11441,7 +11256,7 @@
             </a:r>
           </a:p>
           <a:p>
-            <a:pPr indent="0" lvl="0" marL="0" marR="0" rtl="0" algn="l">
+            <a:pPr marL="0" marR="0" lvl="0" indent="0" algn="l" rtl="0">
               <a:spcBef>
                 <a:spcPts val="0"/>
               </a:spcBef>
@@ -11466,7 +11281,9 @@
       <p:sp>
         <p:nvSpPr>
           <p:cNvPr id="92" name="Shape 92"/>
-          <p:cNvSpPr txBox="1"/>
+          <p:cNvSpPr txBox="1">
+            <a:spLocks noGrp="1"/>
+          </p:cNvSpPr>
           <p:nvPr>
             <p:ph type="title"/>
           </p:nvPr>
@@ -11485,12 +11302,12 @@
           </a:ln>
         </p:spPr>
         <p:txBody>
-          <a:bodyPr anchorCtr="0" anchor="t" bIns="91425" lIns="91425" rIns="91425" tIns="91425">
+          <a:bodyPr lIns="91425" tIns="91425" rIns="91425" bIns="91425" anchor="t" anchorCtr="0">
             <a:noAutofit/>
           </a:bodyPr>
           <a:lstStyle/>
           <a:p>
-            <a:pPr indent="0" lvl="0" marL="0" marR="0" rtl="0" algn="l">
+            <a:pPr marL="0" marR="0" lvl="0" indent="0" algn="l" rtl="0">
               <a:spcBef>
                 <a:spcPts val="0"/>
               </a:spcBef>
@@ -11505,7 +11322,7 @@
               <a:buNone/>
             </a:pPr>
             <a:r>
-              <a:rPr b="0" i="0" lang="en-US" sz="3600" u="none" cap="none" strike="noStrike">
+              <a:rPr lang="en-US" sz="3600" b="0" i="0" u="none" strike="noStrike" cap="none">
                 <a:solidFill>
                   <a:schemeClr val="accent1"/>
                 </a:solidFill>
@@ -11522,9 +11339,11 @@
       <p:sp>
         <p:nvSpPr>
           <p:cNvPr id="93" name="Shape 93"/>
-          <p:cNvSpPr txBox="1"/>
+          <p:cNvSpPr txBox="1">
+            <a:spLocks noGrp="1"/>
+          </p:cNvSpPr>
           <p:nvPr>
-            <p:ph idx="1" type="body"/>
+            <p:ph type="body" idx="1"/>
           </p:nvPr>
         </p:nvSpPr>
         <p:spPr>
@@ -11541,12 +11360,12 @@
           </a:ln>
         </p:spPr>
         <p:txBody>
-          <a:bodyPr anchorCtr="0" anchor="t" bIns="45700" lIns="91425" rIns="91425" tIns="45700">
+          <a:bodyPr lIns="91425" tIns="45700" rIns="91425" bIns="45700" anchor="t" anchorCtr="0">
             <a:noAutofit/>
           </a:bodyPr>
           <a:lstStyle/>
           <a:p>
-            <a:pPr indent="0" lvl="0" marL="0" marR="0" rtl="0" algn="l">
+            <a:pPr marL="0" marR="0" lvl="0" indent="0" algn="l" rtl="0">
               <a:spcBef>
                 <a:spcPts val="0"/>
               </a:spcBef>
@@ -11560,10 +11379,7 @@
               <a:buFont typeface="Arial"/>
               <a:buNone/>
             </a:pPr>
-            <a:r>
-              <a:t/>
-            </a:r>
-            <a:endParaRPr b="0" i="0" sz="2800" u="none" cap="none" strike="noStrike">
+            <a:endParaRPr sz="2800" b="0" i="0" u="none" strike="noStrike" cap="none">
               <a:solidFill>
                 <a:schemeClr val="dk1"/>
               </a:solidFill>
@@ -11574,7 +11390,7 @@
             </a:endParaRPr>
           </a:p>
           <a:p>
-            <a:pPr indent="-342900" lvl="0" marL="342900" marR="0" rtl="0" algn="l">
+            <a:pPr marL="342900" marR="0" lvl="0" indent="-342900" algn="l" rtl="0">
               <a:spcBef>
                 <a:spcPts val="480"/>
               </a:spcBef>
@@ -11589,7 +11405,7 @@
               <a:buChar char="•"/>
             </a:pPr>
             <a:r>
-              <a:rPr b="0" i="0" lang="en-US" sz="2400" u="none" cap="none" strike="noStrike">
+              <a:rPr lang="en-US" sz="2400" b="0" i="0" u="none" strike="noStrike" cap="none">
                 <a:solidFill>
                   <a:schemeClr val="dk1"/>
                 </a:solidFill>
@@ -11602,7 +11418,7 @@
             </a:r>
           </a:p>
           <a:p>
-            <a:pPr indent="-285750" lvl="1" marL="742950" marR="0" rtl="0" algn="l">
+            <a:pPr marL="742950" marR="0" lvl="1" indent="-285750" algn="l" rtl="0">
               <a:spcBef>
                 <a:spcPts val="400"/>
               </a:spcBef>
@@ -11617,7 +11433,7 @@
               <a:buChar char="–"/>
             </a:pPr>
             <a:r>
-              <a:rPr b="0" i="0" lang="en-US" sz="2000" u="none" cap="none" strike="noStrike">
+              <a:rPr lang="en-US" sz="2000" b="0" i="0" u="none" strike="noStrike" cap="none">
                 <a:solidFill>
                   <a:schemeClr val="dk1"/>
                 </a:solidFill>
@@ -11630,7 +11446,7 @@
             </a:r>
           </a:p>
           <a:p>
-            <a:pPr indent="-285750" lvl="1" marL="742950" marR="0" rtl="0" algn="l">
+            <a:pPr marL="742950" marR="0" lvl="1" indent="-285750" algn="l" rtl="0">
               <a:spcBef>
                 <a:spcPts val="400"/>
               </a:spcBef>
@@ -11645,7 +11461,7 @@
               <a:buChar char="–"/>
             </a:pPr>
             <a:r>
-              <a:rPr b="0" i="0" lang="en-US" sz="2000" u="none" cap="none" strike="noStrike">
+              <a:rPr lang="en-US" sz="2000" b="0" i="0" u="none" strike="noStrike" cap="none">
                 <a:solidFill>
                   <a:schemeClr val="dk1"/>
                 </a:solidFill>
@@ -11658,7 +11474,7 @@
             </a:r>
           </a:p>
           <a:p>
-            <a:pPr indent="0" lvl="1" marL="457200" marR="0" rtl="0" algn="l">
+            <a:pPr marL="457200" marR="0" lvl="1" indent="0" algn="l" rtl="0">
               <a:spcBef>
                 <a:spcPts val="480"/>
               </a:spcBef>
@@ -11669,10 +11485,7 @@
               <a:buFont typeface="Arial"/>
               <a:buNone/>
             </a:pPr>
-            <a:r>
-              <a:t/>
-            </a:r>
-            <a:endParaRPr b="0" i="0" sz="2400" u="none" cap="none" strike="noStrike">
+            <a:endParaRPr sz="2400" b="0" i="0" u="none" strike="noStrike" cap="none">
               <a:solidFill>
                 <a:schemeClr val="dk1"/>
               </a:solidFill>
@@ -11704,20 +11517,17 @@
           </a:ln>
         </p:spPr>
         <p:txBody>
-          <a:bodyPr anchorCtr="0" anchor="t" bIns="45700" lIns="91425" rIns="91425" tIns="45700">
+          <a:bodyPr lIns="91425" tIns="45700" rIns="91425" bIns="45700" anchor="t" anchorCtr="0">
             <a:noAutofit/>
           </a:bodyPr>
           <a:lstStyle/>
           <a:p>
-            <a:pPr indent="0" lvl="0" marL="0" marR="0" rtl="0" algn="l">
-              <a:spcBef>
-                <a:spcPts val="0"/>
-              </a:spcBef>
-              <a:buNone/>
-            </a:pPr>
-            <a:r>
-              <a:t/>
-            </a:r>
+            <a:pPr marL="0" marR="0" lvl="0" indent="0" algn="l" rtl="0">
+              <a:spcBef>
+                <a:spcPts val="0"/>
+              </a:spcBef>
+              <a:buNone/>
+            </a:pPr>
             <a:endParaRPr sz="1800">
               <a:solidFill>
                 <a:schemeClr val="dk1"/>
@@ -11739,11 +11549,11 @@
 </file>
 
 <file path=ppt/slides/slide9.xml><?xml version="1.0" encoding="utf-8"?>
-<p:sld xmlns:a="http://schemas.openxmlformats.org/drawingml/2006/main" xmlns:r="http://schemas.openxmlformats.org/officeDocument/2006/relationships" xmlns:mc="http://schemas.openxmlformats.org/markup-compatibility/2006" xmlns:mv="urn:schemas-microsoft-com:mac:vml" xmlns:p="http://schemas.openxmlformats.org/presentationml/2006/main" xmlns:c="http://schemas.openxmlformats.org/drawingml/2006/chart" xmlns:dgm="http://schemas.openxmlformats.org/drawingml/2006/diagram" xmlns:o="urn:schemas-microsoft-com:office:office" xmlns:v="urn:schemas-microsoft-com:vml" xmlns:pvml="urn:schemas-microsoft-com:office:powerpoint" xmlns:com="http://schemas.openxmlformats.org/drawingml/2006/compatibility" xmlns:p14="http://schemas.microsoft.com/office/powerpoint/2010/main">
+<p:sld xmlns:a="http://schemas.openxmlformats.org/drawingml/2006/main" xmlns:r="http://schemas.openxmlformats.org/officeDocument/2006/relationships" xmlns:p="http://schemas.openxmlformats.org/presentationml/2006/main">
   <p:cSld>
     <p:spTree>
       <p:nvGrpSpPr>
-        <p:cNvPr id="98" name="Shape 98"/>
+        <p:cNvPr id="1" name="Shape 98"/>
         <p:cNvGrpSpPr/>
         <p:nvPr/>
       </p:nvGrpSpPr>
@@ -11758,7 +11568,9 @@
       <p:sp>
         <p:nvSpPr>
           <p:cNvPr id="99" name="Shape 99"/>
-          <p:cNvSpPr txBox="1"/>
+          <p:cNvSpPr txBox="1">
+            <a:spLocks noGrp="1"/>
+          </p:cNvSpPr>
           <p:nvPr>
             <p:ph type="title"/>
           </p:nvPr>
@@ -11777,12 +11589,12 @@
           </a:ln>
         </p:spPr>
         <p:txBody>
-          <a:bodyPr anchorCtr="0" anchor="t" bIns="91425" lIns="91425" rIns="91425" tIns="91425">
+          <a:bodyPr lIns="91425" tIns="91425" rIns="91425" bIns="91425" anchor="t" anchorCtr="0">
             <a:noAutofit/>
           </a:bodyPr>
           <a:lstStyle/>
           <a:p>
-            <a:pPr indent="0" lvl="0" marL="0" marR="0" rtl="0" algn="l">
+            <a:pPr marL="0" marR="0" lvl="0" indent="0" algn="l" rtl="0">
               <a:spcBef>
                 <a:spcPts val="0"/>
               </a:spcBef>
@@ -11797,7 +11609,7 @@
               <a:buNone/>
             </a:pPr>
             <a:r>
-              <a:rPr b="0" i="0" lang="en-US" sz="3600" u="none" cap="none" strike="noStrike">
+              <a:rPr lang="en-US" sz="3600" b="0" i="0" u="none" strike="noStrike" cap="none">
                 <a:solidFill>
                   <a:schemeClr val="accent1"/>
                 </a:solidFill>
@@ -11814,9 +11626,11 @@
       <p:sp>
         <p:nvSpPr>
           <p:cNvPr id="100" name="Shape 100"/>
-          <p:cNvSpPr txBox="1"/>
+          <p:cNvSpPr txBox="1">
+            <a:spLocks noGrp="1"/>
+          </p:cNvSpPr>
           <p:nvPr>
-            <p:ph idx="1" type="body"/>
+            <p:ph type="body" idx="1"/>
           </p:nvPr>
         </p:nvSpPr>
         <p:spPr>
@@ -11833,12 +11647,12 @@
           </a:ln>
         </p:spPr>
         <p:txBody>
-          <a:bodyPr anchorCtr="0" anchor="t" bIns="45700" lIns="91425" rIns="91425" tIns="45700">
+          <a:bodyPr lIns="91425" tIns="45700" rIns="91425" bIns="45700" anchor="t" anchorCtr="0">
             <a:noAutofit/>
           </a:bodyPr>
           <a:lstStyle/>
           <a:p>
-            <a:pPr indent="0" lvl="0" marL="0" marR="0" rtl="0" algn="l">
+            <a:pPr marL="0" marR="0" lvl="0" indent="0" algn="l" rtl="0">
               <a:spcBef>
                 <a:spcPts val="0"/>
               </a:spcBef>
@@ -11852,10 +11666,7 @@
               <a:buFont typeface="Arial"/>
               <a:buNone/>
             </a:pPr>
-            <a:r>
-              <a:t/>
-            </a:r>
-            <a:endParaRPr b="0" i="0" sz="2800" u="none" cap="none" strike="noStrike">
+            <a:endParaRPr sz="2800" b="0" i="0" u="none" strike="noStrike" cap="none">
               <a:solidFill>
                 <a:schemeClr val="dk1"/>
               </a:solidFill>
@@ -11866,7 +11677,7 @@
             </a:endParaRPr>
           </a:p>
           <a:p>
-            <a:pPr indent="-342900" lvl="0" marL="342900" marR="0" rtl="0" algn="l">
+            <a:pPr marL="342900" marR="0" lvl="0" indent="-342900" algn="l" rtl="0">
               <a:spcBef>
                 <a:spcPts val="480"/>
               </a:spcBef>
@@ -11881,7 +11692,7 @@
               <a:buChar char="•"/>
             </a:pPr>
             <a:r>
-              <a:rPr b="0" i="0" lang="en-US" sz="2400" u="none" cap="none" strike="noStrike">
+              <a:rPr lang="en-US" sz="2400" b="0" i="0" u="none" strike="noStrike" cap="none">
                 <a:solidFill>
                   <a:schemeClr val="dk1"/>
                 </a:solidFill>
@@ -11894,7 +11705,7 @@
             </a:r>
           </a:p>
           <a:p>
-            <a:pPr indent="-342900" lvl="0" marL="342900" marR="0" rtl="0" algn="l">
+            <a:pPr marL="342900" marR="0" lvl="0" indent="-342900" algn="l" rtl="0">
               <a:spcBef>
                 <a:spcPts val="480"/>
               </a:spcBef>
@@ -11906,7 +11717,7 @@
               <a:buChar char="•"/>
             </a:pPr>
             <a:r>
-              <a:rPr b="0" i="0" lang="en-US" sz="2400" u="none" cap="none" strike="noStrike">
+              <a:rPr lang="en-US" sz="2400" b="0" i="0" u="none" strike="noStrike" cap="none">
                 <a:solidFill>
                   <a:schemeClr val="dk1"/>
                 </a:solidFill>
@@ -11940,20 +11751,17 @@
           </a:ln>
         </p:spPr>
         <p:txBody>
-          <a:bodyPr anchorCtr="0" anchor="t" bIns="45700" lIns="91425" rIns="91425" tIns="45700">
+          <a:bodyPr lIns="91425" tIns="45700" rIns="91425" bIns="45700" anchor="t" anchorCtr="0">
             <a:noAutofit/>
           </a:bodyPr>
           <a:lstStyle/>
           <a:p>
-            <a:pPr indent="0" lvl="0" marL="0" marR="0" rtl="0" algn="l">
-              <a:spcBef>
-                <a:spcPts val="0"/>
-              </a:spcBef>
-              <a:buNone/>
-            </a:pPr>
-            <a:r>
-              <a:t/>
-            </a:r>
+            <a:pPr marL="0" marR="0" lvl="0" indent="0" algn="l" rtl="0">
+              <a:spcBef>
+                <a:spcPts val="0"/>
+              </a:spcBef>
+              <a:buNone/>
+            </a:pPr>
             <a:endParaRPr sz="1800">
               <a:solidFill>
                 <a:schemeClr val="dk1"/>
@@ -11983,17 +11791,17 @@
           <a:solidFill>
             <a:srgbClr val="FFFFCC"/>
           </a:solidFill>
-          <a:ln cap="flat" cmpd="sng" w="9525">
+          <a:ln w="9525" cap="flat" cmpd="sng">
             <a:solidFill>
               <a:srgbClr val="FFFFCC"/>
             </a:solidFill>
             <a:prstDash val="solid"/>
             <a:round/>
-            <a:headEnd len="med" w="med" type="none"/>
-            <a:tailEnd len="med" w="med" type="none"/>
+            <a:headEnd type="none" w="med" len="med"/>
+            <a:tailEnd type="none" w="med" len="med"/>
           </a:ln>
           <a:effectLst>
-            <a:outerShdw blurRad="39999" rotWithShape="0" dir="5400000" dist="23000">
+            <a:outerShdw blurRad="39999" dist="23000" dir="5400000" rotWithShape="0">
               <a:srgbClr val="000000">
                 <a:alpha val="34901"/>
               </a:srgbClr>
@@ -12001,12 +11809,12 @@
           </a:effectLst>
         </p:spPr>
         <p:txBody>
-          <a:bodyPr anchorCtr="0" anchor="ctr" bIns="45700" lIns="91425" rIns="91425" tIns="45700">
+          <a:bodyPr lIns="91425" tIns="45700" rIns="91425" bIns="45700" anchor="ctr" anchorCtr="0">
             <a:noAutofit/>
           </a:bodyPr>
           <a:lstStyle/>
           <a:p>
-            <a:pPr indent="0" lvl="0" marL="0" marR="0" rtl="0" algn="l">
+            <a:pPr marL="0" marR="0" lvl="0" indent="0" algn="l" rtl="0">
               <a:spcBef>
                 <a:spcPts val="0"/>
               </a:spcBef>
@@ -12014,7 +11822,7 @@
               <a:buNone/>
             </a:pPr>
             <a:r>
-              <a:rPr b="1" lang="en-US" sz="1400">
+              <a:rPr lang="en-US" sz="1400" b="1">
                 <a:solidFill>
                   <a:schemeClr val="dk1"/>
                 </a:solidFill>
@@ -12048,12 +11856,12 @@
           </a:ln>
         </p:spPr>
         <p:txBody>
-          <a:bodyPr anchorCtr="0" anchor="t" bIns="45700" lIns="91425" rIns="91425" tIns="45700">
+          <a:bodyPr lIns="91425" tIns="45700" rIns="91425" bIns="45700" anchor="t" anchorCtr="0">
             <a:noAutofit/>
           </a:bodyPr>
           <a:lstStyle/>
           <a:p>
-            <a:pPr indent="0" lvl="0" marL="0" marR="0" rtl="0" algn="l">
+            <a:pPr marL="0" marR="0" lvl="0" indent="0" algn="l" rtl="0">
               <a:spcBef>
                 <a:spcPts val="0"/>
               </a:spcBef>
@@ -12084,7 +11892,7 @@
 </file>
 
 <file path=ppt/theme/theme1.xml><?xml version="1.0" encoding="utf-8"?>
-<a:theme xmlns:a="http://schemas.openxmlformats.org/drawingml/2006/main" xmlns:r="http://schemas.openxmlformats.org/officeDocument/2006/relationships" name="Pivotal Main">
+<a:theme xmlns:a="http://schemas.openxmlformats.org/drawingml/2006/main" name="Pivotal Main">
   <a:themeElements>
     <a:clrScheme name="Pivotal R2">
       <a:dk1>
@@ -12359,11 +12167,13 @@
       </a:bgFillStyleLst>
     </a:fmtScheme>
   </a:themeElements>
+  <a:objectDefaults/>
+  <a:extraClrSchemeLst/>
 </a:theme>
 </file>
 
 <file path=ppt/theme/theme2.xml><?xml version="1.0" encoding="utf-8"?>
-<a:theme xmlns:a="http://schemas.openxmlformats.org/drawingml/2006/main" xmlns:r="http://schemas.openxmlformats.org/officeDocument/2006/relationships" name="Custom Theme">
+<a:theme xmlns:a="http://schemas.openxmlformats.org/drawingml/2006/main" name="Custom Theme">
   <a:themeElements>
     <a:clrScheme name="Default">
       <a:dk1>
@@ -12638,5 +12448,7 @@
       </a:bgFillStyleLst>
     </a:fmtScheme>
   </a:themeElements>
+  <a:objectDefaults/>
+  <a:extraClrSchemeLst/>
 </a:theme>
 </file>